--- a/doc/diagrams/StorageComponent.pptx
+++ b/doc/diagrams/StorageComponent.pptx
@@ -192,7 +192,8 @@
           <a:p>
             <a:fld id="{AF301891-4E62-472A-98E9-95DBD40531A4}" type="datetimeFigureOut">
               <a:rPr lang="en-SG" smtClean="0"/>
-              <a:t>6/7/2012</a:t>
+              <a:pPr/>
+              <a:t>8/7/2012</a:t>
             </a:fld>
             <a:endParaRPr lang="en-SG"/>
           </a:p>
@@ -351,6 +352,7 @@
           <a:p>
             <a:fld id="{F5BE55D7-9F3A-4A65-A86C-A2B1968CD57D}" type="slidenum">
               <a:rPr lang="en-SG" smtClean="0"/>
+              <a:pPr/>
               <a:t>‹#›</a:t>
             </a:fld>
             <a:endParaRPr lang="en-SG"/>
@@ -360,7 +362,7 @@
     </p:spTree>
     <p:extLst>
       <p:ext uri="{BB962C8B-B14F-4D97-AF65-F5344CB8AC3E}">
-        <p14:creationId xmlns:p14="http://schemas.microsoft.com/office/powerpoint/2010/main" val="913918898"/>
+        <p14:creationId xmlns:p14="http://schemas.microsoft.com/office/powerpoint/2010/main" xmlns="" val="913918898"/>
       </p:ext>
     </p:extLst>
   </p:cSld>
@@ -525,6 +527,7 @@
           <a:p>
             <a:fld id="{F5BE55D7-9F3A-4A65-A86C-A2B1968CD57D}" type="slidenum">
               <a:rPr lang="en-SG" smtClean="0"/>
+              <a:pPr/>
               <a:t>1</a:t>
             </a:fld>
             <a:endParaRPr lang="en-SG"/>
@@ -534,7 +537,7 @@
     </p:spTree>
     <p:extLst>
       <p:ext uri="{BB962C8B-B14F-4D97-AF65-F5344CB8AC3E}">
-        <p14:creationId xmlns:p14="http://schemas.microsoft.com/office/powerpoint/2010/main" val="1998377649"/>
+        <p14:creationId xmlns:p14="http://schemas.microsoft.com/office/powerpoint/2010/main" xmlns="" val="1998377649"/>
       </p:ext>
     </p:extLst>
   </p:cSld>
@@ -726,7 +729,7 @@
             <a:fld id="{1D8BD707-D9CF-40AE-B4C6-C98DA3205C09}" type="datetimeFigureOut">
               <a:rPr lang="en-US" smtClean="0"/>
               <a:pPr/>
-              <a:t>7/6/2012</a:t>
+              <a:t>7/8/2012</a:t>
             </a:fld>
             <a:endParaRPr lang="en-US"/>
           </a:p>
@@ -893,7 +896,7 @@
             <a:fld id="{1D8BD707-D9CF-40AE-B4C6-C98DA3205C09}" type="datetimeFigureOut">
               <a:rPr lang="en-US" smtClean="0"/>
               <a:pPr/>
-              <a:t>7/6/2012</a:t>
+              <a:t>7/8/2012</a:t>
             </a:fld>
             <a:endParaRPr lang="en-US"/>
           </a:p>
@@ -1070,7 +1073,7 @@
             <a:fld id="{1D8BD707-D9CF-40AE-B4C6-C98DA3205C09}" type="datetimeFigureOut">
               <a:rPr lang="en-US" smtClean="0"/>
               <a:pPr/>
-              <a:t>7/6/2012</a:t>
+              <a:t>7/8/2012</a:t>
             </a:fld>
             <a:endParaRPr lang="en-US"/>
           </a:p>
@@ -1237,7 +1240,7 @@
             <a:fld id="{1D8BD707-D9CF-40AE-B4C6-C98DA3205C09}" type="datetimeFigureOut">
               <a:rPr lang="en-US" smtClean="0"/>
               <a:pPr/>
-              <a:t>7/6/2012</a:t>
+              <a:t>7/8/2012</a:t>
             </a:fld>
             <a:endParaRPr lang="en-US"/>
           </a:p>
@@ -1480,7 +1483,7 @@
             <a:fld id="{1D8BD707-D9CF-40AE-B4C6-C98DA3205C09}" type="datetimeFigureOut">
               <a:rPr lang="en-US" smtClean="0"/>
               <a:pPr/>
-              <a:t>7/6/2012</a:t>
+              <a:t>7/8/2012</a:t>
             </a:fld>
             <a:endParaRPr lang="en-US"/>
           </a:p>
@@ -1765,7 +1768,7 @@
             <a:fld id="{1D8BD707-D9CF-40AE-B4C6-C98DA3205C09}" type="datetimeFigureOut">
               <a:rPr lang="en-US" smtClean="0"/>
               <a:pPr/>
-              <a:t>7/6/2012</a:t>
+              <a:t>7/8/2012</a:t>
             </a:fld>
             <a:endParaRPr lang="en-US"/>
           </a:p>
@@ -2184,7 +2187,7 @@
             <a:fld id="{1D8BD707-D9CF-40AE-B4C6-C98DA3205C09}" type="datetimeFigureOut">
               <a:rPr lang="en-US" smtClean="0"/>
               <a:pPr/>
-              <a:t>7/6/2012</a:t>
+              <a:t>7/8/2012</a:t>
             </a:fld>
             <a:endParaRPr lang="en-US"/>
           </a:p>
@@ -2299,7 +2302,7 @@
             <a:fld id="{1D8BD707-D9CF-40AE-B4C6-C98DA3205C09}" type="datetimeFigureOut">
               <a:rPr lang="en-US" smtClean="0"/>
               <a:pPr/>
-              <a:t>7/6/2012</a:t>
+              <a:t>7/8/2012</a:t>
             </a:fld>
             <a:endParaRPr lang="en-US"/>
           </a:p>
@@ -2391,7 +2394,7 @@
             <a:fld id="{1D8BD707-D9CF-40AE-B4C6-C98DA3205C09}" type="datetimeFigureOut">
               <a:rPr lang="en-US" smtClean="0"/>
               <a:pPr/>
-              <a:t>7/6/2012</a:t>
+              <a:t>7/8/2012</a:t>
             </a:fld>
             <a:endParaRPr lang="en-US"/>
           </a:p>
@@ -2665,7 +2668,7 @@
             <a:fld id="{1D8BD707-D9CF-40AE-B4C6-C98DA3205C09}" type="datetimeFigureOut">
               <a:rPr lang="en-US" smtClean="0"/>
               <a:pPr/>
-              <a:t>7/6/2012</a:t>
+              <a:t>7/8/2012</a:t>
             </a:fld>
             <a:endParaRPr lang="en-US"/>
           </a:p>
@@ -2915,7 +2918,7 @@
             <a:fld id="{1D8BD707-D9CF-40AE-B4C6-C98DA3205C09}" type="datetimeFigureOut">
               <a:rPr lang="en-US" smtClean="0"/>
               <a:pPr/>
-              <a:t>7/6/2012</a:t>
+              <a:t>7/8/2012</a:t>
             </a:fld>
             <a:endParaRPr lang="en-US"/>
           </a:p>
@@ -3125,7 +3128,7 @@
             <a:fld id="{1D8BD707-D9CF-40AE-B4C6-C98DA3205C09}" type="datetimeFigureOut">
               <a:rPr lang="en-US" smtClean="0"/>
               <a:pPr/>
-              <a:t>7/6/2012</a:t>
+              <a:t>7/8/2012</a:t>
             </a:fld>
             <a:endParaRPr lang="en-US"/>
           </a:p>
@@ -3624,7 +3627,27 @@
                     </a:schemeClr>
                   </a:solidFill>
                 </a:rPr>
-                <a:t>storage::manager</a:t>
+                <a:t>storage</a:t>
+              </a:r>
+              <a:r>
+                <a:rPr lang="en-US" sz="1400" b="1" dirty="0" smtClean="0">
+                  <a:solidFill>
+                    <a:schemeClr val="accent3">
+                      <a:lumMod val="75000"/>
+                    </a:schemeClr>
+                  </a:solidFill>
+                </a:rPr>
+                <a:t>::</a:t>
+              </a:r>
+              <a:r>
+                <a:rPr lang="en-US" sz="1400" b="1" dirty="0" err="1" smtClean="0">
+                  <a:solidFill>
+                    <a:schemeClr val="accent3">
+                      <a:lumMod val="75000"/>
+                    </a:schemeClr>
+                  </a:solidFill>
+                </a:rPr>
+                <a:t>api</a:t>
               </a:r>
               <a:endParaRPr lang="en-SG" sz="1400" b="1" dirty="0">
                 <a:solidFill>
@@ -3837,7 +3860,7 @@
         </p:nvCxnSpPr>
         <p:spPr>
           <a:xfrm>
-            <a:off x="1090301" y="3200400"/>
+            <a:off x="1042801" y="3200400"/>
             <a:ext cx="1041563" cy="1488"/>
           </a:xfrm>
           <a:prstGeom prst="straightConnector1">
@@ -4051,7 +4074,7 @@
             <a:pPr algn="ctr"/>
             <a:r>
               <a:rPr lang="en-US" sz="1600" b="1" dirty="0" err="1" smtClean="0"/>
-              <a:t>EvaluationsManager</a:t>
+              <a:t>EvaluationsStorage</a:t>
             </a:r>
             <a:endParaRPr lang="en-SG" sz="1600" b="1" dirty="0"/>
           </a:p>
@@ -4095,7 +4118,7 @@
             <a:pPr algn="ctr"/>
             <a:r>
               <a:rPr lang="en-US" sz="1600" b="1" dirty="0" err="1" smtClean="0"/>
-              <a:t>AccountsManager</a:t>
+              <a:t>AccountsStorage</a:t>
             </a:r>
             <a:endParaRPr lang="en-SG" sz="1600" b="1" dirty="0"/>
           </a:p>
@@ -4227,7 +4250,7 @@
             <a:pPr algn="ctr"/>
             <a:r>
               <a:rPr lang="en-US" sz="1600" b="1" dirty="0" err="1" smtClean="0"/>
-              <a:t>CoursesManager</a:t>
+              <a:t>CoursesStorage</a:t>
             </a:r>
             <a:endParaRPr lang="en-SG" sz="1600" b="1" dirty="0"/>
           </a:p>
@@ -5448,7 +5471,7 @@
     </p:spTree>
     <p:extLst>
       <p:ext uri="{BB962C8B-B14F-4D97-AF65-F5344CB8AC3E}">
-        <p14:creationId xmlns:p14="http://schemas.microsoft.com/office/powerpoint/2010/main" val="2312643091"/>
+        <p14:creationId xmlns:p14="http://schemas.microsoft.com/office/powerpoint/2010/main" xmlns="" val="2312643091"/>
       </p:ext>
     </p:extLst>
   </p:cSld>

--- a/doc/diagrams/StorageComponent.pptx
+++ b/doc/diagrams/StorageComponent.pptx
@@ -193,7 +193,7 @@
             <a:fld id="{AF301891-4E62-472A-98E9-95DBD40531A4}" type="datetimeFigureOut">
               <a:rPr lang="en-SG" smtClean="0"/>
               <a:pPr/>
-              <a:t>8/7/2012</a:t>
+              <a:t>27/10/12</a:t>
             </a:fld>
             <a:endParaRPr lang="en-SG"/>
           </a:p>
@@ -362,7 +362,7 @@
     </p:spTree>
     <p:extLst>
       <p:ext uri="{BB962C8B-B14F-4D97-AF65-F5344CB8AC3E}">
-        <p14:creationId xmlns:p14="http://schemas.microsoft.com/office/powerpoint/2010/main" xmlns="" val="913918898"/>
+        <p14:creationId xmlns:p14="http://schemas.microsoft.com/office/powerpoint/2010/main" val="913918898"/>
       </p:ext>
     </p:extLst>
   </p:cSld>
@@ -537,7 +537,7 @@
     </p:spTree>
     <p:extLst>
       <p:ext uri="{BB962C8B-B14F-4D97-AF65-F5344CB8AC3E}">
-        <p14:creationId xmlns:p14="http://schemas.microsoft.com/office/powerpoint/2010/main" xmlns="" val="1998377649"/>
+        <p14:creationId xmlns:p14="http://schemas.microsoft.com/office/powerpoint/2010/main" val="1998377649"/>
       </p:ext>
     </p:extLst>
   </p:cSld>
@@ -729,7 +729,7 @@
             <a:fld id="{1D8BD707-D9CF-40AE-B4C6-C98DA3205C09}" type="datetimeFigureOut">
               <a:rPr lang="en-US" smtClean="0"/>
               <a:pPr/>
-              <a:t>7/8/2012</a:t>
+              <a:t>27/10/12</a:t>
             </a:fld>
             <a:endParaRPr lang="en-US"/>
           </a:p>
@@ -896,7 +896,7 @@
             <a:fld id="{1D8BD707-D9CF-40AE-B4C6-C98DA3205C09}" type="datetimeFigureOut">
               <a:rPr lang="en-US" smtClean="0"/>
               <a:pPr/>
-              <a:t>7/8/2012</a:t>
+              <a:t>27/10/12</a:t>
             </a:fld>
             <a:endParaRPr lang="en-US"/>
           </a:p>
@@ -1073,7 +1073,7 @@
             <a:fld id="{1D8BD707-D9CF-40AE-B4C6-C98DA3205C09}" type="datetimeFigureOut">
               <a:rPr lang="en-US" smtClean="0"/>
               <a:pPr/>
-              <a:t>7/8/2012</a:t>
+              <a:t>27/10/12</a:t>
             </a:fld>
             <a:endParaRPr lang="en-US"/>
           </a:p>
@@ -1240,7 +1240,7 @@
             <a:fld id="{1D8BD707-D9CF-40AE-B4C6-C98DA3205C09}" type="datetimeFigureOut">
               <a:rPr lang="en-US" smtClean="0"/>
               <a:pPr/>
-              <a:t>7/8/2012</a:t>
+              <a:t>27/10/12</a:t>
             </a:fld>
             <a:endParaRPr lang="en-US"/>
           </a:p>
@@ -1483,7 +1483,7 @@
             <a:fld id="{1D8BD707-D9CF-40AE-B4C6-C98DA3205C09}" type="datetimeFigureOut">
               <a:rPr lang="en-US" smtClean="0"/>
               <a:pPr/>
-              <a:t>7/8/2012</a:t>
+              <a:t>27/10/12</a:t>
             </a:fld>
             <a:endParaRPr lang="en-US"/>
           </a:p>
@@ -1768,7 +1768,7 @@
             <a:fld id="{1D8BD707-D9CF-40AE-B4C6-C98DA3205C09}" type="datetimeFigureOut">
               <a:rPr lang="en-US" smtClean="0"/>
               <a:pPr/>
-              <a:t>7/8/2012</a:t>
+              <a:t>27/10/12</a:t>
             </a:fld>
             <a:endParaRPr lang="en-US"/>
           </a:p>
@@ -2187,7 +2187,7 @@
             <a:fld id="{1D8BD707-D9CF-40AE-B4C6-C98DA3205C09}" type="datetimeFigureOut">
               <a:rPr lang="en-US" smtClean="0"/>
               <a:pPr/>
-              <a:t>7/8/2012</a:t>
+              <a:t>27/10/12</a:t>
             </a:fld>
             <a:endParaRPr lang="en-US"/>
           </a:p>
@@ -2302,7 +2302,7 @@
             <a:fld id="{1D8BD707-D9CF-40AE-B4C6-C98DA3205C09}" type="datetimeFigureOut">
               <a:rPr lang="en-US" smtClean="0"/>
               <a:pPr/>
-              <a:t>7/8/2012</a:t>
+              <a:t>27/10/12</a:t>
             </a:fld>
             <a:endParaRPr lang="en-US"/>
           </a:p>
@@ -2394,7 +2394,7 @@
             <a:fld id="{1D8BD707-D9CF-40AE-B4C6-C98DA3205C09}" type="datetimeFigureOut">
               <a:rPr lang="en-US" smtClean="0"/>
               <a:pPr/>
-              <a:t>7/8/2012</a:t>
+              <a:t>27/10/12</a:t>
             </a:fld>
             <a:endParaRPr lang="en-US"/>
           </a:p>
@@ -2668,7 +2668,7 @@
             <a:fld id="{1D8BD707-D9CF-40AE-B4C6-C98DA3205C09}" type="datetimeFigureOut">
               <a:rPr lang="en-US" smtClean="0"/>
               <a:pPr/>
-              <a:t>7/8/2012</a:t>
+              <a:t>27/10/12</a:t>
             </a:fld>
             <a:endParaRPr lang="en-US"/>
           </a:p>
@@ -2918,7 +2918,7 @@
             <a:fld id="{1D8BD707-D9CF-40AE-B4C6-C98DA3205C09}" type="datetimeFigureOut">
               <a:rPr lang="en-US" smtClean="0"/>
               <a:pPr/>
-              <a:t>7/8/2012</a:t>
+              <a:t>27/10/12</a:t>
             </a:fld>
             <a:endParaRPr lang="en-US"/>
           </a:p>
@@ -3128,7 +3128,7 @@
             <a:fld id="{1D8BD707-D9CF-40AE-B4C6-C98DA3205C09}" type="datetimeFigureOut">
               <a:rPr lang="en-US" smtClean="0"/>
               <a:pPr/>
-              <a:t>7/8/2012</a:t>
+              <a:t>27/10/12</a:t>
             </a:fld>
             <a:endParaRPr lang="en-US"/>
           </a:p>
@@ -3627,17 +3627,7 @@
                     </a:schemeClr>
                   </a:solidFill>
                 </a:rPr>
-                <a:t>storage</a:t>
-              </a:r>
-              <a:r>
-                <a:rPr lang="en-US" sz="1400" b="1" dirty="0" smtClean="0">
-                  <a:solidFill>
-                    <a:schemeClr val="accent3">
-                      <a:lumMod val="75000"/>
-                    </a:schemeClr>
-                  </a:solidFill>
-                </a:rPr>
-                <a:t>::</a:t>
+                <a:t>storage::</a:t>
               </a:r>
               <a:r>
                 <a:rPr lang="en-US" sz="1400" b="1" dirty="0" err="1" smtClean="0">
@@ -4044,7 +4034,7 @@
         </p:nvSpPr>
         <p:spPr>
           <a:xfrm>
-            <a:off x="2286000" y="3048000"/>
+            <a:off x="2724150" y="3048000"/>
             <a:ext cx="2000250" cy="457200"/>
           </a:xfrm>
           <a:prstGeom prst="rect">
@@ -4074,7 +4064,7 @@
             <a:pPr algn="ctr"/>
             <a:r>
               <a:rPr lang="en-US" sz="1600" b="1" dirty="0" err="1" smtClean="0"/>
-              <a:t>EvaluationsStorage</a:t>
+              <a:t>EvaluationsDb</a:t>
             </a:r>
             <a:endParaRPr lang="en-SG" sz="1600" b="1" dirty="0"/>
           </a:p>
@@ -4118,7 +4108,7 @@
             <a:pPr algn="ctr"/>
             <a:r>
               <a:rPr lang="en-US" sz="1600" b="1" dirty="0" err="1" smtClean="0"/>
-              <a:t>AccountsStorage</a:t>
+              <a:t>AccountsDb</a:t>
             </a:r>
             <a:endParaRPr lang="en-SG" sz="1600" b="1" dirty="0"/>
           </a:p>
@@ -4220,7 +4210,7 @@
         </p:nvSpPr>
         <p:spPr>
           <a:xfrm>
-            <a:off x="3898663" y="3581400"/>
+            <a:off x="4355863" y="3581400"/>
             <a:ext cx="1663937" cy="457200"/>
           </a:xfrm>
           <a:prstGeom prst="rect">
@@ -4250,7 +4240,7 @@
             <a:pPr algn="ctr"/>
             <a:r>
               <a:rPr lang="en-US" sz="1600" b="1" dirty="0" err="1" smtClean="0"/>
-              <a:t>CoursesStorage</a:t>
+              <a:t>CoursesDb</a:t>
             </a:r>
             <a:endParaRPr lang="en-SG" sz="1600" b="1" dirty="0"/>
           </a:p>
@@ -4602,57 +4592,13 @@
       </p:sp>
       <p:sp>
         <p:nvSpPr>
-          <p:cNvPr id="95" name="Rectangle 94"/>
-          <p:cNvSpPr/>
-          <p:nvPr/>
-        </p:nvSpPr>
-        <p:spPr>
-          <a:xfrm>
-            <a:off x="5395823" y="648058"/>
-            <a:ext cx="1184482" cy="361770"/>
-          </a:xfrm>
-          <a:prstGeom prst="rect">
-            <a:avLst/>
-          </a:prstGeom>
-        </p:spPr>
-        <p:style>
-          <a:lnRef idx="2">
-            <a:schemeClr val="accent6">
-              <a:shade val="50000"/>
-            </a:schemeClr>
-          </a:lnRef>
-          <a:fillRef idx="1">
-            <a:schemeClr val="accent6"/>
-          </a:fillRef>
-          <a:effectRef idx="0">
-            <a:schemeClr val="accent6"/>
-          </a:effectRef>
-          <a:fontRef idx="minor">
-            <a:schemeClr val="lt1"/>
-          </a:fontRef>
-        </p:style>
-        <p:txBody>
-          <a:bodyPr rtlCol="0" anchor="ctr"/>
-          <a:lstStyle/>
-          <a:p>
-            <a:pPr algn="ctr"/>
-            <a:r>
-              <a:rPr lang="en-US" sz="1600" b="1" dirty="0" smtClean="0"/>
-              <a:t>Account</a:t>
-            </a:r>
-            <a:endParaRPr lang="en-SG" sz="1600" b="1" dirty="0"/>
-          </a:p>
-        </p:txBody>
-      </p:sp>
-      <p:sp>
-        <p:nvSpPr>
           <p:cNvPr id="96" name="Rectangle 95"/>
           <p:cNvSpPr/>
           <p:nvPr/>
         </p:nvSpPr>
         <p:spPr>
           <a:xfrm>
-            <a:off x="4738866" y="1486258"/>
+            <a:off x="5029200" y="838200"/>
             <a:ext cx="1076146" cy="361770"/>
           </a:xfrm>
           <a:prstGeom prst="rect">
@@ -4696,7 +4642,7 @@
         </p:nvSpPr>
         <p:spPr>
           <a:xfrm>
-            <a:off x="6115049" y="1476998"/>
+            <a:off x="6186577" y="1467030"/>
             <a:ext cx="1204823" cy="361770"/>
           </a:xfrm>
           <a:prstGeom prst="rect">
@@ -4740,7 +4686,7 @@
         </p:nvSpPr>
         <p:spPr>
           <a:xfrm>
-            <a:off x="2624495" y="901941"/>
+            <a:off x="2971800" y="901941"/>
             <a:ext cx="1204823" cy="361770"/>
           </a:xfrm>
           <a:prstGeom prst="rect">
@@ -4778,167 +4724,13 @@
       </p:sp>
       <p:sp>
         <p:nvSpPr>
-          <p:cNvPr id="103" name="Rectangle 102"/>
-          <p:cNvSpPr/>
-          <p:nvPr/>
-        </p:nvSpPr>
-        <p:spPr>
-          <a:xfrm>
-            <a:off x="2233702" y="1505488"/>
-            <a:ext cx="1204823" cy="361770"/>
-          </a:xfrm>
-          <a:prstGeom prst="rect">
-            <a:avLst/>
-          </a:prstGeom>
-        </p:spPr>
-        <p:style>
-          <a:lnRef idx="2">
-            <a:schemeClr val="accent5">
-              <a:shade val="50000"/>
-            </a:schemeClr>
-          </a:lnRef>
-          <a:fillRef idx="1">
-            <a:schemeClr val="accent5"/>
-          </a:fillRef>
-          <a:effectRef idx="0">
-            <a:schemeClr val="accent5"/>
-          </a:effectRef>
-          <a:fontRef idx="minor">
-            <a:schemeClr val="lt1"/>
-          </a:fontRef>
-        </p:style>
-        <p:txBody>
-          <a:bodyPr rtlCol="0" anchor="ctr"/>
-          <a:lstStyle/>
-          <a:p>
-            <a:pPr algn="ctr"/>
-            <a:r>
-              <a:rPr lang="en-US" sz="1600" b="1" dirty="0" smtClean="0"/>
-              <a:t>Submission</a:t>
-            </a:r>
-            <a:endParaRPr lang="en-SG" sz="1600" b="1" dirty="0"/>
-          </a:p>
-        </p:txBody>
-      </p:sp>
-      <p:sp>
-        <p:nvSpPr>
-          <p:cNvPr id="104" name="Isosceles Triangle 103"/>
-          <p:cNvSpPr/>
-          <p:nvPr/>
-        </p:nvSpPr>
-        <p:spPr>
-          <a:xfrm>
-            <a:off x="5819685" y="1007336"/>
-            <a:ext cx="276225" cy="228600"/>
-          </a:xfrm>
-          <a:prstGeom prst="triangle">
-            <a:avLst/>
-          </a:prstGeom>
-        </p:spPr>
-        <p:style>
-          <a:lnRef idx="2">
-            <a:schemeClr val="accent6">
-              <a:shade val="50000"/>
-            </a:schemeClr>
-          </a:lnRef>
-          <a:fillRef idx="1">
-            <a:schemeClr val="accent6"/>
-          </a:fillRef>
-          <a:effectRef idx="0">
-            <a:schemeClr val="accent6"/>
-          </a:effectRef>
-          <a:fontRef idx="minor">
-            <a:schemeClr val="lt1"/>
-          </a:fontRef>
-        </p:style>
-        <p:txBody>
-          <a:bodyPr rtlCol="0" anchor="ctr"/>
-          <a:lstStyle/>
-          <a:p>
-            <a:pPr algn="ctr"/>
-            <a:endParaRPr lang="en-SG"/>
-          </a:p>
-        </p:txBody>
-      </p:sp>
-      <p:cxnSp>
-        <p:nvCxnSpPr>
-          <p:cNvPr id="63" name="Elbow Connector 62"/>
-          <p:cNvCxnSpPr>
-            <a:stCxn id="104" idx="3"/>
-            <a:endCxn id="96" idx="0"/>
-          </p:cNvCxnSpPr>
-          <p:nvPr/>
-        </p:nvCxnSpPr>
-        <p:spPr>
-          <a:xfrm rot="5400000">
-            <a:off x="5492208" y="1020668"/>
-            <a:ext cx="250322" cy="680859"/>
-          </a:xfrm>
-          <a:prstGeom prst="bentConnector3">
-            <a:avLst/>
-          </a:prstGeom>
-        </p:spPr>
-        <p:style>
-          <a:lnRef idx="2">
-            <a:schemeClr val="accent6">
-              <a:shade val="50000"/>
-            </a:schemeClr>
-          </a:lnRef>
-          <a:fillRef idx="1">
-            <a:schemeClr val="accent6"/>
-          </a:fillRef>
-          <a:effectRef idx="0">
-            <a:schemeClr val="accent6"/>
-          </a:effectRef>
-          <a:fontRef idx="minor">
-            <a:schemeClr val="lt1"/>
-          </a:fontRef>
-        </p:style>
-      </p:cxnSp>
-      <p:cxnSp>
-        <p:nvCxnSpPr>
-          <p:cNvPr id="65" name="Elbow Connector 64"/>
-          <p:cNvCxnSpPr>
-            <a:stCxn id="97" idx="0"/>
-            <a:endCxn id="104" idx="3"/>
-          </p:cNvCxnSpPr>
-          <p:nvPr/>
-        </p:nvCxnSpPr>
-        <p:spPr>
-          <a:xfrm rot="16200000" flipV="1">
-            <a:off x="6217099" y="976635"/>
-            <a:ext cx="241062" cy="759663"/>
-          </a:xfrm>
-          <a:prstGeom prst="bentConnector3">
-            <a:avLst/>
-          </a:prstGeom>
-        </p:spPr>
-        <p:style>
-          <a:lnRef idx="2">
-            <a:schemeClr val="accent6">
-              <a:shade val="50000"/>
-            </a:schemeClr>
-          </a:lnRef>
-          <a:fillRef idx="1">
-            <a:schemeClr val="accent6"/>
-          </a:fillRef>
-          <a:effectRef idx="0">
-            <a:schemeClr val="accent6"/>
-          </a:effectRef>
-          <a:fontRef idx="minor">
-            <a:schemeClr val="lt1"/>
-          </a:fontRef>
-        </p:style>
-      </p:cxnSp>
-      <p:sp>
-        <p:nvSpPr>
           <p:cNvPr id="106" name="Rectangle 105"/>
           <p:cNvSpPr/>
           <p:nvPr/>
         </p:nvSpPr>
         <p:spPr>
           <a:xfrm>
-            <a:off x="3733800" y="1505488"/>
+            <a:off x="4456767" y="1467030"/>
             <a:ext cx="877233" cy="361770"/>
           </a:xfrm>
           <a:prstGeom prst="rect">
@@ -5143,8 +4935,8 @@
         </p:nvCxnSpPr>
         <p:spPr>
           <a:xfrm>
-            <a:off x="5309609" y="1867258"/>
-            <a:ext cx="964695" cy="1114157"/>
+            <a:off x="5867400" y="1219200"/>
+            <a:ext cx="406904" cy="1762215"/>
           </a:xfrm>
           <a:prstGeom prst="straightConnector1">
             <a:avLst/>
@@ -5182,7 +4974,7 @@
         </p:nvCxnSpPr>
         <p:spPr>
           <a:xfrm flipH="1">
-            <a:off x="6274304" y="1838768"/>
+            <a:off x="6345832" y="1828800"/>
             <a:ext cx="443157" cy="1142647"/>
           </a:xfrm>
           <a:prstGeom prst="straightConnector1">
@@ -5213,61 +5005,14 @@
       </p:cxnSp>
       <p:cxnSp>
         <p:nvCxnSpPr>
-          <p:cNvPr id="127" name="Straight Arrow Connector 126"/>
-          <p:cNvCxnSpPr>
-            <a:stCxn id="96" idx="2"/>
-          </p:cNvCxnSpPr>
-          <p:nvPr/>
-        </p:nvCxnSpPr>
-        <p:spPr>
-          <a:xfrm flipH="1">
-            <a:off x="4738098" y="1848028"/>
-            <a:ext cx="538841" cy="1735688"/>
-          </a:xfrm>
-          <a:prstGeom prst="straightConnector1">
-            <a:avLst/>
-          </a:prstGeom>
-          <a:ln>
-            <a:solidFill>
-              <a:schemeClr val="accent4">
-                <a:lumMod val="75000"/>
-              </a:schemeClr>
-            </a:solidFill>
-            <a:prstDash val="sysDot"/>
-            <a:headEnd type="arrow" w="med" len="med"/>
-            <a:tailEnd type="none" w="med" len="med"/>
-          </a:ln>
-        </p:spPr>
-        <p:style>
-          <a:lnRef idx="2">
-            <a:schemeClr val="accent6">
-              <a:shade val="50000"/>
-            </a:schemeClr>
-          </a:lnRef>
-          <a:fillRef idx="1">
-            <a:schemeClr val="accent6"/>
-          </a:fillRef>
-          <a:effectRef idx="0">
-            <a:schemeClr val="accent6"/>
-          </a:effectRef>
-          <a:fontRef idx="minor">
-            <a:schemeClr val="lt1"/>
-          </a:fontRef>
-        </p:style>
-      </p:cxnSp>
-      <p:cxnSp>
-        <p:nvCxnSpPr>
           <p:cNvPr id="129" name="Straight Arrow Connector 128"/>
-          <p:cNvCxnSpPr>
-            <a:stCxn id="106" idx="2"/>
-            <a:endCxn id="116" idx="0"/>
-          </p:cNvCxnSpPr>
+          <p:cNvCxnSpPr/>
           <p:nvPr/>
         </p:nvCxnSpPr>
         <p:spPr>
           <a:xfrm>
-            <a:off x="4172417" y="1867258"/>
-            <a:ext cx="558215" cy="1714142"/>
+            <a:off x="4876800" y="1828800"/>
+            <a:ext cx="0" cy="1752600"/>
           </a:xfrm>
           <a:prstGeom prst="straightConnector1">
             <a:avLst/>
@@ -5307,93 +5052,9 @@
           <p:nvPr/>
         </p:nvCxnSpPr>
         <p:spPr>
-          <a:xfrm flipH="1">
-            <a:off x="3522426" y="1235936"/>
-            <a:ext cx="79314" cy="1796931"/>
-          </a:xfrm>
-          <a:prstGeom prst="straightConnector1">
-            <a:avLst/>
-          </a:prstGeom>
-          <a:ln>
-            <a:solidFill>
-              <a:schemeClr val="accent5">
-                <a:lumMod val="75000"/>
-              </a:schemeClr>
-            </a:solidFill>
-            <a:prstDash val="sysDot"/>
-            <a:headEnd type="arrow" w="med" len="med"/>
-            <a:tailEnd type="none" w="med" len="med"/>
-          </a:ln>
-        </p:spPr>
-        <p:style>
-          <a:lnRef idx="2">
-            <a:schemeClr val="accent6">
-              <a:shade val="50000"/>
-            </a:schemeClr>
-          </a:lnRef>
-          <a:fillRef idx="1">
-            <a:schemeClr val="accent6"/>
-          </a:fillRef>
-          <a:effectRef idx="0">
-            <a:schemeClr val="accent6"/>
-          </a:effectRef>
-          <a:fontRef idx="minor">
-            <a:schemeClr val="lt1"/>
-          </a:fontRef>
-        </p:style>
-      </p:cxnSp>
-      <p:cxnSp>
-        <p:nvCxnSpPr>
-          <p:cNvPr id="135" name="Straight Arrow Connector 134"/>
-          <p:cNvCxnSpPr/>
-          <p:nvPr/>
-        </p:nvCxnSpPr>
-        <p:spPr>
-          <a:xfrm flipH="1">
-            <a:off x="3546773" y="1867258"/>
-            <a:ext cx="491827" cy="1147449"/>
-          </a:xfrm>
-          <a:prstGeom prst="straightConnector1">
-            <a:avLst/>
-          </a:prstGeom>
-          <a:ln>
-            <a:solidFill>
-              <a:schemeClr val="accent5">
-                <a:lumMod val="75000"/>
-              </a:schemeClr>
-            </a:solidFill>
-            <a:prstDash val="sysDot"/>
-            <a:headEnd type="arrow" w="med" len="med"/>
-            <a:tailEnd type="none" w="med" len="med"/>
-          </a:ln>
-        </p:spPr>
-        <p:style>
-          <a:lnRef idx="2">
-            <a:schemeClr val="accent6">
-              <a:shade val="50000"/>
-            </a:schemeClr>
-          </a:lnRef>
-          <a:fillRef idx="1">
-            <a:schemeClr val="accent6"/>
-          </a:fillRef>
-          <a:effectRef idx="0">
-            <a:schemeClr val="accent6"/>
-          </a:effectRef>
-          <a:fontRef idx="minor">
-            <a:schemeClr val="lt1"/>
-          </a:fontRef>
-        </p:style>
-      </p:cxnSp>
-      <p:cxnSp>
-        <p:nvCxnSpPr>
-          <p:cNvPr id="138" name="Straight Arrow Connector 137"/>
-          <p:cNvCxnSpPr/>
-          <p:nvPr/>
-        </p:nvCxnSpPr>
-        <p:spPr>
-          <a:xfrm flipH="1">
-            <a:off x="3601741" y="1867258"/>
-            <a:ext cx="1405777" cy="1165609"/>
+          <a:xfrm>
+            <a:off x="3601740" y="1235936"/>
+            <a:ext cx="55860" cy="1812064"/>
           </a:xfrm>
           <a:prstGeom prst="straightConnector1">
             <a:avLst/>
@@ -5433,45 +5094,126 @@
           <p:nvPr/>
         </p:nvCxnSpPr>
         <p:spPr>
-          <a:xfrm>
-            <a:off x="3159674" y="1885418"/>
-            <a:ext cx="362752" cy="1147449"/>
+          <a:xfrm flipH="1">
+            <a:off x="2438400" y="1905000"/>
+            <a:ext cx="35474" cy="1676400"/>
           </a:xfrm>
           <a:prstGeom prst="straightConnector1">
             <a:avLst/>
           </a:prstGeom>
           <a:ln>
-            <a:solidFill>
-              <a:schemeClr val="accent5">
-                <a:lumMod val="75000"/>
-              </a:schemeClr>
-            </a:solidFill>
-            <a:prstDash val="sysDot"/>
+            <a:prstDash val="dot"/>
             <a:headEnd type="arrow" w="med" len="med"/>
             <a:tailEnd type="none" w="med" len="med"/>
           </a:ln>
         </p:spPr>
         <p:style>
           <a:lnRef idx="2">
-            <a:schemeClr val="accent6">
+            <a:schemeClr val="accent3"/>
+          </a:lnRef>
+          <a:fillRef idx="0">
+            <a:schemeClr val="accent3"/>
+          </a:fillRef>
+          <a:effectRef idx="1">
+            <a:schemeClr val="accent3"/>
+          </a:effectRef>
+          <a:fontRef idx="minor">
+            <a:schemeClr val="tx1"/>
+          </a:fontRef>
+        </p:style>
+      </p:cxnSp>
+      <p:sp>
+        <p:nvSpPr>
+          <p:cNvPr id="53" name="Rectangle 52"/>
+          <p:cNvSpPr/>
+          <p:nvPr/>
+        </p:nvSpPr>
+        <p:spPr>
+          <a:xfrm>
+            <a:off x="2133600" y="3581400"/>
+            <a:ext cx="2000250" cy="457200"/>
+          </a:xfrm>
+          <a:prstGeom prst="rect">
+            <a:avLst/>
+          </a:prstGeom>
+        </p:spPr>
+        <p:style>
+          <a:lnRef idx="2">
+            <a:schemeClr val="accent3">
               <a:shade val="50000"/>
             </a:schemeClr>
           </a:lnRef>
           <a:fillRef idx="1">
-            <a:schemeClr val="accent6"/>
+            <a:schemeClr val="accent3"/>
           </a:fillRef>
           <a:effectRef idx="0">
-            <a:schemeClr val="accent6"/>
+            <a:schemeClr val="accent3"/>
           </a:effectRef>
           <a:fontRef idx="minor">
             <a:schemeClr val="lt1"/>
           </a:fontRef>
         </p:style>
-      </p:cxnSp>
+        <p:txBody>
+          <a:bodyPr rtlCol="0" anchor="ctr"/>
+          <a:lstStyle/>
+          <a:p>
+            <a:pPr algn="ctr"/>
+            <a:r>
+              <a:rPr lang="en-US" sz="1600" b="1" dirty="0" err="1" smtClean="0"/>
+              <a:t>SubmissionsDb</a:t>
+            </a:r>
+            <a:endParaRPr lang="en-SG" sz="1600" b="1" dirty="0"/>
+          </a:p>
+        </p:txBody>
+      </p:sp>
+      <p:sp>
+        <p:nvSpPr>
+          <p:cNvPr id="56" name="Rectangle 55"/>
+          <p:cNvSpPr/>
+          <p:nvPr/>
+        </p:nvSpPr>
+        <p:spPr>
+          <a:xfrm>
+            <a:off x="2133600" y="1600200"/>
+            <a:ext cx="1371600" cy="304800"/>
+          </a:xfrm>
+          <a:prstGeom prst="rect">
+            <a:avLst/>
+          </a:prstGeom>
+        </p:spPr>
+        <p:style>
+          <a:lnRef idx="2">
+            <a:schemeClr val="accent3">
+              <a:shade val="50000"/>
+            </a:schemeClr>
+          </a:lnRef>
+          <a:fillRef idx="1">
+            <a:schemeClr val="accent3"/>
+          </a:fillRef>
+          <a:effectRef idx="0">
+            <a:schemeClr val="accent3"/>
+          </a:effectRef>
+          <a:fontRef idx="minor">
+            <a:schemeClr val="lt1"/>
+          </a:fontRef>
+        </p:style>
+        <p:txBody>
+          <a:bodyPr rtlCol="0" anchor="ctr"/>
+          <a:lstStyle/>
+          <a:p>
+            <a:pPr algn="ctr"/>
+            <a:r>
+              <a:rPr lang="en-US" sz="1600" b="1" dirty="0" smtClean="0"/>
+              <a:t>Submission</a:t>
+            </a:r>
+            <a:endParaRPr lang="en-SG" sz="1600" b="1" dirty="0"/>
+          </a:p>
+        </p:txBody>
+      </p:sp>
     </p:spTree>
     <p:extLst>
       <p:ext uri="{BB962C8B-B14F-4D97-AF65-F5344CB8AC3E}">
-        <p14:creationId xmlns:p14="http://schemas.microsoft.com/office/powerpoint/2010/main" xmlns="" val="2312643091"/>
+        <p14:creationId xmlns:p14="http://schemas.microsoft.com/office/powerpoint/2010/main" val="2312643091"/>
       </p:ext>
     </p:extLst>
   </p:cSld>
@@ -5481,7 +5223,7 @@
   <p:timing>
     <p:tnLst>
       <p:par>
-        <p:cTn id="1" dur="indefinite" restart="never" nodeType="tmRoot"/>
+        <p:cTn xmlns:p14="http://schemas.microsoft.com/office/powerpoint/2010/main" id="1" dur="indefinite" restart="never" nodeType="tmRoot"/>
       </p:par>
     </p:tnLst>
   </p:timing>

--- a/doc/diagrams/StorageComponent.pptx
+++ b/doc/diagrams/StorageComponent.pptx
@@ -193,7 +193,7 @@
             <a:fld id="{AF301891-4E62-472A-98E9-95DBD40531A4}" type="datetimeFigureOut">
               <a:rPr lang="en-SG" smtClean="0"/>
               <a:pPr/>
-              <a:t>27/10/12</a:t>
+              <a:t>3/12/2012</a:t>
             </a:fld>
             <a:endParaRPr lang="en-SG"/>
           </a:p>
@@ -729,7 +729,7 @@
             <a:fld id="{1D8BD707-D9CF-40AE-B4C6-C98DA3205C09}" type="datetimeFigureOut">
               <a:rPr lang="en-US" smtClean="0"/>
               <a:pPr/>
-              <a:t>27/10/12</a:t>
+              <a:t>12/3/2012</a:t>
             </a:fld>
             <a:endParaRPr lang="en-US"/>
           </a:p>
@@ -896,7 +896,7 @@
             <a:fld id="{1D8BD707-D9CF-40AE-B4C6-C98DA3205C09}" type="datetimeFigureOut">
               <a:rPr lang="en-US" smtClean="0"/>
               <a:pPr/>
-              <a:t>27/10/12</a:t>
+              <a:t>12/3/2012</a:t>
             </a:fld>
             <a:endParaRPr lang="en-US"/>
           </a:p>
@@ -1073,7 +1073,7 @@
             <a:fld id="{1D8BD707-D9CF-40AE-B4C6-C98DA3205C09}" type="datetimeFigureOut">
               <a:rPr lang="en-US" smtClean="0"/>
               <a:pPr/>
-              <a:t>27/10/12</a:t>
+              <a:t>12/3/2012</a:t>
             </a:fld>
             <a:endParaRPr lang="en-US"/>
           </a:p>
@@ -1240,7 +1240,7 @@
             <a:fld id="{1D8BD707-D9CF-40AE-B4C6-C98DA3205C09}" type="datetimeFigureOut">
               <a:rPr lang="en-US" smtClean="0"/>
               <a:pPr/>
-              <a:t>27/10/12</a:t>
+              <a:t>12/3/2012</a:t>
             </a:fld>
             <a:endParaRPr lang="en-US"/>
           </a:p>
@@ -1483,7 +1483,7 @@
             <a:fld id="{1D8BD707-D9CF-40AE-B4C6-C98DA3205C09}" type="datetimeFigureOut">
               <a:rPr lang="en-US" smtClean="0"/>
               <a:pPr/>
-              <a:t>27/10/12</a:t>
+              <a:t>12/3/2012</a:t>
             </a:fld>
             <a:endParaRPr lang="en-US"/>
           </a:p>
@@ -1768,7 +1768,7 @@
             <a:fld id="{1D8BD707-D9CF-40AE-B4C6-C98DA3205C09}" type="datetimeFigureOut">
               <a:rPr lang="en-US" smtClean="0"/>
               <a:pPr/>
-              <a:t>27/10/12</a:t>
+              <a:t>12/3/2012</a:t>
             </a:fld>
             <a:endParaRPr lang="en-US"/>
           </a:p>
@@ -2187,7 +2187,7 @@
             <a:fld id="{1D8BD707-D9CF-40AE-B4C6-C98DA3205C09}" type="datetimeFigureOut">
               <a:rPr lang="en-US" smtClean="0"/>
               <a:pPr/>
-              <a:t>27/10/12</a:t>
+              <a:t>12/3/2012</a:t>
             </a:fld>
             <a:endParaRPr lang="en-US"/>
           </a:p>
@@ -2302,7 +2302,7 @@
             <a:fld id="{1D8BD707-D9CF-40AE-B4C6-C98DA3205C09}" type="datetimeFigureOut">
               <a:rPr lang="en-US" smtClean="0"/>
               <a:pPr/>
-              <a:t>27/10/12</a:t>
+              <a:t>12/3/2012</a:t>
             </a:fld>
             <a:endParaRPr lang="en-US"/>
           </a:p>
@@ -2394,7 +2394,7 @@
             <a:fld id="{1D8BD707-D9CF-40AE-B4C6-C98DA3205C09}" type="datetimeFigureOut">
               <a:rPr lang="en-US" smtClean="0"/>
               <a:pPr/>
-              <a:t>27/10/12</a:t>
+              <a:t>12/3/2012</a:t>
             </a:fld>
             <a:endParaRPr lang="en-US"/>
           </a:p>
@@ -2668,7 +2668,7 @@
             <a:fld id="{1D8BD707-D9CF-40AE-B4C6-C98DA3205C09}" type="datetimeFigureOut">
               <a:rPr lang="en-US" smtClean="0"/>
               <a:pPr/>
-              <a:t>27/10/12</a:t>
+              <a:t>12/3/2012</a:t>
             </a:fld>
             <a:endParaRPr lang="en-US"/>
           </a:p>
@@ -2918,7 +2918,7 @@
             <a:fld id="{1D8BD707-D9CF-40AE-B4C6-C98DA3205C09}" type="datetimeFigureOut">
               <a:rPr lang="en-US" smtClean="0"/>
               <a:pPr/>
-              <a:t>27/10/12</a:t>
+              <a:t>12/3/2012</a:t>
             </a:fld>
             <a:endParaRPr lang="en-US"/>
           </a:p>
@@ -3128,7 +3128,7 @@
             <a:fld id="{1D8BD707-D9CF-40AE-B4C6-C98DA3205C09}" type="datetimeFigureOut">
               <a:rPr lang="en-US" smtClean="0"/>
               <a:pPr/>
-              <a:t>27/10/12</a:t>
+              <a:t>12/3/2012</a:t>
             </a:fld>
             <a:endParaRPr lang="en-US"/>
           </a:p>
@@ -3507,8 +3507,8 @@
         </p:nvSpPr>
         <p:spPr>
           <a:xfrm>
-            <a:off x="1295400" y="34183"/>
-            <a:ext cx="6400800" cy="6176115"/>
+            <a:off x="1066800" y="96725"/>
+            <a:ext cx="7543800" cy="5999276"/>
           </a:xfrm>
           <a:prstGeom prst="roundRect">
             <a:avLst>
@@ -3566,8 +3566,8 @@
         </p:nvGrpSpPr>
         <p:grpSpPr>
           <a:xfrm>
-            <a:off x="2057400" y="2632816"/>
-            <a:ext cx="5410200" cy="1710584"/>
+            <a:off x="1334982" y="3184781"/>
+            <a:ext cx="7047018" cy="1221160"/>
             <a:chOff x="-4267200" y="1447800"/>
             <a:chExt cx="5410200" cy="1710584"/>
           </a:xfrm>
@@ -3713,10 +3713,10 @@
         </p:nvGrpSpPr>
         <p:grpSpPr>
           <a:xfrm>
-            <a:off x="2057400" y="343258"/>
-            <a:ext cx="5410200" cy="1866542"/>
+            <a:off x="1334982" y="405799"/>
+            <a:ext cx="7047018" cy="2476142"/>
             <a:chOff x="-4267200" y="1447800"/>
-            <a:chExt cx="5410200" cy="1866542"/>
+            <a:chExt cx="5410200" cy="2476142"/>
           </a:xfrm>
           <a:solidFill>
             <a:schemeClr val="bg1"/>
@@ -3731,7 +3731,7 @@
           <p:spPr>
             <a:xfrm>
               <a:off x="-4267200" y="1523999"/>
-              <a:ext cx="5410200" cy="1790343"/>
+              <a:ext cx="5410200" cy="2399943"/>
             </a:xfrm>
             <a:prstGeom prst="rect">
               <a:avLst/>
@@ -3850,8 +3850,8 @@
         </p:nvCxnSpPr>
         <p:spPr>
           <a:xfrm>
-            <a:off x="1042801" y="3200400"/>
-            <a:ext cx="1041563" cy="1488"/>
+            <a:off x="814201" y="3488564"/>
+            <a:ext cx="520781" cy="1488"/>
           </a:xfrm>
           <a:prstGeom prst="straightConnector1">
             <a:avLst/>
@@ -3887,8 +3887,8 @@
         </p:nvGrpSpPr>
         <p:grpSpPr>
           <a:xfrm>
-            <a:off x="2057400" y="4690216"/>
-            <a:ext cx="5410200" cy="1177184"/>
+            <a:off x="1334982" y="4752757"/>
+            <a:ext cx="7047018" cy="1177184"/>
             <a:chOff x="-4267200" y="1447800"/>
             <a:chExt cx="5410200" cy="1177184"/>
           </a:xfrm>
@@ -4034,8 +4034,8 @@
         </p:nvSpPr>
         <p:spPr>
           <a:xfrm>
-            <a:off x="2724150" y="3048000"/>
-            <a:ext cx="2000250" cy="457200"/>
+            <a:off x="3345596" y="3643941"/>
+            <a:ext cx="1452472" cy="457200"/>
           </a:xfrm>
           <a:prstGeom prst="rect">
             <a:avLst/>
@@ -4078,8 +4078,8 @@
         </p:nvSpPr>
         <p:spPr>
           <a:xfrm>
-            <a:off x="5309609" y="2981415"/>
-            <a:ext cx="1929391" cy="457200"/>
+            <a:off x="6172200" y="3643941"/>
+            <a:ext cx="1447800" cy="457200"/>
           </a:xfrm>
           <a:prstGeom prst="rect">
             <a:avLst/>
@@ -4122,7 +4122,7 @@
         </p:nvSpPr>
         <p:spPr>
           <a:xfrm>
-            <a:off x="5391150" y="5176486"/>
+            <a:off x="5162550" y="5239027"/>
             <a:ext cx="1466850" cy="386114"/>
           </a:xfrm>
           <a:prstGeom prst="rect">
@@ -4166,7 +4166,7 @@
         </p:nvSpPr>
         <p:spPr>
           <a:xfrm>
-            <a:off x="2739728" y="5176486"/>
+            <a:off x="2511128" y="5239027"/>
             <a:ext cx="1724025" cy="386114"/>
           </a:xfrm>
           <a:prstGeom prst="rect">
@@ -4210,8 +4210,8 @@
         </p:nvSpPr>
         <p:spPr>
           <a:xfrm>
-            <a:off x="4355863" y="3581400"/>
-            <a:ext cx="1663937" cy="457200"/>
+            <a:off x="4922925" y="3643941"/>
+            <a:ext cx="1124417" cy="457200"/>
           </a:xfrm>
           <a:prstGeom prst="rect">
             <a:avLst/>
@@ -4254,7 +4254,7 @@
         </p:nvCxnSpPr>
         <p:spPr>
           <a:xfrm flipV="1">
-            <a:off x="3810000" y="4343401"/>
+            <a:off x="3581400" y="4405942"/>
             <a:ext cx="1" cy="833085"/>
           </a:xfrm>
           <a:prstGeom prst="straightConnector1">
@@ -4296,7 +4296,7 @@
         </p:nvSpPr>
         <p:spPr>
           <a:xfrm>
-            <a:off x="457200" y="3048000"/>
+            <a:off x="228600" y="3336164"/>
             <a:ext cx="609600" cy="307777"/>
           </a:xfrm>
           <a:prstGeom prst="rect">
@@ -4421,7 +4421,7 @@
         </p:nvCxnSpPr>
         <p:spPr>
           <a:xfrm flipH="1" flipV="1">
-            <a:off x="3816231" y="5867400"/>
+            <a:off x="3587631" y="5929941"/>
             <a:ext cx="1" cy="544082"/>
           </a:xfrm>
           <a:prstGeom prst="straightConnector1">
@@ -4459,7 +4459,7 @@
         </p:nvSpPr>
         <p:spPr>
           <a:xfrm>
-            <a:off x="2908063" y="6411482"/>
+            <a:off x="2679463" y="6474023"/>
             <a:ext cx="1816337" cy="307777"/>
           </a:xfrm>
           <a:prstGeom prst="rect">
@@ -4598,7 +4598,7 @@
         </p:nvSpPr>
         <p:spPr>
           <a:xfrm>
-            <a:off x="5029200" y="838200"/>
+            <a:off x="6348134" y="1191666"/>
             <a:ext cx="1076146" cy="361770"/>
           </a:xfrm>
           <a:prstGeom prst="rect">
@@ -4636,57 +4636,13 @@
       </p:sp>
       <p:sp>
         <p:nvSpPr>
-          <p:cNvPr id="97" name="Rectangle 96"/>
-          <p:cNvSpPr/>
-          <p:nvPr/>
-        </p:nvSpPr>
-        <p:spPr>
-          <a:xfrm>
-            <a:off x="6186577" y="1467030"/>
-            <a:ext cx="1204823" cy="361770"/>
-          </a:xfrm>
-          <a:prstGeom prst="rect">
-            <a:avLst/>
-          </a:prstGeom>
-        </p:spPr>
-        <p:style>
-          <a:lnRef idx="2">
-            <a:schemeClr val="accent6">
-              <a:shade val="50000"/>
-            </a:schemeClr>
-          </a:lnRef>
-          <a:fillRef idx="1">
-            <a:schemeClr val="accent6"/>
-          </a:fillRef>
-          <a:effectRef idx="0">
-            <a:schemeClr val="accent6"/>
-          </a:effectRef>
-          <a:fontRef idx="minor">
-            <a:schemeClr val="lt1"/>
-          </a:fontRef>
-        </p:style>
-        <p:txBody>
-          <a:bodyPr rtlCol="0" anchor="ctr"/>
-          <a:lstStyle/>
-          <a:p>
-            <a:pPr algn="ctr"/>
-            <a:r>
-              <a:rPr lang="en-US" sz="1600" b="1" dirty="0" smtClean="0"/>
-              <a:t>Coordinator</a:t>
-            </a:r>
-            <a:endParaRPr lang="en-SG" sz="1600" b="1" dirty="0"/>
-          </a:p>
-        </p:txBody>
-      </p:sp>
-      <p:sp>
-        <p:nvSpPr>
           <p:cNvPr id="101" name="Rectangle 100"/>
           <p:cNvSpPr/>
           <p:nvPr/>
         </p:nvSpPr>
         <p:spPr>
           <a:xfrm>
-            <a:off x="2971800" y="901941"/>
+            <a:off x="3177145" y="1348684"/>
             <a:ext cx="1204823" cy="361770"/>
           </a:xfrm>
           <a:prstGeom prst="rect">
@@ -4730,7 +4686,7 @@
         </p:nvSpPr>
         <p:spPr>
           <a:xfrm>
-            <a:off x="4456767" y="1467030"/>
+            <a:off x="4723933" y="1783792"/>
             <a:ext cx="877233" cy="361770"/>
           </a:xfrm>
           <a:prstGeom prst="rect">
@@ -4774,7 +4730,7 @@
         </p:nvCxnSpPr>
         <p:spPr>
           <a:xfrm flipV="1">
-            <a:off x="6172200" y="5562600"/>
+            <a:off x="5943600" y="5625141"/>
             <a:ext cx="1" cy="848882"/>
           </a:xfrm>
           <a:prstGeom prst="straightConnector1">
@@ -4812,7 +4768,7 @@
         </p:nvSpPr>
         <p:spPr>
           <a:xfrm>
-            <a:off x="5181600" y="6321623"/>
+            <a:off x="4953000" y="6384164"/>
             <a:ext cx="1816337" cy="307777"/>
           </a:xfrm>
           <a:prstGeom prst="rect">
@@ -4934,48 +4890,9 @@
           <p:nvPr/>
         </p:nvCxnSpPr>
         <p:spPr>
-          <a:xfrm>
-            <a:off x="5867400" y="1219200"/>
-            <a:ext cx="406904" cy="1762215"/>
-          </a:xfrm>
-          <a:prstGeom prst="straightConnector1">
-            <a:avLst/>
-          </a:prstGeom>
-          <a:ln>
-            <a:prstDash val="sysDot"/>
-            <a:headEnd type="arrow" w="med" len="med"/>
-            <a:tailEnd type="none" w="med" len="med"/>
-          </a:ln>
-        </p:spPr>
-        <p:style>
-          <a:lnRef idx="2">
-            <a:schemeClr val="accent6">
-              <a:shade val="50000"/>
-            </a:schemeClr>
-          </a:lnRef>
-          <a:fillRef idx="1">
-            <a:schemeClr val="accent6"/>
-          </a:fillRef>
-          <a:effectRef idx="0">
-            <a:schemeClr val="accent6"/>
-          </a:effectRef>
-          <a:fontRef idx="minor">
-            <a:schemeClr val="lt1"/>
-          </a:fontRef>
-        </p:style>
-      </p:cxnSp>
-      <p:cxnSp>
-        <p:nvCxnSpPr>
-          <p:cNvPr id="124" name="Straight Arrow Connector 123"/>
-          <p:cNvCxnSpPr>
-            <a:stCxn id="97" idx="2"/>
-          </p:cNvCxnSpPr>
-          <p:nvPr/>
-        </p:nvCxnSpPr>
-        <p:spPr>
           <a:xfrm flipH="1">
-            <a:off x="6345832" y="1828800"/>
-            <a:ext cx="443157" cy="1142647"/>
+            <a:off x="6755482" y="1553436"/>
+            <a:ext cx="13855" cy="2131935"/>
           </a:xfrm>
           <a:prstGeom prst="straightConnector1">
             <a:avLst/>
@@ -5011,8 +4928,8 @@
         </p:nvCxnSpPr>
         <p:spPr>
           <a:xfrm>
-            <a:off x="4876800" y="1828800"/>
-            <a:ext cx="0" cy="1752600"/>
+            <a:off x="5029200" y="2157864"/>
+            <a:ext cx="0" cy="1486077"/>
           </a:xfrm>
           <a:prstGeom prst="straightConnector1">
             <a:avLst/>
@@ -5053,8 +4970,8 @@
         </p:nvCxnSpPr>
         <p:spPr>
           <a:xfrm>
-            <a:off x="3601740" y="1235936"/>
-            <a:ext cx="55860" cy="1812064"/>
+            <a:off x="3657600" y="1710454"/>
+            <a:ext cx="0" cy="1933487"/>
           </a:xfrm>
           <a:prstGeom prst="straightConnector1">
             <a:avLst/>
@@ -5067,6 +4984,302 @@
             </a:solidFill>
             <a:prstDash val="sysDot"/>
             <a:headEnd type="arrow" w="med" len="med"/>
+            <a:tailEnd type="none" w="med" len="med"/>
+          </a:ln>
+        </p:spPr>
+        <p:style>
+          <a:lnRef idx="2">
+            <a:schemeClr val="accent6">
+              <a:shade val="50000"/>
+            </a:schemeClr>
+          </a:lnRef>
+          <a:fillRef idx="1">
+            <a:schemeClr val="accent6"/>
+          </a:fillRef>
+          <a:effectRef idx="0">
+            <a:schemeClr val="accent6"/>
+          </a:effectRef>
+          <a:fontRef idx="minor">
+            <a:schemeClr val="lt1"/>
+          </a:fontRef>
+        </p:style>
+      </p:cxnSp>
+      <p:sp>
+        <p:nvSpPr>
+          <p:cNvPr id="56" name="Rectangle 55"/>
+          <p:cNvSpPr/>
+          <p:nvPr/>
+        </p:nvSpPr>
+        <p:spPr>
+          <a:xfrm>
+            <a:off x="1995102" y="788371"/>
+            <a:ext cx="1182043" cy="304800"/>
+          </a:xfrm>
+          <a:prstGeom prst="rect">
+            <a:avLst/>
+          </a:prstGeom>
+        </p:spPr>
+        <p:style>
+          <a:lnRef idx="2">
+            <a:schemeClr val="accent1">
+              <a:shade val="50000"/>
+            </a:schemeClr>
+          </a:lnRef>
+          <a:fillRef idx="1">
+            <a:schemeClr val="accent1"/>
+          </a:fillRef>
+          <a:effectRef idx="0">
+            <a:schemeClr val="accent1"/>
+          </a:effectRef>
+          <a:fontRef idx="minor">
+            <a:schemeClr val="lt1"/>
+          </a:fontRef>
+        </p:style>
+        <p:txBody>
+          <a:bodyPr rtlCol="0" anchor="ctr"/>
+          <a:lstStyle/>
+          <a:p>
+            <a:pPr algn="ctr"/>
+            <a:r>
+              <a:rPr lang="en-US" sz="1600" b="1" dirty="0" smtClean="0"/>
+              <a:t>Submission</a:t>
+            </a:r>
+            <a:endParaRPr lang="en-SG" sz="1600" b="1" dirty="0"/>
+          </a:p>
+        </p:txBody>
+      </p:sp>
+      <p:cxnSp>
+        <p:nvCxnSpPr>
+          <p:cNvPr id="38" name="Straight Arrow Connector 37"/>
+          <p:cNvCxnSpPr/>
+          <p:nvPr/>
+        </p:nvCxnSpPr>
+        <p:spPr>
+          <a:xfrm>
+            <a:off x="2362200" y="1093171"/>
+            <a:ext cx="0" cy="2550770"/>
+          </a:xfrm>
+          <a:prstGeom prst="straightConnector1">
+            <a:avLst/>
+          </a:prstGeom>
+          <a:ln>
+            <a:solidFill>
+              <a:schemeClr val="tx2"/>
+            </a:solidFill>
+            <a:prstDash val="sysDot"/>
+            <a:headEnd type="arrow" w="med" len="med"/>
+            <a:tailEnd type="none" w="med" len="med"/>
+          </a:ln>
+        </p:spPr>
+        <p:style>
+          <a:lnRef idx="2">
+            <a:schemeClr val="accent6">
+              <a:shade val="50000"/>
+            </a:schemeClr>
+          </a:lnRef>
+          <a:fillRef idx="1">
+            <a:schemeClr val="accent6"/>
+          </a:fillRef>
+          <a:effectRef idx="0">
+            <a:schemeClr val="accent6"/>
+          </a:effectRef>
+          <a:fontRef idx="minor">
+            <a:schemeClr val="lt1"/>
+          </a:fontRef>
+        </p:style>
+      </p:cxnSp>
+      <p:sp>
+        <p:nvSpPr>
+          <p:cNvPr id="53" name="Rectangle 52"/>
+          <p:cNvSpPr/>
+          <p:nvPr/>
+        </p:nvSpPr>
+        <p:spPr>
+          <a:xfrm>
+            <a:off x="1752600" y="3643941"/>
+            <a:ext cx="1468139" cy="457200"/>
+          </a:xfrm>
+          <a:prstGeom prst="rect">
+            <a:avLst/>
+          </a:prstGeom>
+        </p:spPr>
+        <p:style>
+          <a:lnRef idx="2">
+            <a:schemeClr val="accent1">
+              <a:shade val="50000"/>
+            </a:schemeClr>
+          </a:lnRef>
+          <a:fillRef idx="1">
+            <a:schemeClr val="accent1"/>
+          </a:fillRef>
+          <a:effectRef idx="0">
+            <a:schemeClr val="accent1"/>
+          </a:effectRef>
+          <a:fontRef idx="minor">
+            <a:schemeClr val="lt1"/>
+          </a:fontRef>
+        </p:style>
+        <p:txBody>
+          <a:bodyPr rtlCol="0" anchor="ctr"/>
+          <a:lstStyle/>
+          <a:p>
+            <a:pPr algn="ctr"/>
+            <a:r>
+              <a:rPr lang="en-US" sz="1600" b="1" dirty="0" err="1" smtClean="0"/>
+              <a:t>SubmissionsDb</a:t>
+            </a:r>
+            <a:endParaRPr lang="en-SG" sz="1600" b="1" dirty="0"/>
+          </a:p>
+        </p:txBody>
+      </p:sp>
+      <p:cxnSp>
+        <p:nvCxnSpPr>
+          <p:cNvPr id="26" name="Elbow Connector 25"/>
+          <p:cNvCxnSpPr>
+            <a:stCxn id="56" idx="3"/>
+            <a:endCxn id="96" idx="0"/>
+          </p:cNvCxnSpPr>
+          <p:nvPr/>
+        </p:nvCxnSpPr>
+        <p:spPr>
+          <a:xfrm>
+            <a:off x="3177145" y="940771"/>
+            <a:ext cx="3709062" cy="250895"/>
+          </a:xfrm>
+          <a:prstGeom prst="bentConnector2">
+            <a:avLst/>
+          </a:prstGeom>
+          <a:ln w="57150" cmpd="dbl">
+            <a:solidFill>
+              <a:schemeClr val="tx2"/>
+            </a:solidFill>
+            <a:prstDash val="solid"/>
+            <a:headEnd type="none" w="med" len="med"/>
+            <a:tailEnd type="triangle" w="med" len="med"/>
+          </a:ln>
+        </p:spPr>
+        <p:style>
+          <a:lnRef idx="2">
+            <a:schemeClr val="accent6">
+              <a:shade val="50000"/>
+            </a:schemeClr>
+          </a:lnRef>
+          <a:fillRef idx="1">
+            <a:schemeClr val="accent6"/>
+          </a:fillRef>
+          <a:effectRef idx="0">
+            <a:schemeClr val="accent6"/>
+          </a:effectRef>
+          <a:fontRef idx="minor">
+            <a:schemeClr val="lt1"/>
+          </a:fontRef>
+        </p:style>
+      </p:cxnSp>
+      <p:sp>
+        <p:nvSpPr>
+          <p:cNvPr id="27" name="Diamond 26"/>
+          <p:cNvSpPr/>
+          <p:nvPr/>
+        </p:nvSpPr>
+        <p:spPr>
+          <a:xfrm>
+            <a:off x="4516140" y="1891341"/>
+            <a:ext cx="208260" cy="151078"/>
+          </a:xfrm>
+          <a:prstGeom prst="diamond">
+            <a:avLst/>
+          </a:prstGeom>
+        </p:spPr>
+        <p:style>
+          <a:lnRef idx="2">
+            <a:schemeClr val="accent4">
+              <a:shade val="50000"/>
+            </a:schemeClr>
+          </a:lnRef>
+          <a:fillRef idx="1">
+            <a:schemeClr val="accent4"/>
+          </a:fillRef>
+          <a:effectRef idx="0">
+            <a:schemeClr val="accent4"/>
+          </a:effectRef>
+          <a:fontRef idx="minor">
+            <a:schemeClr val="lt1"/>
+          </a:fontRef>
+        </p:style>
+        <p:txBody>
+          <a:bodyPr rtlCol="0" anchor="ctr"/>
+          <a:lstStyle/>
+          <a:p>
+            <a:pPr algn="ctr"/>
+            <a:endParaRPr lang="en-SG" sz="1600" b="1"/>
+          </a:p>
+        </p:txBody>
+      </p:sp>
+      <p:sp>
+        <p:nvSpPr>
+          <p:cNvPr id="54" name="Diamond 53"/>
+          <p:cNvSpPr/>
+          <p:nvPr/>
+        </p:nvSpPr>
+        <p:spPr>
+          <a:xfrm>
+            <a:off x="2968885" y="1477897"/>
+            <a:ext cx="208260" cy="151078"/>
+          </a:xfrm>
+          <a:prstGeom prst="diamond">
+            <a:avLst/>
+          </a:prstGeom>
+        </p:spPr>
+        <p:style>
+          <a:lnRef idx="2">
+            <a:schemeClr val="accent5">
+              <a:shade val="50000"/>
+            </a:schemeClr>
+          </a:lnRef>
+          <a:fillRef idx="1">
+            <a:schemeClr val="accent5"/>
+          </a:fillRef>
+          <a:effectRef idx="0">
+            <a:schemeClr val="accent5"/>
+          </a:effectRef>
+          <a:fontRef idx="minor">
+            <a:schemeClr val="lt1"/>
+          </a:fontRef>
+        </p:style>
+        <p:txBody>
+          <a:bodyPr rtlCol="0" anchor="ctr"/>
+          <a:lstStyle/>
+          <a:p>
+            <a:pPr algn="ctr"/>
+            <a:endParaRPr lang="en-SG" sz="1600" b="1"/>
+          </a:p>
+        </p:txBody>
+      </p:sp>
+      <p:cxnSp>
+        <p:nvCxnSpPr>
+          <p:cNvPr id="55" name="Elbow Connector 54"/>
+          <p:cNvCxnSpPr>
+            <a:stCxn id="27" idx="1"/>
+            <a:endCxn id="101" idx="2"/>
+          </p:cNvCxnSpPr>
+          <p:nvPr/>
+        </p:nvCxnSpPr>
+        <p:spPr>
+          <a:xfrm rot="10800000">
+            <a:off x="3779558" y="1710454"/>
+            <a:ext cx="736583" cy="256426"/>
+          </a:xfrm>
+          <a:prstGeom prst="bentConnector2">
+            <a:avLst/>
+          </a:prstGeom>
+          <a:ln w="57150" cmpd="dbl">
+            <a:solidFill>
+              <a:schemeClr val="accent5">
+                <a:lumMod val="75000"/>
+              </a:schemeClr>
+            </a:solidFill>
+            <a:prstDash val="solid"/>
+            <a:headEnd type="triangle" w="med" len="med"/>
             <a:tailEnd type="none" w="med" len="med"/>
           </a:ln>
         </p:spPr>
@@ -5089,68 +5302,73 @@
       </p:cxnSp>
       <p:cxnSp>
         <p:nvCxnSpPr>
-          <p:cNvPr id="141" name="Straight Arrow Connector 140"/>
-          <p:cNvCxnSpPr/>
+          <p:cNvPr id="61" name="Elbow Connector 60"/>
+          <p:cNvCxnSpPr>
+            <a:stCxn id="54" idx="1"/>
+          </p:cNvCxnSpPr>
           <p:nvPr/>
         </p:nvCxnSpPr>
         <p:spPr>
-          <a:xfrm flipH="1">
-            <a:off x="2438400" y="1905000"/>
-            <a:ext cx="35474" cy="1676400"/>
-          </a:xfrm>
-          <a:prstGeom prst="straightConnector1">
+          <a:xfrm rot="10800000">
+            <a:off x="2586123" y="1093172"/>
+            <a:ext cx="382762" cy="460265"/>
+          </a:xfrm>
+          <a:prstGeom prst="bentConnector2">
             <a:avLst/>
           </a:prstGeom>
-          <a:ln>
-            <a:prstDash val="dot"/>
-            <a:headEnd type="arrow" w="med" len="med"/>
+          <a:ln w="57150" cmpd="dbl">
+            <a:solidFill>
+              <a:schemeClr val="tx2"/>
+            </a:solidFill>
+            <a:prstDash val="solid"/>
+            <a:headEnd type="triangle" w="med" len="med"/>
             <a:tailEnd type="none" w="med" len="med"/>
           </a:ln>
+        </p:spPr>
+        <p:style>
+          <a:lnRef idx="2">
+            <a:schemeClr val="accent6">
+              <a:shade val="50000"/>
+            </a:schemeClr>
+          </a:lnRef>
+          <a:fillRef idx="1">
+            <a:schemeClr val="accent6"/>
+          </a:fillRef>
+          <a:effectRef idx="0">
+            <a:schemeClr val="accent6"/>
+          </a:effectRef>
+          <a:fontRef idx="minor">
+            <a:schemeClr val="lt1"/>
+          </a:fontRef>
+        </p:style>
+      </p:cxnSp>
+      <p:sp>
+        <p:nvSpPr>
+          <p:cNvPr id="72" name="Rectangle 71"/>
+          <p:cNvSpPr/>
+          <p:nvPr/>
+        </p:nvSpPr>
+        <p:spPr>
+          <a:xfrm>
+            <a:off x="7314267" y="1752239"/>
+            <a:ext cx="991533" cy="361770"/>
+          </a:xfrm>
+          <a:prstGeom prst="rect">
+            <a:avLst/>
+          </a:prstGeom>
         </p:spPr>
         <p:style>
           <a:lnRef idx="2">
             <a:schemeClr val="accent3"/>
           </a:lnRef>
-          <a:fillRef idx="0">
-            <a:schemeClr val="accent3"/>
-          </a:fillRef>
-          <a:effectRef idx="1">
-            <a:schemeClr val="accent3"/>
-          </a:effectRef>
-          <a:fontRef idx="minor">
-            <a:schemeClr val="tx1"/>
-          </a:fontRef>
-        </p:style>
-      </p:cxnSp>
-      <p:sp>
-        <p:nvSpPr>
-          <p:cNvPr id="53" name="Rectangle 52"/>
-          <p:cNvSpPr/>
-          <p:nvPr/>
-        </p:nvSpPr>
-        <p:spPr>
-          <a:xfrm>
-            <a:off x="2133600" y="3581400"/>
-            <a:ext cx="2000250" cy="457200"/>
-          </a:xfrm>
-          <a:prstGeom prst="rect">
-            <a:avLst/>
-          </a:prstGeom>
-        </p:spPr>
-        <p:style>
-          <a:lnRef idx="2">
-            <a:schemeClr val="accent3">
-              <a:shade val="50000"/>
-            </a:schemeClr>
-          </a:lnRef>
           <a:fillRef idx="1">
-            <a:schemeClr val="accent3"/>
+            <a:schemeClr val="lt1"/>
           </a:fillRef>
           <a:effectRef idx="0">
             <a:schemeClr val="accent3"/>
           </a:effectRef>
           <a:fontRef idx="minor">
-            <a:schemeClr val="lt1"/>
+            <a:schemeClr val="dk1"/>
           </a:fontRef>
         </p:style>
         <p:txBody>
@@ -5160,43 +5378,140 @@
             <a:pPr algn="ctr"/>
             <a:r>
               <a:rPr lang="en-US" sz="1600" b="1" dirty="0" err="1" smtClean="0"/>
-              <a:t>SubmissionsDb</a:t>
+              <a:t>GoogleId</a:t>
             </a:r>
             <a:endParaRPr lang="en-SG" sz="1600" b="1" dirty="0"/>
           </a:p>
         </p:txBody>
       </p:sp>
-      <p:sp>
-        <p:nvSpPr>
-          <p:cNvPr id="56" name="Rectangle 55"/>
-          <p:cNvSpPr/>
+      <p:cxnSp>
+        <p:nvCxnSpPr>
+          <p:cNvPr id="73" name="Elbow Connector 72"/>
+          <p:cNvCxnSpPr>
+            <a:stCxn id="72" idx="0"/>
+            <a:endCxn id="96" idx="3"/>
+          </p:cNvCxnSpPr>
           <p:nvPr/>
-        </p:nvSpPr>
-        <p:spPr>
-          <a:xfrm>
-            <a:off x="2133600" y="1600200"/>
-            <a:ext cx="1371600" cy="304800"/>
-          </a:xfrm>
-          <a:prstGeom prst="rect">
+        </p:nvCxnSpPr>
+        <p:spPr>
+          <a:xfrm rot="16200000" flipV="1">
+            <a:off x="7427313" y="1369518"/>
+            <a:ext cx="379688" cy="385754"/>
+          </a:xfrm>
+          <a:prstGeom prst="bentConnector2">
             <a:avLst/>
           </a:prstGeom>
+          <a:ln w="57150" cmpd="dbl">
+            <a:solidFill>
+              <a:schemeClr val="accent6">
+                <a:lumMod val="50000"/>
+              </a:schemeClr>
+            </a:solidFill>
+            <a:prstDash val="solid"/>
+            <a:headEnd type="triangle" w="med" len="med"/>
+            <a:tailEnd type="none" w="med" len="med"/>
+          </a:ln>
         </p:spPr>
         <p:style>
           <a:lnRef idx="2">
-            <a:schemeClr val="accent3">
+            <a:schemeClr val="accent6">
               <a:shade val="50000"/>
             </a:schemeClr>
           </a:lnRef>
           <a:fillRef idx="1">
-            <a:schemeClr val="accent3"/>
+            <a:schemeClr val="accent6"/>
           </a:fillRef>
           <a:effectRef idx="0">
-            <a:schemeClr val="accent3"/>
+            <a:schemeClr val="accent6"/>
           </a:effectRef>
           <a:fontRef idx="minor">
             <a:schemeClr val="lt1"/>
           </a:fontRef>
         </p:style>
+      </p:cxnSp>
+      <p:cxnSp>
+        <p:nvCxnSpPr>
+          <p:cNvPr id="77" name="Elbow Connector 76"/>
+          <p:cNvCxnSpPr>
+            <a:stCxn id="106" idx="0"/>
+            <a:endCxn id="96" idx="1"/>
+          </p:cNvCxnSpPr>
+          <p:nvPr/>
+        </p:nvCxnSpPr>
+        <p:spPr>
+          <a:xfrm rot="5400000" flipH="1" flipV="1">
+            <a:off x="5549722" y="985380"/>
+            <a:ext cx="411241" cy="1185584"/>
+          </a:xfrm>
+          <a:prstGeom prst="bentConnector2">
+            <a:avLst/>
+          </a:prstGeom>
+          <a:ln w="57150" cmpd="dbl">
+            <a:solidFill>
+              <a:schemeClr val="accent6">
+                <a:lumMod val="50000"/>
+              </a:schemeClr>
+            </a:solidFill>
+            <a:prstDash val="solid"/>
+            <a:headEnd type="triangle" w="med" len="med"/>
+            <a:tailEnd type="none" w="med" len="med"/>
+          </a:ln>
+        </p:spPr>
+        <p:style>
+          <a:lnRef idx="2">
+            <a:schemeClr val="accent6">
+              <a:shade val="50000"/>
+            </a:schemeClr>
+          </a:lnRef>
+          <a:fillRef idx="1">
+            <a:schemeClr val="accent6"/>
+          </a:fillRef>
+          <a:effectRef idx="0">
+            <a:schemeClr val="accent6"/>
+          </a:effectRef>
+          <a:fontRef idx="minor">
+            <a:schemeClr val="lt1"/>
+          </a:fontRef>
+        </p:style>
+      </p:cxnSp>
+      <p:sp>
+        <p:nvSpPr>
+          <p:cNvPr id="97" name="Rectangle 96"/>
+          <p:cNvSpPr/>
+          <p:nvPr/>
+        </p:nvSpPr>
+        <p:spPr>
+          <a:xfrm>
+            <a:off x="6288414" y="2338749"/>
+            <a:ext cx="1204823" cy="361770"/>
+          </a:xfrm>
+          <a:prstGeom prst="rect">
+            <a:avLst/>
+          </a:prstGeom>
+          <a:effectLst>
+            <a:glow rad="254000">
+              <a:schemeClr val="bg1">
+                <a:alpha val="70000"/>
+              </a:schemeClr>
+            </a:glow>
+          </a:effectLst>
+        </p:spPr>
+        <p:style>
+          <a:lnRef idx="2">
+            <a:schemeClr val="accent6">
+              <a:shade val="50000"/>
+            </a:schemeClr>
+          </a:lnRef>
+          <a:fillRef idx="1">
+            <a:schemeClr val="accent6"/>
+          </a:fillRef>
+          <a:effectRef idx="0">
+            <a:schemeClr val="accent6"/>
+          </a:effectRef>
+          <a:fontRef idx="minor">
+            <a:schemeClr val="lt1"/>
+          </a:fontRef>
+        </p:style>
         <p:txBody>
           <a:bodyPr rtlCol="0" anchor="ctr"/>
           <a:lstStyle/>
@@ -5204,9 +5519,385 @@
             <a:pPr algn="ctr"/>
             <a:r>
               <a:rPr lang="en-US" sz="1600" b="1" dirty="0" smtClean="0"/>
-              <a:t>Submission</a:t>
+              <a:t>Coordinator</a:t>
             </a:r>
             <a:endParaRPr lang="en-SG" sz="1600" b="1" dirty="0"/>
+          </a:p>
+        </p:txBody>
+      </p:sp>
+      <p:cxnSp>
+        <p:nvCxnSpPr>
+          <p:cNvPr id="124" name="Straight Arrow Connector 123"/>
+          <p:cNvCxnSpPr>
+            <a:stCxn id="97" idx="2"/>
+          </p:cNvCxnSpPr>
+          <p:nvPr/>
+        </p:nvCxnSpPr>
+        <p:spPr>
+          <a:xfrm flipH="1">
+            <a:off x="6886207" y="2700519"/>
+            <a:ext cx="4619" cy="943422"/>
+          </a:xfrm>
+          <a:prstGeom prst="straightConnector1">
+            <a:avLst/>
+          </a:prstGeom>
+          <a:ln>
+            <a:prstDash val="sysDot"/>
+            <a:headEnd type="arrow" w="med" len="med"/>
+            <a:tailEnd type="none" w="med" len="med"/>
+          </a:ln>
+        </p:spPr>
+        <p:style>
+          <a:lnRef idx="2">
+            <a:schemeClr val="accent6">
+              <a:shade val="50000"/>
+            </a:schemeClr>
+          </a:lnRef>
+          <a:fillRef idx="1">
+            <a:schemeClr val="accent6"/>
+          </a:fillRef>
+          <a:effectRef idx="0">
+            <a:schemeClr val="accent6"/>
+          </a:effectRef>
+          <a:fontRef idx="minor">
+            <a:schemeClr val="lt1"/>
+          </a:fontRef>
+        </p:style>
+      </p:cxnSp>
+      <p:cxnSp>
+        <p:nvCxnSpPr>
+          <p:cNvPr id="74" name="Elbow Connector 73"/>
+          <p:cNvCxnSpPr>
+            <a:stCxn id="72" idx="2"/>
+            <a:endCxn id="97" idx="3"/>
+          </p:cNvCxnSpPr>
+          <p:nvPr/>
+        </p:nvCxnSpPr>
+        <p:spPr>
+          <a:xfrm rot="5400000">
+            <a:off x="7448824" y="2158423"/>
+            <a:ext cx="405625" cy="316797"/>
+          </a:xfrm>
+          <a:prstGeom prst="bentConnector2">
+            <a:avLst/>
+          </a:prstGeom>
+          <a:ln w="57150" cmpd="dbl">
+            <a:solidFill>
+              <a:schemeClr val="accent6">
+                <a:lumMod val="50000"/>
+              </a:schemeClr>
+            </a:solidFill>
+            <a:prstDash val="solid"/>
+            <a:headEnd type="triangle" w="med" len="med"/>
+            <a:tailEnd type="none" w="med" len="med"/>
+          </a:ln>
+        </p:spPr>
+        <p:style>
+          <a:lnRef idx="2">
+            <a:schemeClr val="accent6">
+              <a:shade val="50000"/>
+            </a:schemeClr>
+          </a:lnRef>
+          <a:fillRef idx="1">
+            <a:schemeClr val="accent6"/>
+          </a:fillRef>
+          <a:effectRef idx="0">
+            <a:schemeClr val="accent6"/>
+          </a:effectRef>
+          <a:fontRef idx="minor">
+            <a:schemeClr val="lt1"/>
+          </a:fontRef>
+        </p:style>
+      </p:cxnSp>
+      <p:sp>
+        <p:nvSpPr>
+          <p:cNvPr id="57" name="TextBox 56"/>
+          <p:cNvSpPr txBox="1"/>
+          <p:nvPr/>
+        </p:nvSpPr>
+        <p:spPr>
+          <a:xfrm>
+            <a:off x="4934691" y="1552143"/>
+            <a:ext cx="170709" cy="200457"/>
+          </a:xfrm>
+          <a:prstGeom prst="rect">
+            <a:avLst/>
+          </a:prstGeom>
+          <a:noFill/>
+        </p:spPr>
+        <p:txBody>
+          <a:bodyPr wrap="square" lIns="0" tIns="0" rIns="0" bIns="0" rtlCol="0" anchor="ctr" anchorCtr="0">
+            <a:noAutofit/>
+          </a:bodyPr>
+          <a:lstStyle/>
+          <a:p>
+            <a:r>
+              <a:rPr lang="en-US" b="1" dirty="0" smtClean="0">
+                <a:solidFill>
+                  <a:schemeClr val="accent4"/>
+                </a:solidFill>
+              </a:rPr>
+              <a:t>*</a:t>
+            </a:r>
+            <a:endParaRPr lang="en-SG" b="1" dirty="0">
+              <a:solidFill>
+                <a:schemeClr val="accent4"/>
+              </a:solidFill>
+            </a:endParaRPr>
+          </a:p>
+        </p:txBody>
+      </p:sp>
+      <p:sp>
+        <p:nvSpPr>
+          <p:cNvPr id="87" name="TextBox 86"/>
+          <p:cNvSpPr txBox="1"/>
+          <p:nvPr/>
+        </p:nvSpPr>
+        <p:spPr>
+          <a:xfrm>
+            <a:off x="7006027" y="941205"/>
+            <a:ext cx="170709" cy="200457"/>
+          </a:xfrm>
+          <a:prstGeom prst="rect">
+            <a:avLst/>
+          </a:prstGeom>
+          <a:noFill/>
+        </p:spPr>
+        <p:txBody>
+          <a:bodyPr wrap="square" lIns="0" tIns="0" rIns="0" bIns="0" rtlCol="0" anchor="ctr" anchorCtr="0">
+            <a:noAutofit/>
+          </a:bodyPr>
+          <a:lstStyle/>
+          <a:p>
+            <a:r>
+              <a:rPr lang="en-US" sz="1600" dirty="0" smtClean="0">
+                <a:solidFill>
+                  <a:schemeClr val="accent6">
+                    <a:lumMod val="75000"/>
+                  </a:schemeClr>
+                </a:solidFill>
+              </a:rPr>
+              <a:t>2</a:t>
+            </a:r>
+            <a:endParaRPr lang="en-SG" sz="1600" dirty="0">
+              <a:solidFill>
+                <a:schemeClr val="accent6">
+                  <a:lumMod val="75000"/>
+                </a:schemeClr>
+              </a:solidFill>
+            </a:endParaRPr>
+          </a:p>
+        </p:txBody>
+      </p:sp>
+      <p:sp>
+        <p:nvSpPr>
+          <p:cNvPr id="88" name="TextBox 87"/>
+          <p:cNvSpPr txBox="1"/>
+          <p:nvPr/>
+        </p:nvSpPr>
+        <p:spPr>
+          <a:xfrm>
+            <a:off x="6115559" y="2232368"/>
+            <a:ext cx="170709" cy="200457"/>
+          </a:xfrm>
+          <a:prstGeom prst="rect">
+            <a:avLst/>
+          </a:prstGeom>
+          <a:noFill/>
+        </p:spPr>
+        <p:txBody>
+          <a:bodyPr wrap="square" lIns="0" tIns="0" rIns="0" bIns="0" rtlCol="0" anchor="ctr" anchorCtr="0">
+            <a:noAutofit/>
+          </a:bodyPr>
+          <a:lstStyle/>
+          <a:p>
+            <a:r>
+              <a:rPr lang="en-US" sz="1600" dirty="0" smtClean="0">
+                <a:solidFill>
+                  <a:schemeClr val="accent6">
+                    <a:lumMod val="75000"/>
+                  </a:schemeClr>
+                </a:solidFill>
+              </a:rPr>
+              <a:t>1</a:t>
+            </a:r>
+            <a:endParaRPr lang="en-SG" sz="1600" dirty="0">
+              <a:solidFill>
+                <a:schemeClr val="accent6">
+                  <a:lumMod val="75000"/>
+                </a:schemeClr>
+              </a:solidFill>
+            </a:endParaRPr>
+          </a:p>
+        </p:txBody>
+      </p:sp>
+      <p:sp>
+        <p:nvSpPr>
+          <p:cNvPr id="89" name="TextBox 88"/>
+          <p:cNvSpPr txBox="1"/>
+          <p:nvPr/>
+        </p:nvSpPr>
+        <p:spPr>
+          <a:xfrm>
+            <a:off x="5219836" y="2177769"/>
+            <a:ext cx="170709" cy="200457"/>
+          </a:xfrm>
+          <a:prstGeom prst="rect">
+            <a:avLst/>
+          </a:prstGeom>
+          <a:noFill/>
+        </p:spPr>
+        <p:txBody>
+          <a:bodyPr wrap="square" lIns="0" tIns="0" rIns="0" bIns="0" rtlCol="0" anchor="ctr" anchorCtr="0">
+            <a:noAutofit/>
+          </a:bodyPr>
+          <a:lstStyle/>
+          <a:p>
+            <a:r>
+              <a:rPr lang="en-US" b="1" dirty="0" smtClean="0">
+                <a:solidFill>
+                  <a:schemeClr val="accent4"/>
+                </a:solidFill>
+              </a:rPr>
+              <a:t>*</a:t>
+            </a:r>
+            <a:endParaRPr lang="en-SG" b="1" dirty="0">
+              <a:solidFill>
+                <a:schemeClr val="accent4"/>
+              </a:solidFill>
+            </a:endParaRPr>
+          </a:p>
+        </p:txBody>
+      </p:sp>
+      <p:cxnSp>
+        <p:nvCxnSpPr>
+          <p:cNvPr id="80" name="Elbow Connector 79"/>
+          <p:cNvCxnSpPr>
+            <a:stCxn id="97" idx="1"/>
+            <a:endCxn id="106" idx="2"/>
+          </p:cNvCxnSpPr>
+          <p:nvPr/>
+        </p:nvCxnSpPr>
+        <p:spPr>
+          <a:xfrm rot="10800000">
+            <a:off x="5162550" y="2145562"/>
+            <a:ext cx="1125864" cy="374072"/>
+          </a:xfrm>
+          <a:prstGeom prst="bentConnector2">
+            <a:avLst/>
+          </a:prstGeom>
+          <a:ln w="57150" cmpd="dbl">
+            <a:solidFill>
+              <a:schemeClr val="accent6">
+                <a:lumMod val="50000"/>
+              </a:schemeClr>
+            </a:solidFill>
+            <a:prstDash val="solid"/>
+            <a:headEnd type="triangle" w="med" len="med"/>
+            <a:tailEnd type="none" w="med" len="med"/>
+          </a:ln>
+        </p:spPr>
+        <p:style>
+          <a:lnRef idx="2">
+            <a:schemeClr val="accent6">
+              <a:shade val="50000"/>
+            </a:schemeClr>
+          </a:lnRef>
+          <a:fillRef idx="1">
+            <a:schemeClr val="accent6"/>
+          </a:fillRef>
+          <a:effectRef idx="0">
+            <a:schemeClr val="accent6"/>
+          </a:effectRef>
+          <a:fontRef idx="minor">
+            <a:schemeClr val="lt1"/>
+          </a:fontRef>
+        </p:style>
+      </p:cxnSp>
+      <p:cxnSp>
+        <p:nvCxnSpPr>
+          <p:cNvPr id="60" name="Straight Arrow Connector 59"/>
+          <p:cNvCxnSpPr/>
+          <p:nvPr/>
+        </p:nvCxnSpPr>
+        <p:spPr>
+          <a:xfrm>
+            <a:off x="7263774" y="6339393"/>
+            <a:ext cx="1339498" cy="0"/>
+          </a:xfrm>
+          <a:prstGeom prst="straightConnector1">
+            <a:avLst/>
+          </a:prstGeom>
+          <a:ln w="57150" cmpd="dbl">
+            <a:solidFill>
+              <a:schemeClr val="tx1">
+                <a:lumMod val="50000"/>
+                <a:lumOff val="50000"/>
+              </a:schemeClr>
+            </a:solidFill>
+            <a:prstDash val="solid"/>
+            <a:headEnd type="none" w="med" len="med"/>
+            <a:tailEnd type="triangle" w="med" len="med"/>
+          </a:ln>
+        </p:spPr>
+        <p:style>
+          <a:lnRef idx="2">
+            <a:schemeClr val="accent6">
+              <a:shade val="50000"/>
+            </a:schemeClr>
+          </a:lnRef>
+          <a:fillRef idx="1">
+            <a:schemeClr val="accent6"/>
+          </a:fillRef>
+          <a:effectRef idx="0">
+            <a:schemeClr val="accent6"/>
+          </a:effectRef>
+          <a:fontRef idx="minor">
+            <a:schemeClr val="lt1"/>
+          </a:fontRef>
+        </p:style>
+      </p:cxnSp>
+      <p:sp>
+        <p:nvSpPr>
+          <p:cNvPr id="102" name="TextBox 101"/>
+          <p:cNvSpPr txBox="1"/>
+          <p:nvPr/>
+        </p:nvSpPr>
+        <p:spPr>
+          <a:xfrm>
+            <a:off x="7162800" y="6505143"/>
+            <a:ext cx="1669072" cy="200457"/>
+          </a:xfrm>
+          <a:prstGeom prst="rect">
+            <a:avLst/>
+          </a:prstGeom>
+          <a:noFill/>
+        </p:spPr>
+        <p:txBody>
+          <a:bodyPr wrap="square" lIns="0" tIns="0" rIns="0" bIns="0" rtlCol="0" anchor="ctr" anchorCtr="0">
+            <a:noAutofit/>
+          </a:bodyPr>
+          <a:lstStyle/>
+          <a:p>
+            <a:r>
+              <a:rPr lang="en-US" sz="1400" b="1" dirty="0" smtClean="0">
+                <a:solidFill>
+                  <a:schemeClr val="tx1">
+                    <a:lumMod val="50000"/>
+                    <a:lumOff val="50000"/>
+                  </a:schemeClr>
+                </a:solidFill>
+              </a:rPr>
+              <a:t>Associations managed using string references</a:t>
+            </a:r>
+            <a:endParaRPr lang="en-SG" sz="1400" b="1" dirty="0">
+              <a:solidFill>
+                <a:schemeClr val="tx1">
+                  <a:lumMod val="50000"/>
+                  <a:lumOff val="50000"/>
+                </a:schemeClr>
+              </a:solidFill>
+            </a:endParaRPr>
           </a:p>
         </p:txBody>
       </p:sp>
@@ -5223,7 +5914,7 @@
   <p:timing>
     <p:tnLst>
       <p:par>
-        <p:cTn xmlns:p14="http://schemas.microsoft.com/office/powerpoint/2010/main" id="1" dur="indefinite" restart="never" nodeType="tmRoot"/>
+        <p:cTn id="1" dur="indefinite" restart="never" nodeType="tmRoot"/>
       </p:par>
     </p:tnLst>
   </p:timing>

--- a/doc/diagrams/StorageComponent.pptx
+++ b/doc/diagrams/StorageComponent.pptx
@@ -193,7 +193,7 @@
             <a:fld id="{AF301891-4E62-472A-98E9-95DBD40531A4}" type="datetimeFigureOut">
               <a:rPr lang="en-SG" smtClean="0"/>
               <a:pPr/>
-              <a:t>3/12/2012</a:t>
+              <a:t>5/12/2012</a:t>
             </a:fld>
             <a:endParaRPr lang="en-SG"/>
           </a:p>
@@ -729,7 +729,7 @@
             <a:fld id="{1D8BD707-D9CF-40AE-B4C6-C98DA3205C09}" type="datetimeFigureOut">
               <a:rPr lang="en-US" smtClean="0"/>
               <a:pPr/>
-              <a:t>12/3/2012</a:t>
+              <a:t>12/5/2012</a:t>
             </a:fld>
             <a:endParaRPr lang="en-US"/>
           </a:p>
@@ -896,7 +896,7 @@
             <a:fld id="{1D8BD707-D9CF-40AE-B4C6-C98DA3205C09}" type="datetimeFigureOut">
               <a:rPr lang="en-US" smtClean="0"/>
               <a:pPr/>
-              <a:t>12/3/2012</a:t>
+              <a:t>12/5/2012</a:t>
             </a:fld>
             <a:endParaRPr lang="en-US"/>
           </a:p>
@@ -1073,7 +1073,7 @@
             <a:fld id="{1D8BD707-D9CF-40AE-B4C6-C98DA3205C09}" type="datetimeFigureOut">
               <a:rPr lang="en-US" smtClean="0"/>
               <a:pPr/>
-              <a:t>12/3/2012</a:t>
+              <a:t>12/5/2012</a:t>
             </a:fld>
             <a:endParaRPr lang="en-US"/>
           </a:p>
@@ -1240,7 +1240,7 @@
             <a:fld id="{1D8BD707-D9CF-40AE-B4C6-C98DA3205C09}" type="datetimeFigureOut">
               <a:rPr lang="en-US" smtClean="0"/>
               <a:pPr/>
-              <a:t>12/3/2012</a:t>
+              <a:t>12/5/2012</a:t>
             </a:fld>
             <a:endParaRPr lang="en-US"/>
           </a:p>
@@ -1483,7 +1483,7 @@
             <a:fld id="{1D8BD707-D9CF-40AE-B4C6-C98DA3205C09}" type="datetimeFigureOut">
               <a:rPr lang="en-US" smtClean="0"/>
               <a:pPr/>
-              <a:t>12/3/2012</a:t>
+              <a:t>12/5/2012</a:t>
             </a:fld>
             <a:endParaRPr lang="en-US"/>
           </a:p>
@@ -1768,7 +1768,7 @@
             <a:fld id="{1D8BD707-D9CF-40AE-B4C6-C98DA3205C09}" type="datetimeFigureOut">
               <a:rPr lang="en-US" smtClean="0"/>
               <a:pPr/>
-              <a:t>12/3/2012</a:t>
+              <a:t>12/5/2012</a:t>
             </a:fld>
             <a:endParaRPr lang="en-US"/>
           </a:p>
@@ -2187,7 +2187,7 @@
             <a:fld id="{1D8BD707-D9CF-40AE-B4C6-C98DA3205C09}" type="datetimeFigureOut">
               <a:rPr lang="en-US" smtClean="0"/>
               <a:pPr/>
-              <a:t>12/3/2012</a:t>
+              <a:t>12/5/2012</a:t>
             </a:fld>
             <a:endParaRPr lang="en-US"/>
           </a:p>
@@ -2302,7 +2302,7 @@
             <a:fld id="{1D8BD707-D9CF-40AE-B4C6-C98DA3205C09}" type="datetimeFigureOut">
               <a:rPr lang="en-US" smtClean="0"/>
               <a:pPr/>
-              <a:t>12/3/2012</a:t>
+              <a:t>12/5/2012</a:t>
             </a:fld>
             <a:endParaRPr lang="en-US"/>
           </a:p>
@@ -2394,7 +2394,7 @@
             <a:fld id="{1D8BD707-D9CF-40AE-B4C6-C98DA3205C09}" type="datetimeFigureOut">
               <a:rPr lang="en-US" smtClean="0"/>
               <a:pPr/>
-              <a:t>12/3/2012</a:t>
+              <a:t>12/5/2012</a:t>
             </a:fld>
             <a:endParaRPr lang="en-US"/>
           </a:p>
@@ -2668,7 +2668,7 @@
             <a:fld id="{1D8BD707-D9CF-40AE-B4C6-C98DA3205C09}" type="datetimeFigureOut">
               <a:rPr lang="en-US" smtClean="0"/>
               <a:pPr/>
-              <a:t>12/3/2012</a:t>
+              <a:t>12/5/2012</a:t>
             </a:fld>
             <a:endParaRPr lang="en-US"/>
           </a:p>
@@ -2918,7 +2918,7 @@
             <a:fld id="{1D8BD707-D9CF-40AE-B4C6-C98DA3205C09}" type="datetimeFigureOut">
               <a:rPr lang="en-US" smtClean="0"/>
               <a:pPr/>
-              <a:t>12/3/2012</a:t>
+              <a:t>12/5/2012</a:t>
             </a:fld>
             <a:endParaRPr lang="en-US"/>
           </a:p>
@@ -3128,7 +3128,7 @@
             <a:fld id="{1D8BD707-D9CF-40AE-B4C6-C98DA3205C09}" type="datetimeFigureOut">
               <a:rPr lang="en-US" smtClean="0"/>
               <a:pPr/>
-              <a:t>12/3/2012</a:t>
+              <a:t>12/5/2012</a:t>
             </a:fld>
             <a:endParaRPr lang="en-US"/>
           </a:p>
@@ -4202,50 +4202,6 @@
           </a:p>
         </p:txBody>
       </p:sp>
-      <p:sp>
-        <p:nvSpPr>
-          <p:cNvPr id="116" name="Rectangle 115"/>
-          <p:cNvSpPr/>
-          <p:nvPr/>
-        </p:nvSpPr>
-        <p:spPr>
-          <a:xfrm>
-            <a:off x="4922925" y="3643941"/>
-            <a:ext cx="1124417" cy="457200"/>
-          </a:xfrm>
-          <a:prstGeom prst="rect">
-            <a:avLst/>
-          </a:prstGeom>
-        </p:spPr>
-        <p:style>
-          <a:lnRef idx="2">
-            <a:schemeClr val="accent4">
-              <a:shade val="50000"/>
-            </a:schemeClr>
-          </a:lnRef>
-          <a:fillRef idx="1">
-            <a:schemeClr val="accent4"/>
-          </a:fillRef>
-          <a:effectRef idx="0">
-            <a:schemeClr val="accent4"/>
-          </a:effectRef>
-          <a:fontRef idx="minor">
-            <a:schemeClr val="lt1"/>
-          </a:fontRef>
-        </p:style>
-        <p:txBody>
-          <a:bodyPr rtlCol="0" anchor="ctr"/>
-          <a:lstStyle/>
-          <a:p>
-            <a:pPr algn="ctr"/>
-            <a:r>
-              <a:rPr lang="en-US" sz="1600" b="1" dirty="0" err="1" smtClean="0"/>
-              <a:t>CoursesDb</a:t>
-            </a:r>
-            <a:endParaRPr lang="en-SG" sz="1600" b="1" dirty="0"/>
-          </a:p>
-        </p:txBody>
-      </p:sp>
       <p:cxnSp>
         <p:nvCxnSpPr>
           <p:cNvPr id="118" name="Straight Arrow Connector 117"/>
@@ -4678,50 +4634,6 @@
           </a:p>
         </p:txBody>
       </p:sp>
-      <p:sp>
-        <p:nvSpPr>
-          <p:cNvPr id="106" name="Rectangle 105"/>
-          <p:cNvSpPr/>
-          <p:nvPr/>
-        </p:nvSpPr>
-        <p:spPr>
-          <a:xfrm>
-            <a:off x="4723933" y="1783792"/>
-            <a:ext cx="877233" cy="361770"/>
-          </a:xfrm>
-          <a:prstGeom prst="rect">
-            <a:avLst/>
-          </a:prstGeom>
-        </p:spPr>
-        <p:style>
-          <a:lnRef idx="2">
-            <a:schemeClr val="accent4">
-              <a:shade val="50000"/>
-            </a:schemeClr>
-          </a:lnRef>
-          <a:fillRef idx="1">
-            <a:schemeClr val="accent4"/>
-          </a:fillRef>
-          <a:effectRef idx="0">
-            <a:schemeClr val="accent4"/>
-          </a:effectRef>
-          <a:fontRef idx="minor">
-            <a:schemeClr val="lt1"/>
-          </a:fontRef>
-        </p:style>
-        <p:txBody>
-          <a:bodyPr rtlCol="0" anchor="ctr"/>
-          <a:lstStyle/>
-          <a:p>
-            <a:pPr algn="ctr"/>
-            <a:r>
-              <a:rPr lang="en-US" sz="1600" b="1" dirty="0" smtClean="0"/>
-              <a:t>Course</a:t>
-            </a:r>
-            <a:endParaRPr lang="en-SG" sz="1600" b="1" dirty="0"/>
-          </a:p>
-        </p:txBody>
-      </p:sp>
       <p:cxnSp>
         <p:nvCxnSpPr>
           <p:cNvPr id="115" name="Straight Arrow Connector 114"/>
@@ -4928,7 +4840,7 @@
         </p:nvCxnSpPr>
         <p:spPr>
           <a:xfrm>
-            <a:off x="5029200" y="2157864"/>
+            <a:off x="5029200" y="2185572"/>
             <a:ext cx="0" cy="1486077"/>
           </a:xfrm>
           <a:prstGeom prst="straightConnector1">
@@ -5175,46 +5087,6 @@
           </a:fontRef>
         </p:style>
       </p:cxnSp>
-      <p:sp>
-        <p:nvSpPr>
-          <p:cNvPr id="27" name="Diamond 26"/>
-          <p:cNvSpPr/>
-          <p:nvPr/>
-        </p:nvSpPr>
-        <p:spPr>
-          <a:xfrm>
-            <a:off x="4516140" y="1891341"/>
-            <a:ext cx="208260" cy="151078"/>
-          </a:xfrm>
-          <a:prstGeom prst="diamond">
-            <a:avLst/>
-          </a:prstGeom>
-        </p:spPr>
-        <p:style>
-          <a:lnRef idx="2">
-            <a:schemeClr val="accent4">
-              <a:shade val="50000"/>
-            </a:schemeClr>
-          </a:lnRef>
-          <a:fillRef idx="1">
-            <a:schemeClr val="accent4"/>
-          </a:fillRef>
-          <a:effectRef idx="0">
-            <a:schemeClr val="accent4"/>
-          </a:effectRef>
-          <a:fontRef idx="minor">
-            <a:schemeClr val="lt1"/>
-          </a:fontRef>
-        </p:style>
-        <p:txBody>
-          <a:bodyPr rtlCol="0" anchor="ctr"/>
-          <a:lstStyle/>
-          <a:p>
-            <a:pPr algn="ctr"/>
-            <a:endParaRPr lang="en-SG" sz="1600" b="1"/>
-          </a:p>
-        </p:txBody>
-      </p:sp>
       <p:sp>
         <p:nvSpPr>
           <p:cNvPr id="54" name="Diamond 53"/>
@@ -5433,15 +5305,15 @@
         <p:nvCxnSpPr>
           <p:cNvPr id="77" name="Elbow Connector 76"/>
           <p:cNvCxnSpPr>
-            <a:stCxn id="106" idx="0"/>
+            <a:stCxn id="52" idx="1"/>
             <a:endCxn id="96" idx="1"/>
           </p:cNvCxnSpPr>
           <p:nvPr/>
         </p:nvCxnSpPr>
         <p:spPr>
           <a:xfrm rot="5400000" flipH="1" flipV="1">
-            <a:off x="5549722" y="985380"/>
-            <a:ext cx="411241" cy="1185584"/>
+            <a:off x="5631348" y="903754"/>
+            <a:ext cx="247989" cy="1185584"/>
           </a:xfrm>
           <a:prstGeom prst="bentConnector2">
             <a:avLst/>
@@ -5739,7 +5611,7 @@
         </p:nvSpPr>
         <p:spPr>
           <a:xfrm>
-            <a:off x="5219836" y="2177769"/>
+            <a:off x="5219836" y="2237943"/>
             <a:ext cx="170709" cy="200457"/>
           </a:xfrm>
           <a:prstGeom prst="rect">
@@ -5780,8 +5652,8 @@
         </p:nvCxnSpPr>
         <p:spPr>
           <a:xfrm rot="10800000">
-            <a:off x="5162550" y="2145562"/>
-            <a:ext cx="1125864" cy="374072"/>
+            <a:off x="5162550" y="2190570"/>
+            <a:ext cx="1125864" cy="329064"/>
           </a:xfrm>
           <a:prstGeom prst="bentConnector2">
             <a:avLst/>
@@ -5898,6 +5770,174 @@
                 </a:schemeClr>
               </a:solidFill>
             </a:endParaRPr>
+          </a:p>
+        </p:txBody>
+      </p:sp>
+      <p:sp>
+        <p:nvSpPr>
+          <p:cNvPr id="116" name="Rectangle 115"/>
+          <p:cNvSpPr/>
+          <p:nvPr/>
+        </p:nvSpPr>
+        <p:spPr>
+          <a:xfrm>
+            <a:off x="4922925" y="3643941"/>
+            <a:ext cx="1124417" cy="457200"/>
+          </a:xfrm>
+          <a:prstGeom prst="rect">
+            <a:avLst/>
+          </a:prstGeom>
+        </p:spPr>
+        <p:style>
+          <a:lnRef idx="2">
+            <a:schemeClr val="accent4">
+              <a:shade val="50000"/>
+            </a:schemeClr>
+          </a:lnRef>
+          <a:fillRef idx="1">
+            <a:schemeClr val="accent4"/>
+          </a:fillRef>
+          <a:effectRef idx="0">
+            <a:schemeClr val="accent4"/>
+          </a:effectRef>
+          <a:fontRef idx="minor">
+            <a:schemeClr val="lt1"/>
+          </a:fontRef>
+        </p:style>
+        <p:txBody>
+          <a:bodyPr rtlCol="0" anchor="ctr"/>
+          <a:lstStyle/>
+          <a:p>
+            <a:pPr algn="ctr"/>
+            <a:r>
+              <a:rPr lang="en-US" sz="1600" b="1" dirty="0" err="1" smtClean="0"/>
+              <a:t>CoursesDb</a:t>
+            </a:r>
+            <a:endParaRPr lang="en-SG" sz="1600" b="1" dirty="0"/>
+          </a:p>
+        </p:txBody>
+      </p:sp>
+      <p:sp>
+        <p:nvSpPr>
+          <p:cNvPr id="106" name="Rectangle 105"/>
+          <p:cNvSpPr/>
+          <p:nvPr/>
+        </p:nvSpPr>
+        <p:spPr>
+          <a:xfrm>
+            <a:off x="4723933" y="1828800"/>
+            <a:ext cx="877233" cy="361770"/>
+          </a:xfrm>
+          <a:prstGeom prst="rect">
+            <a:avLst/>
+          </a:prstGeom>
+        </p:spPr>
+        <p:style>
+          <a:lnRef idx="2">
+            <a:schemeClr val="accent4">
+              <a:shade val="50000"/>
+            </a:schemeClr>
+          </a:lnRef>
+          <a:fillRef idx="1">
+            <a:schemeClr val="accent4"/>
+          </a:fillRef>
+          <a:effectRef idx="0">
+            <a:schemeClr val="accent4"/>
+          </a:effectRef>
+          <a:fontRef idx="minor">
+            <a:schemeClr val="lt1"/>
+          </a:fontRef>
+        </p:style>
+        <p:txBody>
+          <a:bodyPr rtlCol="0" anchor="ctr"/>
+          <a:lstStyle/>
+          <a:p>
+            <a:pPr algn="ctr"/>
+            <a:r>
+              <a:rPr lang="en-US" sz="1600" b="1" dirty="0" smtClean="0"/>
+              <a:t>Course</a:t>
+            </a:r>
+            <a:endParaRPr lang="en-SG" sz="1600" b="1" dirty="0"/>
+          </a:p>
+        </p:txBody>
+      </p:sp>
+      <p:sp>
+        <p:nvSpPr>
+          <p:cNvPr id="27" name="Diamond 26"/>
+          <p:cNvSpPr/>
+          <p:nvPr/>
+        </p:nvSpPr>
+        <p:spPr>
+          <a:xfrm>
+            <a:off x="4516140" y="1891341"/>
+            <a:ext cx="208260" cy="151078"/>
+          </a:xfrm>
+          <a:prstGeom prst="diamond">
+            <a:avLst/>
+          </a:prstGeom>
+        </p:spPr>
+        <p:style>
+          <a:lnRef idx="2">
+            <a:schemeClr val="accent4">
+              <a:shade val="50000"/>
+            </a:schemeClr>
+          </a:lnRef>
+          <a:fillRef idx="1">
+            <a:schemeClr val="accent4"/>
+          </a:fillRef>
+          <a:effectRef idx="0">
+            <a:schemeClr val="accent4"/>
+          </a:effectRef>
+          <a:fontRef idx="minor">
+            <a:schemeClr val="lt1"/>
+          </a:fontRef>
+        </p:style>
+        <p:txBody>
+          <a:bodyPr rtlCol="0" anchor="ctr"/>
+          <a:lstStyle/>
+          <a:p>
+            <a:pPr algn="ctr"/>
+            <a:endParaRPr lang="en-SG" sz="1600" b="1"/>
+          </a:p>
+        </p:txBody>
+      </p:sp>
+      <p:sp>
+        <p:nvSpPr>
+          <p:cNvPr id="52" name="Diamond 51"/>
+          <p:cNvSpPr/>
+          <p:nvPr/>
+        </p:nvSpPr>
+        <p:spPr>
+          <a:xfrm rot="5400000">
+            <a:off x="5058420" y="1649131"/>
+            <a:ext cx="208260" cy="151078"/>
+          </a:xfrm>
+          <a:prstGeom prst="diamond">
+            <a:avLst/>
+          </a:prstGeom>
+        </p:spPr>
+        <p:style>
+          <a:lnRef idx="2">
+            <a:schemeClr val="accent4">
+              <a:shade val="50000"/>
+            </a:schemeClr>
+          </a:lnRef>
+          <a:fillRef idx="1">
+            <a:schemeClr val="accent4"/>
+          </a:fillRef>
+          <a:effectRef idx="0">
+            <a:schemeClr val="accent4"/>
+          </a:effectRef>
+          <a:fontRef idx="minor">
+            <a:schemeClr val="lt1"/>
+          </a:fontRef>
+        </p:style>
+        <p:txBody>
+          <a:bodyPr rtlCol="0" anchor="ctr"/>
+          <a:lstStyle/>
+          <a:p>
+            <a:pPr algn="ctr"/>
+            <a:endParaRPr lang="en-SG" sz="1600" b="1"/>
           </a:p>
         </p:txBody>
       </p:sp>

--- a/doc/diagrams/StorageComponent.pptx
+++ b/doc/diagrams/StorageComponent.pptx
@@ -193,7 +193,7 @@
             <a:fld id="{AF301891-4E62-472A-98E9-95DBD40531A4}" type="datetimeFigureOut">
               <a:rPr lang="en-SG" smtClean="0"/>
               <a:pPr/>
-              <a:t>8/7/2012</a:t>
+              <a:t>5/12/2012</a:t>
             </a:fld>
             <a:endParaRPr lang="en-SG"/>
           </a:p>
@@ -362,7 +362,7 @@
     </p:spTree>
     <p:extLst>
       <p:ext uri="{BB962C8B-B14F-4D97-AF65-F5344CB8AC3E}">
-        <p14:creationId xmlns:p14="http://schemas.microsoft.com/office/powerpoint/2010/main" xmlns="" val="913918898"/>
+        <p14:creationId xmlns:p14="http://schemas.microsoft.com/office/powerpoint/2010/main" val="913918898"/>
       </p:ext>
     </p:extLst>
   </p:cSld>
@@ -537,7 +537,7 @@
     </p:spTree>
     <p:extLst>
       <p:ext uri="{BB962C8B-B14F-4D97-AF65-F5344CB8AC3E}">
-        <p14:creationId xmlns:p14="http://schemas.microsoft.com/office/powerpoint/2010/main" xmlns="" val="1998377649"/>
+        <p14:creationId xmlns:p14="http://schemas.microsoft.com/office/powerpoint/2010/main" val="1998377649"/>
       </p:ext>
     </p:extLst>
   </p:cSld>
@@ -729,7 +729,7 @@
             <a:fld id="{1D8BD707-D9CF-40AE-B4C6-C98DA3205C09}" type="datetimeFigureOut">
               <a:rPr lang="en-US" smtClean="0"/>
               <a:pPr/>
-              <a:t>7/8/2012</a:t>
+              <a:t>12/5/2012</a:t>
             </a:fld>
             <a:endParaRPr lang="en-US"/>
           </a:p>
@@ -896,7 +896,7 @@
             <a:fld id="{1D8BD707-D9CF-40AE-B4C6-C98DA3205C09}" type="datetimeFigureOut">
               <a:rPr lang="en-US" smtClean="0"/>
               <a:pPr/>
-              <a:t>7/8/2012</a:t>
+              <a:t>12/5/2012</a:t>
             </a:fld>
             <a:endParaRPr lang="en-US"/>
           </a:p>
@@ -1073,7 +1073,7 @@
             <a:fld id="{1D8BD707-D9CF-40AE-B4C6-C98DA3205C09}" type="datetimeFigureOut">
               <a:rPr lang="en-US" smtClean="0"/>
               <a:pPr/>
-              <a:t>7/8/2012</a:t>
+              <a:t>12/5/2012</a:t>
             </a:fld>
             <a:endParaRPr lang="en-US"/>
           </a:p>
@@ -1240,7 +1240,7 @@
             <a:fld id="{1D8BD707-D9CF-40AE-B4C6-C98DA3205C09}" type="datetimeFigureOut">
               <a:rPr lang="en-US" smtClean="0"/>
               <a:pPr/>
-              <a:t>7/8/2012</a:t>
+              <a:t>12/5/2012</a:t>
             </a:fld>
             <a:endParaRPr lang="en-US"/>
           </a:p>
@@ -1483,7 +1483,7 @@
             <a:fld id="{1D8BD707-D9CF-40AE-B4C6-C98DA3205C09}" type="datetimeFigureOut">
               <a:rPr lang="en-US" smtClean="0"/>
               <a:pPr/>
-              <a:t>7/8/2012</a:t>
+              <a:t>12/5/2012</a:t>
             </a:fld>
             <a:endParaRPr lang="en-US"/>
           </a:p>
@@ -1768,7 +1768,7 @@
             <a:fld id="{1D8BD707-D9CF-40AE-B4C6-C98DA3205C09}" type="datetimeFigureOut">
               <a:rPr lang="en-US" smtClean="0"/>
               <a:pPr/>
-              <a:t>7/8/2012</a:t>
+              <a:t>12/5/2012</a:t>
             </a:fld>
             <a:endParaRPr lang="en-US"/>
           </a:p>
@@ -2187,7 +2187,7 @@
             <a:fld id="{1D8BD707-D9CF-40AE-B4C6-C98DA3205C09}" type="datetimeFigureOut">
               <a:rPr lang="en-US" smtClean="0"/>
               <a:pPr/>
-              <a:t>7/8/2012</a:t>
+              <a:t>12/5/2012</a:t>
             </a:fld>
             <a:endParaRPr lang="en-US"/>
           </a:p>
@@ -2302,7 +2302,7 @@
             <a:fld id="{1D8BD707-D9CF-40AE-B4C6-C98DA3205C09}" type="datetimeFigureOut">
               <a:rPr lang="en-US" smtClean="0"/>
               <a:pPr/>
-              <a:t>7/8/2012</a:t>
+              <a:t>12/5/2012</a:t>
             </a:fld>
             <a:endParaRPr lang="en-US"/>
           </a:p>
@@ -2394,7 +2394,7 @@
             <a:fld id="{1D8BD707-D9CF-40AE-B4C6-C98DA3205C09}" type="datetimeFigureOut">
               <a:rPr lang="en-US" smtClean="0"/>
               <a:pPr/>
-              <a:t>7/8/2012</a:t>
+              <a:t>12/5/2012</a:t>
             </a:fld>
             <a:endParaRPr lang="en-US"/>
           </a:p>
@@ -2668,7 +2668,7 @@
             <a:fld id="{1D8BD707-D9CF-40AE-B4C6-C98DA3205C09}" type="datetimeFigureOut">
               <a:rPr lang="en-US" smtClean="0"/>
               <a:pPr/>
-              <a:t>7/8/2012</a:t>
+              <a:t>12/5/2012</a:t>
             </a:fld>
             <a:endParaRPr lang="en-US"/>
           </a:p>
@@ -2918,7 +2918,7 @@
             <a:fld id="{1D8BD707-D9CF-40AE-B4C6-C98DA3205C09}" type="datetimeFigureOut">
               <a:rPr lang="en-US" smtClean="0"/>
               <a:pPr/>
-              <a:t>7/8/2012</a:t>
+              <a:t>12/5/2012</a:t>
             </a:fld>
             <a:endParaRPr lang="en-US"/>
           </a:p>
@@ -3128,7 +3128,7 @@
             <a:fld id="{1D8BD707-D9CF-40AE-B4C6-C98DA3205C09}" type="datetimeFigureOut">
               <a:rPr lang="en-US" smtClean="0"/>
               <a:pPr/>
-              <a:t>7/8/2012</a:t>
+              <a:t>12/5/2012</a:t>
             </a:fld>
             <a:endParaRPr lang="en-US"/>
           </a:p>
@@ -3507,8 +3507,8 @@
         </p:nvSpPr>
         <p:spPr>
           <a:xfrm>
-            <a:off x="1295400" y="34183"/>
-            <a:ext cx="6400800" cy="6176115"/>
+            <a:off x="1066800" y="96725"/>
+            <a:ext cx="7543800" cy="5999276"/>
           </a:xfrm>
           <a:prstGeom prst="roundRect">
             <a:avLst>
@@ -3566,8 +3566,8 @@
         </p:nvGrpSpPr>
         <p:grpSpPr>
           <a:xfrm>
-            <a:off x="2057400" y="2632816"/>
-            <a:ext cx="5410200" cy="1710584"/>
+            <a:off x="1334982" y="3184781"/>
+            <a:ext cx="7047018" cy="1221160"/>
             <a:chOff x="-4267200" y="1447800"/>
             <a:chExt cx="5410200" cy="1710584"/>
           </a:xfrm>
@@ -3627,17 +3627,7 @@
                     </a:schemeClr>
                   </a:solidFill>
                 </a:rPr>
-                <a:t>storage</a:t>
-              </a:r>
-              <a:r>
-                <a:rPr lang="en-US" sz="1400" b="1" dirty="0" smtClean="0">
-                  <a:solidFill>
-                    <a:schemeClr val="accent3">
-                      <a:lumMod val="75000"/>
-                    </a:schemeClr>
-                  </a:solidFill>
-                </a:rPr>
-                <a:t>::</a:t>
+                <a:t>storage::</a:t>
               </a:r>
               <a:r>
                 <a:rPr lang="en-US" sz="1400" b="1" dirty="0" err="1" smtClean="0">
@@ -3723,10 +3713,10 @@
         </p:nvGrpSpPr>
         <p:grpSpPr>
           <a:xfrm>
-            <a:off x="2057400" y="343258"/>
-            <a:ext cx="5410200" cy="1866542"/>
+            <a:off x="1334982" y="405799"/>
+            <a:ext cx="7047018" cy="2476142"/>
             <a:chOff x="-4267200" y="1447800"/>
-            <a:chExt cx="5410200" cy="1866542"/>
+            <a:chExt cx="5410200" cy="2476142"/>
           </a:xfrm>
           <a:solidFill>
             <a:schemeClr val="bg1"/>
@@ -3741,7 +3731,7 @@
           <p:spPr>
             <a:xfrm>
               <a:off x="-4267200" y="1523999"/>
-              <a:ext cx="5410200" cy="1790343"/>
+              <a:ext cx="5410200" cy="2399943"/>
             </a:xfrm>
             <a:prstGeom prst="rect">
               <a:avLst/>
@@ -3860,8 +3850,8 @@
         </p:nvCxnSpPr>
         <p:spPr>
           <a:xfrm>
-            <a:off x="1042801" y="3200400"/>
-            <a:ext cx="1041563" cy="1488"/>
+            <a:off x="814201" y="3488564"/>
+            <a:ext cx="520781" cy="1488"/>
           </a:xfrm>
           <a:prstGeom prst="straightConnector1">
             <a:avLst/>
@@ -3897,8 +3887,8 @@
         </p:nvGrpSpPr>
         <p:grpSpPr>
           <a:xfrm>
-            <a:off x="2057400" y="4690216"/>
-            <a:ext cx="5410200" cy="1177184"/>
+            <a:off x="1334982" y="4752757"/>
+            <a:ext cx="7047018" cy="1177184"/>
             <a:chOff x="-4267200" y="1447800"/>
             <a:chExt cx="5410200" cy="1177184"/>
           </a:xfrm>
@@ -4044,8 +4034,8 @@
         </p:nvSpPr>
         <p:spPr>
           <a:xfrm>
-            <a:off x="2286000" y="3048000"/>
-            <a:ext cx="2000250" cy="457200"/>
+            <a:off x="3345596" y="3643941"/>
+            <a:ext cx="1452472" cy="457200"/>
           </a:xfrm>
           <a:prstGeom prst="rect">
             <a:avLst/>
@@ -4074,7 +4064,7 @@
             <a:pPr algn="ctr"/>
             <a:r>
               <a:rPr lang="en-US" sz="1600" b="1" dirty="0" err="1" smtClean="0"/>
-              <a:t>EvaluationsStorage</a:t>
+              <a:t>EvaluationsDb</a:t>
             </a:r>
             <a:endParaRPr lang="en-SG" sz="1600" b="1" dirty="0"/>
           </a:p>
@@ -4088,8 +4078,8 @@
         </p:nvSpPr>
         <p:spPr>
           <a:xfrm>
-            <a:off x="5309609" y="2981415"/>
-            <a:ext cx="1929391" cy="457200"/>
+            <a:off x="6172200" y="3643941"/>
+            <a:ext cx="1447800" cy="457200"/>
           </a:xfrm>
           <a:prstGeom prst="rect">
             <a:avLst/>
@@ -4118,7 +4108,7 @@
             <a:pPr algn="ctr"/>
             <a:r>
               <a:rPr lang="en-US" sz="1600" b="1" dirty="0" err="1" smtClean="0"/>
-              <a:t>AccountsStorage</a:t>
+              <a:t>AccountsDb</a:t>
             </a:r>
             <a:endParaRPr lang="en-SG" sz="1600" b="1" dirty="0"/>
           </a:p>
@@ -4132,7 +4122,7 @@
         </p:nvSpPr>
         <p:spPr>
           <a:xfrm>
-            <a:off x="5391150" y="5176486"/>
+            <a:off x="5162550" y="5239027"/>
             <a:ext cx="1466850" cy="386114"/>
           </a:xfrm>
           <a:prstGeom prst="rect">
@@ -4176,7 +4166,7 @@
         </p:nvSpPr>
         <p:spPr>
           <a:xfrm>
-            <a:off x="2739728" y="5176486"/>
+            <a:off x="2511128" y="5239027"/>
             <a:ext cx="1724025" cy="386114"/>
           </a:xfrm>
           <a:prstGeom prst="rect">
@@ -4212,50 +4202,6 @@
           </a:p>
         </p:txBody>
       </p:sp>
-      <p:sp>
-        <p:nvSpPr>
-          <p:cNvPr id="116" name="Rectangle 115"/>
-          <p:cNvSpPr/>
-          <p:nvPr/>
-        </p:nvSpPr>
-        <p:spPr>
-          <a:xfrm>
-            <a:off x="3898663" y="3581400"/>
-            <a:ext cx="1663937" cy="457200"/>
-          </a:xfrm>
-          <a:prstGeom prst="rect">
-            <a:avLst/>
-          </a:prstGeom>
-        </p:spPr>
-        <p:style>
-          <a:lnRef idx="2">
-            <a:schemeClr val="accent4">
-              <a:shade val="50000"/>
-            </a:schemeClr>
-          </a:lnRef>
-          <a:fillRef idx="1">
-            <a:schemeClr val="accent4"/>
-          </a:fillRef>
-          <a:effectRef idx="0">
-            <a:schemeClr val="accent4"/>
-          </a:effectRef>
-          <a:fontRef idx="minor">
-            <a:schemeClr val="lt1"/>
-          </a:fontRef>
-        </p:style>
-        <p:txBody>
-          <a:bodyPr rtlCol="0" anchor="ctr"/>
-          <a:lstStyle/>
-          <a:p>
-            <a:pPr algn="ctr"/>
-            <a:r>
-              <a:rPr lang="en-US" sz="1600" b="1" dirty="0" err="1" smtClean="0"/>
-              <a:t>CoursesStorage</a:t>
-            </a:r>
-            <a:endParaRPr lang="en-SG" sz="1600" b="1" dirty="0"/>
-          </a:p>
-        </p:txBody>
-      </p:sp>
       <p:cxnSp>
         <p:nvCxnSpPr>
           <p:cNvPr id="118" name="Straight Arrow Connector 117"/>
@@ -4264,7 +4210,7 @@
         </p:nvCxnSpPr>
         <p:spPr>
           <a:xfrm flipV="1">
-            <a:off x="3810000" y="4343401"/>
+            <a:off x="3581400" y="4405942"/>
             <a:ext cx="1" cy="833085"/>
           </a:xfrm>
           <a:prstGeom prst="straightConnector1">
@@ -4306,7 +4252,7 @@
         </p:nvSpPr>
         <p:spPr>
           <a:xfrm>
-            <a:off x="457200" y="3048000"/>
+            <a:off x="228600" y="3336164"/>
             <a:ext cx="609600" cy="307777"/>
           </a:xfrm>
           <a:prstGeom prst="rect">
@@ -4431,7 +4377,7 @@
         </p:nvCxnSpPr>
         <p:spPr>
           <a:xfrm flipH="1" flipV="1">
-            <a:off x="3816231" y="5867400"/>
+            <a:off x="3587631" y="5929941"/>
             <a:ext cx="1" cy="544082"/>
           </a:xfrm>
           <a:prstGeom prst="straightConnector1">
@@ -4469,7 +4415,7 @@
         </p:nvSpPr>
         <p:spPr>
           <a:xfrm>
-            <a:off x="2908063" y="6411482"/>
+            <a:off x="2679463" y="6474023"/>
             <a:ext cx="1816337" cy="307777"/>
           </a:xfrm>
           <a:prstGeom prst="rect">
@@ -4602,14 +4548,14 @@
       </p:sp>
       <p:sp>
         <p:nvSpPr>
-          <p:cNvPr id="95" name="Rectangle 94"/>
+          <p:cNvPr id="96" name="Rectangle 95"/>
           <p:cNvSpPr/>
           <p:nvPr/>
         </p:nvSpPr>
         <p:spPr>
           <a:xfrm>
-            <a:off x="5395823" y="648058"/>
-            <a:ext cx="1184482" cy="361770"/>
+            <a:off x="6348134" y="1191666"/>
+            <a:ext cx="1076146" cy="361770"/>
           </a:xfrm>
           <a:prstGeom prst="rect">
             <a:avLst/>
@@ -4638,95 +4584,7 @@
             <a:pPr algn="ctr"/>
             <a:r>
               <a:rPr lang="en-US" sz="1600" b="1" dirty="0" smtClean="0"/>
-              <a:t>Account</a:t>
-            </a:r>
-            <a:endParaRPr lang="en-SG" sz="1600" b="1" dirty="0"/>
-          </a:p>
-        </p:txBody>
-      </p:sp>
-      <p:sp>
-        <p:nvSpPr>
-          <p:cNvPr id="96" name="Rectangle 95"/>
-          <p:cNvSpPr/>
-          <p:nvPr/>
-        </p:nvSpPr>
-        <p:spPr>
-          <a:xfrm>
-            <a:off x="4738866" y="1486258"/>
-            <a:ext cx="1076146" cy="361770"/>
-          </a:xfrm>
-          <a:prstGeom prst="rect">
-            <a:avLst/>
-          </a:prstGeom>
-        </p:spPr>
-        <p:style>
-          <a:lnRef idx="2">
-            <a:schemeClr val="accent6">
-              <a:shade val="50000"/>
-            </a:schemeClr>
-          </a:lnRef>
-          <a:fillRef idx="1">
-            <a:schemeClr val="accent6"/>
-          </a:fillRef>
-          <a:effectRef idx="0">
-            <a:schemeClr val="accent6"/>
-          </a:effectRef>
-          <a:fontRef idx="minor">
-            <a:schemeClr val="lt1"/>
-          </a:fontRef>
-        </p:style>
-        <p:txBody>
-          <a:bodyPr rtlCol="0" anchor="ctr"/>
-          <a:lstStyle/>
-          <a:p>
-            <a:pPr algn="ctr"/>
-            <a:r>
-              <a:rPr lang="en-US" sz="1600" b="1" dirty="0" smtClean="0"/>
               <a:t>Student</a:t>
-            </a:r>
-            <a:endParaRPr lang="en-SG" sz="1600" b="1" dirty="0"/>
-          </a:p>
-        </p:txBody>
-      </p:sp>
-      <p:sp>
-        <p:nvSpPr>
-          <p:cNvPr id="97" name="Rectangle 96"/>
-          <p:cNvSpPr/>
-          <p:nvPr/>
-        </p:nvSpPr>
-        <p:spPr>
-          <a:xfrm>
-            <a:off x="6115049" y="1476998"/>
-            <a:ext cx="1204823" cy="361770"/>
-          </a:xfrm>
-          <a:prstGeom prst="rect">
-            <a:avLst/>
-          </a:prstGeom>
-        </p:spPr>
-        <p:style>
-          <a:lnRef idx="2">
-            <a:schemeClr val="accent6">
-              <a:shade val="50000"/>
-            </a:schemeClr>
-          </a:lnRef>
-          <a:fillRef idx="1">
-            <a:schemeClr val="accent6"/>
-          </a:fillRef>
-          <a:effectRef idx="0">
-            <a:schemeClr val="accent6"/>
-          </a:effectRef>
-          <a:fontRef idx="minor">
-            <a:schemeClr val="lt1"/>
-          </a:fontRef>
-        </p:style>
-        <p:txBody>
-          <a:bodyPr rtlCol="0" anchor="ctr"/>
-          <a:lstStyle/>
-          <a:p>
-            <a:pPr algn="ctr"/>
-            <a:r>
-              <a:rPr lang="en-US" sz="1600" b="1" dirty="0" smtClean="0"/>
-              <a:t>Coordinator</a:t>
             </a:r>
             <a:endParaRPr lang="en-SG" sz="1600" b="1" dirty="0"/>
           </a:p>
@@ -4740,7 +4598,7 @@
         </p:nvSpPr>
         <p:spPr>
           <a:xfrm>
-            <a:off x="2624495" y="901941"/>
+            <a:off x="3177145" y="1348684"/>
             <a:ext cx="1204823" cy="361770"/>
           </a:xfrm>
           <a:prstGeom prst="rect">
@@ -4776,204 +4634,6 @@
           </a:p>
         </p:txBody>
       </p:sp>
-      <p:sp>
-        <p:nvSpPr>
-          <p:cNvPr id="103" name="Rectangle 102"/>
-          <p:cNvSpPr/>
-          <p:nvPr/>
-        </p:nvSpPr>
-        <p:spPr>
-          <a:xfrm>
-            <a:off x="2233702" y="1505488"/>
-            <a:ext cx="1204823" cy="361770"/>
-          </a:xfrm>
-          <a:prstGeom prst="rect">
-            <a:avLst/>
-          </a:prstGeom>
-        </p:spPr>
-        <p:style>
-          <a:lnRef idx="2">
-            <a:schemeClr val="accent5">
-              <a:shade val="50000"/>
-            </a:schemeClr>
-          </a:lnRef>
-          <a:fillRef idx="1">
-            <a:schemeClr val="accent5"/>
-          </a:fillRef>
-          <a:effectRef idx="0">
-            <a:schemeClr val="accent5"/>
-          </a:effectRef>
-          <a:fontRef idx="minor">
-            <a:schemeClr val="lt1"/>
-          </a:fontRef>
-        </p:style>
-        <p:txBody>
-          <a:bodyPr rtlCol="0" anchor="ctr"/>
-          <a:lstStyle/>
-          <a:p>
-            <a:pPr algn="ctr"/>
-            <a:r>
-              <a:rPr lang="en-US" sz="1600" b="1" dirty="0" smtClean="0"/>
-              <a:t>Submission</a:t>
-            </a:r>
-            <a:endParaRPr lang="en-SG" sz="1600" b="1" dirty="0"/>
-          </a:p>
-        </p:txBody>
-      </p:sp>
-      <p:sp>
-        <p:nvSpPr>
-          <p:cNvPr id="104" name="Isosceles Triangle 103"/>
-          <p:cNvSpPr/>
-          <p:nvPr/>
-        </p:nvSpPr>
-        <p:spPr>
-          <a:xfrm>
-            <a:off x="5819685" y="1007336"/>
-            <a:ext cx="276225" cy="228600"/>
-          </a:xfrm>
-          <a:prstGeom prst="triangle">
-            <a:avLst/>
-          </a:prstGeom>
-        </p:spPr>
-        <p:style>
-          <a:lnRef idx="2">
-            <a:schemeClr val="accent6">
-              <a:shade val="50000"/>
-            </a:schemeClr>
-          </a:lnRef>
-          <a:fillRef idx="1">
-            <a:schemeClr val="accent6"/>
-          </a:fillRef>
-          <a:effectRef idx="0">
-            <a:schemeClr val="accent6"/>
-          </a:effectRef>
-          <a:fontRef idx="minor">
-            <a:schemeClr val="lt1"/>
-          </a:fontRef>
-        </p:style>
-        <p:txBody>
-          <a:bodyPr rtlCol="0" anchor="ctr"/>
-          <a:lstStyle/>
-          <a:p>
-            <a:pPr algn="ctr"/>
-            <a:endParaRPr lang="en-SG"/>
-          </a:p>
-        </p:txBody>
-      </p:sp>
-      <p:cxnSp>
-        <p:nvCxnSpPr>
-          <p:cNvPr id="63" name="Elbow Connector 62"/>
-          <p:cNvCxnSpPr>
-            <a:stCxn id="104" idx="3"/>
-            <a:endCxn id="96" idx="0"/>
-          </p:cNvCxnSpPr>
-          <p:nvPr/>
-        </p:nvCxnSpPr>
-        <p:spPr>
-          <a:xfrm rot="5400000">
-            <a:off x="5492208" y="1020668"/>
-            <a:ext cx="250322" cy="680859"/>
-          </a:xfrm>
-          <a:prstGeom prst="bentConnector3">
-            <a:avLst/>
-          </a:prstGeom>
-        </p:spPr>
-        <p:style>
-          <a:lnRef idx="2">
-            <a:schemeClr val="accent6">
-              <a:shade val="50000"/>
-            </a:schemeClr>
-          </a:lnRef>
-          <a:fillRef idx="1">
-            <a:schemeClr val="accent6"/>
-          </a:fillRef>
-          <a:effectRef idx="0">
-            <a:schemeClr val="accent6"/>
-          </a:effectRef>
-          <a:fontRef idx="minor">
-            <a:schemeClr val="lt1"/>
-          </a:fontRef>
-        </p:style>
-      </p:cxnSp>
-      <p:cxnSp>
-        <p:nvCxnSpPr>
-          <p:cNvPr id="65" name="Elbow Connector 64"/>
-          <p:cNvCxnSpPr>
-            <a:stCxn id="97" idx="0"/>
-            <a:endCxn id="104" idx="3"/>
-          </p:cNvCxnSpPr>
-          <p:nvPr/>
-        </p:nvCxnSpPr>
-        <p:spPr>
-          <a:xfrm rot="16200000" flipV="1">
-            <a:off x="6217099" y="976635"/>
-            <a:ext cx="241062" cy="759663"/>
-          </a:xfrm>
-          <a:prstGeom prst="bentConnector3">
-            <a:avLst/>
-          </a:prstGeom>
-        </p:spPr>
-        <p:style>
-          <a:lnRef idx="2">
-            <a:schemeClr val="accent6">
-              <a:shade val="50000"/>
-            </a:schemeClr>
-          </a:lnRef>
-          <a:fillRef idx="1">
-            <a:schemeClr val="accent6"/>
-          </a:fillRef>
-          <a:effectRef idx="0">
-            <a:schemeClr val="accent6"/>
-          </a:effectRef>
-          <a:fontRef idx="minor">
-            <a:schemeClr val="lt1"/>
-          </a:fontRef>
-        </p:style>
-      </p:cxnSp>
-      <p:sp>
-        <p:nvSpPr>
-          <p:cNvPr id="106" name="Rectangle 105"/>
-          <p:cNvSpPr/>
-          <p:nvPr/>
-        </p:nvSpPr>
-        <p:spPr>
-          <a:xfrm>
-            <a:off x="3733800" y="1505488"/>
-            <a:ext cx="877233" cy="361770"/>
-          </a:xfrm>
-          <a:prstGeom prst="rect">
-            <a:avLst/>
-          </a:prstGeom>
-        </p:spPr>
-        <p:style>
-          <a:lnRef idx="2">
-            <a:schemeClr val="accent4">
-              <a:shade val="50000"/>
-            </a:schemeClr>
-          </a:lnRef>
-          <a:fillRef idx="1">
-            <a:schemeClr val="accent4"/>
-          </a:fillRef>
-          <a:effectRef idx="0">
-            <a:schemeClr val="accent4"/>
-          </a:effectRef>
-          <a:fontRef idx="minor">
-            <a:schemeClr val="lt1"/>
-          </a:fontRef>
-        </p:style>
-        <p:txBody>
-          <a:bodyPr rtlCol="0" anchor="ctr"/>
-          <a:lstStyle/>
-          <a:p>
-            <a:pPr algn="ctr"/>
-            <a:r>
-              <a:rPr lang="en-US" sz="1600" b="1" dirty="0" smtClean="0"/>
-              <a:t>Course</a:t>
-            </a:r>
-            <a:endParaRPr lang="en-SG" sz="1600" b="1" dirty="0"/>
-          </a:p>
-        </p:txBody>
-      </p:sp>
       <p:cxnSp>
         <p:nvCxnSpPr>
           <p:cNvPr id="115" name="Straight Arrow Connector 114"/>
@@ -4982,7 +4642,7 @@
         </p:nvCxnSpPr>
         <p:spPr>
           <a:xfrm flipV="1">
-            <a:off x="6172200" y="5562600"/>
+            <a:off x="5943600" y="5625141"/>
             <a:ext cx="1" cy="848882"/>
           </a:xfrm>
           <a:prstGeom prst="straightConnector1">
@@ -5020,7 +4680,7 @@
         </p:nvSpPr>
         <p:spPr>
           <a:xfrm>
-            <a:off x="5181600" y="6321623"/>
+            <a:off x="4953000" y="6384164"/>
             <a:ext cx="1816337" cy="307777"/>
           </a:xfrm>
           <a:prstGeom prst="rect">
@@ -5142,97 +4802,14 @@
           <p:nvPr/>
         </p:nvCxnSpPr>
         <p:spPr>
-          <a:xfrm>
-            <a:off x="5309609" y="1867258"/>
-            <a:ext cx="964695" cy="1114157"/>
+          <a:xfrm flipH="1">
+            <a:off x="6755482" y="1553436"/>
+            <a:ext cx="13855" cy="2131935"/>
           </a:xfrm>
           <a:prstGeom prst="straightConnector1">
             <a:avLst/>
           </a:prstGeom>
           <a:ln>
-            <a:prstDash val="sysDot"/>
-            <a:headEnd type="arrow" w="med" len="med"/>
-            <a:tailEnd type="none" w="med" len="med"/>
-          </a:ln>
-        </p:spPr>
-        <p:style>
-          <a:lnRef idx="2">
-            <a:schemeClr val="accent6">
-              <a:shade val="50000"/>
-            </a:schemeClr>
-          </a:lnRef>
-          <a:fillRef idx="1">
-            <a:schemeClr val="accent6"/>
-          </a:fillRef>
-          <a:effectRef idx="0">
-            <a:schemeClr val="accent6"/>
-          </a:effectRef>
-          <a:fontRef idx="minor">
-            <a:schemeClr val="lt1"/>
-          </a:fontRef>
-        </p:style>
-      </p:cxnSp>
-      <p:cxnSp>
-        <p:nvCxnSpPr>
-          <p:cNvPr id="124" name="Straight Arrow Connector 123"/>
-          <p:cNvCxnSpPr>
-            <a:stCxn id="97" idx="2"/>
-          </p:cNvCxnSpPr>
-          <p:nvPr/>
-        </p:nvCxnSpPr>
-        <p:spPr>
-          <a:xfrm flipH="1">
-            <a:off x="6274304" y="1838768"/>
-            <a:ext cx="443157" cy="1142647"/>
-          </a:xfrm>
-          <a:prstGeom prst="straightConnector1">
-            <a:avLst/>
-          </a:prstGeom>
-          <a:ln>
-            <a:prstDash val="sysDot"/>
-            <a:headEnd type="arrow" w="med" len="med"/>
-            <a:tailEnd type="none" w="med" len="med"/>
-          </a:ln>
-        </p:spPr>
-        <p:style>
-          <a:lnRef idx="2">
-            <a:schemeClr val="accent6">
-              <a:shade val="50000"/>
-            </a:schemeClr>
-          </a:lnRef>
-          <a:fillRef idx="1">
-            <a:schemeClr val="accent6"/>
-          </a:fillRef>
-          <a:effectRef idx="0">
-            <a:schemeClr val="accent6"/>
-          </a:effectRef>
-          <a:fontRef idx="minor">
-            <a:schemeClr val="lt1"/>
-          </a:fontRef>
-        </p:style>
-      </p:cxnSp>
-      <p:cxnSp>
-        <p:nvCxnSpPr>
-          <p:cNvPr id="127" name="Straight Arrow Connector 126"/>
-          <p:cNvCxnSpPr>
-            <a:stCxn id="96" idx="2"/>
-          </p:cNvCxnSpPr>
-          <p:nvPr/>
-        </p:nvCxnSpPr>
-        <p:spPr>
-          <a:xfrm flipH="1">
-            <a:off x="4738098" y="1848028"/>
-            <a:ext cx="538841" cy="1735688"/>
-          </a:xfrm>
-          <a:prstGeom prst="straightConnector1">
-            <a:avLst/>
-          </a:prstGeom>
-          <a:ln>
-            <a:solidFill>
-              <a:schemeClr val="accent4">
-                <a:lumMod val="75000"/>
-              </a:schemeClr>
-            </a:solidFill>
             <a:prstDash val="sysDot"/>
             <a:headEnd type="arrow" w="med" len="med"/>
             <a:tailEnd type="none" w="med" len="med"/>
@@ -5258,16 +4835,13 @@
       <p:cxnSp>
         <p:nvCxnSpPr>
           <p:cNvPr id="129" name="Straight Arrow Connector 128"/>
-          <p:cNvCxnSpPr>
-            <a:stCxn id="106" idx="2"/>
-            <a:endCxn id="116" idx="0"/>
-          </p:cNvCxnSpPr>
+          <p:cNvCxnSpPr/>
           <p:nvPr/>
         </p:nvCxnSpPr>
         <p:spPr>
           <a:xfrm>
-            <a:off x="4172417" y="1867258"/>
-            <a:ext cx="558215" cy="1714142"/>
+            <a:off x="5029200" y="2185572"/>
+            <a:ext cx="0" cy="1486077"/>
           </a:xfrm>
           <a:prstGeom prst="straightConnector1">
             <a:avLst/>
@@ -5307,9 +4881,9 @@
           <p:nvPr/>
         </p:nvCxnSpPr>
         <p:spPr>
-          <a:xfrm flipH="1">
-            <a:off x="3522426" y="1235936"/>
-            <a:ext cx="79314" cy="1796931"/>
+          <a:xfrm>
+            <a:off x="3657600" y="1710454"/>
+            <a:ext cx="0" cy="1933487"/>
           </a:xfrm>
           <a:prstGeom prst="straightConnector1">
             <a:avLst/>
@@ -5322,6 +4896,262 @@
             </a:solidFill>
             <a:prstDash val="sysDot"/>
             <a:headEnd type="arrow" w="med" len="med"/>
+            <a:tailEnd type="none" w="med" len="med"/>
+          </a:ln>
+        </p:spPr>
+        <p:style>
+          <a:lnRef idx="2">
+            <a:schemeClr val="accent6">
+              <a:shade val="50000"/>
+            </a:schemeClr>
+          </a:lnRef>
+          <a:fillRef idx="1">
+            <a:schemeClr val="accent6"/>
+          </a:fillRef>
+          <a:effectRef idx="0">
+            <a:schemeClr val="accent6"/>
+          </a:effectRef>
+          <a:fontRef idx="minor">
+            <a:schemeClr val="lt1"/>
+          </a:fontRef>
+        </p:style>
+      </p:cxnSp>
+      <p:sp>
+        <p:nvSpPr>
+          <p:cNvPr id="56" name="Rectangle 55"/>
+          <p:cNvSpPr/>
+          <p:nvPr/>
+        </p:nvSpPr>
+        <p:spPr>
+          <a:xfrm>
+            <a:off x="1995102" y="788371"/>
+            <a:ext cx="1182043" cy="304800"/>
+          </a:xfrm>
+          <a:prstGeom prst="rect">
+            <a:avLst/>
+          </a:prstGeom>
+        </p:spPr>
+        <p:style>
+          <a:lnRef idx="2">
+            <a:schemeClr val="accent1">
+              <a:shade val="50000"/>
+            </a:schemeClr>
+          </a:lnRef>
+          <a:fillRef idx="1">
+            <a:schemeClr val="accent1"/>
+          </a:fillRef>
+          <a:effectRef idx="0">
+            <a:schemeClr val="accent1"/>
+          </a:effectRef>
+          <a:fontRef idx="minor">
+            <a:schemeClr val="lt1"/>
+          </a:fontRef>
+        </p:style>
+        <p:txBody>
+          <a:bodyPr rtlCol="0" anchor="ctr"/>
+          <a:lstStyle/>
+          <a:p>
+            <a:pPr algn="ctr"/>
+            <a:r>
+              <a:rPr lang="en-US" sz="1600" b="1" dirty="0" smtClean="0"/>
+              <a:t>Submission</a:t>
+            </a:r>
+            <a:endParaRPr lang="en-SG" sz="1600" b="1" dirty="0"/>
+          </a:p>
+        </p:txBody>
+      </p:sp>
+      <p:cxnSp>
+        <p:nvCxnSpPr>
+          <p:cNvPr id="38" name="Straight Arrow Connector 37"/>
+          <p:cNvCxnSpPr/>
+          <p:nvPr/>
+        </p:nvCxnSpPr>
+        <p:spPr>
+          <a:xfrm>
+            <a:off x="2362200" y="1093171"/>
+            <a:ext cx="0" cy="2550770"/>
+          </a:xfrm>
+          <a:prstGeom prst="straightConnector1">
+            <a:avLst/>
+          </a:prstGeom>
+          <a:ln>
+            <a:solidFill>
+              <a:schemeClr val="tx2"/>
+            </a:solidFill>
+            <a:prstDash val="sysDot"/>
+            <a:headEnd type="arrow" w="med" len="med"/>
+            <a:tailEnd type="none" w="med" len="med"/>
+          </a:ln>
+        </p:spPr>
+        <p:style>
+          <a:lnRef idx="2">
+            <a:schemeClr val="accent6">
+              <a:shade val="50000"/>
+            </a:schemeClr>
+          </a:lnRef>
+          <a:fillRef idx="1">
+            <a:schemeClr val="accent6"/>
+          </a:fillRef>
+          <a:effectRef idx="0">
+            <a:schemeClr val="accent6"/>
+          </a:effectRef>
+          <a:fontRef idx="minor">
+            <a:schemeClr val="lt1"/>
+          </a:fontRef>
+        </p:style>
+      </p:cxnSp>
+      <p:sp>
+        <p:nvSpPr>
+          <p:cNvPr id="53" name="Rectangle 52"/>
+          <p:cNvSpPr/>
+          <p:nvPr/>
+        </p:nvSpPr>
+        <p:spPr>
+          <a:xfrm>
+            <a:off x="1752600" y="3643941"/>
+            <a:ext cx="1468139" cy="457200"/>
+          </a:xfrm>
+          <a:prstGeom prst="rect">
+            <a:avLst/>
+          </a:prstGeom>
+        </p:spPr>
+        <p:style>
+          <a:lnRef idx="2">
+            <a:schemeClr val="accent1">
+              <a:shade val="50000"/>
+            </a:schemeClr>
+          </a:lnRef>
+          <a:fillRef idx="1">
+            <a:schemeClr val="accent1"/>
+          </a:fillRef>
+          <a:effectRef idx="0">
+            <a:schemeClr val="accent1"/>
+          </a:effectRef>
+          <a:fontRef idx="minor">
+            <a:schemeClr val="lt1"/>
+          </a:fontRef>
+        </p:style>
+        <p:txBody>
+          <a:bodyPr rtlCol="0" anchor="ctr"/>
+          <a:lstStyle/>
+          <a:p>
+            <a:pPr algn="ctr"/>
+            <a:r>
+              <a:rPr lang="en-US" sz="1600" b="1" dirty="0" err="1" smtClean="0"/>
+              <a:t>SubmissionsDb</a:t>
+            </a:r>
+            <a:endParaRPr lang="en-SG" sz="1600" b="1" dirty="0"/>
+          </a:p>
+        </p:txBody>
+      </p:sp>
+      <p:cxnSp>
+        <p:nvCxnSpPr>
+          <p:cNvPr id="26" name="Elbow Connector 25"/>
+          <p:cNvCxnSpPr>
+            <a:stCxn id="56" idx="3"/>
+            <a:endCxn id="96" idx="0"/>
+          </p:cNvCxnSpPr>
+          <p:nvPr/>
+        </p:nvCxnSpPr>
+        <p:spPr>
+          <a:xfrm>
+            <a:off x="3177145" y="940771"/>
+            <a:ext cx="3709062" cy="250895"/>
+          </a:xfrm>
+          <a:prstGeom prst="bentConnector2">
+            <a:avLst/>
+          </a:prstGeom>
+          <a:ln w="57150" cmpd="dbl">
+            <a:solidFill>
+              <a:schemeClr val="tx2"/>
+            </a:solidFill>
+            <a:prstDash val="solid"/>
+            <a:headEnd type="none" w="med" len="med"/>
+            <a:tailEnd type="triangle" w="med" len="med"/>
+          </a:ln>
+        </p:spPr>
+        <p:style>
+          <a:lnRef idx="2">
+            <a:schemeClr val="accent6">
+              <a:shade val="50000"/>
+            </a:schemeClr>
+          </a:lnRef>
+          <a:fillRef idx="1">
+            <a:schemeClr val="accent6"/>
+          </a:fillRef>
+          <a:effectRef idx="0">
+            <a:schemeClr val="accent6"/>
+          </a:effectRef>
+          <a:fontRef idx="minor">
+            <a:schemeClr val="lt1"/>
+          </a:fontRef>
+        </p:style>
+      </p:cxnSp>
+      <p:sp>
+        <p:nvSpPr>
+          <p:cNvPr id="54" name="Diamond 53"/>
+          <p:cNvSpPr/>
+          <p:nvPr/>
+        </p:nvSpPr>
+        <p:spPr>
+          <a:xfrm>
+            <a:off x="2968885" y="1477897"/>
+            <a:ext cx="208260" cy="151078"/>
+          </a:xfrm>
+          <a:prstGeom prst="diamond">
+            <a:avLst/>
+          </a:prstGeom>
+        </p:spPr>
+        <p:style>
+          <a:lnRef idx="2">
+            <a:schemeClr val="accent5">
+              <a:shade val="50000"/>
+            </a:schemeClr>
+          </a:lnRef>
+          <a:fillRef idx="1">
+            <a:schemeClr val="accent5"/>
+          </a:fillRef>
+          <a:effectRef idx="0">
+            <a:schemeClr val="accent5"/>
+          </a:effectRef>
+          <a:fontRef idx="minor">
+            <a:schemeClr val="lt1"/>
+          </a:fontRef>
+        </p:style>
+        <p:txBody>
+          <a:bodyPr rtlCol="0" anchor="ctr"/>
+          <a:lstStyle/>
+          <a:p>
+            <a:pPr algn="ctr"/>
+            <a:endParaRPr lang="en-SG" sz="1600" b="1"/>
+          </a:p>
+        </p:txBody>
+      </p:sp>
+      <p:cxnSp>
+        <p:nvCxnSpPr>
+          <p:cNvPr id="55" name="Elbow Connector 54"/>
+          <p:cNvCxnSpPr>
+            <a:stCxn id="27" idx="1"/>
+            <a:endCxn id="101" idx="2"/>
+          </p:cNvCxnSpPr>
+          <p:nvPr/>
+        </p:nvCxnSpPr>
+        <p:spPr>
+          <a:xfrm rot="10800000">
+            <a:off x="3779558" y="1710454"/>
+            <a:ext cx="736583" cy="256426"/>
+          </a:xfrm>
+          <a:prstGeom prst="bentConnector2">
+            <a:avLst/>
+          </a:prstGeom>
+          <a:ln w="57150" cmpd="dbl">
+            <a:solidFill>
+              <a:schemeClr val="accent5">
+                <a:lumMod val="75000"/>
+              </a:schemeClr>
+            </a:solidFill>
+            <a:prstDash val="solid"/>
+            <a:headEnd type="triangle" w="med" len="med"/>
             <a:tailEnd type="none" w="med" len="med"/>
           </a:ln>
         </p:spPr>
@@ -5344,26 +5174,113 @@
       </p:cxnSp>
       <p:cxnSp>
         <p:nvCxnSpPr>
-          <p:cNvPr id="135" name="Straight Arrow Connector 134"/>
-          <p:cNvCxnSpPr/>
+          <p:cNvPr id="61" name="Elbow Connector 60"/>
+          <p:cNvCxnSpPr>
+            <a:stCxn id="54" idx="1"/>
+          </p:cNvCxnSpPr>
           <p:nvPr/>
         </p:nvCxnSpPr>
         <p:spPr>
-          <a:xfrm flipH="1">
-            <a:off x="3546773" y="1867258"/>
-            <a:ext cx="491827" cy="1147449"/>
-          </a:xfrm>
-          <a:prstGeom prst="straightConnector1">
+          <a:xfrm rot="10800000">
+            <a:off x="2586123" y="1093172"/>
+            <a:ext cx="382762" cy="460265"/>
+          </a:xfrm>
+          <a:prstGeom prst="bentConnector2">
             <a:avLst/>
           </a:prstGeom>
-          <a:ln>
+          <a:ln w="57150" cmpd="dbl">
             <a:solidFill>
-              <a:schemeClr val="accent5">
-                <a:lumMod val="75000"/>
+              <a:schemeClr val="tx2"/>
+            </a:solidFill>
+            <a:prstDash val="solid"/>
+            <a:headEnd type="triangle" w="med" len="med"/>
+            <a:tailEnd type="none" w="med" len="med"/>
+          </a:ln>
+        </p:spPr>
+        <p:style>
+          <a:lnRef idx="2">
+            <a:schemeClr val="accent6">
+              <a:shade val="50000"/>
+            </a:schemeClr>
+          </a:lnRef>
+          <a:fillRef idx="1">
+            <a:schemeClr val="accent6"/>
+          </a:fillRef>
+          <a:effectRef idx="0">
+            <a:schemeClr val="accent6"/>
+          </a:effectRef>
+          <a:fontRef idx="minor">
+            <a:schemeClr val="lt1"/>
+          </a:fontRef>
+        </p:style>
+      </p:cxnSp>
+      <p:sp>
+        <p:nvSpPr>
+          <p:cNvPr id="72" name="Rectangle 71"/>
+          <p:cNvSpPr/>
+          <p:nvPr/>
+        </p:nvSpPr>
+        <p:spPr>
+          <a:xfrm>
+            <a:off x="7314267" y="1752239"/>
+            <a:ext cx="991533" cy="361770"/>
+          </a:xfrm>
+          <a:prstGeom prst="rect">
+            <a:avLst/>
+          </a:prstGeom>
+        </p:spPr>
+        <p:style>
+          <a:lnRef idx="2">
+            <a:schemeClr val="accent3"/>
+          </a:lnRef>
+          <a:fillRef idx="1">
+            <a:schemeClr val="lt1"/>
+          </a:fillRef>
+          <a:effectRef idx="0">
+            <a:schemeClr val="accent3"/>
+          </a:effectRef>
+          <a:fontRef idx="minor">
+            <a:schemeClr val="dk1"/>
+          </a:fontRef>
+        </p:style>
+        <p:txBody>
+          <a:bodyPr rtlCol="0" anchor="ctr"/>
+          <a:lstStyle/>
+          <a:p>
+            <a:pPr algn="ctr"/>
+            <a:r>
+              <a:rPr lang="en-US" sz="1600" b="1" dirty="0" err="1" smtClean="0"/>
+              <a:t>GoogleId</a:t>
+            </a:r>
+            <a:endParaRPr lang="en-SG" sz="1600" b="1" dirty="0"/>
+          </a:p>
+        </p:txBody>
+      </p:sp>
+      <p:cxnSp>
+        <p:nvCxnSpPr>
+          <p:cNvPr id="73" name="Elbow Connector 72"/>
+          <p:cNvCxnSpPr>
+            <a:stCxn id="72" idx="0"/>
+            <a:endCxn id="96" idx="3"/>
+          </p:cNvCxnSpPr>
+          <p:nvPr/>
+        </p:nvCxnSpPr>
+        <p:spPr>
+          <a:xfrm rot="16200000" flipV="1">
+            <a:off x="7427313" y="1369518"/>
+            <a:ext cx="379688" cy="385754"/>
+          </a:xfrm>
+          <a:prstGeom prst="bentConnector2">
+            <a:avLst/>
+          </a:prstGeom>
+          <a:ln w="57150" cmpd="dbl">
+            <a:solidFill>
+              <a:schemeClr val="accent6">
+                <a:lumMod val="50000"/>
               </a:schemeClr>
             </a:solidFill>
-            <a:prstDash val="sysDot"/>
-            <a:headEnd type="arrow" w="med" len="med"/>
+            <a:prstDash val="solid"/>
+            <a:headEnd type="triangle" w="med" len="med"/>
             <a:tailEnd type="none" w="med" len="med"/>
           </a:ln>
         </p:spPr>
@@ -5386,24 +5303,117 @@
       </p:cxnSp>
       <p:cxnSp>
         <p:nvCxnSpPr>
-          <p:cNvPr id="138" name="Straight Arrow Connector 137"/>
-          <p:cNvCxnSpPr/>
+          <p:cNvPr id="77" name="Elbow Connector 76"/>
+          <p:cNvCxnSpPr>
+            <a:stCxn id="52" idx="1"/>
+            <a:endCxn id="96" idx="1"/>
+          </p:cNvCxnSpPr>
           <p:nvPr/>
         </p:nvCxnSpPr>
         <p:spPr>
+          <a:xfrm rot="5400000" flipH="1" flipV="1">
+            <a:off x="5631348" y="903754"/>
+            <a:ext cx="247989" cy="1185584"/>
+          </a:xfrm>
+          <a:prstGeom prst="bentConnector2">
+            <a:avLst/>
+          </a:prstGeom>
+          <a:ln w="57150" cmpd="dbl">
+            <a:solidFill>
+              <a:schemeClr val="accent6">
+                <a:lumMod val="50000"/>
+              </a:schemeClr>
+            </a:solidFill>
+            <a:prstDash val="solid"/>
+            <a:headEnd type="triangle" w="med" len="med"/>
+            <a:tailEnd type="none" w="med" len="med"/>
+          </a:ln>
+        </p:spPr>
+        <p:style>
+          <a:lnRef idx="2">
+            <a:schemeClr val="accent6">
+              <a:shade val="50000"/>
+            </a:schemeClr>
+          </a:lnRef>
+          <a:fillRef idx="1">
+            <a:schemeClr val="accent6"/>
+          </a:fillRef>
+          <a:effectRef idx="0">
+            <a:schemeClr val="accent6"/>
+          </a:effectRef>
+          <a:fontRef idx="minor">
+            <a:schemeClr val="lt1"/>
+          </a:fontRef>
+        </p:style>
+      </p:cxnSp>
+      <p:sp>
+        <p:nvSpPr>
+          <p:cNvPr id="97" name="Rectangle 96"/>
+          <p:cNvSpPr/>
+          <p:nvPr/>
+        </p:nvSpPr>
+        <p:spPr>
+          <a:xfrm>
+            <a:off x="6288414" y="2338749"/>
+            <a:ext cx="1204823" cy="361770"/>
+          </a:xfrm>
+          <a:prstGeom prst="rect">
+            <a:avLst/>
+          </a:prstGeom>
+          <a:effectLst>
+            <a:glow rad="254000">
+              <a:schemeClr val="bg1">
+                <a:alpha val="70000"/>
+              </a:schemeClr>
+            </a:glow>
+          </a:effectLst>
+        </p:spPr>
+        <p:style>
+          <a:lnRef idx="2">
+            <a:schemeClr val="accent6">
+              <a:shade val="50000"/>
+            </a:schemeClr>
+          </a:lnRef>
+          <a:fillRef idx="1">
+            <a:schemeClr val="accent6"/>
+          </a:fillRef>
+          <a:effectRef idx="0">
+            <a:schemeClr val="accent6"/>
+          </a:effectRef>
+          <a:fontRef idx="minor">
+            <a:schemeClr val="lt1"/>
+          </a:fontRef>
+        </p:style>
+        <p:txBody>
+          <a:bodyPr rtlCol="0" anchor="ctr"/>
+          <a:lstStyle/>
+          <a:p>
+            <a:pPr algn="ctr"/>
+            <a:r>
+              <a:rPr lang="en-US" sz="1600" b="1" dirty="0" smtClean="0"/>
+              <a:t>Coordinator</a:t>
+            </a:r>
+            <a:endParaRPr lang="en-SG" sz="1600" b="1" dirty="0"/>
+          </a:p>
+        </p:txBody>
+      </p:sp>
+      <p:cxnSp>
+        <p:nvCxnSpPr>
+          <p:cNvPr id="124" name="Straight Arrow Connector 123"/>
+          <p:cNvCxnSpPr>
+            <a:stCxn id="97" idx="2"/>
+          </p:cNvCxnSpPr>
+          <p:nvPr/>
+        </p:nvCxnSpPr>
+        <p:spPr>
           <a:xfrm flipH="1">
-            <a:off x="3601741" y="1867258"/>
-            <a:ext cx="1405777" cy="1165609"/>
+            <a:off x="6886207" y="2700519"/>
+            <a:ext cx="4619" cy="943422"/>
           </a:xfrm>
           <a:prstGeom prst="straightConnector1">
             <a:avLst/>
           </a:prstGeom>
           <a:ln>
-            <a:solidFill>
-              <a:schemeClr val="accent5">
-                <a:lumMod val="75000"/>
-              </a:schemeClr>
-            </a:solidFill>
             <a:prstDash val="sysDot"/>
             <a:headEnd type="arrow" w="med" len="med"/>
             <a:tailEnd type="none" w="med" len="med"/>
@@ -5428,26 +5438,29 @@
       </p:cxnSp>
       <p:cxnSp>
         <p:nvCxnSpPr>
-          <p:cNvPr id="141" name="Straight Arrow Connector 140"/>
-          <p:cNvCxnSpPr/>
+          <p:cNvPr id="74" name="Elbow Connector 73"/>
+          <p:cNvCxnSpPr>
+            <a:stCxn id="72" idx="2"/>
+            <a:endCxn id="97" idx="3"/>
+          </p:cNvCxnSpPr>
           <p:nvPr/>
         </p:nvCxnSpPr>
         <p:spPr>
-          <a:xfrm>
-            <a:off x="3159674" y="1885418"/>
-            <a:ext cx="362752" cy="1147449"/>
-          </a:xfrm>
-          <a:prstGeom prst="straightConnector1">
+          <a:xfrm rot="5400000">
+            <a:off x="7448824" y="2158423"/>
+            <a:ext cx="405625" cy="316797"/>
+          </a:xfrm>
+          <a:prstGeom prst="bentConnector2">
             <a:avLst/>
           </a:prstGeom>
-          <a:ln>
+          <a:ln w="57150" cmpd="dbl">
             <a:solidFill>
-              <a:schemeClr val="accent5">
-                <a:lumMod val="75000"/>
+              <a:schemeClr val="accent6">
+                <a:lumMod val="50000"/>
               </a:schemeClr>
             </a:solidFill>
-            <a:prstDash val="sysDot"/>
-            <a:headEnd type="arrow" w="med" len="med"/>
+            <a:prstDash val="solid"/>
+            <a:headEnd type="triangle" w="med" len="med"/>
             <a:tailEnd type="none" w="med" len="med"/>
           </a:ln>
         </p:spPr>
@@ -5468,10 +5481,470 @@
           </a:fontRef>
         </p:style>
       </p:cxnSp>
+      <p:sp>
+        <p:nvSpPr>
+          <p:cNvPr id="57" name="TextBox 56"/>
+          <p:cNvSpPr txBox="1"/>
+          <p:nvPr/>
+        </p:nvSpPr>
+        <p:spPr>
+          <a:xfrm>
+            <a:off x="4934691" y="1552143"/>
+            <a:ext cx="170709" cy="200457"/>
+          </a:xfrm>
+          <a:prstGeom prst="rect">
+            <a:avLst/>
+          </a:prstGeom>
+          <a:noFill/>
+        </p:spPr>
+        <p:txBody>
+          <a:bodyPr wrap="square" lIns="0" tIns="0" rIns="0" bIns="0" rtlCol="0" anchor="ctr" anchorCtr="0">
+            <a:noAutofit/>
+          </a:bodyPr>
+          <a:lstStyle/>
+          <a:p>
+            <a:r>
+              <a:rPr lang="en-US" b="1" dirty="0" smtClean="0">
+                <a:solidFill>
+                  <a:schemeClr val="accent4"/>
+                </a:solidFill>
+              </a:rPr>
+              <a:t>*</a:t>
+            </a:r>
+            <a:endParaRPr lang="en-SG" b="1" dirty="0">
+              <a:solidFill>
+                <a:schemeClr val="accent4"/>
+              </a:solidFill>
+            </a:endParaRPr>
+          </a:p>
+        </p:txBody>
+      </p:sp>
+      <p:sp>
+        <p:nvSpPr>
+          <p:cNvPr id="87" name="TextBox 86"/>
+          <p:cNvSpPr txBox="1"/>
+          <p:nvPr/>
+        </p:nvSpPr>
+        <p:spPr>
+          <a:xfrm>
+            <a:off x="7006027" y="941205"/>
+            <a:ext cx="170709" cy="200457"/>
+          </a:xfrm>
+          <a:prstGeom prst="rect">
+            <a:avLst/>
+          </a:prstGeom>
+          <a:noFill/>
+        </p:spPr>
+        <p:txBody>
+          <a:bodyPr wrap="square" lIns="0" tIns="0" rIns="0" bIns="0" rtlCol="0" anchor="ctr" anchorCtr="0">
+            <a:noAutofit/>
+          </a:bodyPr>
+          <a:lstStyle/>
+          <a:p>
+            <a:r>
+              <a:rPr lang="en-US" sz="1600" dirty="0" smtClean="0">
+                <a:solidFill>
+                  <a:schemeClr val="accent6">
+                    <a:lumMod val="75000"/>
+                  </a:schemeClr>
+                </a:solidFill>
+              </a:rPr>
+              <a:t>2</a:t>
+            </a:r>
+            <a:endParaRPr lang="en-SG" sz="1600" dirty="0">
+              <a:solidFill>
+                <a:schemeClr val="accent6">
+                  <a:lumMod val="75000"/>
+                </a:schemeClr>
+              </a:solidFill>
+            </a:endParaRPr>
+          </a:p>
+        </p:txBody>
+      </p:sp>
+      <p:sp>
+        <p:nvSpPr>
+          <p:cNvPr id="88" name="TextBox 87"/>
+          <p:cNvSpPr txBox="1"/>
+          <p:nvPr/>
+        </p:nvSpPr>
+        <p:spPr>
+          <a:xfrm>
+            <a:off x="6115559" y="2232368"/>
+            <a:ext cx="170709" cy="200457"/>
+          </a:xfrm>
+          <a:prstGeom prst="rect">
+            <a:avLst/>
+          </a:prstGeom>
+          <a:noFill/>
+        </p:spPr>
+        <p:txBody>
+          <a:bodyPr wrap="square" lIns="0" tIns="0" rIns="0" bIns="0" rtlCol="0" anchor="ctr" anchorCtr="0">
+            <a:noAutofit/>
+          </a:bodyPr>
+          <a:lstStyle/>
+          <a:p>
+            <a:r>
+              <a:rPr lang="en-US" sz="1600" dirty="0" smtClean="0">
+                <a:solidFill>
+                  <a:schemeClr val="accent6">
+                    <a:lumMod val="75000"/>
+                  </a:schemeClr>
+                </a:solidFill>
+              </a:rPr>
+              <a:t>1</a:t>
+            </a:r>
+            <a:endParaRPr lang="en-SG" sz="1600" dirty="0">
+              <a:solidFill>
+                <a:schemeClr val="accent6">
+                  <a:lumMod val="75000"/>
+                </a:schemeClr>
+              </a:solidFill>
+            </a:endParaRPr>
+          </a:p>
+        </p:txBody>
+      </p:sp>
+      <p:sp>
+        <p:nvSpPr>
+          <p:cNvPr id="89" name="TextBox 88"/>
+          <p:cNvSpPr txBox="1"/>
+          <p:nvPr/>
+        </p:nvSpPr>
+        <p:spPr>
+          <a:xfrm>
+            <a:off x="5219836" y="2237943"/>
+            <a:ext cx="170709" cy="200457"/>
+          </a:xfrm>
+          <a:prstGeom prst="rect">
+            <a:avLst/>
+          </a:prstGeom>
+          <a:noFill/>
+        </p:spPr>
+        <p:txBody>
+          <a:bodyPr wrap="square" lIns="0" tIns="0" rIns="0" bIns="0" rtlCol="0" anchor="ctr" anchorCtr="0">
+            <a:noAutofit/>
+          </a:bodyPr>
+          <a:lstStyle/>
+          <a:p>
+            <a:r>
+              <a:rPr lang="en-US" b="1" dirty="0" smtClean="0">
+                <a:solidFill>
+                  <a:schemeClr val="accent4"/>
+                </a:solidFill>
+              </a:rPr>
+              <a:t>*</a:t>
+            </a:r>
+            <a:endParaRPr lang="en-SG" b="1" dirty="0">
+              <a:solidFill>
+                <a:schemeClr val="accent4"/>
+              </a:solidFill>
+            </a:endParaRPr>
+          </a:p>
+        </p:txBody>
+      </p:sp>
+      <p:cxnSp>
+        <p:nvCxnSpPr>
+          <p:cNvPr id="80" name="Elbow Connector 79"/>
+          <p:cNvCxnSpPr>
+            <a:stCxn id="97" idx="1"/>
+            <a:endCxn id="106" idx="2"/>
+          </p:cNvCxnSpPr>
+          <p:nvPr/>
+        </p:nvCxnSpPr>
+        <p:spPr>
+          <a:xfrm rot="10800000">
+            <a:off x="5162550" y="2190570"/>
+            <a:ext cx="1125864" cy="329064"/>
+          </a:xfrm>
+          <a:prstGeom prst="bentConnector2">
+            <a:avLst/>
+          </a:prstGeom>
+          <a:ln w="57150" cmpd="dbl">
+            <a:solidFill>
+              <a:schemeClr val="accent6">
+                <a:lumMod val="50000"/>
+              </a:schemeClr>
+            </a:solidFill>
+            <a:prstDash val="solid"/>
+            <a:headEnd type="triangle" w="med" len="med"/>
+            <a:tailEnd type="none" w="med" len="med"/>
+          </a:ln>
+        </p:spPr>
+        <p:style>
+          <a:lnRef idx="2">
+            <a:schemeClr val="accent6">
+              <a:shade val="50000"/>
+            </a:schemeClr>
+          </a:lnRef>
+          <a:fillRef idx="1">
+            <a:schemeClr val="accent6"/>
+          </a:fillRef>
+          <a:effectRef idx="0">
+            <a:schemeClr val="accent6"/>
+          </a:effectRef>
+          <a:fontRef idx="minor">
+            <a:schemeClr val="lt1"/>
+          </a:fontRef>
+        </p:style>
+      </p:cxnSp>
+      <p:cxnSp>
+        <p:nvCxnSpPr>
+          <p:cNvPr id="60" name="Straight Arrow Connector 59"/>
+          <p:cNvCxnSpPr/>
+          <p:nvPr/>
+        </p:nvCxnSpPr>
+        <p:spPr>
+          <a:xfrm>
+            <a:off x="7263774" y="6339393"/>
+            <a:ext cx="1339498" cy="0"/>
+          </a:xfrm>
+          <a:prstGeom prst="straightConnector1">
+            <a:avLst/>
+          </a:prstGeom>
+          <a:ln w="57150" cmpd="dbl">
+            <a:solidFill>
+              <a:schemeClr val="tx1">
+                <a:lumMod val="50000"/>
+                <a:lumOff val="50000"/>
+              </a:schemeClr>
+            </a:solidFill>
+            <a:prstDash val="solid"/>
+            <a:headEnd type="none" w="med" len="med"/>
+            <a:tailEnd type="triangle" w="med" len="med"/>
+          </a:ln>
+        </p:spPr>
+        <p:style>
+          <a:lnRef idx="2">
+            <a:schemeClr val="accent6">
+              <a:shade val="50000"/>
+            </a:schemeClr>
+          </a:lnRef>
+          <a:fillRef idx="1">
+            <a:schemeClr val="accent6"/>
+          </a:fillRef>
+          <a:effectRef idx="0">
+            <a:schemeClr val="accent6"/>
+          </a:effectRef>
+          <a:fontRef idx="minor">
+            <a:schemeClr val="lt1"/>
+          </a:fontRef>
+        </p:style>
+      </p:cxnSp>
+      <p:sp>
+        <p:nvSpPr>
+          <p:cNvPr id="102" name="TextBox 101"/>
+          <p:cNvSpPr txBox="1"/>
+          <p:nvPr/>
+        </p:nvSpPr>
+        <p:spPr>
+          <a:xfrm>
+            <a:off x="7162800" y="6505143"/>
+            <a:ext cx="1669072" cy="200457"/>
+          </a:xfrm>
+          <a:prstGeom prst="rect">
+            <a:avLst/>
+          </a:prstGeom>
+          <a:noFill/>
+        </p:spPr>
+        <p:txBody>
+          <a:bodyPr wrap="square" lIns="0" tIns="0" rIns="0" bIns="0" rtlCol="0" anchor="ctr" anchorCtr="0">
+            <a:noAutofit/>
+          </a:bodyPr>
+          <a:lstStyle/>
+          <a:p>
+            <a:r>
+              <a:rPr lang="en-US" sz="1400" b="1" dirty="0" smtClean="0">
+                <a:solidFill>
+                  <a:schemeClr val="tx1">
+                    <a:lumMod val="50000"/>
+                    <a:lumOff val="50000"/>
+                  </a:schemeClr>
+                </a:solidFill>
+              </a:rPr>
+              <a:t>Associations managed using string references</a:t>
+            </a:r>
+            <a:endParaRPr lang="en-SG" sz="1400" b="1" dirty="0">
+              <a:solidFill>
+                <a:schemeClr val="tx1">
+                  <a:lumMod val="50000"/>
+                  <a:lumOff val="50000"/>
+                </a:schemeClr>
+              </a:solidFill>
+            </a:endParaRPr>
+          </a:p>
+        </p:txBody>
+      </p:sp>
+      <p:sp>
+        <p:nvSpPr>
+          <p:cNvPr id="116" name="Rectangle 115"/>
+          <p:cNvSpPr/>
+          <p:nvPr/>
+        </p:nvSpPr>
+        <p:spPr>
+          <a:xfrm>
+            <a:off x="4922925" y="3643941"/>
+            <a:ext cx="1124417" cy="457200"/>
+          </a:xfrm>
+          <a:prstGeom prst="rect">
+            <a:avLst/>
+          </a:prstGeom>
+        </p:spPr>
+        <p:style>
+          <a:lnRef idx="2">
+            <a:schemeClr val="accent4">
+              <a:shade val="50000"/>
+            </a:schemeClr>
+          </a:lnRef>
+          <a:fillRef idx="1">
+            <a:schemeClr val="accent4"/>
+          </a:fillRef>
+          <a:effectRef idx="0">
+            <a:schemeClr val="accent4"/>
+          </a:effectRef>
+          <a:fontRef idx="minor">
+            <a:schemeClr val="lt1"/>
+          </a:fontRef>
+        </p:style>
+        <p:txBody>
+          <a:bodyPr rtlCol="0" anchor="ctr"/>
+          <a:lstStyle/>
+          <a:p>
+            <a:pPr algn="ctr"/>
+            <a:r>
+              <a:rPr lang="en-US" sz="1600" b="1" dirty="0" err="1" smtClean="0"/>
+              <a:t>CoursesDb</a:t>
+            </a:r>
+            <a:endParaRPr lang="en-SG" sz="1600" b="1" dirty="0"/>
+          </a:p>
+        </p:txBody>
+      </p:sp>
+      <p:sp>
+        <p:nvSpPr>
+          <p:cNvPr id="106" name="Rectangle 105"/>
+          <p:cNvSpPr/>
+          <p:nvPr/>
+        </p:nvSpPr>
+        <p:spPr>
+          <a:xfrm>
+            <a:off x="4723933" y="1828800"/>
+            <a:ext cx="877233" cy="361770"/>
+          </a:xfrm>
+          <a:prstGeom prst="rect">
+            <a:avLst/>
+          </a:prstGeom>
+        </p:spPr>
+        <p:style>
+          <a:lnRef idx="2">
+            <a:schemeClr val="accent4">
+              <a:shade val="50000"/>
+            </a:schemeClr>
+          </a:lnRef>
+          <a:fillRef idx="1">
+            <a:schemeClr val="accent4"/>
+          </a:fillRef>
+          <a:effectRef idx="0">
+            <a:schemeClr val="accent4"/>
+          </a:effectRef>
+          <a:fontRef idx="minor">
+            <a:schemeClr val="lt1"/>
+          </a:fontRef>
+        </p:style>
+        <p:txBody>
+          <a:bodyPr rtlCol="0" anchor="ctr"/>
+          <a:lstStyle/>
+          <a:p>
+            <a:pPr algn="ctr"/>
+            <a:r>
+              <a:rPr lang="en-US" sz="1600" b="1" dirty="0" smtClean="0"/>
+              <a:t>Course</a:t>
+            </a:r>
+            <a:endParaRPr lang="en-SG" sz="1600" b="1" dirty="0"/>
+          </a:p>
+        </p:txBody>
+      </p:sp>
+      <p:sp>
+        <p:nvSpPr>
+          <p:cNvPr id="27" name="Diamond 26"/>
+          <p:cNvSpPr/>
+          <p:nvPr/>
+        </p:nvSpPr>
+        <p:spPr>
+          <a:xfrm>
+            <a:off x="4516140" y="1891341"/>
+            <a:ext cx="208260" cy="151078"/>
+          </a:xfrm>
+          <a:prstGeom prst="diamond">
+            <a:avLst/>
+          </a:prstGeom>
+        </p:spPr>
+        <p:style>
+          <a:lnRef idx="2">
+            <a:schemeClr val="accent4">
+              <a:shade val="50000"/>
+            </a:schemeClr>
+          </a:lnRef>
+          <a:fillRef idx="1">
+            <a:schemeClr val="accent4"/>
+          </a:fillRef>
+          <a:effectRef idx="0">
+            <a:schemeClr val="accent4"/>
+          </a:effectRef>
+          <a:fontRef idx="minor">
+            <a:schemeClr val="lt1"/>
+          </a:fontRef>
+        </p:style>
+        <p:txBody>
+          <a:bodyPr rtlCol="0" anchor="ctr"/>
+          <a:lstStyle/>
+          <a:p>
+            <a:pPr algn="ctr"/>
+            <a:endParaRPr lang="en-SG" sz="1600" b="1"/>
+          </a:p>
+        </p:txBody>
+      </p:sp>
+      <p:sp>
+        <p:nvSpPr>
+          <p:cNvPr id="52" name="Diamond 51"/>
+          <p:cNvSpPr/>
+          <p:nvPr/>
+        </p:nvSpPr>
+        <p:spPr>
+          <a:xfrm rot="5400000">
+            <a:off x="5058420" y="1649131"/>
+            <a:ext cx="208260" cy="151078"/>
+          </a:xfrm>
+          <a:prstGeom prst="diamond">
+            <a:avLst/>
+          </a:prstGeom>
+        </p:spPr>
+        <p:style>
+          <a:lnRef idx="2">
+            <a:schemeClr val="accent4">
+              <a:shade val="50000"/>
+            </a:schemeClr>
+          </a:lnRef>
+          <a:fillRef idx="1">
+            <a:schemeClr val="accent4"/>
+          </a:fillRef>
+          <a:effectRef idx="0">
+            <a:schemeClr val="accent4"/>
+          </a:effectRef>
+          <a:fontRef idx="minor">
+            <a:schemeClr val="lt1"/>
+          </a:fontRef>
+        </p:style>
+        <p:txBody>
+          <a:bodyPr rtlCol="0" anchor="ctr"/>
+          <a:lstStyle/>
+          <a:p>
+            <a:pPr algn="ctr"/>
+            <a:endParaRPr lang="en-SG" sz="1600" b="1"/>
+          </a:p>
+        </p:txBody>
+      </p:sp>
     </p:spTree>
     <p:extLst>
       <p:ext uri="{BB962C8B-B14F-4D97-AF65-F5344CB8AC3E}">
-        <p14:creationId xmlns:p14="http://schemas.microsoft.com/office/powerpoint/2010/main" xmlns="" val="2312643091"/>
+        <p14:creationId xmlns:p14="http://schemas.microsoft.com/office/powerpoint/2010/main" val="2312643091"/>
       </p:ext>
     </p:extLst>
   </p:cSld>

--- a/doc/diagrams/StorageComponent.pptx
+++ b/doc/diagrams/StorageComponent.pptx
@@ -193,7 +193,7 @@
             <a:fld id="{AF301891-4E62-472A-98E9-95DBD40531A4}" type="datetimeFigureOut">
               <a:rPr lang="en-SG" smtClean="0"/>
               <a:pPr/>
-              <a:t>5/12/2012</a:t>
+              <a:t>15/1/2013</a:t>
             </a:fld>
             <a:endParaRPr lang="en-SG"/>
           </a:p>
@@ -729,7 +729,7 @@
             <a:fld id="{1D8BD707-D9CF-40AE-B4C6-C98DA3205C09}" type="datetimeFigureOut">
               <a:rPr lang="en-US" smtClean="0"/>
               <a:pPr/>
-              <a:t>12/5/2012</a:t>
+              <a:t>1/15/2013</a:t>
             </a:fld>
             <a:endParaRPr lang="en-US"/>
           </a:p>
@@ -896,7 +896,7 @@
             <a:fld id="{1D8BD707-D9CF-40AE-B4C6-C98DA3205C09}" type="datetimeFigureOut">
               <a:rPr lang="en-US" smtClean="0"/>
               <a:pPr/>
-              <a:t>12/5/2012</a:t>
+              <a:t>1/15/2013</a:t>
             </a:fld>
             <a:endParaRPr lang="en-US"/>
           </a:p>
@@ -1073,7 +1073,7 @@
             <a:fld id="{1D8BD707-D9CF-40AE-B4C6-C98DA3205C09}" type="datetimeFigureOut">
               <a:rPr lang="en-US" smtClean="0"/>
               <a:pPr/>
-              <a:t>12/5/2012</a:t>
+              <a:t>1/15/2013</a:t>
             </a:fld>
             <a:endParaRPr lang="en-US"/>
           </a:p>
@@ -1240,7 +1240,7 @@
             <a:fld id="{1D8BD707-D9CF-40AE-B4C6-C98DA3205C09}" type="datetimeFigureOut">
               <a:rPr lang="en-US" smtClean="0"/>
               <a:pPr/>
-              <a:t>12/5/2012</a:t>
+              <a:t>1/15/2013</a:t>
             </a:fld>
             <a:endParaRPr lang="en-US"/>
           </a:p>
@@ -1483,7 +1483,7 @@
             <a:fld id="{1D8BD707-D9CF-40AE-B4C6-C98DA3205C09}" type="datetimeFigureOut">
               <a:rPr lang="en-US" smtClean="0"/>
               <a:pPr/>
-              <a:t>12/5/2012</a:t>
+              <a:t>1/15/2013</a:t>
             </a:fld>
             <a:endParaRPr lang="en-US"/>
           </a:p>
@@ -1768,7 +1768,7 @@
             <a:fld id="{1D8BD707-D9CF-40AE-B4C6-C98DA3205C09}" type="datetimeFigureOut">
               <a:rPr lang="en-US" smtClean="0"/>
               <a:pPr/>
-              <a:t>12/5/2012</a:t>
+              <a:t>1/15/2013</a:t>
             </a:fld>
             <a:endParaRPr lang="en-US"/>
           </a:p>
@@ -2187,7 +2187,7 @@
             <a:fld id="{1D8BD707-D9CF-40AE-B4C6-C98DA3205C09}" type="datetimeFigureOut">
               <a:rPr lang="en-US" smtClean="0"/>
               <a:pPr/>
-              <a:t>12/5/2012</a:t>
+              <a:t>1/15/2013</a:t>
             </a:fld>
             <a:endParaRPr lang="en-US"/>
           </a:p>
@@ -2302,7 +2302,7 @@
             <a:fld id="{1D8BD707-D9CF-40AE-B4C6-C98DA3205C09}" type="datetimeFigureOut">
               <a:rPr lang="en-US" smtClean="0"/>
               <a:pPr/>
-              <a:t>12/5/2012</a:t>
+              <a:t>1/15/2013</a:t>
             </a:fld>
             <a:endParaRPr lang="en-US"/>
           </a:p>
@@ -2394,7 +2394,7 @@
             <a:fld id="{1D8BD707-D9CF-40AE-B4C6-C98DA3205C09}" type="datetimeFigureOut">
               <a:rPr lang="en-US" smtClean="0"/>
               <a:pPr/>
-              <a:t>12/5/2012</a:t>
+              <a:t>1/15/2013</a:t>
             </a:fld>
             <a:endParaRPr lang="en-US"/>
           </a:p>
@@ -2668,7 +2668,7 @@
             <a:fld id="{1D8BD707-D9CF-40AE-B4C6-C98DA3205C09}" type="datetimeFigureOut">
               <a:rPr lang="en-US" smtClean="0"/>
               <a:pPr/>
-              <a:t>12/5/2012</a:t>
+              <a:t>1/15/2013</a:t>
             </a:fld>
             <a:endParaRPr lang="en-US"/>
           </a:p>
@@ -2918,7 +2918,7 @@
             <a:fld id="{1D8BD707-D9CF-40AE-B4C6-C98DA3205C09}" type="datetimeFigureOut">
               <a:rPr lang="en-US" smtClean="0"/>
               <a:pPr/>
-              <a:t>12/5/2012</a:t>
+              <a:t>1/15/2013</a:t>
             </a:fld>
             <a:endParaRPr lang="en-US"/>
           </a:p>
@@ -3128,7 +3128,7 @@
             <a:fld id="{1D8BD707-D9CF-40AE-B4C6-C98DA3205C09}" type="datetimeFigureOut">
               <a:rPr lang="en-US" smtClean="0"/>
               <a:pPr/>
-              <a:t>12/5/2012</a:t>
+              <a:t>1/15/2013</a:t>
             </a:fld>
             <a:endParaRPr lang="en-US"/>
           </a:p>
@@ -4079,7 +4079,7 @@
         <p:spPr>
           <a:xfrm>
             <a:off x="6172200" y="3643941"/>
-            <a:ext cx="1447800" cy="457200"/>
+            <a:ext cx="1981200" cy="457200"/>
           </a:xfrm>
           <a:prstGeom prst="rect">
             <a:avLst/>
@@ -5214,53 +5214,10 @@
           </a:fontRef>
         </p:style>
       </p:cxnSp>
-      <p:sp>
-        <p:nvSpPr>
-          <p:cNvPr id="72" name="Rectangle 71"/>
-          <p:cNvSpPr/>
-          <p:nvPr/>
-        </p:nvSpPr>
-        <p:spPr>
-          <a:xfrm>
-            <a:off x="7314267" y="1752239"/>
-            <a:ext cx="991533" cy="361770"/>
-          </a:xfrm>
-          <a:prstGeom prst="rect">
-            <a:avLst/>
-          </a:prstGeom>
-        </p:spPr>
-        <p:style>
-          <a:lnRef idx="2">
-            <a:schemeClr val="accent3"/>
-          </a:lnRef>
-          <a:fillRef idx="1">
-            <a:schemeClr val="lt1"/>
-          </a:fillRef>
-          <a:effectRef idx="0">
-            <a:schemeClr val="accent3"/>
-          </a:effectRef>
-          <a:fontRef idx="minor">
-            <a:schemeClr val="dk1"/>
-          </a:fontRef>
-        </p:style>
-        <p:txBody>
-          <a:bodyPr rtlCol="0" anchor="ctr"/>
-          <a:lstStyle/>
-          <a:p>
-            <a:pPr algn="ctr"/>
-            <a:r>
-              <a:rPr lang="en-US" sz="1600" b="1" dirty="0" err="1" smtClean="0"/>
-              <a:t>GoogleId</a:t>
-            </a:r>
-            <a:endParaRPr lang="en-SG" sz="1600" b="1" dirty="0"/>
-          </a:p>
-        </p:txBody>
-      </p:sp>
       <p:cxnSp>
         <p:nvCxnSpPr>
           <p:cNvPr id="73" name="Elbow Connector 72"/>
           <p:cNvCxnSpPr>
-            <a:stCxn id="72" idx="0"/>
             <a:endCxn id="96" idx="3"/>
           </p:cNvCxnSpPr>
           <p:nvPr/>
@@ -5391,7 +5348,7 @@
             <a:pPr algn="ctr"/>
             <a:r>
               <a:rPr lang="en-US" sz="1600" b="1" dirty="0" smtClean="0"/>
-              <a:t>Coordinator</a:t>
+              <a:t>Instructor</a:t>
             </a:r>
             <a:endParaRPr lang="en-SG" sz="1600" b="1" dirty="0"/>
           </a:p>
@@ -5400,15 +5357,13 @@
       <p:cxnSp>
         <p:nvCxnSpPr>
           <p:cNvPr id="124" name="Straight Arrow Connector 123"/>
-          <p:cNvCxnSpPr>
-            <a:stCxn id="97" idx="2"/>
-          </p:cNvCxnSpPr>
+          <p:cNvCxnSpPr/>
           <p:nvPr/>
         </p:nvCxnSpPr>
         <p:spPr>
           <a:xfrm flipH="1">
-            <a:off x="6886207" y="2700519"/>
-            <a:ext cx="4619" cy="943422"/>
+            <a:off x="7997336" y="2114009"/>
+            <a:ext cx="4621" cy="1529932"/>
           </a:xfrm>
           <a:prstGeom prst="straightConnector1">
             <a:avLst/>
@@ -5440,7 +5395,6 @@
         <p:nvCxnSpPr>
           <p:cNvPr id="74" name="Elbow Connector 73"/>
           <p:cNvCxnSpPr>
-            <a:stCxn id="72" idx="2"/>
             <a:endCxn id="97" idx="3"/>
           </p:cNvCxnSpPr>
           <p:nvPr/>
@@ -5561,112 +5515,30 @@
           </a:p>
         </p:txBody>
       </p:sp>
-      <p:sp>
-        <p:nvSpPr>
-          <p:cNvPr id="88" name="TextBox 87"/>
-          <p:cNvSpPr txBox="1"/>
-          <p:nvPr/>
-        </p:nvSpPr>
-        <p:spPr>
-          <a:xfrm>
-            <a:off x="6115559" y="2232368"/>
-            <a:ext cx="170709" cy="200457"/>
-          </a:xfrm>
-          <a:prstGeom prst="rect">
-            <a:avLst/>
-          </a:prstGeom>
-          <a:noFill/>
-        </p:spPr>
-        <p:txBody>
-          <a:bodyPr wrap="square" lIns="0" tIns="0" rIns="0" bIns="0" rtlCol="0" anchor="ctr" anchorCtr="0">
-            <a:noAutofit/>
-          </a:bodyPr>
-          <a:lstStyle/>
-          <a:p>
-            <a:r>
-              <a:rPr lang="en-US" sz="1600" dirty="0" smtClean="0">
-                <a:solidFill>
-                  <a:schemeClr val="accent6">
-                    <a:lumMod val="75000"/>
-                  </a:schemeClr>
-                </a:solidFill>
-              </a:rPr>
-              <a:t>1</a:t>
-            </a:r>
-            <a:endParaRPr lang="en-SG" sz="1600" dirty="0">
-              <a:solidFill>
-                <a:schemeClr val="accent6">
-                  <a:lumMod val="75000"/>
-                </a:schemeClr>
-              </a:solidFill>
-            </a:endParaRPr>
-          </a:p>
-        </p:txBody>
-      </p:sp>
-      <p:sp>
-        <p:nvSpPr>
-          <p:cNvPr id="89" name="TextBox 88"/>
-          <p:cNvSpPr txBox="1"/>
-          <p:nvPr/>
-        </p:nvSpPr>
-        <p:spPr>
-          <a:xfrm>
-            <a:off x="5219836" y="2237943"/>
-            <a:ext cx="170709" cy="200457"/>
-          </a:xfrm>
-          <a:prstGeom prst="rect">
-            <a:avLst/>
-          </a:prstGeom>
-          <a:noFill/>
-        </p:spPr>
-        <p:txBody>
-          <a:bodyPr wrap="square" lIns="0" tIns="0" rIns="0" bIns="0" rtlCol="0" anchor="ctr" anchorCtr="0">
-            <a:noAutofit/>
-          </a:bodyPr>
-          <a:lstStyle/>
-          <a:p>
-            <a:r>
-              <a:rPr lang="en-US" b="1" dirty="0" smtClean="0">
-                <a:solidFill>
-                  <a:schemeClr val="accent4"/>
-                </a:solidFill>
-              </a:rPr>
-              <a:t>*</a:t>
-            </a:r>
-            <a:endParaRPr lang="en-SG" b="1" dirty="0">
-              <a:solidFill>
-                <a:schemeClr val="accent4"/>
-              </a:solidFill>
-            </a:endParaRPr>
-          </a:p>
-        </p:txBody>
-      </p:sp>
       <p:cxnSp>
         <p:nvCxnSpPr>
-          <p:cNvPr id="80" name="Elbow Connector 79"/>
-          <p:cNvCxnSpPr>
-            <a:stCxn id="97" idx="1"/>
-            <a:endCxn id="106" idx="2"/>
-          </p:cNvCxnSpPr>
+          <p:cNvPr id="60" name="Straight Arrow Connector 59"/>
+          <p:cNvCxnSpPr/>
           <p:nvPr/>
         </p:nvCxnSpPr>
         <p:spPr>
-          <a:xfrm rot="10800000">
-            <a:off x="5162550" y="2190570"/>
-            <a:ext cx="1125864" cy="329064"/>
-          </a:xfrm>
-          <a:prstGeom prst="bentConnector2">
+          <a:xfrm>
+            <a:off x="7263774" y="6339393"/>
+            <a:ext cx="1339498" cy="0"/>
+          </a:xfrm>
+          <a:prstGeom prst="straightConnector1">
             <a:avLst/>
           </a:prstGeom>
           <a:ln w="57150" cmpd="dbl">
             <a:solidFill>
-              <a:schemeClr val="accent6">
+              <a:schemeClr val="tx1">
                 <a:lumMod val="50000"/>
+                <a:lumOff val="50000"/>
               </a:schemeClr>
             </a:solidFill>
             <a:prstDash val="solid"/>
-            <a:headEnd type="triangle" w="med" len="med"/>
-            <a:tailEnd type="none" w="med" len="med"/>
+            <a:headEnd type="none" w="med" len="med"/>
+            <a:tailEnd type="triangle" w="med" len="med"/>
           </a:ln>
         </p:spPr>
         <p:style>
@@ -5686,30 +5558,243 @@
           </a:fontRef>
         </p:style>
       </p:cxnSp>
+      <p:sp>
+        <p:nvSpPr>
+          <p:cNvPr id="102" name="TextBox 101"/>
+          <p:cNvSpPr txBox="1"/>
+          <p:nvPr/>
+        </p:nvSpPr>
+        <p:spPr>
+          <a:xfrm>
+            <a:off x="7162800" y="6505143"/>
+            <a:ext cx="1669072" cy="200457"/>
+          </a:xfrm>
+          <a:prstGeom prst="rect">
+            <a:avLst/>
+          </a:prstGeom>
+          <a:noFill/>
+        </p:spPr>
+        <p:txBody>
+          <a:bodyPr wrap="square" lIns="0" tIns="0" rIns="0" bIns="0" rtlCol="0" anchor="ctr" anchorCtr="0">
+            <a:noAutofit/>
+          </a:bodyPr>
+          <a:lstStyle/>
+          <a:p>
+            <a:r>
+              <a:rPr lang="en-US" sz="1400" b="1" dirty="0" smtClean="0">
+                <a:solidFill>
+                  <a:schemeClr val="tx1">
+                    <a:lumMod val="50000"/>
+                    <a:lumOff val="50000"/>
+                  </a:schemeClr>
+                </a:solidFill>
+              </a:rPr>
+              <a:t>Associations managed using string references</a:t>
+            </a:r>
+            <a:endParaRPr lang="en-SG" sz="1400" b="1" dirty="0">
+              <a:solidFill>
+                <a:schemeClr val="tx1">
+                  <a:lumMod val="50000"/>
+                  <a:lumOff val="50000"/>
+                </a:schemeClr>
+              </a:solidFill>
+            </a:endParaRPr>
+          </a:p>
+        </p:txBody>
+      </p:sp>
+      <p:sp>
+        <p:nvSpPr>
+          <p:cNvPr id="116" name="Rectangle 115"/>
+          <p:cNvSpPr/>
+          <p:nvPr/>
+        </p:nvSpPr>
+        <p:spPr>
+          <a:xfrm>
+            <a:off x="4922925" y="3643941"/>
+            <a:ext cx="1124417" cy="457200"/>
+          </a:xfrm>
+          <a:prstGeom prst="rect">
+            <a:avLst/>
+          </a:prstGeom>
+        </p:spPr>
+        <p:style>
+          <a:lnRef idx="2">
+            <a:schemeClr val="accent4">
+              <a:shade val="50000"/>
+            </a:schemeClr>
+          </a:lnRef>
+          <a:fillRef idx="1">
+            <a:schemeClr val="accent4"/>
+          </a:fillRef>
+          <a:effectRef idx="0">
+            <a:schemeClr val="accent4"/>
+          </a:effectRef>
+          <a:fontRef idx="minor">
+            <a:schemeClr val="lt1"/>
+          </a:fontRef>
+        </p:style>
+        <p:txBody>
+          <a:bodyPr rtlCol="0" anchor="ctr"/>
+          <a:lstStyle/>
+          <a:p>
+            <a:pPr algn="ctr"/>
+            <a:r>
+              <a:rPr lang="en-US" sz="1600" b="1" dirty="0" err="1" smtClean="0"/>
+              <a:t>CoursesDb</a:t>
+            </a:r>
+            <a:endParaRPr lang="en-SG" sz="1600" b="1" dirty="0"/>
+          </a:p>
+        </p:txBody>
+      </p:sp>
+      <p:sp>
+        <p:nvSpPr>
+          <p:cNvPr id="106" name="Rectangle 105"/>
+          <p:cNvSpPr/>
+          <p:nvPr/>
+        </p:nvSpPr>
+        <p:spPr>
+          <a:xfrm>
+            <a:off x="4723933" y="1828800"/>
+            <a:ext cx="877233" cy="361770"/>
+          </a:xfrm>
+          <a:prstGeom prst="rect">
+            <a:avLst/>
+          </a:prstGeom>
+        </p:spPr>
+        <p:style>
+          <a:lnRef idx="2">
+            <a:schemeClr val="accent4">
+              <a:shade val="50000"/>
+            </a:schemeClr>
+          </a:lnRef>
+          <a:fillRef idx="1">
+            <a:schemeClr val="accent4"/>
+          </a:fillRef>
+          <a:effectRef idx="0">
+            <a:schemeClr val="accent4"/>
+          </a:effectRef>
+          <a:fontRef idx="minor">
+            <a:schemeClr val="lt1"/>
+          </a:fontRef>
+        </p:style>
+        <p:txBody>
+          <a:bodyPr rtlCol="0" anchor="ctr"/>
+          <a:lstStyle/>
+          <a:p>
+            <a:pPr algn="ctr"/>
+            <a:r>
+              <a:rPr lang="en-US" sz="1600" b="1" dirty="0" smtClean="0"/>
+              <a:t>Course</a:t>
+            </a:r>
+            <a:endParaRPr lang="en-SG" sz="1600" b="1" dirty="0"/>
+          </a:p>
+        </p:txBody>
+      </p:sp>
+      <p:sp>
+        <p:nvSpPr>
+          <p:cNvPr id="27" name="Diamond 26"/>
+          <p:cNvSpPr/>
+          <p:nvPr/>
+        </p:nvSpPr>
+        <p:spPr>
+          <a:xfrm>
+            <a:off x="4516140" y="1891341"/>
+            <a:ext cx="208260" cy="151078"/>
+          </a:xfrm>
+          <a:prstGeom prst="diamond">
+            <a:avLst/>
+          </a:prstGeom>
+        </p:spPr>
+        <p:style>
+          <a:lnRef idx="2">
+            <a:schemeClr val="accent4">
+              <a:shade val="50000"/>
+            </a:schemeClr>
+          </a:lnRef>
+          <a:fillRef idx="1">
+            <a:schemeClr val="accent4"/>
+          </a:fillRef>
+          <a:effectRef idx="0">
+            <a:schemeClr val="accent4"/>
+          </a:effectRef>
+          <a:fontRef idx="minor">
+            <a:schemeClr val="lt1"/>
+          </a:fontRef>
+        </p:style>
+        <p:txBody>
+          <a:bodyPr rtlCol="0" anchor="ctr"/>
+          <a:lstStyle/>
+          <a:p>
+            <a:pPr algn="ctr"/>
+            <a:endParaRPr lang="en-SG" sz="1600" b="1"/>
+          </a:p>
+        </p:txBody>
+      </p:sp>
+      <p:sp>
+        <p:nvSpPr>
+          <p:cNvPr id="52" name="Diamond 51"/>
+          <p:cNvSpPr/>
+          <p:nvPr/>
+        </p:nvSpPr>
+        <p:spPr>
+          <a:xfrm rot="5400000">
+            <a:off x="5058420" y="1649131"/>
+            <a:ext cx="208260" cy="151078"/>
+          </a:xfrm>
+          <a:prstGeom prst="diamond">
+            <a:avLst/>
+          </a:prstGeom>
+        </p:spPr>
+        <p:style>
+          <a:lnRef idx="2">
+            <a:schemeClr val="accent4">
+              <a:shade val="50000"/>
+            </a:schemeClr>
+          </a:lnRef>
+          <a:fillRef idx="1">
+            <a:schemeClr val="accent4"/>
+          </a:fillRef>
+          <a:effectRef idx="0">
+            <a:schemeClr val="accent4"/>
+          </a:effectRef>
+          <a:fontRef idx="minor">
+            <a:schemeClr val="lt1"/>
+          </a:fontRef>
+        </p:style>
+        <p:txBody>
+          <a:bodyPr rtlCol="0" anchor="ctr"/>
+          <a:lstStyle/>
+          <a:p>
+            <a:pPr algn="ctr"/>
+            <a:endParaRPr lang="en-SG" sz="1600" b="1"/>
+          </a:p>
+        </p:txBody>
+      </p:sp>
       <p:cxnSp>
         <p:nvCxnSpPr>
-          <p:cNvPr id="60" name="Straight Arrow Connector 59"/>
+          <p:cNvPr id="58" name="Elbow Connector 57"/>
           <p:cNvCxnSpPr/>
           <p:nvPr/>
         </p:nvCxnSpPr>
         <p:spPr>
           <a:xfrm>
-            <a:off x="7263774" y="6339393"/>
-            <a:ext cx="1339498" cy="0"/>
-          </a:xfrm>
-          <a:prstGeom prst="straightConnector1">
-            <a:avLst/>
+            <a:off x="5390489" y="2338749"/>
+            <a:ext cx="897925" cy="280654"/>
+          </a:xfrm>
+          <a:prstGeom prst="bentConnector3">
+            <a:avLst>
+              <a:gd name="adj1" fmla="val -210"/>
+            </a:avLst>
           </a:prstGeom>
           <a:ln w="57150" cmpd="dbl">
             <a:solidFill>
-              <a:schemeClr val="tx1">
+              <a:schemeClr val="accent6">
                 <a:lumMod val="50000"/>
-                <a:lumOff val="50000"/>
               </a:schemeClr>
             </a:solidFill>
             <a:prstDash val="solid"/>
-            <a:headEnd type="none" w="med" len="med"/>
-            <a:tailEnd type="triangle" w="med" len="med"/>
+            <a:headEnd type="triangle" w="med" len="med"/>
+            <a:tailEnd type="none" w="med" len="med"/>
           </a:ln>
         </p:spPr>
         <p:style>
@@ -5731,60 +5816,97 @@
       </p:cxnSp>
       <p:sp>
         <p:nvSpPr>
-          <p:cNvPr id="102" name="TextBox 101"/>
-          <p:cNvSpPr txBox="1"/>
+          <p:cNvPr id="59" name="Rectangle 58"/>
+          <p:cNvSpPr/>
           <p:nvPr/>
         </p:nvSpPr>
         <p:spPr>
           <a:xfrm>
-            <a:off x="7162800" y="6505143"/>
-            <a:ext cx="1669072" cy="200457"/>
+            <a:off x="7203086" y="1752951"/>
+            <a:ext cx="1076146" cy="361770"/>
           </a:xfrm>
           <a:prstGeom prst="rect">
             <a:avLst/>
           </a:prstGeom>
-          <a:noFill/>
-        </p:spPr>
-        <p:txBody>
-          <a:bodyPr wrap="square" lIns="0" tIns="0" rIns="0" bIns="0" rtlCol="0" anchor="ctr" anchorCtr="0">
-            <a:noAutofit/>
-          </a:bodyPr>
-          <a:lstStyle/>
-          <a:p>
-            <a:r>
-              <a:rPr lang="en-US" sz="1400" b="1" dirty="0" smtClean="0">
-                <a:solidFill>
-                  <a:schemeClr val="tx1">
-                    <a:lumMod val="50000"/>
-                    <a:lumOff val="50000"/>
-                  </a:schemeClr>
-                </a:solidFill>
-              </a:rPr>
-              <a:t>Associations managed using string references</a:t>
-            </a:r>
-            <a:endParaRPr lang="en-SG" sz="1400" b="1" dirty="0">
-              <a:solidFill>
-                <a:schemeClr val="tx1">
-                  <a:lumMod val="50000"/>
-                  <a:lumOff val="50000"/>
-                </a:schemeClr>
-              </a:solidFill>
-            </a:endParaRPr>
-          </a:p>
-        </p:txBody>
-      </p:sp>
-      <p:sp>
-        <p:nvSpPr>
-          <p:cNvPr id="116" name="Rectangle 115"/>
+        </p:spPr>
+        <p:style>
+          <a:lnRef idx="2">
+            <a:schemeClr val="accent6">
+              <a:shade val="50000"/>
+            </a:schemeClr>
+          </a:lnRef>
+          <a:fillRef idx="1">
+            <a:schemeClr val="accent6"/>
+          </a:fillRef>
+          <a:effectRef idx="0">
+            <a:schemeClr val="accent6"/>
+          </a:effectRef>
+          <a:fontRef idx="minor">
+            <a:schemeClr val="lt1"/>
+          </a:fontRef>
+        </p:style>
+        <p:txBody>
+          <a:bodyPr rtlCol="0" anchor="ctr"/>
+          <a:lstStyle/>
+          <a:p>
+            <a:pPr algn="ctr"/>
+            <a:r>
+              <a:rPr lang="en-US" sz="1600" b="1" dirty="0" smtClean="0"/>
+              <a:t>Account</a:t>
+            </a:r>
+            <a:endParaRPr lang="en-SG" sz="1600" b="1" dirty="0"/>
+          </a:p>
+        </p:txBody>
+      </p:sp>
+      <p:cxnSp>
+        <p:nvCxnSpPr>
+          <p:cNvPr id="62" name="Straight Arrow Connector 61"/>
+          <p:cNvCxnSpPr/>
+          <p:nvPr/>
+        </p:nvCxnSpPr>
+        <p:spPr>
+          <a:xfrm flipH="1">
+            <a:off x="6886207" y="2700519"/>
+            <a:ext cx="4619" cy="943422"/>
+          </a:xfrm>
+          <a:prstGeom prst="straightConnector1">
+            <a:avLst/>
+          </a:prstGeom>
+          <a:ln>
+            <a:prstDash val="sysDot"/>
+            <a:headEnd type="arrow" w="med" len="med"/>
+            <a:tailEnd type="none" w="med" len="med"/>
+          </a:ln>
+        </p:spPr>
+        <p:style>
+          <a:lnRef idx="2">
+            <a:schemeClr val="accent6">
+              <a:shade val="50000"/>
+            </a:schemeClr>
+          </a:lnRef>
+          <a:fillRef idx="1">
+            <a:schemeClr val="accent6"/>
+          </a:fillRef>
+          <a:effectRef idx="0">
+            <a:schemeClr val="accent6"/>
+          </a:effectRef>
+          <a:fontRef idx="minor">
+            <a:schemeClr val="lt1"/>
+          </a:fontRef>
+        </p:style>
+      </p:cxnSp>
+      <p:sp>
+        <p:nvSpPr>
+          <p:cNvPr id="63" name="Diamond 62"/>
           <p:cNvSpPr/>
           <p:nvPr/>
         </p:nvSpPr>
         <p:spPr>
-          <a:xfrm>
-            <a:off x="4922925" y="3643941"/>
-            <a:ext cx="1124417" cy="457200"/>
-          </a:xfrm>
-          <a:prstGeom prst="rect">
+          <a:xfrm rot="5400000">
+            <a:off x="5337013" y="2190628"/>
+            <a:ext cx="126058" cy="170183"/>
+          </a:xfrm>
+          <a:prstGeom prst="diamond">
             <a:avLst/>
           </a:prstGeom>
         </p:spPr>
@@ -5809,135 +5931,129 @@
           <a:lstStyle/>
           <a:p>
             <a:pPr algn="ctr"/>
-            <a:r>
-              <a:rPr lang="en-US" sz="1600" b="1" dirty="0" err="1" smtClean="0"/>
-              <a:t>CoursesDb</a:t>
-            </a:r>
-            <a:endParaRPr lang="en-SG" sz="1600" b="1" dirty="0"/>
-          </a:p>
-        </p:txBody>
-      </p:sp>
-      <p:sp>
-        <p:nvSpPr>
-          <p:cNvPr id="106" name="Rectangle 105"/>
-          <p:cNvSpPr/>
+            <a:endParaRPr lang="en-SG" sz="1600" b="1"/>
+          </a:p>
+        </p:txBody>
+      </p:sp>
+      <p:sp>
+        <p:nvSpPr>
+          <p:cNvPr id="68" name="TextBox 67"/>
+          <p:cNvSpPr txBox="1"/>
           <p:nvPr/>
         </p:nvSpPr>
         <p:spPr>
           <a:xfrm>
-            <a:off x="4723933" y="1828800"/>
-            <a:ext cx="877233" cy="361770"/>
+            <a:off x="5515811" y="2369400"/>
+            <a:ext cx="170709" cy="200457"/>
           </a:xfrm>
           <a:prstGeom prst="rect">
             <a:avLst/>
           </a:prstGeom>
-        </p:spPr>
-        <p:style>
-          <a:lnRef idx="2">
-            <a:schemeClr val="accent4">
-              <a:shade val="50000"/>
-            </a:schemeClr>
-          </a:lnRef>
-          <a:fillRef idx="1">
-            <a:schemeClr val="accent4"/>
-          </a:fillRef>
-          <a:effectRef idx="0">
-            <a:schemeClr val="accent4"/>
-          </a:effectRef>
-          <a:fontRef idx="minor">
-            <a:schemeClr val="lt1"/>
-          </a:fontRef>
-        </p:style>
-        <p:txBody>
-          <a:bodyPr rtlCol="0" anchor="ctr"/>
-          <a:lstStyle/>
-          <a:p>
-            <a:pPr algn="ctr"/>
-            <a:r>
-              <a:rPr lang="en-US" sz="1600" b="1" dirty="0" smtClean="0"/>
-              <a:t>Course</a:t>
-            </a:r>
-            <a:endParaRPr lang="en-SG" sz="1600" b="1" dirty="0"/>
-          </a:p>
-        </p:txBody>
-      </p:sp>
-      <p:sp>
-        <p:nvSpPr>
-          <p:cNvPr id="27" name="Diamond 26"/>
-          <p:cNvSpPr/>
+          <a:noFill/>
+        </p:spPr>
+        <p:txBody>
+          <a:bodyPr wrap="square" lIns="0" tIns="0" rIns="0" bIns="0" rtlCol="0" anchor="ctr" anchorCtr="0">
+            <a:noAutofit/>
+          </a:bodyPr>
+          <a:lstStyle/>
+          <a:p>
+            <a:r>
+              <a:rPr lang="en-US" b="1" dirty="0" smtClean="0">
+                <a:solidFill>
+                  <a:schemeClr val="accent4"/>
+                </a:solidFill>
+              </a:rPr>
+              <a:t>*</a:t>
+            </a:r>
+            <a:endParaRPr lang="en-SG" b="1" dirty="0">
+              <a:solidFill>
+                <a:schemeClr val="accent4"/>
+              </a:solidFill>
+            </a:endParaRPr>
+          </a:p>
+        </p:txBody>
+      </p:sp>
+      <p:sp>
+        <p:nvSpPr>
+          <p:cNvPr id="75" name="TextBox 74"/>
+          <p:cNvSpPr txBox="1"/>
           <p:nvPr/>
         </p:nvSpPr>
         <p:spPr>
           <a:xfrm>
-            <a:off x="4516140" y="1891341"/>
-            <a:ext cx="208260" cy="151078"/>
-          </a:xfrm>
-          <a:prstGeom prst="diamond">
+            <a:off x="7924800" y="1477897"/>
+            <a:ext cx="170709" cy="200457"/>
+          </a:xfrm>
+          <a:prstGeom prst="rect">
             <a:avLst/>
           </a:prstGeom>
-        </p:spPr>
-        <p:style>
-          <a:lnRef idx="2">
-            <a:schemeClr val="accent4">
-              <a:shade val="50000"/>
-            </a:schemeClr>
-          </a:lnRef>
-          <a:fillRef idx="1">
-            <a:schemeClr val="accent4"/>
-          </a:fillRef>
-          <a:effectRef idx="0">
-            <a:schemeClr val="accent4"/>
-          </a:effectRef>
-          <a:fontRef idx="minor">
-            <a:schemeClr val="lt1"/>
-          </a:fontRef>
-        </p:style>
-        <p:txBody>
-          <a:bodyPr rtlCol="0" anchor="ctr"/>
-          <a:lstStyle/>
-          <a:p>
-            <a:pPr algn="ctr"/>
-            <a:endParaRPr lang="en-SG" sz="1600" b="1"/>
-          </a:p>
-        </p:txBody>
-      </p:sp>
-      <p:sp>
-        <p:nvSpPr>
-          <p:cNvPr id="52" name="Diamond 51"/>
-          <p:cNvSpPr/>
+          <a:noFill/>
+        </p:spPr>
+        <p:txBody>
+          <a:bodyPr wrap="square" lIns="0" tIns="0" rIns="0" bIns="0" rtlCol="0" anchor="ctr" anchorCtr="0">
+            <a:noAutofit/>
+          </a:bodyPr>
+          <a:lstStyle/>
+          <a:p>
+            <a:r>
+              <a:rPr lang="en-US" sz="1600" dirty="0">
+                <a:solidFill>
+                  <a:schemeClr val="accent6">
+                    <a:lumMod val="75000"/>
+                  </a:schemeClr>
+                </a:solidFill>
+              </a:rPr>
+              <a:t>1</a:t>
+            </a:r>
+            <a:endParaRPr lang="en-SG" sz="1600" dirty="0">
+              <a:solidFill>
+                <a:schemeClr val="accent6">
+                  <a:lumMod val="75000"/>
+                </a:schemeClr>
+              </a:solidFill>
+            </a:endParaRPr>
+          </a:p>
+        </p:txBody>
+      </p:sp>
+      <p:sp>
+        <p:nvSpPr>
+          <p:cNvPr id="76" name="TextBox 75"/>
+          <p:cNvSpPr txBox="1"/>
           <p:nvPr/>
         </p:nvSpPr>
         <p:spPr>
-          <a:xfrm rot="5400000">
-            <a:off x="5058420" y="1649131"/>
-            <a:ext cx="208260" cy="151078"/>
-          </a:xfrm>
-          <a:prstGeom prst="diamond">
+          <a:xfrm>
+            <a:off x="7610693" y="2138292"/>
+            <a:ext cx="170709" cy="200457"/>
+          </a:xfrm>
+          <a:prstGeom prst="rect">
             <a:avLst/>
           </a:prstGeom>
-        </p:spPr>
-        <p:style>
-          <a:lnRef idx="2">
-            <a:schemeClr val="accent4">
-              <a:shade val="50000"/>
-            </a:schemeClr>
-          </a:lnRef>
-          <a:fillRef idx="1">
-            <a:schemeClr val="accent4"/>
-          </a:fillRef>
-          <a:effectRef idx="0">
-            <a:schemeClr val="accent4"/>
-          </a:effectRef>
-          <a:fontRef idx="minor">
-            <a:schemeClr val="lt1"/>
-          </a:fontRef>
-        </p:style>
-        <p:txBody>
-          <a:bodyPr rtlCol="0" anchor="ctr"/>
-          <a:lstStyle/>
-          <a:p>
-            <a:pPr algn="ctr"/>
-            <a:endParaRPr lang="en-SG" sz="1600" b="1"/>
+          <a:noFill/>
+        </p:spPr>
+        <p:txBody>
+          <a:bodyPr wrap="square" lIns="0" tIns="0" rIns="0" bIns="0" rtlCol="0" anchor="ctr" anchorCtr="0">
+            <a:noAutofit/>
+          </a:bodyPr>
+          <a:lstStyle/>
+          <a:p>
+            <a:r>
+              <a:rPr lang="en-US" sz="1600" dirty="0">
+                <a:solidFill>
+                  <a:schemeClr val="accent6">
+                    <a:lumMod val="75000"/>
+                  </a:schemeClr>
+                </a:solidFill>
+              </a:rPr>
+              <a:t>1</a:t>
+            </a:r>
+            <a:endParaRPr lang="en-SG" sz="1600" dirty="0">
+              <a:solidFill>
+                <a:schemeClr val="accent6">
+                  <a:lumMod val="75000"/>
+                </a:schemeClr>
+              </a:solidFill>
+            </a:endParaRPr>
           </a:p>
         </p:txBody>
       </p:sp>

--- a/doc/diagrams/StorageComponent.pptx
+++ b/doc/diagrams/StorageComponent.pptx
@@ -12,6 +12,9 @@
   </p:sldIdLst>
   <p:sldSz cx="9144000" cy="6858000" type="screen4x3"/>
   <p:notesSz cx="6858000" cy="9144000"/>
+  <p:custDataLst>
+    <p:tags r:id="rId4"/>
+  </p:custDataLst>
   <p:defaultTextStyle>
     <a:defPPr>
       <a:defRPr lang="en-US"/>
@@ -193,7 +196,7 @@
             <a:fld id="{AF301891-4E62-472A-98E9-95DBD40531A4}" type="datetimeFigureOut">
               <a:rPr lang="en-SG" smtClean="0"/>
               <a:pPr/>
-              <a:t>15/1/2013</a:t>
+              <a:t>18/5/2013</a:t>
             </a:fld>
             <a:endParaRPr lang="en-SG"/>
           </a:p>
@@ -579,6 +582,9 @@
             <a:off x="685800" y="2130425"/>
             <a:ext cx="7772400" cy="1470025"/>
           </a:xfrm>
+          <a:prstGeom prst="rect">
+            <a:avLst/>
+          </a:prstGeom>
         </p:spPr>
         <p:txBody>
           <a:bodyPr/>
@@ -607,6 +613,9 @@
             <a:off x="1371600" y="3886200"/>
             <a:ext cx="6400800" cy="1752600"/>
           </a:xfrm>
+          <a:prstGeom prst="rect">
+            <a:avLst/>
+          </a:prstGeom>
         </p:spPr>
         <p:txBody>
           <a:bodyPr/>
@@ -721,7 +730,15 @@
             <p:ph type="dt" sz="half" idx="10"/>
           </p:nvPr>
         </p:nvSpPr>
-        <p:spPr/>
+        <p:spPr>
+          <a:xfrm>
+            <a:off x="457200" y="6356350"/>
+            <a:ext cx="2133600" cy="365125"/>
+          </a:xfrm>
+          <a:prstGeom prst="rect">
+            <a:avLst/>
+          </a:prstGeom>
+        </p:spPr>
         <p:txBody>
           <a:bodyPr/>
           <a:lstStyle/>
@@ -729,7 +746,7 @@
             <a:fld id="{1D8BD707-D9CF-40AE-B4C6-C98DA3205C09}" type="datetimeFigureOut">
               <a:rPr lang="en-US" smtClean="0"/>
               <a:pPr/>
-              <a:t>1/15/2013</a:t>
+              <a:t>5/18/2013</a:t>
             </a:fld>
             <a:endParaRPr lang="en-US"/>
           </a:p>
@@ -745,7 +762,15 @@
             <p:ph type="ftr" sz="quarter" idx="11"/>
           </p:nvPr>
         </p:nvSpPr>
-        <p:spPr/>
+        <p:spPr>
+          <a:xfrm>
+            <a:off x="3124200" y="6356350"/>
+            <a:ext cx="2895600" cy="365125"/>
+          </a:xfrm>
+          <a:prstGeom prst="rect">
+            <a:avLst/>
+          </a:prstGeom>
+        </p:spPr>
         <p:txBody>
           <a:bodyPr/>
           <a:lstStyle/>
@@ -764,7 +789,15 @@
             <p:ph type="sldNum" sz="quarter" idx="12"/>
           </p:nvPr>
         </p:nvSpPr>
-        <p:spPr/>
+        <p:spPr>
+          <a:xfrm>
+            <a:off x="6553200" y="6356350"/>
+            <a:ext cx="2133600" cy="365125"/>
+          </a:xfrm>
+          <a:prstGeom prst="rect">
+            <a:avLst/>
+          </a:prstGeom>
+        </p:spPr>
         <p:txBody>
           <a:bodyPr/>
           <a:lstStyle/>
@@ -813,7 +846,15 @@
             <p:ph type="title"/>
           </p:nvPr>
         </p:nvSpPr>
-        <p:spPr/>
+        <p:spPr>
+          <a:xfrm>
+            <a:off x="457200" y="274638"/>
+            <a:ext cx="8229600" cy="1143000"/>
+          </a:xfrm>
+          <a:prstGeom prst="rect">
+            <a:avLst/>
+          </a:prstGeom>
+        </p:spPr>
         <p:txBody>
           <a:bodyPr/>
           <a:lstStyle/>
@@ -836,7 +877,15 @@
             <p:ph type="body" orient="vert" idx="1"/>
           </p:nvPr>
         </p:nvSpPr>
-        <p:spPr/>
+        <p:spPr>
+          <a:xfrm>
+            <a:off x="457200" y="1600200"/>
+            <a:ext cx="8229600" cy="4525963"/>
+          </a:xfrm>
+          <a:prstGeom prst="rect">
+            <a:avLst/>
+          </a:prstGeom>
+        </p:spPr>
         <p:txBody>
           <a:bodyPr vert="eaVert"/>
           <a:lstStyle/>
@@ -888,7 +937,15 @@
             <p:ph type="dt" sz="half" idx="10"/>
           </p:nvPr>
         </p:nvSpPr>
-        <p:spPr/>
+        <p:spPr>
+          <a:xfrm>
+            <a:off x="457200" y="6356350"/>
+            <a:ext cx="2133600" cy="365125"/>
+          </a:xfrm>
+          <a:prstGeom prst="rect">
+            <a:avLst/>
+          </a:prstGeom>
+        </p:spPr>
         <p:txBody>
           <a:bodyPr/>
           <a:lstStyle/>
@@ -896,7 +953,7 @@
             <a:fld id="{1D8BD707-D9CF-40AE-B4C6-C98DA3205C09}" type="datetimeFigureOut">
               <a:rPr lang="en-US" smtClean="0"/>
               <a:pPr/>
-              <a:t>1/15/2013</a:t>
+              <a:t>5/18/2013</a:t>
             </a:fld>
             <a:endParaRPr lang="en-US"/>
           </a:p>
@@ -912,7 +969,15 @@
             <p:ph type="ftr" sz="quarter" idx="11"/>
           </p:nvPr>
         </p:nvSpPr>
-        <p:spPr/>
+        <p:spPr>
+          <a:xfrm>
+            <a:off x="3124200" y="6356350"/>
+            <a:ext cx="2895600" cy="365125"/>
+          </a:xfrm>
+          <a:prstGeom prst="rect">
+            <a:avLst/>
+          </a:prstGeom>
+        </p:spPr>
         <p:txBody>
           <a:bodyPr/>
           <a:lstStyle/>
@@ -931,7 +996,15 @@
             <p:ph type="sldNum" sz="quarter" idx="12"/>
           </p:nvPr>
         </p:nvSpPr>
-        <p:spPr/>
+        <p:spPr>
+          <a:xfrm>
+            <a:off x="6553200" y="6356350"/>
+            <a:ext cx="2133600" cy="365125"/>
+          </a:xfrm>
+          <a:prstGeom prst="rect">
+            <a:avLst/>
+          </a:prstGeom>
+        </p:spPr>
         <p:txBody>
           <a:bodyPr/>
           <a:lstStyle/>
@@ -985,6 +1058,9 @@
             <a:off x="6629400" y="274638"/>
             <a:ext cx="2057400" cy="5851525"/>
           </a:xfrm>
+          <a:prstGeom prst="rect">
+            <a:avLst/>
+          </a:prstGeom>
         </p:spPr>
         <p:txBody>
           <a:bodyPr vert="eaVert"/>
@@ -1013,6 +1089,9 @@
             <a:off x="457200" y="274638"/>
             <a:ext cx="6019800" cy="5851525"/>
           </a:xfrm>
+          <a:prstGeom prst="rect">
+            <a:avLst/>
+          </a:prstGeom>
         </p:spPr>
         <p:txBody>
           <a:bodyPr vert="eaVert"/>
@@ -1065,7 +1144,15 @@
             <p:ph type="dt" sz="half" idx="10"/>
           </p:nvPr>
         </p:nvSpPr>
-        <p:spPr/>
+        <p:spPr>
+          <a:xfrm>
+            <a:off x="457200" y="6356350"/>
+            <a:ext cx="2133600" cy="365125"/>
+          </a:xfrm>
+          <a:prstGeom prst="rect">
+            <a:avLst/>
+          </a:prstGeom>
+        </p:spPr>
         <p:txBody>
           <a:bodyPr/>
           <a:lstStyle/>
@@ -1073,7 +1160,7 @@
             <a:fld id="{1D8BD707-D9CF-40AE-B4C6-C98DA3205C09}" type="datetimeFigureOut">
               <a:rPr lang="en-US" smtClean="0"/>
               <a:pPr/>
-              <a:t>1/15/2013</a:t>
+              <a:t>5/18/2013</a:t>
             </a:fld>
             <a:endParaRPr lang="en-US"/>
           </a:p>
@@ -1089,7 +1176,15 @@
             <p:ph type="ftr" sz="quarter" idx="11"/>
           </p:nvPr>
         </p:nvSpPr>
-        <p:spPr/>
+        <p:spPr>
+          <a:xfrm>
+            <a:off x="3124200" y="6356350"/>
+            <a:ext cx="2895600" cy="365125"/>
+          </a:xfrm>
+          <a:prstGeom prst="rect">
+            <a:avLst/>
+          </a:prstGeom>
+        </p:spPr>
         <p:txBody>
           <a:bodyPr/>
           <a:lstStyle/>
@@ -1108,7 +1203,15 @@
             <p:ph type="sldNum" sz="quarter" idx="12"/>
           </p:nvPr>
         </p:nvSpPr>
-        <p:spPr/>
+        <p:spPr>
+          <a:xfrm>
+            <a:off x="6553200" y="6356350"/>
+            <a:ext cx="2133600" cy="365125"/>
+          </a:xfrm>
+          <a:prstGeom prst="rect">
+            <a:avLst/>
+          </a:prstGeom>
+        </p:spPr>
         <p:txBody>
           <a:bodyPr/>
           <a:lstStyle/>
@@ -1157,7 +1260,15 @@
             <p:ph type="title"/>
           </p:nvPr>
         </p:nvSpPr>
-        <p:spPr/>
+        <p:spPr>
+          <a:xfrm>
+            <a:off x="457200" y="274638"/>
+            <a:ext cx="8229600" cy="1143000"/>
+          </a:xfrm>
+          <a:prstGeom prst="rect">
+            <a:avLst/>
+          </a:prstGeom>
+        </p:spPr>
         <p:txBody>
           <a:bodyPr/>
           <a:lstStyle/>
@@ -1180,7 +1291,15 @@
             <p:ph idx="1"/>
           </p:nvPr>
         </p:nvSpPr>
-        <p:spPr/>
+        <p:spPr>
+          <a:xfrm>
+            <a:off x="457200" y="1600200"/>
+            <a:ext cx="8229600" cy="4525963"/>
+          </a:xfrm>
+          <a:prstGeom prst="rect">
+            <a:avLst/>
+          </a:prstGeom>
+        </p:spPr>
         <p:txBody>
           <a:bodyPr/>
           <a:lstStyle/>
@@ -1232,7 +1351,15 @@
             <p:ph type="dt" sz="half" idx="10"/>
           </p:nvPr>
         </p:nvSpPr>
-        <p:spPr/>
+        <p:spPr>
+          <a:xfrm>
+            <a:off x="457200" y="6356350"/>
+            <a:ext cx="2133600" cy="365125"/>
+          </a:xfrm>
+          <a:prstGeom prst="rect">
+            <a:avLst/>
+          </a:prstGeom>
+        </p:spPr>
         <p:txBody>
           <a:bodyPr/>
           <a:lstStyle/>
@@ -1240,7 +1367,7 @@
             <a:fld id="{1D8BD707-D9CF-40AE-B4C6-C98DA3205C09}" type="datetimeFigureOut">
               <a:rPr lang="en-US" smtClean="0"/>
               <a:pPr/>
-              <a:t>1/15/2013</a:t>
+              <a:t>5/18/2013</a:t>
             </a:fld>
             <a:endParaRPr lang="en-US"/>
           </a:p>
@@ -1256,7 +1383,15 @@
             <p:ph type="ftr" sz="quarter" idx="11"/>
           </p:nvPr>
         </p:nvSpPr>
-        <p:spPr/>
+        <p:spPr>
+          <a:xfrm>
+            <a:off x="3124200" y="6356350"/>
+            <a:ext cx="2895600" cy="365125"/>
+          </a:xfrm>
+          <a:prstGeom prst="rect">
+            <a:avLst/>
+          </a:prstGeom>
+        </p:spPr>
         <p:txBody>
           <a:bodyPr/>
           <a:lstStyle/>
@@ -1275,7 +1410,15 @@
             <p:ph type="sldNum" sz="quarter" idx="12"/>
           </p:nvPr>
         </p:nvSpPr>
-        <p:spPr/>
+        <p:spPr>
+          <a:xfrm>
+            <a:off x="6553200" y="6356350"/>
+            <a:ext cx="2133600" cy="365125"/>
+          </a:xfrm>
+          <a:prstGeom prst="rect">
+            <a:avLst/>
+          </a:prstGeom>
+        </p:spPr>
         <p:txBody>
           <a:bodyPr/>
           <a:lstStyle/>
@@ -1329,6 +1472,9 @@
             <a:off x="722313" y="4406900"/>
             <a:ext cx="7772400" cy="1362075"/>
           </a:xfrm>
+          <a:prstGeom prst="rect">
+            <a:avLst/>
+          </a:prstGeom>
         </p:spPr>
         <p:txBody>
           <a:bodyPr anchor="t"/>
@@ -1361,6 +1507,9 @@
             <a:off x="722313" y="2906713"/>
             <a:ext cx="7772400" cy="1500187"/>
           </a:xfrm>
+          <a:prstGeom prst="rect">
+            <a:avLst/>
+          </a:prstGeom>
         </p:spPr>
         <p:txBody>
           <a:bodyPr anchor="b"/>
@@ -1475,7 +1624,15 @@
             <p:ph type="dt" sz="half" idx="10"/>
           </p:nvPr>
         </p:nvSpPr>
-        <p:spPr/>
+        <p:spPr>
+          <a:xfrm>
+            <a:off x="457200" y="6356350"/>
+            <a:ext cx="2133600" cy="365125"/>
+          </a:xfrm>
+          <a:prstGeom prst="rect">
+            <a:avLst/>
+          </a:prstGeom>
+        </p:spPr>
         <p:txBody>
           <a:bodyPr/>
           <a:lstStyle/>
@@ -1483,7 +1640,7 @@
             <a:fld id="{1D8BD707-D9CF-40AE-B4C6-C98DA3205C09}" type="datetimeFigureOut">
               <a:rPr lang="en-US" smtClean="0"/>
               <a:pPr/>
-              <a:t>1/15/2013</a:t>
+              <a:t>5/18/2013</a:t>
             </a:fld>
             <a:endParaRPr lang="en-US"/>
           </a:p>
@@ -1499,7 +1656,15 @@
             <p:ph type="ftr" sz="quarter" idx="11"/>
           </p:nvPr>
         </p:nvSpPr>
-        <p:spPr/>
+        <p:spPr>
+          <a:xfrm>
+            <a:off x="3124200" y="6356350"/>
+            <a:ext cx="2895600" cy="365125"/>
+          </a:xfrm>
+          <a:prstGeom prst="rect">
+            <a:avLst/>
+          </a:prstGeom>
+        </p:spPr>
         <p:txBody>
           <a:bodyPr/>
           <a:lstStyle/>
@@ -1518,7 +1683,15 @@
             <p:ph type="sldNum" sz="quarter" idx="12"/>
           </p:nvPr>
         </p:nvSpPr>
-        <p:spPr/>
+        <p:spPr>
+          <a:xfrm>
+            <a:off x="6553200" y="6356350"/>
+            <a:ext cx="2133600" cy="365125"/>
+          </a:xfrm>
+          <a:prstGeom prst="rect">
+            <a:avLst/>
+          </a:prstGeom>
+        </p:spPr>
         <p:txBody>
           <a:bodyPr/>
           <a:lstStyle/>
@@ -1567,7 +1740,15 @@
             <p:ph type="title"/>
           </p:nvPr>
         </p:nvSpPr>
-        <p:spPr/>
+        <p:spPr>
+          <a:xfrm>
+            <a:off x="457200" y="274638"/>
+            <a:ext cx="8229600" cy="1143000"/>
+          </a:xfrm>
+          <a:prstGeom prst="rect">
+            <a:avLst/>
+          </a:prstGeom>
+        </p:spPr>
         <p:txBody>
           <a:bodyPr/>
           <a:lstStyle/>
@@ -1595,6 +1776,9 @@
             <a:off x="457200" y="1600200"/>
             <a:ext cx="4038600" cy="4525963"/>
           </a:xfrm>
+          <a:prstGeom prst="rect">
+            <a:avLst/>
+          </a:prstGeom>
         </p:spPr>
         <p:txBody>
           <a:bodyPr/>
@@ -1680,6 +1864,9 @@
             <a:off x="4648200" y="1600200"/>
             <a:ext cx="4038600" cy="4525963"/>
           </a:xfrm>
+          <a:prstGeom prst="rect">
+            <a:avLst/>
+          </a:prstGeom>
         </p:spPr>
         <p:txBody>
           <a:bodyPr/>
@@ -1760,7 +1947,15 @@
             <p:ph type="dt" sz="half" idx="10"/>
           </p:nvPr>
         </p:nvSpPr>
-        <p:spPr/>
+        <p:spPr>
+          <a:xfrm>
+            <a:off x="457200" y="6356350"/>
+            <a:ext cx="2133600" cy="365125"/>
+          </a:xfrm>
+          <a:prstGeom prst="rect">
+            <a:avLst/>
+          </a:prstGeom>
+        </p:spPr>
         <p:txBody>
           <a:bodyPr/>
           <a:lstStyle/>
@@ -1768,7 +1963,7 @@
             <a:fld id="{1D8BD707-D9CF-40AE-B4C6-C98DA3205C09}" type="datetimeFigureOut">
               <a:rPr lang="en-US" smtClean="0"/>
               <a:pPr/>
-              <a:t>1/15/2013</a:t>
+              <a:t>5/18/2013</a:t>
             </a:fld>
             <a:endParaRPr lang="en-US"/>
           </a:p>
@@ -1784,7 +1979,15 @@
             <p:ph type="ftr" sz="quarter" idx="11"/>
           </p:nvPr>
         </p:nvSpPr>
-        <p:spPr/>
+        <p:spPr>
+          <a:xfrm>
+            <a:off x="3124200" y="6356350"/>
+            <a:ext cx="2895600" cy="365125"/>
+          </a:xfrm>
+          <a:prstGeom prst="rect">
+            <a:avLst/>
+          </a:prstGeom>
+        </p:spPr>
         <p:txBody>
           <a:bodyPr/>
           <a:lstStyle/>
@@ -1803,7 +2006,15 @@
             <p:ph type="sldNum" sz="quarter" idx="12"/>
           </p:nvPr>
         </p:nvSpPr>
-        <p:spPr/>
+        <p:spPr>
+          <a:xfrm>
+            <a:off x="6553200" y="6356350"/>
+            <a:ext cx="2133600" cy="365125"/>
+          </a:xfrm>
+          <a:prstGeom prst="rect">
+            <a:avLst/>
+          </a:prstGeom>
+        </p:spPr>
         <p:txBody>
           <a:bodyPr/>
           <a:lstStyle/>
@@ -1852,7 +2063,15 @@
             <p:ph type="title"/>
           </p:nvPr>
         </p:nvSpPr>
-        <p:spPr/>
+        <p:spPr>
+          <a:xfrm>
+            <a:off x="457200" y="274638"/>
+            <a:ext cx="8229600" cy="1143000"/>
+          </a:xfrm>
+          <a:prstGeom prst="rect">
+            <a:avLst/>
+          </a:prstGeom>
+        </p:spPr>
         <p:txBody>
           <a:bodyPr/>
           <a:lstStyle>
@@ -1884,6 +2103,9 @@
             <a:off x="457200" y="1535113"/>
             <a:ext cx="4040188" cy="639762"/>
           </a:xfrm>
+          <a:prstGeom prst="rect">
+            <a:avLst/>
+          </a:prstGeom>
         </p:spPr>
         <p:txBody>
           <a:bodyPr anchor="b"/>
@@ -1949,6 +2171,9 @@
             <a:off x="457200" y="2174875"/>
             <a:ext cx="4040188" cy="3951288"/>
           </a:xfrm>
+          <a:prstGeom prst="rect">
+            <a:avLst/>
+          </a:prstGeom>
         </p:spPr>
         <p:txBody>
           <a:bodyPr/>
@@ -2034,6 +2259,9 @@
             <a:off x="4645025" y="1535113"/>
             <a:ext cx="4041775" cy="639762"/>
           </a:xfrm>
+          <a:prstGeom prst="rect">
+            <a:avLst/>
+          </a:prstGeom>
         </p:spPr>
         <p:txBody>
           <a:bodyPr anchor="b"/>
@@ -2099,6 +2327,9 @@
             <a:off x="4645025" y="2174875"/>
             <a:ext cx="4041775" cy="3951288"/>
           </a:xfrm>
+          <a:prstGeom prst="rect">
+            <a:avLst/>
+          </a:prstGeom>
         </p:spPr>
         <p:txBody>
           <a:bodyPr/>
@@ -2179,7 +2410,15 @@
             <p:ph type="dt" sz="half" idx="10"/>
           </p:nvPr>
         </p:nvSpPr>
-        <p:spPr/>
+        <p:spPr>
+          <a:xfrm>
+            <a:off x="457200" y="6356350"/>
+            <a:ext cx="2133600" cy="365125"/>
+          </a:xfrm>
+          <a:prstGeom prst="rect">
+            <a:avLst/>
+          </a:prstGeom>
+        </p:spPr>
         <p:txBody>
           <a:bodyPr/>
           <a:lstStyle/>
@@ -2187,7 +2426,7 @@
             <a:fld id="{1D8BD707-D9CF-40AE-B4C6-C98DA3205C09}" type="datetimeFigureOut">
               <a:rPr lang="en-US" smtClean="0"/>
               <a:pPr/>
-              <a:t>1/15/2013</a:t>
+              <a:t>5/18/2013</a:t>
             </a:fld>
             <a:endParaRPr lang="en-US"/>
           </a:p>
@@ -2203,7 +2442,15 @@
             <p:ph type="ftr" sz="quarter" idx="11"/>
           </p:nvPr>
         </p:nvSpPr>
-        <p:spPr/>
+        <p:spPr>
+          <a:xfrm>
+            <a:off x="3124200" y="6356350"/>
+            <a:ext cx="2895600" cy="365125"/>
+          </a:xfrm>
+          <a:prstGeom prst="rect">
+            <a:avLst/>
+          </a:prstGeom>
+        </p:spPr>
         <p:txBody>
           <a:bodyPr/>
           <a:lstStyle/>
@@ -2222,7 +2469,15 @@
             <p:ph type="sldNum" sz="quarter" idx="12"/>
           </p:nvPr>
         </p:nvSpPr>
-        <p:spPr/>
+        <p:spPr>
+          <a:xfrm>
+            <a:off x="6553200" y="6356350"/>
+            <a:ext cx="2133600" cy="365125"/>
+          </a:xfrm>
+          <a:prstGeom prst="rect">
+            <a:avLst/>
+          </a:prstGeom>
+        </p:spPr>
         <p:txBody>
           <a:bodyPr/>
           <a:lstStyle/>
@@ -2271,7 +2526,15 @@
             <p:ph type="title"/>
           </p:nvPr>
         </p:nvSpPr>
-        <p:spPr/>
+        <p:spPr>
+          <a:xfrm>
+            <a:off x="457200" y="274638"/>
+            <a:ext cx="8229600" cy="1143000"/>
+          </a:xfrm>
+          <a:prstGeom prst="rect">
+            <a:avLst/>
+          </a:prstGeom>
+        </p:spPr>
         <p:txBody>
           <a:bodyPr/>
           <a:lstStyle/>
@@ -2294,7 +2557,15 @@
             <p:ph type="dt" sz="half" idx="10"/>
           </p:nvPr>
         </p:nvSpPr>
-        <p:spPr/>
+        <p:spPr>
+          <a:xfrm>
+            <a:off x="457200" y="6356350"/>
+            <a:ext cx="2133600" cy="365125"/>
+          </a:xfrm>
+          <a:prstGeom prst="rect">
+            <a:avLst/>
+          </a:prstGeom>
+        </p:spPr>
         <p:txBody>
           <a:bodyPr/>
           <a:lstStyle/>
@@ -2302,7 +2573,7 @@
             <a:fld id="{1D8BD707-D9CF-40AE-B4C6-C98DA3205C09}" type="datetimeFigureOut">
               <a:rPr lang="en-US" smtClean="0"/>
               <a:pPr/>
-              <a:t>1/15/2013</a:t>
+              <a:t>5/18/2013</a:t>
             </a:fld>
             <a:endParaRPr lang="en-US"/>
           </a:p>
@@ -2318,7 +2589,15 @@
             <p:ph type="ftr" sz="quarter" idx="11"/>
           </p:nvPr>
         </p:nvSpPr>
-        <p:spPr/>
+        <p:spPr>
+          <a:xfrm>
+            <a:off x="3124200" y="6356350"/>
+            <a:ext cx="2895600" cy="365125"/>
+          </a:xfrm>
+          <a:prstGeom prst="rect">
+            <a:avLst/>
+          </a:prstGeom>
+        </p:spPr>
         <p:txBody>
           <a:bodyPr/>
           <a:lstStyle/>
@@ -2337,7 +2616,15 @@
             <p:ph type="sldNum" sz="quarter" idx="12"/>
           </p:nvPr>
         </p:nvSpPr>
-        <p:spPr/>
+        <p:spPr>
+          <a:xfrm>
+            <a:off x="6553200" y="6356350"/>
+            <a:ext cx="2133600" cy="365125"/>
+          </a:xfrm>
+          <a:prstGeom prst="rect">
+            <a:avLst/>
+          </a:prstGeom>
+        </p:spPr>
         <p:txBody>
           <a:bodyPr/>
           <a:lstStyle/>
@@ -2386,7 +2673,15 @@
             <p:ph type="dt" sz="half" idx="10"/>
           </p:nvPr>
         </p:nvSpPr>
-        <p:spPr/>
+        <p:spPr>
+          <a:xfrm>
+            <a:off x="457200" y="6356350"/>
+            <a:ext cx="2133600" cy="365125"/>
+          </a:xfrm>
+          <a:prstGeom prst="rect">
+            <a:avLst/>
+          </a:prstGeom>
+        </p:spPr>
         <p:txBody>
           <a:bodyPr/>
           <a:lstStyle/>
@@ -2394,7 +2689,7 @@
             <a:fld id="{1D8BD707-D9CF-40AE-B4C6-C98DA3205C09}" type="datetimeFigureOut">
               <a:rPr lang="en-US" smtClean="0"/>
               <a:pPr/>
-              <a:t>1/15/2013</a:t>
+              <a:t>5/18/2013</a:t>
             </a:fld>
             <a:endParaRPr lang="en-US"/>
           </a:p>
@@ -2410,7 +2705,15 @@
             <p:ph type="ftr" sz="quarter" idx="11"/>
           </p:nvPr>
         </p:nvSpPr>
-        <p:spPr/>
+        <p:spPr>
+          <a:xfrm>
+            <a:off x="3124200" y="6356350"/>
+            <a:ext cx="2895600" cy="365125"/>
+          </a:xfrm>
+          <a:prstGeom prst="rect">
+            <a:avLst/>
+          </a:prstGeom>
+        </p:spPr>
         <p:txBody>
           <a:bodyPr/>
           <a:lstStyle/>
@@ -2429,7 +2732,15 @@
             <p:ph type="sldNum" sz="quarter" idx="12"/>
           </p:nvPr>
         </p:nvSpPr>
-        <p:spPr/>
+        <p:spPr>
+          <a:xfrm>
+            <a:off x="6553200" y="6356350"/>
+            <a:ext cx="2133600" cy="365125"/>
+          </a:xfrm>
+          <a:prstGeom prst="rect">
+            <a:avLst/>
+          </a:prstGeom>
+        </p:spPr>
         <p:txBody>
           <a:bodyPr/>
           <a:lstStyle/>
@@ -2483,6 +2794,9 @@
             <a:off x="457200" y="273050"/>
             <a:ext cx="3008313" cy="1162050"/>
           </a:xfrm>
+          <a:prstGeom prst="rect">
+            <a:avLst/>
+          </a:prstGeom>
         </p:spPr>
         <p:txBody>
           <a:bodyPr anchor="b"/>
@@ -2515,6 +2829,9 @@
             <a:off x="3575050" y="273050"/>
             <a:ext cx="5111750" cy="5853113"/>
           </a:xfrm>
+          <a:prstGeom prst="rect">
+            <a:avLst/>
+          </a:prstGeom>
         </p:spPr>
         <p:txBody>
           <a:bodyPr/>
@@ -2600,6 +2917,9 @@
             <a:off x="457200" y="1435100"/>
             <a:ext cx="3008313" cy="4691063"/>
           </a:xfrm>
+          <a:prstGeom prst="rect">
+            <a:avLst/>
+          </a:prstGeom>
         </p:spPr>
         <p:txBody>
           <a:bodyPr/>
@@ -2660,7 +2980,15 @@
             <p:ph type="dt" sz="half" idx="10"/>
           </p:nvPr>
         </p:nvSpPr>
-        <p:spPr/>
+        <p:spPr>
+          <a:xfrm>
+            <a:off x="457200" y="6356350"/>
+            <a:ext cx="2133600" cy="365125"/>
+          </a:xfrm>
+          <a:prstGeom prst="rect">
+            <a:avLst/>
+          </a:prstGeom>
+        </p:spPr>
         <p:txBody>
           <a:bodyPr/>
           <a:lstStyle/>
@@ -2668,7 +2996,7 @@
             <a:fld id="{1D8BD707-D9CF-40AE-B4C6-C98DA3205C09}" type="datetimeFigureOut">
               <a:rPr lang="en-US" smtClean="0"/>
               <a:pPr/>
-              <a:t>1/15/2013</a:t>
+              <a:t>5/18/2013</a:t>
             </a:fld>
             <a:endParaRPr lang="en-US"/>
           </a:p>
@@ -2684,7 +3012,15 @@
             <p:ph type="ftr" sz="quarter" idx="11"/>
           </p:nvPr>
         </p:nvSpPr>
-        <p:spPr/>
+        <p:spPr>
+          <a:xfrm>
+            <a:off x="3124200" y="6356350"/>
+            <a:ext cx="2895600" cy="365125"/>
+          </a:xfrm>
+          <a:prstGeom prst="rect">
+            <a:avLst/>
+          </a:prstGeom>
+        </p:spPr>
         <p:txBody>
           <a:bodyPr/>
           <a:lstStyle/>
@@ -2703,7 +3039,15 @@
             <p:ph type="sldNum" sz="quarter" idx="12"/>
           </p:nvPr>
         </p:nvSpPr>
-        <p:spPr/>
+        <p:spPr>
+          <a:xfrm>
+            <a:off x="6553200" y="6356350"/>
+            <a:ext cx="2133600" cy="365125"/>
+          </a:xfrm>
+          <a:prstGeom prst="rect">
+            <a:avLst/>
+          </a:prstGeom>
+        </p:spPr>
         <p:txBody>
           <a:bodyPr/>
           <a:lstStyle/>
@@ -2757,6 +3101,9 @@
             <a:off x="1792288" y="4800600"/>
             <a:ext cx="5486400" cy="566738"/>
           </a:xfrm>
+          <a:prstGeom prst="rect">
+            <a:avLst/>
+          </a:prstGeom>
         </p:spPr>
         <p:txBody>
           <a:bodyPr anchor="b"/>
@@ -2789,6 +3136,9 @@
             <a:off x="1792288" y="612775"/>
             <a:ext cx="5486400" cy="4114800"/>
           </a:xfrm>
+          <a:prstGeom prst="rect">
+            <a:avLst/>
+          </a:prstGeom>
         </p:spPr>
         <p:txBody>
           <a:bodyPr/>
@@ -2850,6 +3200,9 @@
             <a:off x="1792288" y="5367338"/>
             <a:ext cx="5486400" cy="804862"/>
           </a:xfrm>
+          <a:prstGeom prst="rect">
+            <a:avLst/>
+          </a:prstGeom>
         </p:spPr>
         <p:txBody>
           <a:bodyPr/>
@@ -2910,7 +3263,15 @@
             <p:ph type="dt" sz="half" idx="10"/>
           </p:nvPr>
         </p:nvSpPr>
-        <p:spPr/>
+        <p:spPr>
+          <a:xfrm>
+            <a:off x="457200" y="6356350"/>
+            <a:ext cx="2133600" cy="365125"/>
+          </a:xfrm>
+          <a:prstGeom prst="rect">
+            <a:avLst/>
+          </a:prstGeom>
+        </p:spPr>
         <p:txBody>
           <a:bodyPr/>
           <a:lstStyle/>
@@ -2918,7 +3279,7 @@
             <a:fld id="{1D8BD707-D9CF-40AE-B4C6-C98DA3205C09}" type="datetimeFigureOut">
               <a:rPr lang="en-US" smtClean="0"/>
               <a:pPr/>
-              <a:t>1/15/2013</a:t>
+              <a:t>5/18/2013</a:t>
             </a:fld>
             <a:endParaRPr lang="en-US"/>
           </a:p>
@@ -2934,7 +3295,15 @@
             <p:ph type="ftr" sz="quarter" idx="11"/>
           </p:nvPr>
         </p:nvSpPr>
-        <p:spPr/>
+        <p:spPr>
+          <a:xfrm>
+            <a:off x="3124200" y="6356350"/>
+            <a:ext cx="2895600" cy="365125"/>
+          </a:xfrm>
+          <a:prstGeom prst="rect">
+            <a:avLst/>
+          </a:prstGeom>
+        </p:spPr>
         <p:txBody>
           <a:bodyPr/>
           <a:lstStyle/>
@@ -2953,7 +3322,15 @@
             <p:ph type="sldNum" sz="quarter" idx="12"/>
           </p:nvPr>
         </p:nvSpPr>
-        <p:spPr/>
+        <p:spPr>
+          <a:xfrm>
+            <a:off x="6553200" y="6356350"/>
+            <a:ext cx="2133600" cy="365125"/>
+          </a:xfrm>
+          <a:prstGeom prst="rect">
+            <a:avLst/>
+          </a:prstGeom>
+        </p:spPr>
         <p:txBody>
           <a:bodyPr/>
           <a:lstStyle/>
@@ -2999,217 +3376,578 @@
       </p:grpSpPr>
       <p:sp>
         <p:nvSpPr>
-          <p:cNvPr id="2" name="Title Placeholder 1"/>
-          <p:cNvSpPr>
-            <a:spLocks noGrp="1"/>
-          </p:cNvSpPr>
-          <p:nvPr>
-            <p:ph type="title"/>
-          </p:nvPr>
-        </p:nvSpPr>
-        <p:spPr>
-          <a:xfrm>
-            <a:off x="457200" y="274638"/>
-            <a:ext cx="8229600" cy="1143000"/>
-          </a:xfrm>
-          <a:prstGeom prst="rect">
-            <a:avLst/>
-          </a:prstGeom>
-        </p:spPr>
-        <p:txBody>
-          <a:bodyPr vert="horz" lIns="91440" tIns="45720" rIns="91440" bIns="45720" rtlCol="0" anchor="ctr">
-            <a:normAutofit/>
+          <p:cNvPr id="7" name="Rounded Rectangle 6"/>
+          <p:cNvSpPr/>
+          <p:nvPr userDrawn="1"/>
+        </p:nvSpPr>
+        <p:spPr>
+          <a:xfrm>
+            <a:off x="1066800" y="96725"/>
+            <a:ext cx="7543800" cy="5999276"/>
+          </a:xfrm>
+          <a:prstGeom prst="roundRect">
+            <a:avLst>
+              <a:gd name="adj" fmla="val 3546"/>
+            </a:avLst>
+          </a:prstGeom>
+          <a:solidFill>
+            <a:schemeClr val="accent3">
+              <a:lumMod val="40000"/>
+              <a:lumOff val="60000"/>
+            </a:schemeClr>
+          </a:solidFill>
+          <a:ln>
+            <a:solidFill>
+              <a:schemeClr val="accent3">
+                <a:lumMod val="60000"/>
+                <a:lumOff val="40000"/>
+              </a:schemeClr>
+            </a:solidFill>
+          </a:ln>
+        </p:spPr>
+        <p:style>
+          <a:lnRef idx="2">
+            <a:schemeClr val="accent1">
+              <a:shade val="50000"/>
+            </a:schemeClr>
+          </a:lnRef>
+          <a:fillRef idx="1">
+            <a:schemeClr val="accent1"/>
+          </a:fillRef>
+          <a:effectRef idx="0">
+            <a:schemeClr val="accent1"/>
+          </a:effectRef>
+          <a:fontRef idx="minor">
+            <a:schemeClr val="lt1"/>
+          </a:fontRef>
+        </p:style>
+        <p:txBody>
+          <a:bodyPr rtlCol="0" anchor="t" anchorCtr="0"/>
+          <a:lstStyle/>
+          <a:p>
+            <a:r>
+              <a:rPr lang="en-US" sz="1600" b="1" dirty="0"/>
+              <a:t>Storage</a:t>
+            </a:r>
+            <a:endParaRPr lang="en-SG" sz="1600" b="1" dirty="0"/>
+          </a:p>
+        </p:txBody>
+      </p:sp>
+      <p:grpSp>
+        <p:nvGrpSpPr>
+          <p:cNvPr id="8" name="Group 7"/>
+          <p:cNvGrpSpPr/>
+          <p:nvPr userDrawn="1"/>
+        </p:nvGrpSpPr>
+        <p:grpSpPr>
+          <a:xfrm>
+            <a:off x="1334982" y="3184781"/>
+            <a:ext cx="7047018" cy="1221160"/>
+            <a:chOff x="-4267200" y="1447800"/>
+            <a:chExt cx="5410200" cy="1710584"/>
+          </a:xfrm>
+          <a:solidFill>
+            <a:schemeClr val="bg1"/>
+          </a:solidFill>
+        </p:grpSpPr>
+        <p:sp>
+          <p:nvSpPr>
+            <p:cNvPr id="9" name="Rectangle 8"/>
+            <p:cNvSpPr/>
+            <p:nvPr/>
+          </p:nvSpPr>
+          <p:spPr>
+            <a:xfrm>
+              <a:off x="-4267200" y="1524000"/>
+              <a:ext cx="5410200" cy="1634384"/>
+            </a:xfrm>
+            <a:prstGeom prst="rect">
+              <a:avLst/>
+            </a:prstGeom>
+            <a:grpFill/>
+            <a:ln>
+              <a:solidFill>
+                <a:schemeClr val="accent3">
+                  <a:lumMod val="60000"/>
+                  <a:lumOff val="40000"/>
+                </a:schemeClr>
+              </a:solidFill>
+            </a:ln>
+          </p:spPr>
+          <p:style>
+            <a:lnRef idx="2">
+              <a:schemeClr val="accent1">
+                <a:shade val="50000"/>
+              </a:schemeClr>
+            </a:lnRef>
+            <a:fillRef idx="1">
+              <a:schemeClr val="accent1"/>
+            </a:fillRef>
+            <a:effectRef idx="0">
+              <a:schemeClr val="accent1"/>
+            </a:effectRef>
+            <a:fontRef idx="minor">
+              <a:schemeClr val="lt1"/>
+            </a:fontRef>
+          </p:style>
+          <p:txBody>
+            <a:bodyPr rtlCol="0" anchor="b" anchorCtr="0"/>
+            <a:lstStyle/>
+            <a:p>
+              <a:r>
+                <a:rPr lang="en-US" sz="1400" b="1" dirty="0" smtClean="0">
+                  <a:solidFill>
+                    <a:schemeClr val="accent3">
+                      <a:lumMod val="75000"/>
+                    </a:schemeClr>
+                  </a:solidFill>
+                </a:rPr>
+                <a:t>storage::</a:t>
+              </a:r>
+              <a:r>
+                <a:rPr lang="en-US" sz="1400" b="1" dirty="0" err="1" smtClean="0">
+                  <a:solidFill>
+                    <a:schemeClr val="accent3">
+                      <a:lumMod val="75000"/>
+                    </a:schemeClr>
+                  </a:solidFill>
+                </a:rPr>
+                <a:t>api</a:t>
+              </a:r>
+              <a:endParaRPr lang="en-SG" sz="1400" b="1" dirty="0">
+                <a:solidFill>
+                  <a:schemeClr val="accent3">
+                    <a:lumMod val="75000"/>
+                  </a:schemeClr>
+                </a:solidFill>
+              </a:endParaRPr>
+            </a:p>
+          </p:txBody>
+        </p:sp>
+        <p:sp>
+          <p:nvSpPr>
+            <p:cNvPr id="10" name="Rectangle 9"/>
+            <p:cNvSpPr/>
+            <p:nvPr/>
+          </p:nvSpPr>
+          <p:spPr>
+            <a:xfrm>
+              <a:off x="647700" y="1447800"/>
+              <a:ext cx="495300" cy="76200"/>
+            </a:xfrm>
+            <a:prstGeom prst="rect">
+              <a:avLst/>
+            </a:prstGeom>
+            <a:grpFill/>
+            <a:ln>
+              <a:solidFill>
+                <a:schemeClr val="accent3">
+                  <a:lumMod val="60000"/>
+                  <a:lumOff val="40000"/>
+                </a:schemeClr>
+              </a:solidFill>
+            </a:ln>
+          </p:spPr>
+          <p:style>
+            <a:lnRef idx="2">
+              <a:schemeClr val="accent1">
+                <a:shade val="50000"/>
+              </a:schemeClr>
+            </a:lnRef>
+            <a:fillRef idx="1">
+              <a:schemeClr val="accent1"/>
+            </a:fillRef>
+            <a:effectRef idx="0">
+              <a:schemeClr val="accent1"/>
+            </a:effectRef>
+            <a:fontRef idx="minor">
+              <a:schemeClr val="lt1"/>
+            </a:fontRef>
+          </p:style>
+          <p:txBody>
+            <a:bodyPr rtlCol="0" anchor="t" anchorCtr="0"/>
+            <a:lstStyle/>
+            <a:p>
+              <a:pPr algn="ctr"/>
+              <a:endParaRPr lang="en-SG" sz="1400" b="1">
+                <a:solidFill>
+                  <a:schemeClr val="accent3">
+                    <a:lumMod val="75000"/>
+                  </a:schemeClr>
+                </a:solidFill>
+              </a:endParaRPr>
+            </a:p>
+          </p:txBody>
+        </p:sp>
+      </p:grpSp>
+      <p:grpSp>
+        <p:nvGrpSpPr>
+          <p:cNvPr id="11" name="Group 10"/>
+          <p:cNvGrpSpPr/>
+          <p:nvPr userDrawn="1"/>
+        </p:nvGrpSpPr>
+        <p:grpSpPr>
+          <a:xfrm>
+            <a:off x="1334982" y="405799"/>
+            <a:ext cx="7047018" cy="2476142"/>
+            <a:chOff x="-4267200" y="1447800"/>
+            <a:chExt cx="5410200" cy="2476142"/>
+          </a:xfrm>
+          <a:solidFill>
+            <a:schemeClr val="bg1"/>
+          </a:solidFill>
+        </p:grpSpPr>
+        <p:sp>
+          <p:nvSpPr>
+            <p:cNvPr id="12" name="Rectangle 11"/>
+            <p:cNvSpPr/>
+            <p:nvPr/>
+          </p:nvSpPr>
+          <p:spPr>
+            <a:xfrm>
+              <a:off x="-4267200" y="1523999"/>
+              <a:ext cx="5410200" cy="2399943"/>
+            </a:xfrm>
+            <a:prstGeom prst="rect">
+              <a:avLst/>
+            </a:prstGeom>
+            <a:grpFill/>
+            <a:ln>
+              <a:solidFill>
+                <a:schemeClr val="accent3">
+                  <a:lumMod val="60000"/>
+                  <a:lumOff val="40000"/>
+                </a:schemeClr>
+              </a:solidFill>
+            </a:ln>
+          </p:spPr>
+          <p:style>
+            <a:lnRef idx="2">
+              <a:schemeClr val="accent1">
+                <a:shade val="50000"/>
+              </a:schemeClr>
+            </a:lnRef>
+            <a:fillRef idx="1">
+              <a:schemeClr val="accent1"/>
+            </a:fillRef>
+            <a:effectRef idx="0">
+              <a:schemeClr val="accent1"/>
+            </a:effectRef>
+            <a:fontRef idx="minor">
+              <a:schemeClr val="lt1"/>
+            </a:fontRef>
+          </p:style>
+          <p:txBody>
+            <a:bodyPr rtlCol="0" anchor="t" anchorCtr="0"/>
+            <a:lstStyle/>
+            <a:p>
+              <a:r>
+                <a:rPr lang="en-US" sz="1400" b="1" dirty="0" smtClean="0">
+                  <a:solidFill>
+                    <a:schemeClr val="accent3">
+                      <a:lumMod val="75000"/>
+                    </a:schemeClr>
+                  </a:solidFill>
+                </a:rPr>
+                <a:t>storage::entity</a:t>
+              </a:r>
+              <a:endParaRPr lang="en-SG" sz="1400" b="1" dirty="0">
+                <a:solidFill>
+                  <a:schemeClr val="accent3">
+                    <a:lumMod val="75000"/>
+                  </a:schemeClr>
+                </a:solidFill>
+              </a:endParaRPr>
+            </a:p>
+          </p:txBody>
+        </p:sp>
+        <p:sp>
+          <p:nvSpPr>
+            <p:cNvPr id="13" name="Rectangle 12"/>
+            <p:cNvSpPr/>
+            <p:nvPr/>
+          </p:nvSpPr>
+          <p:spPr>
+            <a:xfrm>
+              <a:off x="647700" y="1447800"/>
+              <a:ext cx="495300" cy="76200"/>
+            </a:xfrm>
+            <a:prstGeom prst="rect">
+              <a:avLst/>
+            </a:prstGeom>
+            <a:grpFill/>
+            <a:ln>
+              <a:solidFill>
+                <a:schemeClr val="accent3">
+                  <a:lumMod val="60000"/>
+                  <a:lumOff val="40000"/>
+                </a:schemeClr>
+              </a:solidFill>
+            </a:ln>
+          </p:spPr>
+          <p:style>
+            <a:lnRef idx="2">
+              <a:schemeClr val="accent1">
+                <a:shade val="50000"/>
+              </a:schemeClr>
+            </a:lnRef>
+            <a:fillRef idx="1">
+              <a:schemeClr val="accent1"/>
+            </a:fillRef>
+            <a:effectRef idx="0">
+              <a:schemeClr val="accent1"/>
+            </a:effectRef>
+            <a:fontRef idx="minor">
+              <a:schemeClr val="lt1"/>
+            </a:fontRef>
+          </p:style>
+          <p:txBody>
+            <a:bodyPr rtlCol="0" anchor="t" anchorCtr="0"/>
+            <a:lstStyle/>
+            <a:p>
+              <a:pPr algn="ctr"/>
+              <a:endParaRPr lang="en-SG" sz="1400" b="1">
+                <a:solidFill>
+                  <a:schemeClr val="accent3">
+                    <a:lumMod val="75000"/>
+                  </a:schemeClr>
+                </a:solidFill>
+              </a:endParaRPr>
+            </a:p>
+          </p:txBody>
+        </p:sp>
+      </p:grpSp>
+      <p:grpSp>
+        <p:nvGrpSpPr>
+          <p:cNvPr id="15" name="Group 14"/>
+          <p:cNvGrpSpPr/>
+          <p:nvPr userDrawn="1"/>
+        </p:nvGrpSpPr>
+        <p:grpSpPr>
+          <a:xfrm>
+            <a:off x="1334982" y="4752757"/>
+            <a:ext cx="7047018" cy="1177184"/>
+            <a:chOff x="-4267200" y="1447800"/>
+            <a:chExt cx="5410200" cy="1177184"/>
+          </a:xfrm>
+          <a:solidFill>
+            <a:schemeClr val="bg1"/>
+          </a:solidFill>
+        </p:grpSpPr>
+        <p:sp>
+          <p:nvSpPr>
+            <p:cNvPr id="16" name="Rectangle 15"/>
+            <p:cNvSpPr/>
+            <p:nvPr/>
+          </p:nvSpPr>
+          <p:spPr>
+            <a:xfrm>
+              <a:off x="-4267200" y="1524000"/>
+              <a:ext cx="5410200" cy="1100984"/>
+            </a:xfrm>
+            <a:prstGeom prst="rect">
+              <a:avLst/>
+            </a:prstGeom>
+            <a:grpFill/>
+            <a:ln>
+              <a:solidFill>
+                <a:schemeClr val="accent3">
+                  <a:lumMod val="60000"/>
+                  <a:lumOff val="40000"/>
+                </a:schemeClr>
+              </a:solidFill>
+            </a:ln>
+          </p:spPr>
+          <p:style>
+            <a:lnRef idx="2">
+              <a:schemeClr val="accent1">
+                <a:shade val="50000"/>
+              </a:schemeClr>
+            </a:lnRef>
+            <a:fillRef idx="1">
+              <a:schemeClr val="accent1"/>
+            </a:fillRef>
+            <a:effectRef idx="0">
+              <a:schemeClr val="accent1"/>
+            </a:effectRef>
+            <a:fontRef idx="minor">
+              <a:schemeClr val="lt1"/>
+            </a:fontRef>
+          </p:style>
+          <p:txBody>
+            <a:bodyPr rtlCol="0" anchor="t" anchorCtr="0"/>
+            <a:lstStyle/>
+            <a:p>
+              <a:r>
+                <a:rPr lang="en-US" sz="1400" b="1" dirty="0" smtClean="0">
+                  <a:solidFill>
+                    <a:schemeClr val="accent3">
+                      <a:lumMod val="75000"/>
+                    </a:schemeClr>
+                  </a:solidFill>
+                </a:rPr>
+                <a:t>storage::</a:t>
+              </a:r>
+              <a:r>
+                <a:rPr lang="en-US" sz="1400" b="1" dirty="0" err="1" smtClean="0">
+                  <a:solidFill>
+                    <a:schemeClr val="accent3">
+                      <a:lumMod val="75000"/>
+                    </a:schemeClr>
+                  </a:solidFill>
+                </a:rPr>
+                <a:t>datastore</a:t>
+              </a:r>
+              <a:endParaRPr lang="en-SG" sz="1400" b="1" dirty="0">
+                <a:solidFill>
+                  <a:schemeClr val="accent3">
+                    <a:lumMod val="75000"/>
+                  </a:schemeClr>
+                </a:solidFill>
+              </a:endParaRPr>
+            </a:p>
+          </p:txBody>
+        </p:sp>
+        <p:sp>
+          <p:nvSpPr>
+            <p:cNvPr id="17" name="Rectangle 16"/>
+            <p:cNvSpPr/>
+            <p:nvPr/>
+          </p:nvSpPr>
+          <p:spPr>
+            <a:xfrm>
+              <a:off x="647700" y="1447800"/>
+              <a:ext cx="495300" cy="76200"/>
+            </a:xfrm>
+            <a:prstGeom prst="rect">
+              <a:avLst/>
+            </a:prstGeom>
+            <a:grpFill/>
+            <a:ln>
+              <a:solidFill>
+                <a:schemeClr val="accent3">
+                  <a:lumMod val="60000"/>
+                  <a:lumOff val="40000"/>
+                </a:schemeClr>
+              </a:solidFill>
+            </a:ln>
+          </p:spPr>
+          <p:style>
+            <a:lnRef idx="2">
+              <a:schemeClr val="accent1">
+                <a:shade val="50000"/>
+              </a:schemeClr>
+            </a:lnRef>
+            <a:fillRef idx="1">
+              <a:schemeClr val="accent1"/>
+            </a:fillRef>
+            <a:effectRef idx="0">
+              <a:schemeClr val="accent1"/>
+            </a:effectRef>
+            <a:fontRef idx="minor">
+              <a:schemeClr val="lt1"/>
+            </a:fontRef>
+          </p:style>
+          <p:txBody>
+            <a:bodyPr rtlCol="0" anchor="t" anchorCtr="0"/>
+            <a:lstStyle/>
+            <a:p>
+              <a:pPr algn="ctr"/>
+              <a:endParaRPr lang="en-SG" sz="1400" b="1">
+                <a:solidFill>
+                  <a:schemeClr val="accent3">
+                    <a:lumMod val="75000"/>
+                  </a:schemeClr>
+                </a:solidFill>
+              </a:endParaRPr>
+            </a:p>
+          </p:txBody>
+        </p:sp>
+      </p:grpSp>
+      <p:cxnSp>
+        <p:nvCxnSpPr>
+          <p:cNvPr id="47" name="Straight Arrow Connector 46"/>
+          <p:cNvCxnSpPr/>
+          <p:nvPr userDrawn="1"/>
+        </p:nvCxnSpPr>
+        <p:spPr>
+          <a:xfrm>
+            <a:off x="7263774" y="6339393"/>
+            <a:ext cx="1339498" cy="0"/>
+          </a:xfrm>
+          <a:prstGeom prst="straightConnector1">
+            <a:avLst/>
+          </a:prstGeom>
+          <a:ln w="57150" cmpd="dbl">
+            <a:solidFill>
+              <a:schemeClr val="tx1">
+                <a:lumMod val="50000"/>
+                <a:lumOff val="50000"/>
+              </a:schemeClr>
+            </a:solidFill>
+            <a:prstDash val="solid"/>
+            <a:headEnd type="none" w="med" len="med"/>
+            <a:tailEnd type="triangle" w="med" len="med"/>
+          </a:ln>
+        </p:spPr>
+        <p:style>
+          <a:lnRef idx="2">
+            <a:schemeClr val="accent6">
+              <a:shade val="50000"/>
+            </a:schemeClr>
+          </a:lnRef>
+          <a:fillRef idx="1">
+            <a:schemeClr val="accent6"/>
+          </a:fillRef>
+          <a:effectRef idx="0">
+            <a:schemeClr val="accent6"/>
+          </a:effectRef>
+          <a:fontRef idx="minor">
+            <a:schemeClr val="lt1"/>
+          </a:fontRef>
+        </p:style>
+      </p:cxnSp>
+      <p:sp>
+        <p:nvSpPr>
+          <p:cNvPr id="48" name="TextBox 47"/>
+          <p:cNvSpPr txBox="1"/>
+          <p:nvPr userDrawn="1"/>
+        </p:nvSpPr>
+        <p:spPr>
+          <a:xfrm>
+            <a:off x="7162800" y="6505143"/>
+            <a:ext cx="1669072" cy="200457"/>
+          </a:xfrm>
+          <a:prstGeom prst="rect">
+            <a:avLst/>
+          </a:prstGeom>
+          <a:noFill/>
+        </p:spPr>
+        <p:txBody>
+          <a:bodyPr wrap="square" lIns="0" tIns="0" rIns="0" bIns="0" rtlCol="0" anchor="ctr" anchorCtr="0">
+            <a:noAutofit/>
           </a:bodyPr>
           <a:lstStyle/>
           <a:p>
             <a:r>
-              <a:rPr lang="en-US" smtClean="0"/>
-              <a:t>Click to edit Master title style</a:t>
-            </a:r>
-            <a:endParaRPr lang="en-US"/>
-          </a:p>
-        </p:txBody>
-      </p:sp>
-      <p:sp>
-        <p:nvSpPr>
-          <p:cNvPr id="3" name="Text Placeholder 2"/>
-          <p:cNvSpPr>
-            <a:spLocks noGrp="1"/>
-          </p:cNvSpPr>
-          <p:nvPr>
-            <p:ph type="body" idx="1"/>
-          </p:nvPr>
-        </p:nvSpPr>
-        <p:spPr>
-          <a:xfrm>
-            <a:off x="457200" y="1600200"/>
-            <a:ext cx="8229600" cy="4525963"/>
-          </a:xfrm>
-          <a:prstGeom prst="rect">
-            <a:avLst/>
-          </a:prstGeom>
-        </p:spPr>
-        <p:txBody>
-          <a:bodyPr vert="horz" lIns="91440" tIns="45720" rIns="91440" bIns="45720" rtlCol="0">
-            <a:normAutofit/>
-          </a:bodyPr>
-          <a:lstStyle/>
-          <a:p>
-            <a:pPr lvl="0"/>
-            <a:r>
-              <a:rPr lang="en-US" smtClean="0"/>
-              <a:t>Click to edit Master text styles</a:t>
-            </a:r>
-          </a:p>
-          <a:p>
-            <a:pPr lvl="1"/>
-            <a:r>
-              <a:rPr lang="en-US" smtClean="0"/>
-              <a:t>Second level</a:t>
-            </a:r>
-          </a:p>
-          <a:p>
-            <a:pPr lvl="2"/>
-            <a:r>
-              <a:rPr lang="en-US" smtClean="0"/>
-              <a:t>Third level</a:t>
-            </a:r>
-          </a:p>
-          <a:p>
-            <a:pPr lvl="3"/>
-            <a:r>
-              <a:rPr lang="en-US" smtClean="0"/>
-              <a:t>Fourth level</a:t>
-            </a:r>
-          </a:p>
-          <a:p>
-            <a:pPr lvl="4"/>
-            <a:r>
-              <a:rPr lang="en-US" smtClean="0"/>
-              <a:t>Fifth level</a:t>
-            </a:r>
-            <a:endParaRPr lang="en-US"/>
-          </a:p>
-        </p:txBody>
-      </p:sp>
-      <p:sp>
-        <p:nvSpPr>
-          <p:cNvPr id="4" name="Date Placeholder 3"/>
-          <p:cNvSpPr>
-            <a:spLocks noGrp="1"/>
-          </p:cNvSpPr>
-          <p:nvPr>
-            <p:ph type="dt" sz="half" idx="2"/>
-          </p:nvPr>
-        </p:nvSpPr>
-        <p:spPr>
-          <a:xfrm>
-            <a:off x="457200" y="6356350"/>
-            <a:ext cx="2133600" cy="365125"/>
-          </a:xfrm>
-          <a:prstGeom prst="rect">
-            <a:avLst/>
-          </a:prstGeom>
-        </p:spPr>
-        <p:txBody>
-          <a:bodyPr vert="horz" lIns="91440" tIns="45720" rIns="91440" bIns="45720" rtlCol="0" anchor="ctr"/>
-          <a:lstStyle>
-            <a:lvl1pPr algn="l">
-              <a:defRPr sz="1200">
+              <a:rPr lang="en-US" sz="1400" b="1" dirty="0" smtClean="0">
                 <a:solidFill>
                   <a:schemeClr val="tx1">
-                    <a:tint val="75000"/>
+                    <a:lumMod val="50000"/>
+                    <a:lumOff val="50000"/>
                   </a:schemeClr>
                 </a:solidFill>
-              </a:defRPr>
-            </a:lvl1pPr>
-          </a:lstStyle>
-          <a:p>
-            <a:fld id="{1D8BD707-D9CF-40AE-B4C6-C98DA3205C09}" type="datetimeFigureOut">
-              <a:rPr lang="en-US" smtClean="0"/>
-              <a:pPr/>
-              <a:t>1/15/2013</a:t>
-            </a:fld>
-            <a:endParaRPr lang="en-US"/>
-          </a:p>
-        </p:txBody>
-      </p:sp>
-      <p:sp>
-        <p:nvSpPr>
-          <p:cNvPr id="5" name="Footer Placeholder 4"/>
-          <p:cNvSpPr>
-            <a:spLocks noGrp="1"/>
-          </p:cNvSpPr>
-          <p:nvPr>
-            <p:ph type="ftr" sz="quarter" idx="3"/>
-          </p:nvPr>
-        </p:nvSpPr>
-        <p:spPr>
-          <a:xfrm>
-            <a:off x="3124200" y="6356350"/>
-            <a:ext cx="2895600" cy="365125"/>
-          </a:xfrm>
-          <a:prstGeom prst="rect">
-            <a:avLst/>
-          </a:prstGeom>
-        </p:spPr>
-        <p:txBody>
-          <a:bodyPr vert="horz" lIns="91440" tIns="45720" rIns="91440" bIns="45720" rtlCol="0" anchor="ctr"/>
-          <a:lstStyle>
-            <a:lvl1pPr algn="ctr">
-              <a:defRPr sz="1200">
-                <a:solidFill>
-                  <a:schemeClr val="tx1">
-                    <a:tint val="75000"/>
-                  </a:schemeClr>
-                </a:solidFill>
-              </a:defRPr>
-            </a:lvl1pPr>
-          </a:lstStyle>
-          <a:p>
-            <a:endParaRPr lang="en-US"/>
-          </a:p>
-        </p:txBody>
-      </p:sp>
-      <p:sp>
-        <p:nvSpPr>
-          <p:cNvPr id="6" name="Slide Number Placeholder 5"/>
-          <p:cNvSpPr>
-            <a:spLocks noGrp="1"/>
-          </p:cNvSpPr>
-          <p:nvPr>
-            <p:ph type="sldNum" sz="quarter" idx="4"/>
-          </p:nvPr>
-        </p:nvSpPr>
-        <p:spPr>
-          <a:xfrm>
-            <a:off x="6553200" y="6356350"/>
-            <a:ext cx="2133600" cy="365125"/>
-          </a:xfrm>
-          <a:prstGeom prst="rect">
-            <a:avLst/>
-          </a:prstGeom>
-        </p:spPr>
-        <p:txBody>
-          <a:bodyPr vert="horz" lIns="91440" tIns="45720" rIns="91440" bIns="45720" rtlCol="0" anchor="ctr"/>
-          <a:lstStyle>
-            <a:lvl1pPr algn="r">
-              <a:defRPr sz="1200">
-                <a:solidFill>
-                  <a:schemeClr val="tx1">
-                    <a:tint val="75000"/>
-                  </a:schemeClr>
-                </a:solidFill>
-              </a:defRPr>
-            </a:lvl1pPr>
-          </a:lstStyle>
-          <a:p>
-            <a:fld id="{B6F15528-21DE-4FAA-801E-634DDDAF4B2B}" type="slidenum">
-              <a:rPr lang="en-US" smtClean="0"/>
-              <a:pPr/>
-              <a:t>‹#›</a:t>
-            </a:fld>
-            <a:endParaRPr lang="en-US"/>
+              </a:rPr>
+              <a:t>Associations managed using string references</a:t>
+            </a:r>
+            <a:endParaRPr lang="en-SG" sz="1400" b="1" dirty="0">
+              <a:solidFill>
+                <a:schemeClr val="tx1">
+                  <a:lumMod val="50000"/>
+                  <a:lumOff val="50000"/>
+                </a:schemeClr>
+              </a:solidFill>
+            </a:endParaRPr>
           </a:p>
         </p:txBody>
       </p:sp>
@@ -3499,349 +4237,6 @@
           <a:chExt cx="0" cy="0"/>
         </a:xfrm>
       </p:grpSpPr>
-      <p:sp>
-        <p:nvSpPr>
-          <p:cNvPr id="5" name="Rounded Rectangle 4"/>
-          <p:cNvSpPr/>
-          <p:nvPr/>
-        </p:nvSpPr>
-        <p:spPr>
-          <a:xfrm>
-            <a:off x="1066800" y="96725"/>
-            <a:ext cx="7543800" cy="5999276"/>
-          </a:xfrm>
-          <a:prstGeom prst="roundRect">
-            <a:avLst>
-              <a:gd name="adj" fmla="val 3546"/>
-            </a:avLst>
-          </a:prstGeom>
-          <a:solidFill>
-            <a:schemeClr val="accent3">
-              <a:lumMod val="40000"/>
-              <a:lumOff val="60000"/>
-            </a:schemeClr>
-          </a:solidFill>
-          <a:ln>
-            <a:solidFill>
-              <a:schemeClr val="accent3">
-                <a:lumMod val="60000"/>
-                <a:lumOff val="40000"/>
-              </a:schemeClr>
-            </a:solidFill>
-          </a:ln>
-        </p:spPr>
-        <p:style>
-          <a:lnRef idx="2">
-            <a:schemeClr val="accent1">
-              <a:shade val="50000"/>
-            </a:schemeClr>
-          </a:lnRef>
-          <a:fillRef idx="1">
-            <a:schemeClr val="accent1"/>
-          </a:fillRef>
-          <a:effectRef idx="0">
-            <a:schemeClr val="accent1"/>
-          </a:effectRef>
-          <a:fontRef idx="minor">
-            <a:schemeClr val="lt1"/>
-          </a:fontRef>
-        </p:style>
-        <p:txBody>
-          <a:bodyPr rtlCol="0" anchor="t" anchorCtr="0"/>
-          <a:lstStyle/>
-          <a:p>
-            <a:r>
-              <a:rPr lang="en-US" sz="1600" b="1" dirty="0"/>
-              <a:t>Storage</a:t>
-            </a:r>
-            <a:endParaRPr lang="en-SG" sz="1600" b="1" dirty="0"/>
-          </a:p>
-        </p:txBody>
-      </p:sp>
-      <p:grpSp>
-        <p:nvGrpSpPr>
-          <p:cNvPr id="12" name="Group 11"/>
-          <p:cNvGrpSpPr/>
-          <p:nvPr/>
-        </p:nvGrpSpPr>
-        <p:grpSpPr>
-          <a:xfrm>
-            <a:off x="1334982" y="3184781"/>
-            <a:ext cx="7047018" cy="1221160"/>
-            <a:chOff x="-4267200" y="1447800"/>
-            <a:chExt cx="5410200" cy="1710584"/>
-          </a:xfrm>
-          <a:solidFill>
-            <a:schemeClr val="bg1"/>
-          </a:solidFill>
-        </p:grpSpPr>
-        <p:sp>
-          <p:nvSpPr>
-            <p:cNvPr id="13" name="Rectangle 12"/>
-            <p:cNvSpPr/>
-            <p:nvPr/>
-          </p:nvSpPr>
-          <p:spPr>
-            <a:xfrm>
-              <a:off x="-4267200" y="1524000"/>
-              <a:ext cx="5410200" cy="1634384"/>
-            </a:xfrm>
-            <a:prstGeom prst="rect">
-              <a:avLst/>
-            </a:prstGeom>
-            <a:grpFill/>
-            <a:ln>
-              <a:solidFill>
-                <a:schemeClr val="accent3">
-                  <a:lumMod val="60000"/>
-                  <a:lumOff val="40000"/>
-                </a:schemeClr>
-              </a:solidFill>
-            </a:ln>
-          </p:spPr>
-          <p:style>
-            <a:lnRef idx="2">
-              <a:schemeClr val="accent1">
-                <a:shade val="50000"/>
-              </a:schemeClr>
-            </a:lnRef>
-            <a:fillRef idx="1">
-              <a:schemeClr val="accent1"/>
-            </a:fillRef>
-            <a:effectRef idx="0">
-              <a:schemeClr val="accent1"/>
-            </a:effectRef>
-            <a:fontRef idx="minor">
-              <a:schemeClr val="lt1"/>
-            </a:fontRef>
-          </p:style>
-          <p:txBody>
-            <a:bodyPr rtlCol="0" anchor="b" anchorCtr="0"/>
-            <a:lstStyle/>
-            <a:p>
-              <a:r>
-                <a:rPr lang="en-US" sz="1400" b="1" dirty="0" smtClean="0">
-                  <a:solidFill>
-                    <a:schemeClr val="accent3">
-                      <a:lumMod val="75000"/>
-                    </a:schemeClr>
-                  </a:solidFill>
-                </a:rPr>
-                <a:t>storage::</a:t>
-              </a:r>
-              <a:r>
-                <a:rPr lang="en-US" sz="1400" b="1" dirty="0" err="1" smtClean="0">
-                  <a:solidFill>
-                    <a:schemeClr val="accent3">
-                      <a:lumMod val="75000"/>
-                    </a:schemeClr>
-                  </a:solidFill>
-                </a:rPr>
-                <a:t>api</a:t>
-              </a:r>
-              <a:endParaRPr lang="en-SG" sz="1400" b="1" dirty="0">
-                <a:solidFill>
-                  <a:schemeClr val="accent3">
-                    <a:lumMod val="75000"/>
-                  </a:schemeClr>
-                </a:solidFill>
-              </a:endParaRPr>
-            </a:p>
-          </p:txBody>
-        </p:sp>
-        <p:sp>
-          <p:nvSpPr>
-            <p:cNvPr id="14" name="Rectangle 13"/>
-            <p:cNvSpPr/>
-            <p:nvPr/>
-          </p:nvSpPr>
-          <p:spPr>
-            <a:xfrm>
-              <a:off x="647700" y="1447800"/>
-              <a:ext cx="495300" cy="76200"/>
-            </a:xfrm>
-            <a:prstGeom prst="rect">
-              <a:avLst/>
-            </a:prstGeom>
-            <a:grpFill/>
-            <a:ln>
-              <a:solidFill>
-                <a:schemeClr val="accent3">
-                  <a:lumMod val="60000"/>
-                  <a:lumOff val="40000"/>
-                </a:schemeClr>
-              </a:solidFill>
-            </a:ln>
-          </p:spPr>
-          <p:style>
-            <a:lnRef idx="2">
-              <a:schemeClr val="accent1">
-                <a:shade val="50000"/>
-              </a:schemeClr>
-            </a:lnRef>
-            <a:fillRef idx="1">
-              <a:schemeClr val="accent1"/>
-            </a:fillRef>
-            <a:effectRef idx="0">
-              <a:schemeClr val="accent1"/>
-            </a:effectRef>
-            <a:fontRef idx="minor">
-              <a:schemeClr val="lt1"/>
-            </a:fontRef>
-          </p:style>
-          <p:txBody>
-            <a:bodyPr rtlCol="0" anchor="t" anchorCtr="0"/>
-            <a:lstStyle/>
-            <a:p>
-              <a:pPr algn="ctr"/>
-              <a:endParaRPr lang="en-SG" sz="1400" b="1">
-                <a:solidFill>
-                  <a:schemeClr val="accent3">
-                    <a:lumMod val="75000"/>
-                  </a:schemeClr>
-                </a:solidFill>
-              </a:endParaRPr>
-            </a:p>
-          </p:txBody>
-        </p:sp>
-      </p:grpSp>
-      <p:grpSp>
-        <p:nvGrpSpPr>
-          <p:cNvPr id="15" name="Group 14"/>
-          <p:cNvGrpSpPr/>
-          <p:nvPr/>
-        </p:nvGrpSpPr>
-        <p:grpSpPr>
-          <a:xfrm>
-            <a:off x="1334982" y="405799"/>
-            <a:ext cx="7047018" cy="2476142"/>
-            <a:chOff x="-4267200" y="1447800"/>
-            <a:chExt cx="5410200" cy="2476142"/>
-          </a:xfrm>
-          <a:solidFill>
-            <a:schemeClr val="bg1"/>
-          </a:solidFill>
-        </p:grpSpPr>
-        <p:sp>
-          <p:nvSpPr>
-            <p:cNvPr id="16" name="Rectangle 15"/>
-            <p:cNvSpPr/>
-            <p:nvPr/>
-          </p:nvSpPr>
-          <p:spPr>
-            <a:xfrm>
-              <a:off x="-4267200" y="1523999"/>
-              <a:ext cx="5410200" cy="2399943"/>
-            </a:xfrm>
-            <a:prstGeom prst="rect">
-              <a:avLst/>
-            </a:prstGeom>
-            <a:grpFill/>
-            <a:ln>
-              <a:solidFill>
-                <a:schemeClr val="accent3">
-                  <a:lumMod val="60000"/>
-                  <a:lumOff val="40000"/>
-                </a:schemeClr>
-              </a:solidFill>
-            </a:ln>
-          </p:spPr>
-          <p:style>
-            <a:lnRef idx="2">
-              <a:schemeClr val="accent1">
-                <a:shade val="50000"/>
-              </a:schemeClr>
-            </a:lnRef>
-            <a:fillRef idx="1">
-              <a:schemeClr val="accent1"/>
-            </a:fillRef>
-            <a:effectRef idx="0">
-              <a:schemeClr val="accent1"/>
-            </a:effectRef>
-            <a:fontRef idx="minor">
-              <a:schemeClr val="lt1"/>
-            </a:fontRef>
-          </p:style>
-          <p:txBody>
-            <a:bodyPr rtlCol="0" anchor="t" anchorCtr="0"/>
-            <a:lstStyle/>
-            <a:p>
-              <a:r>
-                <a:rPr lang="en-US" sz="1400" b="1" dirty="0" smtClean="0">
-                  <a:solidFill>
-                    <a:schemeClr val="accent3">
-                      <a:lumMod val="75000"/>
-                    </a:schemeClr>
-                  </a:solidFill>
-                </a:rPr>
-                <a:t>storage::entity</a:t>
-              </a:r>
-              <a:endParaRPr lang="en-SG" sz="1400" b="1" dirty="0">
-                <a:solidFill>
-                  <a:schemeClr val="accent3">
-                    <a:lumMod val="75000"/>
-                  </a:schemeClr>
-                </a:solidFill>
-              </a:endParaRPr>
-            </a:p>
-          </p:txBody>
-        </p:sp>
-        <p:sp>
-          <p:nvSpPr>
-            <p:cNvPr id="17" name="Rectangle 16"/>
-            <p:cNvSpPr/>
-            <p:nvPr/>
-          </p:nvSpPr>
-          <p:spPr>
-            <a:xfrm>
-              <a:off x="647700" y="1447800"/>
-              <a:ext cx="495300" cy="76200"/>
-            </a:xfrm>
-            <a:prstGeom prst="rect">
-              <a:avLst/>
-            </a:prstGeom>
-            <a:grpFill/>
-            <a:ln>
-              <a:solidFill>
-                <a:schemeClr val="accent3">
-                  <a:lumMod val="60000"/>
-                  <a:lumOff val="40000"/>
-                </a:schemeClr>
-              </a:solidFill>
-            </a:ln>
-          </p:spPr>
-          <p:style>
-            <a:lnRef idx="2">
-              <a:schemeClr val="accent1">
-                <a:shade val="50000"/>
-              </a:schemeClr>
-            </a:lnRef>
-            <a:fillRef idx="1">
-              <a:schemeClr val="accent1"/>
-            </a:fillRef>
-            <a:effectRef idx="0">
-              <a:schemeClr val="accent1"/>
-            </a:effectRef>
-            <a:fontRef idx="minor">
-              <a:schemeClr val="lt1"/>
-            </a:fontRef>
-          </p:style>
-          <p:txBody>
-            <a:bodyPr rtlCol="0" anchor="t" anchorCtr="0"/>
-            <a:lstStyle/>
-            <a:p>
-              <a:pPr algn="ctr"/>
-              <a:endParaRPr lang="en-SG" sz="1400" b="1">
-                <a:solidFill>
-                  <a:schemeClr val="accent3">
-                    <a:lumMod val="75000"/>
-                  </a:schemeClr>
-                </a:solidFill>
-              </a:endParaRPr>
-            </a:p>
-          </p:txBody>
-        </p:sp>
-      </p:grpSp>
       <p:cxnSp>
         <p:nvCxnSpPr>
           <p:cNvPr id="42" name="Straight Arrow Connector 41"/>
@@ -3879,153 +4274,6 @@
           </a:fontRef>
         </p:style>
       </p:cxnSp>
-      <p:grpSp>
-        <p:nvGrpSpPr>
-          <p:cNvPr id="69" name="Group 68"/>
-          <p:cNvGrpSpPr/>
-          <p:nvPr/>
-        </p:nvGrpSpPr>
-        <p:grpSpPr>
-          <a:xfrm>
-            <a:off x="1334982" y="4752757"/>
-            <a:ext cx="7047018" cy="1177184"/>
-            <a:chOff x="-4267200" y="1447800"/>
-            <a:chExt cx="5410200" cy="1177184"/>
-          </a:xfrm>
-          <a:solidFill>
-            <a:schemeClr val="bg1"/>
-          </a:solidFill>
-        </p:grpSpPr>
-        <p:sp>
-          <p:nvSpPr>
-            <p:cNvPr id="70" name="Rectangle 69"/>
-            <p:cNvSpPr/>
-            <p:nvPr/>
-          </p:nvSpPr>
-          <p:spPr>
-            <a:xfrm>
-              <a:off x="-4267200" y="1524000"/>
-              <a:ext cx="5410200" cy="1100984"/>
-            </a:xfrm>
-            <a:prstGeom prst="rect">
-              <a:avLst/>
-            </a:prstGeom>
-            <a:grpFill/>
-            <a:ln>
-              <a:solidFill>
-                <a:schemeClr val="accent3">
-                  <a:lumMod val="60000"/>
-                  <a:lumOff val="40000"/>
-                </a:schemeClr>
-              </a:solidFill>
-            </a:ln>
-          </p:spPr>
-          <p:style>
-            <a:lnRef idx="2">
-              <a:schemeClr val="accent1">
-                <a:shade val="50000"/>
-              </a:schemeClr>
-            </a:lnRef>
-            <a:fillRef idx="1">
-              <a:schemeClr val="accent1"/>
-            </a:fillRef>
-            <a:effectRef idx="0">
-              <a:schemeClr val="accent1"/>
-            </a:effectRef>
-            <a:fontRef idx="minor">
-              <a:schemeClr val="lt1"/>
-            </a:fontRef>
-          </p:style>
-          <p:txBody>
-            <a:bodyPr rtlCol="0" anchor="t" anchorCtr="0"/>
-            <a:lstStyle/>
-            <a:p>
-              <a:r>
-                <a:rPr lang="en-US" sz="1400" b="1" dirty="0" smtClean="0">
-                  <a:solidFill>
-                    <a:schemeClr val="accent3">
-                      <a:lumMod val="75000"/>
-                    </a:schemeClr>
-                  </a:solidFill>
-                </a:rPr>
-                <a:t>storage::</a:t>
-              </a:r>
-              <a:r>
-                <a:rPr lang="en-US" sz="1400" b="1" dirty="0" err="1" smtClean="0">
-                  <a:solidFill>
-                    <a:schemeClr val="accent3">
-                      <a:lumMod val="75000"/>
-                    </a:schemeClr>
-                  </a:solidFill>
-                </a:rPr>
-                <a:t>datastore</a:t>
-              </a:r>
-              <a:endParaRPr lang="en-SG" sz="1400" b="1" dirty="0">
-                <a:solidFill>
-                  <a:schemeClr val="accent3">
-                    <a:lumMod val="75000"/>
-                  </a:schemeClr>
-                </a:solidFill>
-              </a:endParaRPr>
-            </a:p>
-          </p:txBody>
-        </p:sp>
-        <p:sp>
-          <p:nvSpPr>
-            <p:cNvPr id="71" name="Rectangle 70"/>
-            <p:cNvSpPr/>
-            <p:nvPr/>
-          </p:nvSpPr>
-          <p:spPr>
-            <a:xfrm>
-              <a:off x="647700" y="1447800"/>
-              <a:ext cx="495300" cy="76200"/>
-            </a:xfrm>
-            <a:prstGeom prst="rect">
-              <a:avLst/>
-            </a:prstGeom>
-            <a:grpFill/>
-            <a:ln>
-              <a:solidFill>
-                <a:schemeClr val="accent3">
-                  <a:lumMod val="60000"/>
-                  <a:lumOff val="40000"/>
-                </a:schemeClr>
-              </a:solidFill>
-            </a:ln>
-          </p:spPr>
-          <p:style>
-            <a:lnRef idx="2">
-              <a:schemeClr val="accent1">
-                <a:shade val="50000"/>
-              </a:schemeClr>
-            </a:lnRef>
-            <a:fillRef idx="1">
-              <a:schemeClr val="accent1"/>
-            </a:fillRef>
-            <a:effectRef idx="0">
-              <a:schemeClr val="accent1"/>
-            </a:effectRef>
-            <a:fontRef idx="minor">
-              <a:schemeClr val="lt1"/>
-            </a:fontRef>
-          </p:style>
-          <p:txBody>
-            <a:bodyPr rtlCol="0" anchor="t" anchorCtr="0"/>
-            <a:lstStyle/>
-            <a:p>
-              <a:pPr algn="ctr"/>
-              <a:endParaRPr lang="en-SG" sz="1400" b="1">
-                <a:solidFill>
-                  <a:schemeClr val="accent3">
-                    <a:lumMod val="75000"/>
-                  </a:schemeClr>
-                </a:solidFill>
-              </a:endParaRPr>
-            </a:p>
-          </p:txBody>
-        </p:sp>
-      </p:grpSp>
       <p:sp>
         <p:nvSpPr>
           <p:cNvPr id="85" name="Rectangle 84"/>
@@ -4034,8 +4282,8 @@
         </p:nvSpPr>
         <p:spPr>
           <a:xfrm>
-            <a:off x="3345596" y="3643941"/>
-            <a:ext cx="1452472" cy="457200"/>
+            <a:off x="2667000" y="3886200"/>
+            <a:ext cx="1452472" cy="318459"/>
           </a:xfrm>
           <a:prstGeom prst="rect">
             <a:avLst/>
@@ -4078,8 +4326,8 @@
         </p:nvSpPr>
         <p:spPr>
           <a:xfrm>
-            <a:off x="6172200" y="3643941"/>
-            <a:ext cx="1981200" cy="457200"/>
+            <a:off x="7010400" y="3415341"/>
+            <a:ext cx="1267193" cy="318459"/>
           </a:xfrm>
           <a:prstGeom prst="rect">
             <a:avLst/>
@@ -4803,7 +5051,7 @@
         </p:nvCxnSpPr>
         <p:spPr>
           <a:xfrm flipH="1">
-            <a:off x="6755482" y="1553436"/>
+            <a:off x="6500862" y="1553436"/>
             <a:ext cx="13855" cy="2131935"/>
           </a:xfrm>
           <a:prstGeom prst="straightConnector1">
@@ -4883,7 +5131,7 @@
         <p:spPr>
           <a:xfrm>
             <a:off x="3657600" y="1710454"/>
-            <a:ext cx="0" cy="1933487"/>
+            <a:ext cx="0" cy="2162087"/>
           </a:xfrm>
           <a:prstGeom prst="straightConnector1">
             <a:avLst/>
@@ -5008,8 +5256,8 @@
         </p:nvSpPr>
         <p:spPr>
           <a:xfrm>
-            <a:off x="1752600" y="3643941"/>
-            <a:ext cx="1468139" cy="457200"/>
+            <a:off x="1524000" y="3415341"/>
+            <a:ext cx="1468139" cy="318459"/>
           </a:xfrm>
           <a:prstGeom prst="rect">
             <a:avLst/>
@@ -5363,7 +5611,7 @@
         <p:spPr>
           <a:xfrm flipH="1">
             <a:off x="7997336" y="2114009"/>
-            <a:ext cx="4621" cy="1529932"/>
+            <a:ext cx="4622" cy="1255016"/>
           </a:xfrm>
           <a:prstGeom prst="straightConnector1">
             <a:avLst/>
@@ -5515,30 +5763,199 @@
           </a:p>
         </p:txBody>
       </p:sp>
+      <p:sp>
+        <p:nvSpPr>
+          <p:cNvPr id="116" name="Rectangle 115"/>
+          <p:cNvSpPr/>
+          <p:nvPr/>
+        </p:nvSpPr>
+        <p:spPr>
+          <a:xfrm>
+            <a:off x="4235153" y="3415341"/>
+            <a:ext cx="1124417" cy="318459"/>
+          </a:xfrm>
+          <a:prstGeom prst="rect">
+            <a:avLst/>
+          </a:prstGeom>
+        </p:spPr>
+        <p:style>
+          <a:lnRef idx="2">
+            <a:schemeClr val="accent4">
+              <a:shade val="50000"/>
+            </a:schemeClr>
+          </a:lnRef>
+          <a:fillRef idx="1">
+            <a:schemeClr val="accent4"/>
+          </a:fillRef>
+          <a:effectRef idx="0">
+            <a:schemeClr val="accent4"/>
+          </a:effectRef>
+          <a:fontRef idx="minor">
+            <a:schemeClr val="lt1"/>
+          </a:fontRef>
+        </p:style>
+        <p:txBody>
+          <a:bodyPr rtlCol="0" anchor="ctr"/>
+          <a:lstStyle/>
+          <a:p>
+            <a:pPr algn="ctr"/>
+            <a:r>
+              <a:rPr lang="en-US" sz="1600" b="1" dirty="0" err="1" smtClean="0"/>
+              <a:t>CoursesDb</a:t>
+            </a:r>
+            <a:endParaRPr lang="en-SG" sz="1600" b="1" dirty="0"/>
+          </a:p>
+        </p:txBody>
+      </p:sp>
+      <p:sp>
+        <p:nvSpPr>
+          <p:cNvPr id="106" name="Rectangle 105"/>
+          <p:cNvSpPr/>
+          <p:nvPr/>
+        </p:nvSpPr>
+        <p:spPr>
+          <a:xfrm>
+            <a:off x="4723933" y="1828800"/>
+            <a:ext cx="877233" cy="361770"/>
+          </a:xfrm>
+          <a:prstGeom prst="rect">
+            <a:avLst/>
+          </a:prstGeom>
+        </p:spPr>
+        <p:style>
+          <a:lnRef idx="2">
+            <a:schemeClr val="accent4">
+              <a:shade val="50000"/>
+            </a:schemeClr>
+          </a:lnRef>
+          <a:fillRef idx="1">
+            <a:schemeClr val="accent4"/>
+          </a:fillRef>
+          <a:effectRef idx="0">
+            <a:schemeClr val="accent4"/>
+          </a:effectRef>
+          <a:fontRef idx="minor">
+            <a:schemeClr val="lt1"/>
+          </a:fontRef>
+        </p:style>
+        <p:txBody>
+          <a:bodyPr rtlCol="0" anchor="ctr"/>
+          <a:lstStyle/>
+          <a:p>
+            <a:pPr algn="ctr"/>
+            <a:r>
+              <a:rPr lang="en-US" sz="1600" b="1" dirty="0" smtClean="0"/>
+              <a:t>Course</a:t>
+            </a:r>
+            <a:endParaRPr lang="en-SG" sz="1600" b="1" dirty="0"/>
+          </a:p>
+        </p:txBody>
+      </p:sp>
+      <p:sp>
+        <p:nvSpPr>
+          <p:cNvPr id="27" name="Diamond 26"/>
+          <p:cNvSpPr/>
+          <p:nvPr/>
+        </p:nvSpPr>
+        <p:spPr>
+          <a:xfrm>
+            <a:off x="4516140" y="1891341"/>
+            <a:ext cx="208260" cy="151078"/>
+          </a:xfrm>
+          <a:prstGeom prst="diamond">
+            <a:avLst/>
+          </a:prstGeom>
+        </p:spPr>
+        <p:style>
+          <a:lnRef idx="2">
+            <a:schemeClr val="accent4">
+              <a:shade val="50000"/>
+            </a:schemeClr>
+          </a:lnRef>
+          <a:fillRef idx="1">
+            <a:schemeClr val="accent4"/>
+          </a:fillRef>
+          <a:effectRef idx="0">
+            <a:schemeClr val="accent4"/>
+          </a:effectRef>
+          <a:fontRef idx="minor">
+            <a:schemeClr val="lt1"/>
+          </a:fontRef>
+        </p:style>
+        <p:txBody>
+          <a:bodyPr rtlCol="0" anchor="ctr"/>
+          <a:lstStyle/>
+          <a:p>
+            <a:pPr algn="ctr"/>
+            <a:endParaRPr lang="en-SG" sz="1600" b="1"/>
+          </a:p>
+        </p:txBody>
+      </p:sp>
+      <p:sp>
+        <p:nvSpPr>
+          <p:cNvPr id="52" name="Diamond 51"/>
+          <p:cNvSpPr/>
+          <p:nvPr/>
+        </p:nvSpPr>
+        <p:spPr>
+          <a:xfrm rot="5400000">
+            <a:off x="5058420" y="1649131"/>
+            <a:ext cx="208260" cy="151078"/>
+          </a:xfrm>
+          <a:prstGeom prst="diamond">
+            <a:avLst/>
+          </a:prstGeom>
+        </p:spPr>
+        <p:style>
+          <a:lnRef idx="2">
+            <a:schemeClr val="accent4">
+              <a:shade val="50000"/>
+            </a:schemeClr>
+          </a:lnRef>
+          <a:fillRef idx="1">
+            <a:schemeClr val="accent4"/>
+          </a:fillRef>
+          <a:effectRef idx="0">
+            <a:schemeClr val="accent4"/>
+          </a:effectRef>
+          <a:fontRef idx="minor">
+            <a:schemeClr val="lt1"/>
+          </a:fontRef>
+        </p:style>
+        <p:txBody>
+          <a:bodyPr rtlCol="0" anchor="ctr"/>
+          <a:lstStyle/>
+          <a:p>
+            <a:pPr algn="ctr"/>
+            <a:endParaRPr lang="en-SG" sz="1600" b="1"/>
+          </a:p>
+        </p:txBody>
+      </p:sp>
       <p:cxnSp>
         <p:nvCxnSpPr>
-          <p:cNvPr id="60" name="Straight Arrow Connector 59"/>
+          <p:cNvPr id="58" name="Elbow Connector 57"/>
           <p:cNvCxnSpPr/>
           <p:nvPr/>
         </p:nvCxnSpPr>
         <p:spPr>
           <a:xfrm>
-            <a:off x="7263774" y="6339393"/>
-            <a:ext cx="1339498" cy="0"/>
-          </a:xfrm>
-          <a:prstGeom prst="straightConnector1">
-            <a:avLst/>
+            <a:off x="5390489" y="2338749"/>
+            <a:ext cx="897925" cy="280654"/>
+          </a:xfrm>
+          <a:prstGeom prst="bentConnector3">
+            <a:avLst>
+              <a:gd name="adj1" fmla="val -210"/>
+            </a:avLst>
           </a:prstGeom>
           <a:ln w="57150" cmpd="dbl">
             <a:solidFill>
-              <a:schemeClr val="tx1">
+              <a:schemeClr val="accent6">
                 <a:lumMod val="50000"/>
-                <a:lumOff val="50000"/>
               </a:schemeClr>
             </a:solidFill>
             <a:prstDash val="solid"/>
-            <a:headEnd type="none" w="med" len="med"/>
-            <a:tailEnd type="triangle" w="med" len="med"/>
+            <a:headEnd type="triangle" w="med" len="med"/>
+            <a:tailEnd type="none" w="med" len="med"/>
           </a:ln>
         </p:spPr>
         <p:style>
@@ -5560,58 +5977,14 @@
       </p:cxnSp>
       <p:sp>
         <p:nvSpPr>
-          <p:cNvPr id="102" name="TextBox 101"/>
-          <p:cNvSpPr txBox="1"/>
-          <p:nvPr/>
-        </p:nvSpPr>
-        <p:spPr>
-          <a:xfrm>
-            <a:off x="7162800" y="6505143"/>
-            <a:ext cx="1669072" cy="200457"/>
-          </a:xfrm>
-          <a:prstGeom prst="rect">
-            <a:avLst/>
-          </a:prstGeom>
-          <a:noFill/>
-        </p:spPr>
-        <p:txBody>
-          <a:bodyPr wrap="square" lIns="0" tIns="0" rIns="0" bIns="0" rtlCol="0" anchor="ctr" anchorCtr="0">
-            <a:noAutofit/>
-          </a:bodyPr>
-          <a:lstStyle/>
-          <a:p>
-            <a:r>
-              <a:rPr lang="en-US" sz="1400" b="1" dirty="0" smtClean="0">
-                <a:solidFill>
-                  <a:schemeClr val="tx1">
-                    <a:lumMod val="50000"/>
-                    <a:lumOff val="50000"/>
-                  </a:schemeClr>
-                </a:solidFill>
-              </a:rPr>
-              <a:t>Associations managed using string references</a:t>
-            </a:r>
-            <a:endParaRPr lang="en-SG" sz="1400" b="1" dirty="0">
-              <a:solidFill>
-                <a:schemeClr val="tx1">
-                  <a:lumMod val="50000"/>
-                  <a:lumOff val="50000"/>
-                </a:schemeClr>
-              </a:solidFill>
-            </a:endParaRPr>
-          </a:p>
-        </p:txBody>
-      </p:sp>
-      <p:sp>
-        <p:nvSpPr>
-          <p:cNvPr id="116" name="Rectangle 115"/>
+          <p:cNvPr id="59" name="Rectangle 58"/>
           <p:cNvSpPr/>
           <p:nvPr/>
         </p:nvSpPr>
         <p:spPr>
           <a:xfrm>
-            <a:off x="4922925" y="3643941"/>
-            <a:ext cx="1124417" cy="457200"/>
+            <a:off x="7203086" y="1752951"/>
+            <a:ext cx="1076146" cy="361770"/>
           </a:xfrm>
           <a:prstGeom prst="rect">
             <a:avLst/>
@@ -5619,15 +5992,15 @@
         </p:spPr>
         <p:style>
           <a:lnRef idx="2">
-            <a:schemeClr val="accent4">
+            <a:schemeClr val="accent6">
               <a:shade val="50000"/>
             </a:schemeClr>
           </a:lnRef>
           <a:fillRef idx="1">
-            <a:schemeClr val="accent4"/>
+            <a:schemeClr val="accent6"/>
           </a:fillRef>
           <a:effectRef idx="0">
-            <a:schemeClr val="accent4"/>
+            <a:schemeClr val="accent6"/>
           </a:effectRef>
           <a:fontRef idx="minor">
             <a:schemeClr val="lt1"/>
@@ -5639,161 +6012,32 @@
           <a:p>
             <a:pPr algn="ctr"/>
             <a:r>
-              <a:rPr lang="en-US" sz="1600" b="1" dirty="0" err="1" smtClean="0"/>
-              <a:t>CoursesDb</a:t>
+              <a:rPr lang="en-US" sz="1600" b="1" dirty="0" smtClean="0"/>
+              <a:t>Account</a:t>
             </a:r>
             <a:endParaRPr lang="en-SG" sz="1600" b="1" dirty="0"/>
-          </a:p>
-        </p:txBody>
-      </p:sp>
-      <p:sp>
-        <p:nvSpPr>
-          <p:cNvPr id="106" name="Rectangle 105"/>
-          <p:cNvSpPr/>
-          <p:nvPr/>
-        </p:nvSpPr>
-        <p:spPr>
-          <a:xfrm>
-            <a:off x="4723933" y="1828800"/>
-            <a:ext cx="877233" cy="361770"/>
-          </a:xfrm>
-          <a:prstGeom prst="rect">
-            <a:avLst/>
-          </a:prstGeom>
-        </p:spPr>
-        <p:style>
-          <a:lnRef idx="2">
-            <a:schemeClr val="accent4">
-              <a:shade val="50000"/>
-            </a:schemeClr>
-          </a:lnRef>
-          <a:fillRef idx="1">
-            <a:schemeClr val="accent4"/>
-          </a:fillRef>
-          <a:effectRef idx="0">
-            <a:schemeClr val="accent4"/>
-          </a:effectRef>
-          <a:fontRef idx="minor">
-            <a:schemeClr val="lt1"/>
-          </a:fontRef>
-        </p:style>
-        <p:txBody>
-          <a:bodyPr rtlCol="0" anchor="ctr"/>
-          <a:lstStyle/>
-          <a:p>
-            <a:pPr algn="ctr"/>
-            <a:r>
-              <a:rPr lang="en-US" sz="1600" b="1" dirty="0" smtClean="0"/>
-              <a:t>Course</a:t>
-            </a:r>
-            <a:endParaRPr lang="en-SG" sz="1600" b="1" dirty="0"/>
-          </a:p>
-        </p:txBody>
-      </p:sp>
-      <p:sp>
-        <p:nvSpPr>
-          <p:cNvPr id="27" name="Diamond 26"/>
-          <p:cNvSpPr/>
-          <p:nvPr/>
-        </p:nvSpPr>
-        <p:spPr>
-          <a:xfrm>
-            <a:off x="4516140" y="1891341"/>
-            <a:ext cx="208260" cy="151078"/>
-          </a:xfrm>
-          <a:prstGeom prst="diamond">
-            <a:avLst/>
-          </a:prstGeom>
-        </p:spPr>
-        <p:style>
-          <a:lnRef idx="2">
-            <a:schemeClr val="accent4">
-              <a:shade val="50000"/>
-            </a:schemeClr>
-          </a:lnRef>
-          <a:fillRef idx="1">
-            <a:schemeClr val="accent4"/>
-          </a:fillRef>
-          <a:effectRef idx="0">
-            <a:schemeClr val="accent4"/>
-          </a:effectRef>
-          <a:fontRef idx="minor">
-            <a:schemeClr val="lt1"/>
-          </a:fontRef>
-        </p:style>
-        <p:txBody>
-          <a:bodyPr rtlCol="0" anchor="ctr"/>
-          <a:lstStyle/>
-          <a:p>
-            <a:pPr algn="ctr"/>
-            <a:endParaRPr lang="en-SG" sz="1600" b="1"/>
-          </a:p>
-        </p:txBody>
-      </p:sp>
-      <p:sp>
-        <p:nvSpPr>
-          <p:cNvPr id="52" name="Diamond 51"/>
-          <p:cNvSpPr/>
-          <p:nvPr/>
-        </p:nvSpPr>
-        <p:spPr>
-          <a:xfrm rot="5400000">
-            <a:off x="5058420" y="1649131"/>
-            <a:ext cx="208260" cy="151078"/>
-          </a:xfrm>
-          <a:prstGeom prst="diamond">
-            <a:avLst/>
-          </a:prstGeom>
-        </p:spPr>
-        <p:style>
-          <a:lnRef idx="2">
-            <a:schemeClr val="accent4">
-              <a:shade val="50000"/>
-            </a:schemeClr>
-          </a:lnRef>
-          <a:fillRef idx="1">
-            <a:schemeClr val="accent4"/>
-          </a:fillRef>
-          <a:effectRef idx="0">
-            <a:schemeClr val="accent4"/>
-          </a:effectRef>
-          <a:fontRef idx="minor">
-            <a:schemeClr val="lt1"/>
-          </a:fontRef>
-        </p:style>
-        <p:txBody>
-          <a:bodyPr rtlCol="0" anchor="ctr"/>
-          <a:lstStyle/>
-          <a:p>
-            <a:pPr algn="ctr"/>
-            <a:endParaRPr lang="en-SG" sz="1600" b="1"/>
           </a:p>
         </p:txBody>
       </p:sp>
       <p:cxnSp>
         <p:nvCxnSpPr>
-          <p:cNvPr id="58" name="Elbow Connector 57"/>
-          <p:cNvCxnSpPr/>
+          <p:cNvPr id="62" name="Straight Arrow Connector 61"/>
+          <p:cNvCxnSpPr>
+            <a:endCxn id="65" idx="0"/>
+          </p:cNvCxnSpPr>
           <p:nvPr/>
         </p:nvCxnSpPr>
         <p:spPr>
-          <a:xfrm>
-            <a:off x="5390489" y="2338749"/>
-            <a:ext cx="897925" cy="280654"/>
-          </a:xfrm>
-          <a:prstGeom prst="bentConnector3">
-            <a:avLst>
-              <a:gd name="adj1" fmla="val -210"/>
-            </a:avLst>
-          </a:prstGeom>
-          <a:ln w="57150" cmpd="dbl">
-            <a:solidFill>
-              <a:schemeClr val="accent6">
-                <a:lumMod val="50000"/>
-              </a:schemeClr>
-            </a:solidFill>
-            <a:prstDash val="solid"/>
-            <a:headEnd type="triangle" w="med" len="med"/>
+          <a:xfrm flipH="1">
+            <a:off x="6922840" y="2713119"/>
+            <a:ext cx="30850" cy="1173081"/>
+          </a:xfrm>
+          <a:prstGeom prst="straightConnector1">
+            <a:avLst/>
+          </a:prstGeom>
+          <a:ln>
+            <a:prstDash val="sysDot"/>
+            <a:headEnd type="arrow" w="med" len="med"/>
             <a:tailEnd type="none" w="med" len="med"/>
           </a:ln>
         </p:spPr>
@@ -5816,14 +6060,176 @@
       </p:cxnSp>
       <p:sp>
         <p:nvSpPr>
-          <p:cNvPr id="59" name="Rectangle 58"/>
+          <p:cNvPr id="63" name="Diamond 62"/>
           <p:cNvSpPr/>
           <p:nvPr/>
         </p:nvSpPr>
         <p:spPr>
-          <a:xfrm>
-            <a:off x="7203086" y="1752951"/>
-            <a:ext cx="1076146" cy="361770"/>
+          <a:xfrm rot="5400000">
+            <a:off x="5337013" y="2190628"/>
+            <a:ext cx="126058" cy="170183"/>
+          </a:xfrm>
+          <a:prstGeom prst="diamond">
+            <a:avLst/>
+          </a:prstGeom>
+        </p:spPr>
+        <p:style>
+          <a:lnRef idx="2">
+            <a:schemeClr val="accent4">
+              <a:shade val="50000"/>
+            </a:schemeClr>
+          </a:lnRef>
+          <a:fillRef idx="1">
+            <a:schemeClr val="accent4"/>
+          </a:fillRef>
+          <a:effectRef idx="0">
+            <a:schemeClr val="accent4"/>
+          </a:effectRef>
+          <a:fontRef idx="minor">
+            <a:schemeClr val="lt1"/>
+          </a:fontRef>
+        </p:style>
+        <p:txBody>
+          <a:bodyPr rtlCol="0" anchor="ctr"/>
+          <a:lstStyle/>
+          <a:p>
+            <a:pPr algn="ctr"/>
+            <a:endParaRPr lang="en-SG" sz="1600" b="1"/>
+          </a:p>
+        </p:txBody>
+      </p:sp>
+      <p:sp>
+        <p:nvSpPr>
+          <p:cNvPr id="68" name="TextBox 67"/>
+          <p:cNvSpPr txBox="1"/>
+          <p:nvPr/>
+        </p:nvSpPr>
+        <p:spPr>
+          <a:xfrm>
+            <a:off x="5515811" y="2369400"/>
+            <a:ext cx="170709" cy="200457"/>
+          </a:xfrm>
+          <a:prstGeom prst="rect">
+            <a:avLst/>
+          </a:prstGeom>
+          <a:noFill/>
+        </p:spPr>
+        <p:txBody>
+          <a:bodyPr wrap="square" lIns="0" tIns="0" rIns="0" bIns="0" rtlCol="0" anchor="ctr" anchorCtr="0">
+            <a:noAutofit/>
+          </a:bodyPr>
+          <a:lstStyle/>
+          <a:p>
+            <a:r>
+              <a:rPr lang="en-US" b="1" dirty="0" smtClean="0">
+                <a:solidFill>
+                  <a:schemeClr val="accent4"/>
+                </a:solidFill>
+              </a:rPr>
+              <a:t>*</a:t>
+            </a:r>
+            <a:endParaRPr lang="en-SG" b="1" dirty="0">
+              <a:solidFill>
+                <a:schemeClr val="accent4"/>
+              </a:solidFill>
+            </a:endParaRPr>
+          </a:p>
+        </p:txBody>
+      </p:sp>
+      <p:sp>
+        <p:nvSpPr>
+          <p:cNvPr id="75" name="TextBox 74"/>
+          <p:cNvSpPr txBox="1"/>
+          <p:nvPr/>
+        </p:nvSpPr>
+        <p:spPr>
+          <a:xfrm>
+            <a:off x="7924800" y="1477897"/>
+            <a:ext cx="170709" cy="200457"/>
+          </a:xfrm>
+          <a:prstGeom prst="rect">
+            <a:avLst/>
+          </a:prstGeom>
+          <a:noFill/>
+        </p:spPr>
+        <p:txBody>
+          <a:bodyPr wrap="square" lIns="0" tIns="0" rIns="0" bIns="0" rtlCol="0" anchor="ctr" anchorCtr="0">
+            <a:noAutofit/>
+          </a:bodyPr>
+          <a:lstStyle/>
+          <a:p>
+            <a:r>
+              <a:rPr lang="en-US" sz="1600" dirty="0">
+                <a:solidFill>
+                  <a:schemeClr val="accent6">
+                    <a:lumMod val="75000"/>
+                  </a:schemeClr>
+                </a:solidFill>
+              </a:rPr>
+              <a:t>1</a:t>
+            </a:r>
+            <a:endParaRPr lang="en-SG" sz="1600" dirty="0">
+              <a:solidFill>
+                <a:schemeClr val="accent6">
+                  <a:lumMod val="75000"/>
+                </a:schemeClr>
+              </a:solidFill>
+            </a:endParaRPr>
+          </a:p>
+        </p:txBody>
+      </p:sp>
+      <p:sp>
+        <p:nvSpPr>
+          <p:cNvPr id="76" name="TextBox 75"/>
+          <p:cNvSpPr txBox="1"/>
+          <p:nvPr/>
+        </p:nvSpPr>
+        <p:spPr>
+          <a:xfrm>
+            <a:off x="7610693" y="2138292"/>
+            <a:ext cx="170709" cy="200457"/>
+          </a:xfrm>
+          <a:prstGeom prst="rect">
+            <a:avLst/>
+          </a:prstGeom>
+          <a:noFill/>
+        </p:spPr>
+        <p:txBody>
+          <a:bodyPr wrap="square" lIns="0" tIns="0" rIns="0" bIns="0" rtlCol="0" anchor="ctr" anchorCtr="0">
+            <a:noAutofit/>
+          </a:bodyPr>
+          <a:lstStyle/>
+          <a:p>
+            <a:r>
+              <a:rPr lang="en-US" sz="1600" dirty="0">
+                <a:solidFill>
+                  <a:schemeClr val="accent6">
+                    <a:lumMod val="75000"/>
+                  </a:schemeClr>
+                </a:solidFill>
+              </a:rPr>
+              <a:t>1</a:t>
+            </a:r>
+            <a:endParaRPr lang="en-SG" sz="1600" dirty="0">
+              <a:solidFill>
+                <a:schemeClr val="accent6">
+                  <a:lumMod val="75000"/>
+                </a:schemeClr>
+              </a:solidFill>
+            </a:endParaRPr>
+          </a:p>
+        </p:txBody>
+      </p:sp>
+      <p:sp>
+        <p:nvSpPr>
+          <p:cNvPr id="64" name="Rectangle 63"/>
+          <p:cNvSpPr/>
+          <p:nvPr/>
+        </p:nvSpPr>
+        <p:spPr>
+          <a:xfrm>
+            <a:off x="5486400" y="3415341"/>
+            <a:ext cx="1336039" cy="318459"/>
           </a:xfrm>
           <a:prstGeom prst="rect">
             <a:avLst/>
@@ -5851,32 +6257,27 @@
           <a:p>
             <a:pPr algn="ctr"/>
             <a:r>
-              <a:rPr lang="en-US" sz="1600" b="1" dirty="0" smtClean="0"/>
-              <a:t>Account</a:t>
+              <a:rPr lang="en-US" sz="1600" b="1" dirty="0" err="1" smtClean="0"/>
+              <a:t>StudentsDb</a:t>
             </a:r>
             <a:endParaRPr lang="en-SG" sz="1600" b="1" dirty="0"/>
           </a:p>
         </p:txBody>
       </p:sp>
-      <p:cxnSp>
-        <p:nvCxnSpPr>
-          <p:cNvPr id="62" name="Straight Arrow Connector 61"/>
-          <p:cNvCxnSpPr/>
+      <p:sp>
+        <p:nvSpPr>
+          <p:cNvPr id="65" name="Rectangle 64"/>
+          <p:cNvSpPr/>
           <p:nvPr/>
-        </p:nvCxnSpPr>
-        <p:spPr>
-          <a:xfrm flipH="1">
-            <a:off x="6886207" y="2700519"/>
-            <a:ext cx="4619" cy="943422"/>
-          </a:xfrm>
-          <a:prstGeom prst="straightConnector1">
-            <a:avLst/>
-          </a:prstGeom>
-          <a:ln>
-            <a:prstDash val="sysDot"/>
-            <a:headEnd type="arrow" w="med" len="med"/>
-            <a:tailEnd type="none" w="med" len="med"/>
-          </a:ln>
+        </p:nvSpPr>
+        <p:spPr>
+          <a:xfrm>
+            <a:off x="6209110" y="3886200"/>
+            <a:ext cx="1427459" cy="318459"/>
+          </a:xfrm>
+          <a:prstGeom prst="rect">
+            <a:avLst/>
+          </a:prstGeom>
         </p:spPr>
         <p:style>
           <a:lnRef idx="2">
@@ -5894,166 +6295,16 @@
             <a:schemeClr val="lt1"/>
           </a:fontRef>
         </p:style>
-      </p:cxnSp>
-      <p:sp>
-        <p:nvSpPr>
-          <p:cNvPr id="63" name="Diamond 62"/>
-          <p:cNvSpPr/>
-          <p:nvPr/>
-        </p:nvSpPr>
-        <p:spPr>
-          <a:xfrm rot="5400000">
-            <a:off x="5337013" y="2190628"/>
-            <a:ext cx="126058" cy="170183"/>
-          </a:xfrm>
-          <a:prstGeom prst="diamond">
-            <a:avLst/>
-          </a:prstGeom>
-        </p:spPr>
-        <p:style>
-          <a:lnRef idx="2">
-            <a:schemeClr val="accent4">
-              <a:shade val="50000"/>
-            </a:schemeClr>
-          </a:lnRef>
-          <a:fillRef idx="1">
-            <a:schemeClr val="accent4"/>
-          </a:fillRef>
-          <a:effectRef idx="0">
-            <a:schemeClr val="accent4"/>
-          </a:effectRef>
-          <a:fontRef idx="minor">
-            <a:schemeClr val="lt1"/>
-          </a:fontRef>
-        </p:style>
         <p:txBody>
           <a:bodyPr rtlCol="0" anchor="ctr"/>
           <a:lstStyle/>
           <a:p>
             <a:pPr algn="ctr"/>
-            <a:endParaRPr lang="en-SG" sz="1600" b="1"/>
-          </a:p>
-        </p:txBody>
-      </p:sp>
-      <p:sp>
-        <p:nvSpPr>
-          <p:cNvPr id="68" name="TextBox 67"/>
-          <p:cNvSpPr txBox="1"/>
-          <p:nvPr/>
-        </p:nvSpPr>
-        <p:spPr>
-          <a:xfrm>
-            <a:off x="5515811" y="2369400"/>
-            <a:ext cx="170709" cy="200457"/>
-          </a:xfrm>
-          <a:prstGeom prst="rect">
-            <a:avLst/>
-          </a:prstGeom>
-          <a:noFill/>
-        </p:spPr>
-        <p:txBody>
-          <a:bodyPr wrap="square" lIns="0" tIns="0" rIns="0" bIns="0" rtlCol="0" anchor="ctr" anchorCtr="0">
-            <a:noAutofit/>
-          </a:bodyPr>
-          <a:lstStyle/>
-          <a:p>
-            <a:r>
-              <a:rPr lang="en-US" b="1" dirty="0" smtClean="0">
-                <a:solidFill>
-                  <a:schemeClr val="accent4"/>
-                </a:solidFill>
-              </a:rPr>
-              <a:t>*</a:t>
-            </a:r>
-            <a:endParaRPr lang="en-SG" b="1" dirty="0">
-              <a:solidFill>
-                <a:schemeClr val="accent4"/>
-              </a:solidFill>
-            </a:endParaRPr>
-          </a:p>
-        </p:txBody>
-      </p:sp>
-      <p:sp>
-        <p:nvSpPr>
-          <p:cNvPr id="75" name="TextBox 74"/>
-          <p:cNvSpPr txBox="1"/>
-          <p:nvPr/>
-        </p:nvSpPr>
-        <p:spPr>
-          <a:xfrm>
-            <a:off x="7924800" y="1477897"/>
-            <a:ext cx="170709" cy="200457"/>
-          </a:xfrm>
-          <a:prstGeom prst="rect">
-            <a:avLst/>
-          </a:prstGeom>
-          <a:noFill/>
-        </p:spPr>
-        <p:txBody>
-          <a:bodyPr wrap="square" lIns="0" tIns="0" rIns="0" bIns="0" rtlCol="0" anchor="ctr" anchorCtr="0">
-            <a:noAutofit/>
-          </a:bodyPr>
-          <a:lstStyle/>
-          <a:p>
-            <a:r>
-              <a:rPr lang="en-US" sz="1600" dirty="0">
-                <a:solidFill>
-                  <a:schemeClr val="accent6">
-                    <a:lumMod val="75000"/>
-                  </a:schemeClr>
-                </a:solidFill>
-              </a:rPr>
-              <a:t>1</a:t>
-            </a:r>
-            <a:endParaRPr lang="en-SG" sz="1600" dirty="0">
-              <a:solidFill>
-                <a:schemeClr val="accent6">
-                  <a:lumMod val="75000"/>
-                </a:schemeClr>
-              </a:solidFill>
-            </a:endParaRPr>
-          </a:p>
-        </p:txBody>
-      </p:sp>
-      <p:sp>
-        <p:nvSpPr>
-          <p:cNvPr id="76" name="TextBox 75"/>
-          <p:cNvSpPr txBox="1"/>
-          <p:nvPr/>
-        </p:nvSpPr>
-        <p:spPr>
-          <a:xfrm>
-            <a:off x="7610693" y="2138292"/>
-            <a:ext cx="170709" cy="200457"/>
-          </a:xfrm>
-          <a:prstGeom prst="rect">
-            <a:avLst/>
-          </a:prstGeom>
-          <a:noFill/>
-        </p:spPr>
-        <p:txBody>
-          <a:bodyPr wrap="square" lIns="0" tIns="0" rIns="0" bIns="0" rtlCol="0" anchor="ctr" anchorCtr="0">
-            <a:noAutofit/>
-          </a:bodyPr>
-          <a:lstStyle/>
-          <a:p>
-            <a:r>
-              <a:rPr lang="en-US" sz="1600" dirty="0">
-                <a:solidFill>
-                  <a:schemeClr val="accent6">
-                    <a:lumMod val="75000"/>
-                  </a:schemeClr>
-                </a:solidFill>
-              </a:rPr>
-              <a:t>1</a:t>
-            </a:r>
-            <a:endParaRPr lang="en-SG" sz="1600" dirty="0">
-              <a:solidFill>
-                <a:schemeClr val="accent6">
-                  <a:lumMod val="75000"/>
-                </a:schemeClr>
-              </a:solidFill>
-            </a:endParaRPr>
+            <a:r>
+              <a:rPr lang="en-US" sz="1600" b="1" dirty="0" err="1" smtClean="0"/>
+              <a:t>InstructorsDb</a:t>
+            </a:r>
+            <a:endParaRPr lang="en-SG" sz="1600" b="1" dirty="0"/>
           </a:p>
         </p:txBody>
       </p:sp>
@@ -6075,6 +6326,12 @@
     </p:tnLst>
   </p:timing>
 </p:sld>
+</file>
+
+<file path=ppt/tags/tag1.xml><?xml version="1.0" encoding="utf-8"?>
+<p:tagLst xmlns:a="http://schemas.openxmlformats.org/drawingml/2006/main" xmlns:r="http://schemas.openxmlformats.org/officeDocument/2006/relationships" xmlns:p="http://schemas.openxmlformats.org/presentationml/2006/main">
+  <p:tag name="ARTICULATE_PROJECT_OPEN" val="0"/>
+</p:tagLst>
 </file>
 
 <file path=ppt/theme/theme1.xml><?xml version="1.0" encoding="utf-8"?>

--- a/doc/diagrams/StorageComponent.pptx
+++ b/doc/diagrams/StorageComponent.pptx
@@ -10,7 +10,7 @@
   <p:sldIdLst>
     <p:sldId id="256" r:id="rId2"/>
   </p:sldIdLst>
-  <p:sldSz cx="9144000" cy="6858000" type="screen4x3"/>
+  <p:sldSz cx="9721850" cy="6858000"/>
   <p:notesSz cx="6858000" cy="9144000"/>
   <p:custDataLst>
     <p:tags r:id="rId4"/>
@@ -196,7 +196,7 @@
             <a:fld id="{AF301891-4E62-472A-98E9-95DBD40531A4}" type="datetimeFigureOut">
               <a:rPr lang="en-SG" smtClean="0"/>
               <a:pPr/>
-              <a:t>18/5/2013</a:t>
+              <a:t>5/7/2013</a:t>
             </a:fld>
             <a:endParaRPr lang="en-SG"/>
           </a:p>
@@ -214,8 +214,8 @@
         </p:nvSpPr>
         <p:spPr>
           <a:xfrm>
-            <a:off x="1143000" y="685800"/>
-            <a:ext cx="4572000" cy="3429000"/>
+            <a:off x="998538" y="685800"/>
+            <a:ext cx="4860925" cy="3429000"/>
           </a:xfrm>
           <a:prstGeom prst="rect">
             <a:avLst/>
@@ -492,7 +492,12 @@
             <p:ph type="sldImg"/>
           </p:nvPr>
         </p:nvSpPr>
-        <p:spPr/>
+        <p:spPr>
+          <a:xfrm>
+            <a:off x="998538" y="685800"/>
+            <a:ext cx="4860925" cy="3429000"/>
+          </a:xfrm>
+        </p:spPr>
       </p:sp>
       <p:sp>
         <p:nvSpPr>
@@ -579,8 +584,8 @@
         </p:nvSpPr>
         <p:spPr>
           <a:xfrm>
-            <a:off x="685800" y="2130425"/>
-            <a:ext cx="7772400" cy="1470025"/>
+            <a:off x="729139" y="2130427"/>
+            <a:ext cx="8263573" cy="1470025"/>
           </a:xfrm>
           <a:prstGeom prst="rect">
             <a:avLst/>
@@ -610,8 +615,8 @@
         </p:nvSpPr>
         <p:spPr>
           <a:xfrm>
-            <a:off x="1371600" y="3886200"/>
-            <a:ext cx="6400800" cy="1752600"/>
+            <a:off x="1458278" y="3886200"/>
+            <a:ext cx="6805295" cy="1752600"/>
           </a:xfrm>
           <a:prstGeom prst="rect">
             <a:avLst/>
@@ -732,8 +737,8 @@
         </p:nvSpPr>
         <p:spPr>
           <a:xfrm>
-            <a:off x="457200" y="6356350"/>
-            <a:ext cx="2133600" cy="365125"/>
+            <a:off x="486092" y="6356352"/>
+            <a:ext cx="2268432" cy="365125"/>
           </a:xfrm>
           <a:prstGeom prst="rect">
             <a:avLst/>
@@ -746,7 +751,7 @@
             <a:fld id="{1D8BD707-D9CF-40AE-B4C6-C98DA3205C09}" type="datetimeFigureOut">
               <a:rPr lang="en-US" smtClean="0"/>
               <a:pPr/>
-              <a:t>5/18/2013</a:t>
+              <a:t>7/5/2013</a:t>
             </a:fld>
             <a:endParaRPr lang="en-US"/>
           </a:p>
@@ -764,8 +769,8 @@
         </p:nvSpPr>
         <p:spPr>
           <a:xfrm>
-            <a:off x="3124200" y="6356350"/>
-            <a:ext cx="2895600" cy="365125"/>
+            <a:off x="3321632" y="6356352"/>
+            <a:ext cx="3078586" cy="365125"/>
           </a:xfrm>
           <a:prstGeom prst="rect">
             <a:avLst/>
@@ -791,8 +796,8 @@
         </p:nvSpPr>
         <p:spPr>
           <a:xfrm>
-            <a:off x="6553200" y="6356350"/>
-            <a:ext cx="2133600" cy="365125"/>
+            <a:off x="6967327" y="6356352"/>
+            <a:ext cx="2268432" cy="365125"/>
           </a:xfrm>
           <a:prstGeom prst="rect">
             <a:avLst/>
@@ -816,6 +821,13 @@
   <p:clrMapOvr>
     <a:masterClrMapping/>
   </p:clrMapOvr>
+  <p:timing>
+    <p:tnLst>
+      <p:par>
+        <p:cTn id="1" dur="indefinite" restart="never" nodeType="tmRoot"/>
+      </p:par>
+    </p:tnLst>
+  </p:timing>
 </p:sldLayout>
 </file>
 
@@ -848,8 +860,8 @@
         </p:nvSpPr>
         <p:spPr>
           <a:xfrm>
-            <a:off x="457200" y="274638"/>
-            <a:ext cx="8229600" cy="1143000"/>
+            <a:off x="486093" y="274638"/>
+            <a:ext cx="8749665" cy="1143000"/>
           </a:xfrm>
           <a:prstGeom prst="rect">
             <a:avLst/>
@@ -879,8 +891,8 @@
         </p:nvSpPr>
         <p:spPr>
           <a:xfrm>
-            <a:off x="457200" y="1600200"/>
-            <a:ext cx="8229600" cy="4525963"/>
+            <a:off x="486093" y="1600202"/>
+            <a:ext cx="8749665" cy="4525963"/>
           </a:xfrm>
           <a:prstGeom prst="rect">
             <a:avLst/>
@@ -939,8 +951,8 @@
         </p:nvSpPr>
         <p:spPr>
           <a:xfrm>
-            <a:off x="457200" y="6356350"/>
-            <a:ext cx="2133600" cy="365125"/>
+            <a:off x="486092" y="6356352"/>
+            <a:ext cx="2268432" cy="365125"/>
           </a:xfrm>
           <a:prstGeom prst="rect">
             <a:avLst/>
@@ -953,7 +965,7 @@
             <a:fld id="{1D8BD707-D9CF-40AE-B4C6-C98DA3205C09}" type="datetimeFigureOut">
               <a:rPr lang="en-US" smtClean="0"/>
               <a:pPr/>
-              <a:t>5/18/2013</a:t>
+              <a:t>7/5/2013</a:t>
             </a:fld>
             <a:endParaRPr lang="en-US"/>
           </a:p>
@@ -971,8 +983,8 @@
         </p:nvSpPr>
         <p:spPr>
           <a:xfrm>
-            <a:off x="3124200" y="6356350"/>
-            <a:ext cx="2895600" cy="365125"/>
+            <a:off x="3321632" y="6356352"/>
+            <a:ext cx="3078586" cy="365125"/>
           </a:xfrm>
           <a:prstGeom prst="rect">
             <a:avLst/>
@@ -998,8 +1010,8 @@
         </p:nvSpPr>
         <p:spPr>
           <a:xfrm>
-            <a:off x="6553200" y="6356350"/>
-            <a:ext cx="2133600" cy="365125"/>
+            <a:off x="6967327" y="6356352"/>
+            <a:ext cx="2268432" cy="365125"/>
           </a:xfrm>
           <a:prstGeom prst="rect">
             <a:avLst/>
@@ -1055,8 +1067,8 @@
         </p:nvSpPr>
         <p:spPr>
           <a:xfrm>
-            <a:off x="6629400" y="274638"/>
-            <a:ext cx="2057400" cy="5851525"/>
+            <a:off x="7048342" y="274639"/>
+            <a:ext cx="2187416" cy="5851525"/>
           </a:xfrm>
           <a:prstGeom prst="rect">
             <a:avLst/>
@@ -1086,8 +1098,8 @@
         </p:nvSpPr>
         <p:spPr>
           <a:xfrm>
-            <a:off x="457200" y="274638"/>
-            <a:ext cx="6019800" cy="5851525"/>
+            <a:off x="486093" y="274639"/>
+            <a:ext cx="6400218" cy="5851525"/>
           </a:xfrm>
           <a:prstGeom prst="rect">
             <a:avLst/>
@@ -1146,8 +1158,8 @@
         </p:nvSpPr>
         <p:spPr>
           <a:xfrm>
-            <a:off x="457200" y="6356350"/>
-            <a:ext cx="2133600" cy="365125"/>
+            <a:off x="486092" y="6356352"/>
+            <a:ext cx="2268432" cy="365125"/>
           </a:xfrm>
           <a:prstGeom prst="rect">
             <a:avLst/>
@@ -1160,7 +1172,7 @@
             <a:fld id="{1D8BD707-D9CF-40AE-B4C6-C98DA3205C09}" type="datetimeFigureOut">
               <a:rPr lang="en-US" smtClean="0"/>
               <a:pPr/>
-              <a:t>5/18/2013</a:t>
+              <a:t>7/5/2013</a:t>
             </a:fld>
             <a:endParaRPr lang="en-US"/>
           </a:p>
@@ -1178,8 +1190,8 @@
         </p:nvSpPr>
         <p:spPr>
           <a:xfrm>
-            <a:off x="3124200" y="6356350"/>
-            <a:ext cx="2895600" cy="365125"/>
+            <a:off x="3321632" y="6356352"/>
+            <a:ext cx="3078586" cy="365125"/>
           </a:xfrm>
           <a:prstGeom prst="rect">
             <a:avLst/>
@@ -1205,8 +1217,8 @@
         </p:nvSpPr>
         <p:spPr>
           <a:xfrm>
-            <a:off x="6553200" y="6356350"/>
-            <a:ext cx="2133600" cy="365125"/>
+            <a:off x="6967327" y="6356352"/>
+            <a:ext cx="2268432" cy="365125"/>
           </a:xfrm>
           <a:prstGeom prst="rect">
             <a:avLst/>
@@ -1262,8 +1274,8 @@
         </p:nvSpPr>
         <p:spPr>
           <a:xfrm>
-            <a:off x="457200" y="274638"/>
-            <a:ext cx="8229600" cy="1143000"/>
+            <a:off x="486093" y="274638"/>
+            <a:ext cx="8749665" cy="1143000"/>
           </a:xfrm>
           <a:prstGeom prst="rect">
             <a:avLst/>
@@ -1293,8 +1305,8 @@
         </p:nvSpPr>
         <p:spPr>
           <a:xfrm>
-            <a:off x="457200" y="1600200"/>
-            <a:ext cx="8229600" cy="4525963"/>
+            <a:off x="486093" y="1600202"/>
+            <a:ext cx="8749665" cy="4525963"/>
           </a:xfrm>
           <a:prstGeom prst="rect">
             <a:avLst/>
@@ -1353,8 +1365,8 @@
         </p:nvSpPr>
         <p:spPr>
           <a:xfrm>
-            <a:off x="457200" y="6356350"/>
-            <a:ext cx="2133600" cy="365125"/>
+            <a:off x="486092" y="6356352"/>
+            <a:ext cx="2268432" cy="365125"/>
           </a:xfrm>
           <a:prstGeom prst="rect">
             <a:avLst/>
@@ -1367,7 +1379,7 @@
             <a:fld id="{1D8BD707-D9CF-40AE-B4C6-C98DA3205C09}" type="datetimeFigureOut">
               <a:rPr lang="en-US" smtClean="0"/>
               <a:pPr/>
-              <a:t>5/18/2013</a:t>
+              <a:t>7/5/2013</a:t>
             </a:fld>
             <a:endParaRPr lang="en-US"/>
           </a:p>
@@ -1385,8 +1397,8 @@
         </p:nvSpPr>
         <p:spPr>
           <a:xfrm>
-            <a:off x="3124200" y="6356350"/>
-            <a:ext cx="2895600" cy="365125"/>
+            <a:off x="3321632" y="6356352"/>
+            <a:ext cx="3078586" cy="365125"/>
           </a:xfrm>
           <a:prstGeom prst="rect">
             <a:avLst/>
@@ -1412,8 +1424,8 @@
         </p:nvSpPr>
         <p:spPr>
           <a:xfrm>
-            <a:off x="6553200" y="6356350"/>
-            <a:ext cx="2133600" cy="365125"/>
+            <a:off x="6967327" y="6356352"/>
+            <a:ext cx="2268432" cy="365125"/>
           </a:xfrm>
           <a:prstGeom prst="rect">
             <a:avLst/>
@@ -1469,8 +1481,8 @@
         </p:nvSpPr>
         <p:spPr>
           <a:xfrm>
-            <a:off x="722313" y="4406900"/>
-            <a:ext cx="7772400" cy="1362075"/>
+            <a:off x="767959" y="4406902"/>
+            <a:ext cx="8263573" cy="1362075"/>
           </a:xfrm>
           <a:prstGeom prst="rect">
             <a:avLst/>
@@ -1504,8 +1516,8 @@
         </p:nvSpPr>
         <p:spPr>
           <a:xfrm>
-            <a:off x="722313" y="2906713"/>
-            <a:ext cx="7772400" cy="1500187"/>
+            <a:off x="767959" y="2906713"/>
+            <a:ext cx="8263573" cy="1500187"/>
           </a:xfrm>
           <a:prstGeom prst="rect">
             <a:avLst/>
@@ -1626,8 +1638,8 @@
         </p:nvSpPr>
         <p:spPr>
           <a:xfrm>
-            <a:off x="457200" y="6356350"/>
-            <a:ext cx="2133600" cy="365125"/>
+            <a:off x="486092" y="6356352"/>
+            <a:ext cx="2268432" cy="365125"/>
           </a:xfrm>
           <a:prstGeom prst="rect">
             <a:avLst/>
@@ -1640,7 +1652,7 @@
             <a:fld id="{1D8BD707-D9CF-40AE-B4C6-C98DA3205C09}" type="datetimeFigureOut">
               <a:rPr lang="en-US" smtClean="0"/>
               <a:pPr/>
-              <a:t>5/18/2013</a:t>
+              <a:t>7/5/2013</a:t>
             </a:fld>
             <a:endParaRPr lang="en-US"/>
           </a:p>
@@ -1658,8 +1670,8 @@
         </p:nvSpPr>
         <p:spPr>
           <a:xfrm>
-            <a:off x="3124200" y="6356350"/>
-            <a:ext cx="2895600" cy="365125"/>
+            <a:off x="3321632" y="6356352"/>
+            <a:ext cx="3078586" cy="365125"/>
           </a:xfrm>
           <a:prstGeom prst="rect">
             <a:avLst/>
@@ -1685,8 +1697,8 @@
         </p:nvSpPr>
         <p:spPr>
           <a:xfrm>
-            <a:off x="6553200" y="6356350"/>
-            <a:ext cx="2133600" cy="365125"/>
+            <a:off x="6967327" y="6356352"/>
+            <a:ext cx="2268432" cy="365125"/>
           </a:xfrm>
           <a:prstGeom prst="rect">
             <a:avLst/>
@@ -1742,8 +1754,8 @@
         </p:nvSpPr>
         <p:spPr>
           <a:xfrm>
-            <a:off x="457200" y="274638"/>
-            <a:ext cx="8229600" cy="1143000"/>
+            <a:off x="486093" y="274638"/>
+            <a:ext cx="8749665" cy="1143000"/>
           </a:xfrm>
           <a:prstGeom prst="rect">
             <a:avLst/>
@@ -1773,8 +1785,8 @@
         </p:nvSpPr>
         <p:spPr>
           <a:xfrm>
-            <a:off x="457200" y="1600200"/>
-            <a:ext cx="4038600" cy="4525963"/>
+            <a:off x="486093" y="1600202"/>
+            <a:ext cx="4293817" cy="4525963"/>
           </a:xfrm>
           <a:prstGeom prst="rect">
             <a:avLst/>
@@ -1861,8 +1873,8 @@
         </p:nvSpPr>
         <p:spPr>
           <a:xfrm>
-            <a:off x="4648200" y="1600200"/>
-            <a:ext cx="4038600" cy="4525963"/>
+            <a:off x="4941940" y="1600202"/>
+            <a:ext cx="4293817" cy="4525963"/>
           </a:xfrm>
           <a:prstGeom prst="rect">
             <a:avLst/>
@@ -1949,8 +1961,8 @@
         </p:nvSpPr>
         <p:spPr>
           <a:xfrm>
-            <a:off x="457200" y="6356350"/>
-            <a:ext cx="2133600" cy="365125"/>
+            <a:off x="486092" y="6356352"/>
+            <a:ext cx="2268432" cy="365125"/>
           </a:xfrm>
           <a:prstGeom prst="rect">
             <a:avLst/>
@@ -1963,7 +1975,7 @@
             <a:fld id="{1D8BD707-D9CF-40AE-B4C6-C98DA3205C09}" type="datetimeFigureOut">
               <a:rPr lang="en-US" smtClean="0"/>
               <a:pPr/>
-              <a:t>5/18/2013</a:t>
+              <a:t>7/5/2013</a:t>
             </a:fld>
             <a:endParaRPr lang="en-US"/>
           </a:p>
@@ -1981,8 +1993,8 @@
         </p:nvSpPr>
         <p:spPr>
           <a:xfrm>
-            <a:off x="3124200" y="6356350"/>
-            <a:ext cx="2895600" cy="365125"/>
+            <a:off x="3321632" y="6356352"/>
+            <a:ext cx="3078586" cy="365125"/>
           </a:xfrm>
           <a:prstGeom prst="rect">
             <a:avLst/>
@@ -2008,8 +2020,8 @@
         </p:nvSpPr>
         <p:spPr>
           <a:xfrm>
-            <a:off x="6553200" y="6356350"/>
-            <a:ext cx="2133600" cy="365125"/>
+            <a:off x="6967327" y="6356352"/>
+            <a:ext cx="2268432" cy="365125"/>
           </a:xfrm>
           <a:prstGeom prst="rect">
             <a:avLst/>
@@ -2065,8 +2077,8 @@
         </p:nvSpPr>
         <p:spPr>
           <a:xfrm>
-            <a:off x="457200" y="274638"/>
-            <a:ext cx="8229600" cy="1143000"/>
+            <a:off x="486093" y="274638"/>
+            <a:ext cx="8749665" cy="1143000"/>
           </a:xfrm>
           <a:prstGeom prst="rect">
             <a:avLst/>
@@ -2100,8 +2112,8 @@
         </p:nvSpPr>
         <p:spPr>
           <a:xfrm>
-            <a:off x="457200" y="1535113"/>
-            <a:ext cx="4040188" cy="639762"/>
+            <a:off x="486093" y="1535113"/>
+            <a:ext cx="4295505" cy="639762"/>
           </a:xfrm>
           <a:prstGeom prst="rect">
             <a:avLst/>
@@ -2168,8 +2180,8 @@
         </p:nvSpPr>
         <p:spPr>
           <a:xfrm>
-            <a:off x="457200" y="2174875"/>
-            <a:ext cx="4040188" cy="3951288"/>
+            <a:off x="486093" y="2174875"/>
+            <a:ext cx="4295505" cy="3951288"/>
           </a:xfrm>
           <a:prstGeom prst="rect">
             <a:avLst/>
@@ -2256,8 +2268,8 @@
         </p:nvSpPr>
         <p:spPr>
           <a:xfrm>
-            <a:off x="4645025" y="1535113"/>
-            <a:ext cx="4041775" cy="639762"/>
+            <a:off x="4938565" y="1535113"/>
+            <a:ext cx="4297193" cy="639762"/>
           </a:xfrm>
           <a:prstGeom prst="rect">
             <a:avLst/>
@@ -2324,8 +2336,8 @@
         </p:nvSpPr>
         <p:spPr>
           <a:xfrm>
-            <a:off x="4645025" y="2174875"/>
-            <a:ext cx="4041775" cy="3951288"/>
+            <a:off x="4938565" y="2174875"/>
+            <a:ext cx="4297193" cy="3951288"/>
           </a:xfrm>
           <a:prstGeom prst="rect">
             <a:avLst/>
@@ -2412,8 +2424,8 @@
         </p:nvSpPr>
         <p:spPr>
           <a:xfrm>
-            <a:off x="457200" y="6356350"/>
-            <a:ext cx="2133600" cy="365125"/>
+            <a:off x="486092" y="6356352"/>
+            <a:ext cx="2268432" cy="365125"/>
           </a:xfrm>
           <a:prstGeom prst="rect">
             <a:avLst/>
@@ -2426,7 +2438,7 @@
             <a:fld id="{1D8BD707-D9CF-40AE-B4C6-C98DA3205C09}" type="datetimeFigureOut">
               <a:rPr lang="en-US" smtClean="0"/>
               <a:pPr/>
-              <a:t>5/18/2013</a:t>
+              <a:t>7/5/2013</a:t>
             </a:fld>
             <a:endParaRPr lang="en-US"/>
           </a:p>
@@ -2444,8 +2456,8 @@
         </p:nvSpPr>
         <p:spPr>
           <a:xfrm>
-            <a:off x="3124200" y="6356350"/>
-            <a:ext cx="2895600" cy="365125"/>
+            <a:off x="3321632" y="6356352"/>
+            <a:ext cx="3078586" cy="365125"/>
           </a:xfrm>
           <a:prstGeom prst="rect">
             <a:avLst/>
@@ -2471,8 +2483,8 @@
         </p:nvSpPr>
         <p:spPr>
           <a:xfrm>
-            <a:off x="6553200" y="6356350"/>
-            <a:ext cx="2133600" cy="365125"/>
+            <a:off x="6967327" y="6356352"/>
+            <a:ext cx="2268432" cy="365125"/>
           </a:xfrm>
           <a:prstGeom prst="rect">
             <a:avLst/>
@@ -2528,8 +2540,8 @@
         </p:nvSpPr>
         <p:spPr>
           <a:xfrm>
-            <a:off x="457200" y="274638"/>
-            <a:ext cx="8229600" cy="1143000"/>
+            <a:off x="486093" y="274638"/>
+            <a:ext cx="8749665" cy="1143000"/>
           </a:xfrm>
           <a:prstGeom prst="rect">
             <a:avLst/>
@@ -2559,8 +2571,8 @@
         </p:nvSpPr>
         <p:spPr>
           <a:xfrm>
-            <a:off x="457200" y="6356350"/>
-            <a:ext cx="2133600" cy="365125"/>
+            <a:off x="486092" y="6356352"/>
+            <a:ext cx="2268432" cy="365125"/>
           </a:xfrm>
           <a:prstGeom prst="rect">
             <a:avLst/>
@@ -2573,7 +2585,7 @@
             <a:fld id="{1D8BD707-D9CF-40AE-B4C6-C98DA3205C09}" type="datetimeFigureOut">
               <a:rPr lang="en-US" smtClean="0"/>
               <a:pPr/>
-              <a:t>5/18/2013</a:t>
+              <a:t>7/5/2013</a:t>
             </a:fld>
             <a:endParaRPr lang="en-US"/>
           </a:p>
@@ -2591,8 +2603,8 @@
         </p:nvSpPr>
         <p:spPr>
           <a:xfrm>
-            <a:off x="3124200" y="6356350"/>
-            <a:ext cx="2895600" cy="365125"/>
+            <a:off x="3321632" y="6356352"/>
+            <a:ext cx="3078586" cy="365125"/>
           </a:xfrm>
           <a:prstGeom prst="rect">
             <a:avLst/>
@@ -2618,8 +2630,8 @@
         </p:nvSpPr>
         <p:spPr>
           <a:xfrm>
-            <a:off x="6553200" y="6356350"/>
-            <a:ext cx="2133600" cy="365125"/>
+            <a:off x="6967327" y="6356352"/>
+            <a:ext cx="2268432" cy="365125"/>
           </a:xfrm>
           <a:prstGeom prst="rect">
             <a:avLst/>
@@ -2675,8 +2687,8 @@
         </p:nvSpPr>
         <p:spPr>
           <a:xfrm>
-            <a:off x="457200" y="6356350"/>
-            <a:ext cx="2133600" cy="365125"/>
+            <a:off x="486092" y="6356352"/>
+            <a:ext cx="2268432" cy="365125"/>
           </a:xfrm>
           <a:prstGeom prst="rect">
             <a:avLst/>
@@ -2689,7 +2701,7 @@
             <a:fld id="{1D8BD707-D9CF-40AE-B4C6-C98DA3205C09}" type="datetimeFigureOut">
               <a:rPr lang="en-US" smtClean="0"/>
               <a:pPr/>
-              <a:t>5/18/2013</a:t>
+              <a:t>7/5/2013</a:t>
             </a:fld>
             <a:endParaRPr lang="en-US"/>
           </a:p>
@@ -2707,8 +2719,8 @@
         </p:nvSpPr>
         <p:spPr>
           <a:xfrm>
-            <a:off x="3124200" y="6356350"/>
-            <a:ext cx="2895600" cy="365125"/>
+            <a:off x="3321632" y="6356352"/>
+            <a:ext cx="3078586" cy="365125"/>
           </a:xfrm>
           <a:prstGeom prst="rect">
             <a:avLst/>
@@ -2734,8 +2746,8 @@
         </p:nvSpPr>
         <p:spPr>
           <a:xfrm>
-            <a:off x="6553200" y="6356350"/>
-            <a:ext cx="2133600" cy="365125"/>
+            <a:off x="6967327" y="6356352"/>
+            <a:ext cx="2268432" cy="365125"/>
           </a:xfrm>
           <a:prstGeom prst="rect">
             <a:avLst/>
@@ -2791,8 +2803,8 @@
         </p:nvSpPr>
         <p:spPr>
           <a:xfrm>
-            <a:off x="457200" y="273050"/>
-            <a:ext cx="3008313" cy="1162050"/>
+            <a:off x="486093" y="273050"/>
+            <a:ext cx="3198422" cy="1162050"/>
           </a:xfrm>
           <a:prstGeom prst="rect">
             <a:avLst/>
@@ -2826,8 +2838,8 @@
         </p:nvSpPr>
         <p:spPr>
           <a:xfrm>
-            <a:off x="3575050" y="273050"/>
-            <a:ext cx="5111750" cy="5853113"/>
+            <a:off x="3800974" y="273052"/>
+            <a:ext cx="5434784" cy="5853113"/>
           </a:xfrm>
           <a:prstGeom prst="rect">
             <a:avLst/>
@@ -2914,8 +2926,8 @@
         </p:nvSpPr>
         <p:spPr>
           <a:xfrm>
-            <a:off x="457200" y="1435100"/>
-            <a:ext cx="3008313" cy="4691063"/>
+            <a:off x="486093" y="1435102"/>
+            <a:ext cx="3198422" cy="4691063"/>
           </a:xfrm>
           <a:prstGeom prst="rect">
             <a:avLst/>
@@ -2982,8 +2994,8 @@
         </p:nvSpPr>
         <p:spPr>
           <a:xfrm>
-            <a:off x="457200" y="6356350"/>
-            <a:ext cx="2133600" cy="365125"/>
+            <a:off x="486092" y="6356352"/>
+            <a:ext cx="2268432" cy="365125"/>
           </a:xfrm>
           <a:prstGeom prst="rect">
             <a:avLst/>
@@ -2996,7 +3008,7 @@
             <a:fld id="{1D8BD707-D9CF-40AE-B4C6-C98DA3205C09}" type="datetimeFigureOut">
               <a:rPr lang="en-US" smtClean="0"/>
               <a:pPr/>
-              <a:t>5/18/2013</a:t>
+              <a:t>7/5/2013</a:t>
             </a:fld>
             <a:endParaRPr lang="en-US"/>
           </a:p>
@@ -3014,8 +3026,8 @@
         </p:nvSpPr>
         <p:spPr>
           <a:xfrm>
-            <a:off x="3124200" y="6356350"/>
-            <a:ext cx="2895600" cy="365125"/>
+            <a:off x="3321632" y="6356352"/>
+            <a:ext cx="3078586" cy="365125"/>
           </a:xfrm>
           <a:prstGeom prst="rect">
             <a:avLst/>
@@ -3041,8 +3053,8 @@
         </p:nvSpPr>
         <p:spPr>
           <a:xfrm>
-            <a:off x="6553200" y="6356350"/>
-            <a:ext cx="2133600" cy="365125"/>
+            <a:off x="6967327" y="6356352"/>
+            <a:ext cx="2268432" cy="365125"/>
           </a:xfrm>
           <a:prstGeom prst="rect">
             <a:avLst/>
@@ -3098,8 +3110,8 @@
         </p:nvSpPr>
         <p:spPr>
           <a:xfrm>
-            <a:off x="1792288" y="4800600"/>
-            <a:ext cx="5486400" cy="566738"/>
+            <a:off x="1905550" y="4800600"/>
+            <a:ext cx="5833110" cy="566738"/>
           </a:xfrm>
           <a:prstGeom prst="rect">
             <a:avLst/>
@@ -3133,8 +3145,8 @@
         </p:nvSpPr>
         <p:spPr>
           <a:xfrm>
-            <a:off x="1792288" y="612775"/>
-            <a:ext cx="5486400" cy="4114800"/>
+            <a:off x="1905550" y="612775"/>
+            <a:ext cx="5833110" cy="4114800"/>
           </a:xfrm>
           <a:prstGeom prst="rect">
             <a:avLst/>
@@ -3197,8 +3209,8 @@
         </p:nvSpPr>
         <p:spPr>
           <a:xfrm>
-            <a:off x="1792288" y="5367338"/>
-            <a:ext cx="5486400" cy="804862"/>
+            <a:off x="1905550" y="5367338"/>
+            <a:ext cx="5833110" cy="804862"/>
           </a:xfrm>
           <a:prstGeom prst="rect">
             <a:avLst/>
@@ -3265,8 +3277,8 @@
         </p:nvSpPr>
         <p:spPr>
           <a:xfrm>
-            <a:off x="457200" y="6356350"/>
-            <a:ext cx="2133600" cy="365125"/>
+            <a:off x="486092" y="6356352"/>
+            <a:ext cx="2268432" cy="365125"/>
           </a:xfrm>
           <a:prstGeom prst="rect">
             <a:avLst/>
@@ -3279,7 +3291,7 @@
             <a:fld id="{1D8BD707-D9CF-40AE-B4C6-C98DA3205C09}" type="datetimeFigureOut">
               <a:rPr lang="en-US" smtClean="0"/>
               <a:pPr/>
-              <a:t>5/18/2013</a:t>
+              <a:t>7/5/2013</a:t>
             </a:fld>
             <a:endParaRPr lang="en-US"/>
           </a:p>
@@ -3297,8 +3309,8 @@
         </p:nvSpPr>
         <p:spPr>
           <a:xfrm>
-            <a:off x="3124200" y="6356350"/>
-            <a:ext cx="2895600" cy="365125"/>
+            <a:off x="3321632" y="6356352"/>
+            <a:ext cx="3078586" cy="365125"/>
           </a:xfrm>
           <a:prstGeom prst="rect">
             <a:avLst/>
@@ -3324,8 +3336,8 @@
         </p:nvSpPr>
         <p:spPr>
           <a:xfrm>
-            <a:off x="6553200" y="6356350"/>
-            <a:ext cx="2133600" cy="365125"/>
+            <a:off x="6967327" y="6356352"/>
+            <a:ext cx="2268432" cy="365125"/>
           </a:xfrm>
           <a:prstGeom prst="rect">
             <a:avLst/>
@@ -3382,8 +3394,8 @@
         </p:nvSpPr>
         <p:spPr>
           <a:xfrm>
-            <a:off x="1066800" y="96725"/>
-            <a:ext cx="7543800" cy="5999276"/>
+            <a:off x="1127126" y="96725"/>
+            <a:ext cx="8462272" cy="5999276"/>
           </a:xfrm>
           <a:prstGeom prst="roundRect">
             <a:avLst>
@@ -3441,8 +3453,8 @@
         </p:nvGrpSpPr>
         <p:grpSpPr>
           <a:xfrm>
-            <a:off x="1334982" y="3184781"/>
-            <a:ext cx="7047018" cy="1221160"/>
+            <a:off x="1279525" y="3124201"/>
+            <a:ext cx="8066825" cy="1387219"/>
             <a:chOff x="-4267200" y="1447800"/>
             <a:chExt cx="5410200" cy="1710584"/>
           </a:xfrm>
@@ -3588,8 +3600,8 @@
         </p:nvGrpSpPr>
         <p:grpSpPr>
           <a:xfrm>
-            <a:off x="1334982" y="405799"/>
-            <a:ext cx="7047018" cy="2476142"/>
+            <a:off x="1279525" y="405799"/>
+            <a:ext cx="8066825" cy="2476142"/>
             <a:chOff x="-4267200" y="1447800"/>
             <a:chExt cx="5410200" cy="2476142"/>
           </a:xfrm>
@@ -3725,8 +3737,8 @@
         </p:nvGrpSpPr>
         <p:grpSpPr>
           <a:xfrm>
-            <a:off x="1334982" y="4752757"/>
-            <a:ext cx="7047018" cy="1177184"/>
+            <a:off x="1279525" y="4752757"/>
+            <a:ext cx="8066825" cy="1177184"/>
             <a:chOff x="-4267200" y="1447800"/>
             <a:chExt cx="5410200" cy="1177184"/>
           </a:xfrm>
@@ -3872,8 +3884,8 @@
         </p:nvCxnSpPr>
         <p:spPr>
           <a:xfrm>
-            <a:off x="7263774" y="6339393"/>
-            <a:ext cx="1339498" cy="0"/>
+            <a:off x="7722804" y="6339393"/>
+            <a:ext cx="1424147" cy="0"/>
           </a:xfrm>
           <a:prstGeom prst="straightConnector1">
             <a:avLst/>
@@ -3915,8 +3927,8 @@
         </p:nvSpPr>
         <p:spPr>
           <a:xfrm>
-            <a:off x="7162800" y="6505143"/>
-            <a:ext cx="1669072" cy="200457"/>
+            <a:off x="7615450" y="6505145"/>
+            <a:ext cx="1774548" cy="200457"/>
           </a:xfrm>
           <a:prstGeom prst="rect">
             <a:avLst/>
@@ -3967,6 +3979,13 @@
     <p:sldLayoutId id="2147483658" r:id="rId10"/>
     <p:sldLayoutId id="2147483659" r:id="rId11"/>
   </p:sldLayoutIdLst>
+  <p:timing>
+    <p:tnLst>
+      <p:par>
+        <p:cTn id="1" dur="indefinite" restart="never" nodeType="tmRoot"/>
+      </p:par>
+    </p:tnLst>
+  </p:timing>
   <p:txStyles>
     <p:titleStyle>
       <a:lvl1pPr algn="ctr" defTabSz="914400" rtl="0" eaLnBrk="1" latinLnBrk="0" hangingPunct="1">
@@ -4239,13 +4258,13 @@
       </p:grpSpPr>
       <p:cxnSp>
         <p:nvCxnSpPr>
-          <p:cNvPr id="42" name="Straight Arrow Connector 41"/>
+          <p:cNvPr id="140" name="Straight Arrow Connector 139"/>
           <p:cNvCxnSpPr/>
           <p:nvPr/>
         </p:nvCxnSpPr>
         <p:spPr>
           <a:xfrm>
-            <a:off x="814201" y="3488564"/>
+            <a:off x="746446" y="3488564"/>
             <a:ext cx="520781" cy="1488"/>
           </a:xfrm>
           <a:prstGeom prst="straightConnector1">
@@ -4276,14 +4295,14 @@
       </p:cxnSp>
       <p:sp>
         <p:nvSpPr>
-          <p:cNvPr id="85" name="Rectangle 84"/>
+          <p:cNvPr id="141" name="Rectangle 140"/>
           <p:cNvSpPr/>
           <p:nvPr/>
         </p:nvSpPr>
         <p:spPr>
           <a:xfrm>
-            <a:off x="2667000" y="3886200"/>
-            <a:ext cx="1452472" cy="318459"/>
+            <a:off x="3407218" y="3276600"/>
+            <a:ext cx="2203409" cy="318459"/>
           </a:xfrm>
           <a:prstGeom prst="rect">
             <a:avLst/>
@@ -4312,7 +4331,7 @@
             <a:pPr algn="ctr"/>
             <a:r>
               <a:rPr lang="en-US" sz="1600" b="1" dirty="0" err="1" smtClean="0"/>
-              <a:t>EvaluationsDb</a:t>
+              <a:t>FeedbackSessionsDb</a:t>
             </a:r>
             <a:endParaRPr lang="en-SG" sz="1600" b="1" dirty="0"/>
           </a:p>
@@ -4320,14 +4339,14 @@
       </p:sp>
       <p:sp>
         <p:nvSpPr>
-          <p:cNvPr id="86" name="Rectangle 85"/>
+          <p:cNvPr id="142" name="Rectangle 141"/>
           <p:cNvSpPr/>
           <p:nvPr/>
         </p:nvSpPr>
         <p:spPr>
           <a:xfrm>
-            <a:off x="7010400" y="3415341"/>
-            <a:ext cx="1267193" cy="318459"/>
+            <a:off x="7850735" y="3276600"/>
+            <a:ext cx="1429790" cy="318459"/>
           </a:xfrm>
           <a:prstGeom prst="rect">
             <a:avLst/>
@@ -4364,13 +4383,13 @@
       </p:sp>
       <p:sp>
         <p:nvSpPr>
-          <p:cNvPr id="98" name="Rectangle 97"/>
+          <p:cNvPr id="143" name="Rectangle 142"/>
           <p:cNvSpPr/>
           <p:nvPr/>
         </p:nvSpPr>
         <p:spPr>
           <a:xfrm>
-            <a:off x="5162550" y="5239027"/>
+            <a:off x="4229502" y="5239027"/>
             <a:ext cx="1466850" cy="386114"/>
           </a:xfrm>
           <a:prstGeom prst="rect">
@@ -4408,13 +4427,13 @@
       </p:sp>
       <p:sp>
         <p:nvSpPr>
-          <p:cNvPr id="99" name="Rectangle 98"/>
+          <p:cNvPr id="144" name="Rectangle 143"/>
           <p:cNvSpPr/>
           <p:nvPr/>
         </p:nvSpPr>
         <p:spPr>
           <a:xfrm>
-            <a:off x="2511128" y="5239027"/>
+            <a:off x="1578080" y="5239027"/>
             <a:ext cx="1724025" cy="386114"/>
           </a:xfrm>
           <a:prstGeom prst="rect">
@@ -4452,14 +4471,14 @@
       </p:sp>
       <p:cxnSp>
         <p:nvCxnSpPr>
-          <p:cNvPr id="118" name="Straight Arrow Connector 117"/>
+          <p:cNvPr id="145" name="Straight Arrow Connector 144"/>
           <p:cNvCxnSpPr/>
           <p:nvPr/>
         </p:nvCxnSpPr>
         <p:spPr>
           <a:xfrm flipV="1">
-            <a:off x="3581400" y="4405942"/>
-            <a:ext cx="1" cy="833085"/>
+            <a:off x="3019827" y="4495800"/>
+            <a:ext cx="1" cy="743228"/>
           </a:xfrm>
           <a:prstGeom prst="straightConnector1">
             <a:avLst/>
@@ -4494,13 +4513,13 @@
       </p:cxnSp>
       <p:sp>
         <p:nvSpPr>
-          <p:cNvPr id="19" name="TextBox 18"/>
+          <p:cNvPr id="146" name="TextBox 145"/>
           <p:cNvSpPr txBox="1"/>
           <p:nvPr/>
         </p:nvSpPr>
         <p:spPr>
           <a:xfrm>
-            <a:off x="228600" y="3336164"/>
+            <a:off x="133752" y="3336164"/>
             <a:ext cx="609600" cy="307777"/>
           </a:xfrm>
           <a:prstGeom prst="rect">
@@ -4617,15 +4636,15 @@
       </p:sp>
       <p:cxnSp>
         <p:nvCxnSpPr>
-          <p:cNvPr id="79" name="Straight Arrow Connector 78"/>
+          <p:cNvPr id="147" name="Straight Arrow Connector 146"/>
           <p:cNvCxnSpPr>
-            <a:stCxn id="94" idx="0"/>
+            <a:stCxn id="148" idx="0"/>
           </p:cNvCxnSpPr>
           <p:nvPr/>
         </p:nvCxnSpPr>
         <p:spPr>
           <a:xfrm flipH="1" flipV="1">
-            <a:off x="3587631" y="5929941"/>
+            <a:off x="2654583" y="5929941"/>
             <a:ext cx="1" cy="544082"/>
           </a:xfrm>
           <a:prstGeom prst="straightConnector1">
@@ -4657,13 +4676,13 @@
       </p:cxnSp>
       <p:sp>
         <p:nvSpPr>
-          <p:cNvPr id="94" name="TextBox 93"/>
+          <p:cNvPr id="148" name="TextBox 147"/>
           <p:cNvSpPr txBox="1"/>
           <p:nvPr/>
         </p:nvSpPr>
         <p:spPr>
           <a:xfrm>
-            <a:off x="2679463" y="6474023"/>
+            <a:off x="1746415" y="6474023"/>
             <a:ext cx="1816337" cy="307777"/>
           </a:xfrm>
           <a:prstGeom prst="rect">
@@ -4796,13 +4815,13 @@
       </p:sp>
       <p:sp>
         <p:nvSpPr>
-          <p:cNvPr id="96" name="Rectangle 95"/>
+          <p:cNvPr id="149" name="Rectangle 148"/>
           <p:cNvSpPr/>
           <p:nvPr/>
         </p:nvSpPr>
         <p:spPr>
           <a:xfrm>
-            <a:off x="6348134" y="1191666"/>
+            <a:off x="7184729" y="1191666"/>
             <a:ext cx="1076146" cy="361770"/>
           </a:xfrm>
           <a:prstGeom prst="rect">
@@ -4840,13 +4859,13 @@
       </p:sp>
       <p:sp>
         <p:nvSpPr>
-          <p:cNvPr id="101" name="Rectangle 100"/>
+          <p:cNvPr id="150" name="Rectangle 149"/>
           <p:cNvSpPr/>
           <p:nvPr/>
         </p:nvSpPr>
         <p:spPr>
           <a:xfrm>
-            <a:off x="3177145" y="1348684"/>
+            <a:off x="4013740" y="1219200"/>
             <a:ext cx="1204823" cy="361770"/>
           </a:xfrm>
           <a:prstGeom prst="rect">
@@ -4855,15 +4874,15 @@
         </p:spPr>
         <p:style>
           <a:lnRef idx="2">
-            <a:schemeClr val="accent5">
+            <a:schemeClr val="accent1">
               <a:shade val="50000"/>
             </a:schemeClr>
           </a:lnRef>
           <a:fillRef idx="1">
-            <a:schemeClr val="accent5"/>
+            <a:schemeClr val="accent1"/>
           </a:fillRef>
           <a:effectRef idx="0">
-            <a:schemeClr val="accent5"/>
+            <a:schemeClr val="accent1"/>
           </a:effectRef>
           <a:fontRef idx="minor">
             <a:schemeClr val="lt1"/>
@@ -4875,7 +4894,7 @@
           <a:p>
             <a:pPr algn="ctr"/>
             <a:r>
-              <a:rPr lang="en-US" sz="1600" b="1" dirty="0" smtClean="0"/>
+              <a:rPr lang="en-US" sz="1600" b="1" dirty="0"/>
               <a:t>Evaluation</a:t>
             </a:r>
             <a:endParaRPr lang="en-SG" sz="1600" b="1" dirty="0"/>
@@ -4884,13 +4903,13 @@
       </p:sp>
       <p:cxnSp>
         <p:nvCxnSpPr>
-          <p:cNvPr id="115" name="Straight Arrow Connector 114"/>
+          <p:cNvPr id="151" name="Straight Arrow Connector 150"/>
           <p:cNvCxnSpPr/>
           <p:nvPr/>
         </p:nvCxnSpPr>
         <p:spPr>
           <a:xfrm flipV="1">
-            <a:off x="5943600" y="5625141"/>
+            <a:off x="5010552" y="5625141"/>
             <a:ext cx="1" cy="848882"/>
           </a:xfrm>
           <a:prstGeom prst="straightConnector1">
@@ -4922,13 +4941,13 @@
       </p:cxnSp>
       <p:sp>
         <p:nvSpPr>
-          <p:cNvPr id="119" name="TextBox 118"/>
+          <p:cNvPr id="152" name="TextBox 151"/>
           <p:cNvSpPr txBox="1"/>
           <p:nvPr/>
         </p:nvSpPr>
         <p:spPr>
           <a:xfrm>
-            <a:off x="4953000" y="6384164"/>
+            <a:off x="4019952" y="6384164"/>
             <a:ext cx="1816337" cy="307777"/>
           </a:xfrm>
           <a:prstGeom prst="rect">
@@ -5043,23 +5062,200 @@
           </a:p>
         </p:txBody>
       </p:sp>
+      <p:sp>
+        <p:nvSpPr>
+          <p:cNvPr id="153" name="Rectangle 152"/>
+          <p:cNvSpPr/>
+          <p:nvPr/>
+        </p:nvSpPr>
+        <p:spPr>
+          <a:xfrm>
+            <a:off x="2831697" y="667328"/>
+            <a:ext cx="1182043" cy="304800"/>
+          </a:xfrm>
+          <a:prstGeom prst="rect">
+            <a:avLst/>
+          </a:prstGeom>
+        </p:spPr>
+        <p:style>
+          <a:lnRef idx="2">
+            <a:schemeClr val="accent1">
+              <a:shade val="50000"/>
+            </a:schemeClr>
+          </a:lnRef>
+          <a:fillRef idx="1">
+            <a:schemeClr val="accent1"/>
+          </a:fillRef>
+          <a:effectRef idx="0">
+            <a:schemeClr val="accent1"/>
+          </a:effectRef>
+          <a:fontRef idx="minor">
+            <a:schemeClr val="lt1"/>
+          </a:fontRef>
+        </p:style>
+        <p:txBody>
+          <a:bodyPr rtlCol="0" anchor="ctr"/>
+          <a:lstStyle/>
+          <a:p>
+            <a:pPr algn="ctr"/>
+            <a:r>
+              <a:rPr lang="en-US" sz="1600" b="1" dirty="0" smtClean="0"/>
+              <a:t>Submission</a:t>
+            </a:r>
+            <a:endParaRPr lang="en-SG" sz="1600" b="1" dirty="0"/>
+          </a:p>
+        </p:txBody>
+      </p:sp>
+      <p:sp>
+        <p:nvSpPr>
+          <p:cNvPr id="154" name="Rectangle 153"/>
+          <p:cNvSpPr/>
+          <p:nvPr/>
+        </p:nvSpPr>
+        <p:spPr>
+          <a:xfrm>
+            <a:off x="1385864" y="3673765"/>
+            <a:ext cx="1722461" cy="318459"/>
+          </a:xfrm>
+          <a:prstGeom prst="rect">
+            <a:avLst/>
+          </a:prstGeom>
+        </p:spPr>
+        <p:style>
+          <a:lnRef idx="2">
+            <a:schemeClr val="accent1">
+              <a:shade val="50000"/>
+            </a:schemeClr>
+          </a:lnRef>
+          <a:fillRef idx="1">
+            <a:schemeClr val="accent1"/>
+          </a:fillRef>
+          <a:effectRef idx="0">
+            <a:schemeClr val="accent1"/>
+          </a:effectRef>
+          <a:fontRef idx="minor">
+            <a:schemeClr val="lt1"/>
+          </a:fontRef>
+        </p:style>
+        <p:txBody>
+          <a:bodyPr rtlCol="0" anchor="ctr"/>
+          <a:lstStyle/>
+          <a:p>
+            <a:pPr algn="ctr"/>
+            <a:r>
+              <a:rPr lang="en-US" sz="1600" b="1" dirty="0" err="1" smtClean="0"/>
+              <a:t>SubmissionsDb</a:t>
+            </a:r>
+            <a:endParaRPr lang="en-SG" sz="1600" b="1" dirty="0"/>
+          </a:p>
+        </p:txBody>
+      </p:sp>
       <p:cxnSp>
         <p:nvCxnSpPr>
-          <p:cNvPr id="122" name="Straight Arrow Connector 121"/>
-          <p:cNvCxnSpPr/>
+          <p:cNvPr id="155" name="Elbow Connector 154"/>
+          <p:cNvCxnSpPr>
+            <a:stCxn id="153" idx="3"/>
+            <a:endCxn id="192" idx="0"/>
+          </p:cNvCxnSpPr>
           <p:nvPr/>
         </p:nvCxnSpPr>
         <p:spPr>
-          <a:xfrm flipH="1">
-            <a:off x="6500862" y="1553436"/>
-            <a:ext cx="13855" cy="2131935"/>
-          </a:xfrm>
-          <a:prstGeom prst="straightConnector1">
-            <a:avLst/>
-          </a:prstGeom>
-          <a:ln>
-            <a:prstDash val="sysDot"/>
-            <a:headEnd type="arrow" w="med" len="med"/>
+          <a:xfrm>
+            <a:off x="4013740" y="819728"/>
+            <a:ext cx="3357585" cy="220713"/>
+          </a:xfrm>
+          <a:prstGeom prst="bentConnector2">
+            <a:avLst/>
+          </a:prstGeom>
+          <a:ln w="57150" cmpd="dbl">
+            <a:solidFill>
+              <a:schemeClr val="tx2"/>
+            </a:solidFill>
+            <a:prstDash val="solid"/>
+            <a:headEnd type="none" w="med" len="med"/>
+            <a:tailEnd type="triangle" w="med" len="med"/>
+          </a:ln>
+        </p:spPr>
+        <p:style>
+          <a:lnRef idx="2">
+            <a:schemeClr val="accent6">
+              <a:shade val="50000"/>
+            </a:schemeClr>
+          </a:lnRef>
+          <a:fillRef idx="1">
+            <a:schemeClr val="accent6"/>
+          </a:fillRef>
+          <a:effectRef idx="0">
+            <a:schemeClr val="accent6"/>
+          </a:effectRef>
+          <a:fontRef idx="minor">
+            <a:schemeClr val="lt1"/>
+          </a:fontRef>
+        </p:style>
+      </p:cxnSp>
+      <p:sp>
+        <p:nvSpPr>
+          <p:cNvPr id="156" name="Diamond 155"/>
+          <p:cNvSpPr/>
+          <p:nvPr/>
+        </p:nvSpPr>
+        <p:spPr>
+          <a:xfrm>
+            <a:off x="3805480" y="1348413"/>
+            <a:ext cx="208260" cy="151078"/>
+          </a:xfrm>
+          <a:prstGeom prst="diamond">
+            <a:avLst/>
+          </a:prstGeom>
+        </p:spPr>
+        <p:style>
+          <a:lnRef idx="2">
+            <a:schemeClr val="accent1">
+              <a:shade val="50000"/>
+            </a:schemeClr>
+          </a:lnRef>
+          <a:fillRef idx="1">
+            <a:schemeClr val="accent1"/>
+          </a:fillRef>
+          <a:effectRef idx="0">
+            <a:schemeClr val="accent1"/>
+          </a:effectRef>
+          <a:fontRef idx="minor">
+            <a:schemeClr val="lt1"/>
+          </a:fontRef>
+        </p:style>
+        <p:txBody>
+          <a:bodyPr rtlCol="0" anchor="ctr"/>
+          <a:lstStyle/>
+          <a:p>
+            <a:pPr algn="ctr"/>
+            <a:endParaRPr lang="en-SG" sz="1600" b="1"/>
+          </a:p>
+        </p:txBody>
+      </p:sp>
+      <p:cxnSp>
+        <p:nvCxnSpPr>
+          <p:cNvPr id="157" name="Elbow Connector 156"/>
+          <p:cNvCxnSpPr>
+            <a:stCxn id="167" idx="0"/>
+            <a:endCxn id="150" idx="3"/>
+          </p:cNvCxnSpPr>
+          <p:nvPr/>
+        </p:nvCxnSpPr>
+        <p:spPr>
+          <a:xfrm rot="16200000" flipV="1">
+            <a:off x="5316638" y="1302011"/>
+            <a:ext cx="276315" cy="472464"/>
+          </a:xfrm>
+          <a:prstGeom prst="bentConnector2">
+            <a:avLst/>
+          </a:prstGeom>
+          <a:ln w="57150" cmpd="dbl">
+            <a:solidFill>
+              <a:schemeClr val="tx2"/>
+            </a:solidFill>
+            <a:prstDash val="solid"/>
+            <a:headEnd type="triangle" w="med" len="med"/>
             <a:tailEnd type="none" w="med" len="med"/>
           </a:ln>
         </p:spPr>
@@ -5082,26 +5278,27 @@
       </p:cxnSp>
       <p:cxnSp>
         <p:nvCxnSpPr>
-          <p:cNvPr id="129" name="Straight Arrow Connector 128"/>
-          <p:cNvCxnSpPr/>
+          <p:cNvPr id="158" name="Elbow Connector 157"/>
+          <p:cNvCxnSpPr>
+            <a:stCxn id="156" idx="1"/>
+            <a:endCxn id="153" idx="2"/>
+          </p:cNvCxnSpPr>
           <p:nvPr/>
         </p:nvCxnSpPr>
         <p:spPr>
-          <a:xfrm>
-            <a:off x="5029200" y="2185572"/>
-            <a:ext cx="0" cy="1486077"/>
-          </a:xfrm>
-          <a:prstGeom prst="straightConnector1">
-            <a:avLst/>
-          </a:prstGeom>
-          <a:ln>
+          <a:xfrm rot="10800000">
+            <a:off x="3422720" y="972128"/>
+            <a:ext cx="382761" cy="451824"/>
+          </a:xfrm>
+          <a:prstGeom prst="bentConnector2">
+            <a:avLst/>
+          </a:prstGeom>
+          <a:ln w="57150" cmpd="dbl">
             <a:solidFill>
-              <a:schemeClr val="accent4">
-                <a:lumMod val="75000"/>
-              </a:schemeClr>
+              <a:schemeClr val="tx2"/>
             </a:solidFill>
-            <a:prstDash val="sysDot"/>
-            <a:headEnd type="arrow" w="med" len="med"/>
+            <a:prstDash val="solid"/>
+            <a:headEnd type="triangle" w="med" len="med"/>
             <a:tailEnd type="none" w="med" len="med"/>
           </a:ln>
         </p:spPr>
@@ -5124,278 +5321,25 @@
       </p:cxnSp>
       <p:cxnSp>
         <p:nvCxnSpPr>
-          <p:cNvPr id="132" name="Straight Arrow Connector 131"/>
-          <p:cNvCxnSpPr/>
-          <p:nvPr/>
-        </p:nvCxnSpPr>
-        <p:spPr>
-          <a:xfrm>
-            <a:off x="3657600" y="1710454"/>
-            <a:ext cx="0" cy="2162087"/>
-          </a:xfrm>
-          <a:prstGeom prst="straightConnector1">
-            <a:avLst/>
-          </a:prstGeom>
-          <a:ln>
-            <a:solidFill>
-              <a:schemeClr val="accent5">
-                <a:lumMod val="75000"/>
-              </a:schemeClr>
-            </a:solidFill>
-            <a:prstDash val="sysDot"/>
-            <a:headEnd type="arrow" w="med" len="med"/>
-            <a:tailEnd type="none" w="med" len="med"/>
-          </a:ln>
-        </p:spPr>
-        <p:style>
-          <a:lnRef idx="2">
-            <a:schemeClr val="accent6">
-              <a:shade val="50000"/>
-            </a:schemeClr>
-          </a:lnRef>
-          <a:fillRef idx="1">
-            <a:schemeClr val="accent6"/>
-          </a:fillRef>
-          <a:effectRef idx="0">
-            <a:schemeClr val="accent6"/>
-          </a:effectRef>
-          <a:fontRef idx="minor">
-            <a:schemeClr val="lt1"/>
-          </a:fontRef>
-        </p:style>
-      </p:cxnSp>
-      <p:sp>
-        <p:nvSpPr>
-          <p:cNvPr id="56" name="Rectangle 55"/>
-          <p:cNvSpPr/>
-          <p:nvPr/>
-        </p:nvSpPr>
-        <p:spPr>
-          <a:xfrm>
-            <a:off x="1995102" y="788371"/>
-            <a:ext cx="1182043" cy="304800"/>
-          </a:xfrm>
-          <a:prstGeom prst="rect">
-            <a:avLst/>
-          </a:prstGeom>
-        </p:spPr>
-        <p:style>
-          <a:lnRef idx="2">
-            <a:schemeClr val="accent1">
-              <a:shade val="50000"/>
-            </a:schemeClr>
-          </a:lnRef>
-          <a:fillRef idx="1">
-            <a:schemeClr val="accent1"/>
-          </a:fillRef>
-          <a:effectRef idx="0">
-            <a:schemeClr val="accent1"/>
-          </a:effectRef>
-          <a:fontRef idx="minor">
-            <a:schemeClr val="lt1"/>
-          </a:fontRef>
-        </p:style>
-        <p:txBody>
-          <a:bodyPr rtlCol="0" anchor="ctr"/>
-          <a:lstStyle/>
-          <a:p>
-            <a:pPr algn="ctr"/>
-            <a:r>
-              <a:rPr lang="en-US" sz="1600" b="1" dirty="0" smtClean="0"/>
-              <a:t>Submission</a:t>
-            </a:r>
-            <a:endParaRPr lang="en-SG" sz="1600" b="1" dirty="0"/>
-          </a:p>
-        </p:txBody>
-      </p:sp>
-      <p:cxnSp>
-        <p:nvCxnSpPr>
-          <p:cNvPr id="38" name="Straight Arrow Connector 37"/>
-          <p:cNvCxnSpPr/>
-          <p:nvPr/>
-        </p:nvCxnSpPr>
-        <p:spPr>
-          <a:xfrm>
-            <a:off x="2362200" y="1093171"/>
-            <a:ext cx="0" cy="2550770"/>
-          </a:xfrm>
-          <a:prstGeom prst="straightConnector1">
-            <a:avLst/>
-          </a:prstGeom>
-          <a:ln>
-            <a:solidFill>
-              <a:schemeClr val="tx2"/>
-            </a:solidFill>
-            <a:prstDash val="sysDot"/>
-            <a:headEnd type="arrow" w="med" len="med"/>
-            <a:tailEnd type="none" w="med" len="med"/>
-          </a:ln>
-        </p:spPr>
-        <p:style>
-          <a:lnRef idx="2">
-            <a:schemeClr val="accent6">
-              <a:shade val="50000"/>
-            </a:schemeClr>
-          </a:lnRef>
-          <a:fillRef idx="1">
-            <a:schemeClr val="accent6"/>
-          </a:fillRef>
-          <a:effectRef idx="0">
-            <a:schemeClr val="accent6"/>
-          </a:effectRef>
-          <a:fontRef idx="minor">
-            <a:schemeClr val="lt1"/>
-          </a:fontRef>
-        </p:style>
-      </p:cxnSp>
-      <p:sp>
-        <p:nvSpPr>
-          <p:cNvPr id="53" name="Rectangle 52"/>
-          <p:cNvSpPr/>
-          <p:nvPr/>
-        </p:nvSpPr>
-        <p:spPr>
-          <a:xfrm>
-            <a:off x="1524000" y="3415341"/>
-            <a:ext cx="1468139" cy="318459"/>
-          </a:xfrm>
-          <a:prstGeom prst="rect">
-            <a:avLst/>
-          </a:prstGeom>
-        </p:spPr>
-        <p:style>
-          <a:lnRef idx="2">
-            <a:schemeClr val="accent1">
-              <a:shade val="50000"/>
-            </a:schemeClr>
-          </a:lnRef>
-          <a:fillRef idx="1">
-            <a:schemeClr val="accent1"/>
-          </a:fillRef>
-          <a:effectRef idx="0">
-            <a:schemeClr val="accent1"/>
-          </a:effectRef>
-          <a:fontRef idx="minor">
-            <a:schemeClr val="lt1"/>
-          </a:fontRef>
-        </p:style>
-        <p:txBody>
-          <a:bodyPr rtlCol="0" anchor="ctr"/>
-          <a:lstStyle/>
-          <a:p>
-            <a:pPr algn="ctr"/>
-            <a:r>
-              <a:rPr lang="en-US" sz="1600" b="1" dirty="0" err="1" smtClean="0"/>
-              <a:t>SubmissionsDb</a:t>
-            </a:r>
-            <a:endParaRPr lang="en-SG" sz="1600" b="1" dirty="0"/>
-          </a:p>
-        </p:txBody>
-      </p:sp>
-      <p:cxnSp>
-        <p:nvCxnSpPr>
-          <p:cNvPr id="26" name="Elbow Connector 25"/>
+          <p:cNvPr id="159" name="Elbow Connector 158"/>
           <p:cNvCxnSpPr>
-            <a:stCxn id="56" idx="3"/>
-            <a:endCxn id="96" idx="0"/>
+            <a:stCxn id="190" idx="0"/>
+            <a:endCxn id="149" idx="3"/>
           </p:cNvCxnSpPr>
           <p:nvPr/>
         </p:nvCxnSpPr>
         <p:spPr>
-          <a:xfrm>
-            <a:off x="3177145" y="940771"/>
-            <a:ext cx="3709062" cy="250895"/>
+          <a:xfrm rot="16200000" flipV="1">
+            <a:off x="8337829" y="1295598"/>
+            <a:ext cx="231849" cy="385755"/>
           </a:xfrm>
           <a:prstGeom prst="bentConnector2">
             <a:avLst/>
           </a:prstGeom>
           <a:ln w="57150" cmpd="dbl">
             <a:solidFill>
-              <a:schemeClr val="tx2"/>
-            </a:solidFill>
-            <a:prstDash val="solid"/>
-            <a:headEnd type="none" w="med" len="med"/>
-            <a:tailEnd type="triangle" w="med" len="med"/>
-          </a:ln>
-        </p:spPr>
-        <p:style>
-          <a:lnRef idx="2">
-            <a:schemeClr val="accent6">
-              <a:shade val="50000"/>
-            </a:schemeClr>
-          </a:lnRef>
-          <a:fillRef idx="1">
-            <a:schemeClr val="accent6"/>
-          </a:fillRef>
-          <a:effectRef idx="0">
-            <a:schemeClr val="accent6"/>
-          </a:effectRef>
-          <a:fontRef idx="minor">
-            <a:schemeClr val="lt1"/>
-          </a:fontRef>
-        </p:style>
-      </p:cxnSp>
-      <p:sp>
-        <p:nvSpPr>
-          <p:cNvPr id="54" name="Diamond 53"/>
-          <p:cNvSpPr/>
-          <p:nvPr/>
-        </p:nvSpPr>
-        <p:spPr>
-          <a:xfrm>
-            <a:off x="2968885" y="1477897"/>
-            <a:ext cx="208260" cy="151078"/>
-          </a:xfrm>
-          <a:prstGeom prst="diamond">
-            <a:avLst/>
-          </a:prstGeom>
-        </p:spPr>
-        <p:style>
-          <a:lnRef idx="2">
-            <a:schemeClr val="accent5">
-              <a:shade val="50000"/>
-            </a:schemeClr>
-          </a:lnRef>
-          <a:fillRef idx="1">
-            <a:schemeClr val="accent5"/>
-          </a:fillRef>
-          <a:effectRef idx="0">
-            <a:schemeClr val="accent5"/>
-          </a:effectRef>
-          <a:fontRef idx="minor">
-            <a:schemeClr val="lt1"/>
-          </a:fontRef>
-        </p:style>
-        <p:txBody>
-          <a:bodyPr rtlCol="0" anchor="ctr"/>
-          <a:lstStyle/>
-          <a:p>
-            <a:pPr algn="ctr"/>
-            <a:endParaRPr lang="en-SG" sz="1600" b="1"/>
-          </a:p>
-        </p:txBody>
-      </p:sp>
-      <p:cxnSp>
-        <p:nvCxnSpPr>
-          <p:cNvPr id="55" name="Elbow Connector 54"/>
-          <p:cNvCxnSpPr>
-            <a:stCxn id="27" idx="1"/>
-            <a:endCxn id="101" idx="2"/>
-          </p:cNvCxnSpPr>
-          <p:nvPr/>
-        </p:nvCxnSpPr>
-        <p:spPr>
-          <a:xfrm rot="10800000">
-            <a:off x="3779558" y="1710454"/>
-            <a:ext cx="736583" cy="256426"/>
-          </a:xfrm>
-          <a:prstGeom prst="bentConnector2">
-            <a:avLst/>
-          </a:prstGeom>
-          <a:ln w="57150" cmpd="dbl">
-            <a:solidFill>
-              <a:schemeClr val="accent5">
-                <a:lumMod val="75000"/>
+              <a:schemeClr val="accent6">
+                <a:lumMod val="50000"/>
               </a:schemeClr>
             </a:solidFill>
             <a:prstDash val="solid"/>
@@ -5422,23 +5366,899 @@
       </p:cxnSp>
       <p:cxnSp>
         <p:nvCxnSpPr>
-          <p:cNvPr id="61" name="Elbow Connector 60"/>
+          <p:cNvPr id="160" name="Elbow Connector 159"/>
           <p:cNvCxnSpPr>
-            <a:stCxn id="54" idx="1"/>
+            <a:stCxn id="168" idx="0"/>
+            <a:endCxn id="149" idx="1"/>
           </p:cNvCxnSpPr>
           <p:nvPr/>
         </p:nvCxnSpPr>
         <p:spPr>
-          <a:xfrm rot="10800000">
-            <a:off x="2586123" y="1093172"/>
-            <a:ext cx="382762" cy="460265"/>
+          <a:xfrm rot="5400000" flipH="1" flipV="1">
+            <a:off x="6593619" y="1079560"/>
+            <a:ext cx="298119" cy="884102"/>
           </a:xfrm>
           <a:prstGeom prst="bentConnector2">
             <a:avLst/>
           </a:prstGeom>
           <a:ln w="57150" cmpd="dbl">
             <a:solidFill>
-              <a:schemeClr val="tx2"/>
+              <a:schemeClr val="accent6">
+                <a:lumMod val="50000"/>
+              </a:schemeClr>
+            </a:solidFill>
+            <a:prstDash val="solid"/>
+            <a:headEnd type="triangle" w="med" len="med"/>
+            <a:tailEnd type="none" w="med" len="med"/>
+          </a:ln>
+        </p:spPr>
+        <p:style>
+          <a:lnRef idx="2">
+            <a:schemeClr val="accent6">
+              <a:shade val="50000"/>
+            </a:schemeClr>
+          </a:lnRef>
+          <a:fillRef idx="1">
+            <a:schemeClr val="accent6"/>
+          </a:fillRef>
+          <a:effectRef idx="0">
+            <a:schemeClr val="accent6"/>
+          </a:effectRef>
+          <a:fontRef idx="minor">
+            <a:schemeClr val="lt1"/>
+          </a:fontRef>
+        </p:style>
+      </p:cxnSp>
+      <p:sp>
+        <p:nvSpPr>
+          <p:cNvPr id="161" name="Rectangle 160"/>
+          <p:cNvSpPr/>
+          <p:nvPr/>
+        </p:nvSpPr>
+        <p:spPr>
+          <a:xfrm>
+            <a:off x="7125009" y="2338749"/>
+            <a:ext cx="1204823" cy="361770"/>
+          </a:xfrm>
+          <a:prstGeom prst="rect">
+            <a:avLst/>
+          </a:prstGeom>
+          <a:effectLst>
+            <a:glow rad="254000">
+              <a:schemeClr val="bg1">
+                <a:alpha val="70000"/>
+              </a:schemeClr>
+            </a:glow>
+          </a:effectLst>
+        </p:spPr>
+        <p:style>
+          <a:lnRef idx="2">
+            <a:schemeClr val="accent6">
+              <a:shade val="50000"/>
+            </a:schemeClr>
+          </a:lnRef>
+          <a:fillRef idx="1">
+            <a:schemeClr val="accent6"/>
+          </a:fillRef>
+          <a:effectRef idx="0">
+            <a:schemeClr val="accent6"/>
+          </a:effectRef>
+          <a:fontRef idx="minor">
+            <a:schemeClr val="lt1"/>
+          </a:fontRef>
+        </p:style>
+        <p:txBody>
+          <a:bodyPr rtlCol="0" anchor="ctr"/>
+          <a:lstStyle/>
+          <a:p>
+            <a:pPr algn="ctr"/>
+            <a:r>
+              <a:rPr lang="en-US" sz="1600" b="1" dirty="0" smtClean="0"/>
+              <a:t>Instructor</a:t>
+            </a:r>
+            <a:endParaRPr lang="en-SG" sz="1600" b="1" dirty="0"/>
+          </a:p>
+        </p:txBody>
+      </p:sp>
+      <p:cxnSp>
+        <p:nvCxnSpPr>
+          <p:cNvPr id="162" name="Elbow Connector 161"/>
+          <p:cNvCxnSpPr>
+            <a:stCxn id="191" idx="2"/>
+            <a:endCxn id="161" idx="3"/>
+          </p:cNvCxnSpPr>
+          <p:nvPr/>
+        </p:nvCxnSpPr>
+        <p:spPr>
+          <a:xfrm rot="5400000">
+            <a:off x="8357502" y="2231051"/>
+            <a:ext cx="260913" cy="316252"/>
+          </a:xfrm>
+          <a:prstGeom prst="bentConnector2">
+            <a:avLst/>
+          </a:prstGeom>
+          <a:ln w="57150" cmpd="dbl">
+            <a:solidFill>
+              <a:schemeClr val="accent6">
+                <a:lumMod val="50000"/>
+              </a:schemeClr>
+            </a:solidFill>
+            <a:prstDash val="solid"/>
+            <a:headEnd type="triangle" w="med" len="med"/>
+            <a:tailEnd type="none" w="med" len="med"/>
+          </a:ln>
+        </p:spPr>
+        <p:style>
+          <a:lnRef idx="2">
+            <a:schemeClr val="accent6">
+              <a:shade val="50000"/>
+            </a:schemeClr>
+          </a:lnRef>
+          <a:fillRef idx="1">
+            <a:schemeClr val="accent6"/>
+          </a:fillRef>
+          <a:effectRef idx="0">
+            <a:schemeClr val="accent6"/>
+          </a:effectRef>
+          <a:fontRef idx="minor">
+            <a:schemeClr val="lt1"/>
+          </a:fontRef>
+        </p:style>
+      </p:cxnSp>
+      <p:sp>
+        <p:nvSpPr>
+          <p:cNvPr id="163" name="TextBox 162"/>
+          <p:cNvSpPr txBox="1"/>
+          <p:nvPr/>
+        </p:nvSpPr>
+        <p:spPr>
+          <a:xfrm>
+            <a:off x="6083359" y="1552143"/>
+            <a:ext cx="170709" cy="200457"/>
+          </a:xfrm>
+          <a:prstGeom prst="rect">
+            <a:avLst/>
+          </a:prstGeom>
+          <a:noFill/>
+        </p:spPr>
+        <p:txBody>
+          <a:bodyPr wrap="square" lIns="0" tIns="0" rIns="0" bIns="0" rtlCol="0" anchor="ctr" anchorCtr="0">
+            <a:noAutofit/>
+          </a:bodyPr>
+          <a:lstStyle/>
+          <a:p>
+            <a:r>
+              <a:rPr lang="en-US" b="1" dirty="0" smtClean="0">
+                <a:solidFill>
+                  <a:schemeClr val="accent6">
+                    <a:lumMod val="50000"/>
+                  </a:schemeClr>
+                </a:solidFill>
+              </a:rPr>
+              <a:t>*</a:t>
+            </a:r>
+            <a:endParaRPr lang="en-SG" b="1" dirty="0">
+              <a:solidFill>
+                <a:schemeClr val="accent6">
+                  <a:lumMod val="50000"/>
+                </a:schemeClr>
+              </a:solidFill>
+            </a:endParaRPr>
+          </a:p>
+        </p:txBody>
+      </p:sp>
+      <p:sp>
+        <p:nvSpPr>
+          <p:cNvPr id="164" name="TextBox 163"/>
+          <p:cNvSpPr txBox="1"/>
+          <p:nvPr/>
+        </p:nvSpPr>
+        <p:spPr>
+          <a:xfrm>
+            <a:off x="7491145" y="941205"/>
+            <a:ext cx="170709" cy="200457"/>
+          </a:xfrm>
+          <a:prstGeom prst="rect">
+            <a:avLst/>
+          </a:prstGeom>
+          <a:noFill/>
+        </p:spPr>
+        <p:txBody>
+          <a:bodyPr wrap="square" lIns="0" tIns="0" rIns="0" bIns="0" rtlCol="0" anchor="ctr" anchorCtr="0">
+            <a:noAutofit/>
+          </a:bodyPr>
+          <a:lstStyle/>
+          <a:p>
+            <a:r>
+              <a:rPr lang="en-US" sz="1600" dirty="0" smtClean="0">
+                <a:solidFill>
+                  <a:srgbClr val="0070C0"/>
+                </a:solidFill>
+              </a:rPr>
+              <a:t>2</a:t>
+            </a:r>
+            <a:endParaRPr lang="en-SG" sz="1600" dirty="0">
+              <a:solidFill>
+                <a:srgbClr val="0070C0"/>
+              </a:solidFill>
+            </a:endParaRPr>
+          </a:p>
+        </p:txBody>
+      </p:sp>
+      <p:sp>
+        <p:nvSpPr>
+          <p:cNvPr id="165" name="Rectangle 164"/>
+          <p:cNvSpPr/>
+          <p:nvPr/>
+        </p:nvSpPr>
+        <p:spPr>
+          <a:xfrm>
+            <a:off x="5880569" y="3281414"/>
+            <a:ext cx="1723556" cy="318459"/>
+          </a:xfrm>
+          <a:prstGeom prst="rect">
+            <a:avLst/>
+          </a:prstGeom>
+        </p:spPr>
+        <p:style>
+          <a:lnRef idx="2">
+            <a:schemeClr val="accent4">
+              <a:shade val="50000"/>
+            </a:schemeClr>
+          </a:lnRef>
+          <a:fillRef idx="1">
+            <a:schemeClr val="accent4"/>
+          </a:fillRef>
+          <a:effectRef idx="0">
+            <a:schemeClr val="accent4"/>
+          </a:effectRef>
+          <a:fontRef idx="minor">
+            <a:schemeClr val="lt1"/>
+          </a:fontRef>
+        </p:style>
+        <p:txBody>
+          <a:bodyPr rtlCol="0" anchor="ctr"/>
+          <a:lstStyle/>
+          <a:p>
+            <a:pPr algn="ctr"/>
+            <a:r>
+              <a:rPr lang="en-US" sz="1600" b="1" dirty="0" err="1" smtClean="0"/>
+              <a:t>CoursesDb</a:t>
+            </a:r>
+            <a:endParaRPr lang="en-SG" sz="1600" b="1" dirty="0"/>
+          </a:p>
+        </p:txBody>
+      </p:sp>
+      <p:sp>
+        <p:nvSpPr>
+          <p:cNvPr id="166" name="Rectangle 165"/>
+          <p:cNvSpPr/>
+          <p:nvPr/>
+        </p:nvSpPr>
+        <p:spPr>
+          <a:xfrm>
+            <a:off x="5394325" y="1828800"/>
+            <a:ext cx="1219199" cy="361770"/>
+          </a:xfrm>
+          <a:prstGeom prst="rect">
+            <a:avLst/>
+          </a:prstGeom>
+        </p:spPr>
+        <p:style>
+          <a:lnRef idx="2">
+            <a:schemeClr val="accent4">
+              <a:shade val="50000"/>
+            </a:schemeClr>
+          </a:lnRef>
+          <a:fillRef idx="1">
+            <a:schemeClr val="accent4"/>
+          </a:fillRef>
+          <a:effectRef idx="0">
+            <a:schemeClr val="accent4"/>
+          </a:effectRef>
+          <a:fontRef idx="minor">
+            <a:schemeClr val="lt1"/>
+          </a:fontRef>
+        </p:style>
+        <p:txBody>
+          <a:bodyPr rtlCol="0" anchor="ctr"/>
+          <a:lstStyle/>
+          <a:p>
+            <a:pPr algn="ctr"/>
+            <a:r>
+              <a:rPr lang="en-US" sz="1600" b="1" dirty="0" smtClean="0"/>
+              <a:t>Course</a:t>
+            </a:r>
+            <a:endParaRPr lang="en-SG" sz="1600" b="1" dirty="0"/>
+          </a:p>
+        </p:txBody>
+      </p:sp>
+      <p:sp>
+        <p:nvSpPr>
+          <p:cNvPr id="167" name="Diamond 166"/>
+          <p:cNvSpPr/>
+          <p:nvPr/>
+        </p:nvSpPr>
+        <p:spPr>
+          <a:xfrm>
+            <a:off x="5619027" y="1676400"/>
+            <a:ext cx="144000" cy="144000"/>
+          </a:xfrm>
+          <a:prstGeom prst="diamond">
+            <a:avLst/>
+          </a:prstGeom>
+        </p:spPr>
+        <p:style>
+          <a:lnRef idx="2">
+            <a:schemeClr val="accent1">
+              <a:shade val="50000"/>
+            </a:schemeClr>
+          </a:lnRef>
+          <a:fillRef idx="1">
+            <a:schemeClr val="accent1"/>
+          </a:fillRef>
+          <a:effectRef idx="0">
+            <a:schemeClr val="accent1"/>
+          </a:effectRef>
+          <a:fontRef idx="minor">
+            <a:schemeClr val="lt1"/>
+          </a:fontRef>
+        </p:style>
+        <p:txBody>
+          <a:bodyPr rtlCol="0" anchor="ctr"/>
+          <a:lstStyle/>
+          <a:p>
+            <a:pPr algn="ctr"/>
+            <a:endParaRPr lang="en-SG" sz="1600" b="1"/>
+          </a:p>
+        </p:txBody>
+      </p:sp>
+      <p:sp>
+        <p:nvSpPr>
+          <p:cNvPr id="168" name="Diamond 167"/>
+          <p:cNvSpPr/>
+          <p:nvPr/>
+        </p:nvSpPr>
+        <p:spPr>
+          <a:xfrm>
+            <a:off x="6228627" y="1670670"/>
+            <a:ext cx="144000" cy="144000"/>
+          </a:xfrm>
+          <a:prstGeom prst="diamond">
+            <a:avLst/>
+          </a:prstGeom>
+        </p:spPr>
+        <p:style>
+          <a:lnRef idx="2">
+            <a:schemeClr val="accent6">
+              <a:shade val="50000"/>
+            </a:schemeClr>
+          </a:lnRef>
+          <a:fillRef idx="1">
+            <a:schemeClr val="accent6"/>
+          </a:fillRef>
+          <a:effectRef idx="0">
+            <a:schemeClr val="accent6"/>
+          </a:effectRef>
+          <a:fontRef idx="minor">
+            <a:schemeClr val="lt1"/>
+          </a:fontRef>
+        </p:style>
+        <p:txBody>
+          <a:bodyPr rtlCol="0" anchor="ctr"/>
+          <a:lstStyle/>
+          <a:p>
+            <a:pPr algn="ctr"/>
+            <a:endParaRPr lang="en-SG" sz="1600" b="1"/>
+          </a:p>
+        </p:txBody>
+      </p:sp>
+      <p:cxnSp>
+        <p:nvCxnSpPr>
+          <p:cNvPr id="169" name="Elbow Connector 168"/>
+          <p:cNvCxnSpPr>
+            <a:stCxn id="171" idx="2"/>
+          </p:cNvCxnSpPr>
+          <p:nvPr/>
+        </p:nvCxnSpPr>
+        <p:spPr>
+          <a:xfrm rot="16200000" flipH="1">
+            <a:off x="6574012" y="2059170"/>
+            <a:ext cx="253684" cy="848310"/>
+          </a:xfrm>
+          <a:prstGeom prst="bentConnector2">
+            <a:avLst/>
+          </a:prstGeom>
+          <a:ln w="57150" cmpd="dbl">
+            <a:solidFill>
+              <a:schemeClr val="accent6">
+                <a:lumMod val="50000"/>
+              </a:schemeClr>
+            </a:solidFill>
+            <a:prstDash val="solid"/>
+            <a:headEnd type="triangle" w="med" len="med"/>
+            <a:tailEnd type="none" w="med" len="med"/>
+          </a:ln>
+        </p:spPr>
+        <p:style>
+          <a:lnRef idx="2">
+            <a:schemeClr val="accent6">
+              <a:shade val="50000"/>
+            </a:schemeClr>
+          </a:lnRef>
+          <a:fillRef idx="1">
+            <a:schemeClr val="accent6"/>
+          </a:fillRef>
+          <a:effectRef idx="0">
+            <a:schemeClr val="accent6"/>
+          </a:effectRef>
+          <a:fontRef idx="minor">
+            <a:schemeClr val="lt1"/>
+          </a:fontRef>
+        </p:style>
+      </p:cxnSp>
+      <p:sp>
+        <p:nvSpPr>
+          <p:cNvPr id="170" name="Rectangle 169"/>
+          <p:cNvSpPr/>
+          <p:nvPr/>
+        </p:nvSpPr>
+        <p:spPr>
+          <a:xfrm>
+            <a:off x="8039681" y="1752951"/>
+            <a:ext cx="1076146" cy="361770"/>
+          </a:xfrm>
+          <a:prstGeom prst="rect">
+            <a:avLst/>
+          </a:prstGeom>
+        </p:spPr>
+        <p:style>
+          <a:lnRef idx="2">
+            <a:schemeClr val="accent6">
+              <a:shade val="50000"/>
+            </a:schemeClr>
+          </a:lnRef>
+          <a:fillRef idx="1">
+            <a:schemeClr val="accent6"/>
+          </a:fillRef>
+          <a:effectRef idx="0">
+            <a:schemeClr val="accent6"/>
+          </a:effectRef>
+          <a:fontRef idx="minor">
+            <a:schemeClr val="lt1"/>
+          </a:fontRef>
+        </p:style>
+        <p:txBody>
+          <a:bodyPr rtlCol="0" anchor="ctr"/>
+          <a:lstStyle/>
+          <a:p>
+            <a:pPr algn="ctr"/>
+            <a:r>
+              <a:rPr lang="en-US" sz="1600" b="1" dirty="0" smtClean="0"/>
+              <a:t>Account</a:t>
+            </a:r>
+            <a:endParaRPr lang="en-SG" sz="1600" b="1" dirty="0"/>
+          </a:p>
+        </p:txBody>
+      </p:sp>
+      <p:sp>
+        <p:nvSpPr>
+          <p:cNvPr id="171" name="Diamond 170"/>
+          <p:cNvSpPr/>
+          <p:nvPr/>
+        </p:nvSpPr>
+        <p:spPr>
+          <a:xfrm>
+            <a:off x="6204699" y="2212483"/>
+            <a:ext cx="144000" cy="144000"/>
+          </a:xfrm>
+          <a:prstGeom prst="diamond">
+            <a:avLst/>
+          </a:prstGeom>
+        </p:spPr>
+        <p:style>
+          <a:lnRef idx="2">
+            <a:schemeClr val="accent6">
+              <a:shade val="50000"/>
+            </a:schemeClr>
+          </a:lnRef>
+          <a:fillRef idx="1">
+            <a:schemeClr val="accent6"/>
+          </a:fillRef>
+          <a:effectRef idx="0">
+            <a:schemeClr val="accent6"/>
+          </a:effectRef>
+          <a:fontRef idx="minor">
+            <a:schemeClr val="lt1"/>
+          </a:fontRef>
+        </p:style>
+        <p:txBody>
+          <a:bodyPr rtlCol="0" anchor="ctr"/>
+          <a:lstStyle/>
+          <a:p>
+            <a:pPr algn="ctr"/>
+            <a:endParaRPr lang="en-SG" sz="1600" b="1"/>
+          </a:p>
+        </p:txBody>
+      </p:sp>
+      <p:sp>
+        <p:nvSpPr>
+          <p:cNvPr id="172" name="TextBox 171"/>
+          <p:cNvSpPr txBox="1"/>
+          <p:nvPr/>
+        </p:nvSpPr>
+        <p:spPr>
+          <a:xfrm>
+            <a:off x="6352406" y="2369400"/>
+            <a:ext cx="170709" cy="200457"/>
+          </a:xfrm>
+          <a:prstGeom prst="rect">
+            <a:avLst/>
+          </a:prstGeom>
+          <a:noFill/>
+        </p:spPr>
+        <p:txBody>
+          <a:bodyPr wrap="square" lIns="0" tIns="0" rIns="0" bIns="0" rtlCol="0" anchor="ctr" anchorCtr="0">
+            <a:noAutofit/>
+          </a:bodyPr>
+          <a:lstStyle/>
+          <a:p>
+            <a:r>
+              <a:rPr lang="en-US" b="1" dirty="0" smtClean="0">
+                <a:solidFill>
+                  <a:schemeClr val="accent6">
+                    <a:lumMod val="50000"/>
+                  </a:schemeClr>
+                </a:solidFill>
+              </a:rPr>
+              <a:t>*</a:t>
+            </a:r>
+            <a:endParaRPr lang="en-SG" b="1" dirty="0">
+              <a:solidFill>
+                <a:schemeClr val="accent6">
+                  <a:lumMod val="50000"/>
+                </a:schemeClr>
+              </a:solidFill>
+            </a:endParaRPr>
+          </a:p>
+        </p:txBody>
+      </p:sp>
+      <p:sp>
+        <p:nvSpPr>
+          <p:cNvPr id="173" name="TextBox 172"/>
+          <p:cNvSpPr txBox="1"/>
+          <p:nvPr/>
+        </p:nvSpPr>
+        <p:spPr>
+          <a:xfrm>
+            <a:off x="8761395" y="1477897"/>
+            <a:ext cx="170709" cy="200457"/>
+          </a:xfrm>
+          <a:prstGeom prst="rect">
+            <a:avLst/>
+          </a:prstGeom>
+          <a:noFill/>
+        </p:spPr>
+        <p:txBody>
+          <a:bodyPr wrap="square" lIns="0" tIns="0" rIns="0" bIns="0" rtlCol="0" anchor="ctr" anchorCtr="0">
+            <a:noAutofit/>
+          </a:bodyPr>
+          <a:lstStyle/>
+          <a:p>
+            <a:r>
+              <a:rPr lang="en-US" sz="1600" dirty="0">
+                <a:solidFill>
+                  <a:schemeClr val="accent6">
+                    <a:lumMod val="75000"/>
+                  </a:schemeClr>
+                </a:solidFill>
+              </a:rPr>
+              <a:t>1</a:t>
+            </a:r>
+            <a:endParaRPr lang="en-SG" sz="1600" dirty="0">
+              <a:solidFill>
+                <a:schemeClr val="accent6">
+                  <a:lumMod val="75000"/>
+                </a:schemeClr>
+              </a:solidFill>
+            </a:endParaRPr>
+          </a:p>
+        </p:txBody>
+      </p:sp>
+      <p:sp>
+        <p:nvSpPr>
+          <p:cNvPr id="174" name="TextBox 173"/>
+          <p:cNvSpPr txBox="1"/>
+          <p:nvPr/>
+        </p:nvSpPr>
+        <p:spPr>
+          <a:xfrm>
+            <a:off x="8447288" y="2138292"/>
+            <a:ext cx="170709" cy="200457"/>
+          </a:xfrm>
+          <a:prstGeom prst="rect">
+            <a:avLst/>
+          </a:prstGeom>
+          <a:noFill/>
+        </p:spPr>
+        <p:txBody>
+          <a:bodyPr wrap="square" lIns="0" tIns="0" rIns="0" bIns="0" rtlCol="0" anchor="ctr" anchorCtr="0">
+            <a:noAutofit/>
+          </a:bodyPr>
+          <a:lstStyle/>
+          <a:p>
+            <a:r>
+              <a:rPr lang="en-US" sz="1600" dirty="0">
+                <a:solidFill>
+                  <a:schemeClr val="accent6">
+                    <a:lumMod val="75000"/>
+                  </a:schemeClr>
+                </a:solidFill>
+              </a:rPr>
+              <a:t>1</a:t>
+            </a:r>
+            <a:endParaRPr lang="en-SG" sz="1600" dirty="0">
+              <a:solidFill>
+                <a:schemeClr val="accent6">
+                  <a:lumMod val="75000"/>
+                </a:schemeClr>
+              </a:solidFill>
+            </a:endParaRPr>
+          </a:p>
+        </p:txBody>
+      </p:sp>
+      <p:sp>
+        <p:nvSpPr>
+          <p:cNvPr id="175" name="Rectangle 174"/>
+          <p:cNvSpPr/>
+          <p:nvPr/>
+        </p:nvSpPr>
+        <p:spPr>
+          <a:xfrm>
+            <a:off x="7853065" y="3656594"/>
+            <a:ext cx="1427459" cy="318459"/>
+          </a:xfrm>
+          <a:prstGeom prst="rect">
+            <a:avLst/>
+          </a:prstGeom>
+        </p:spPr>
+        <p:style>
+          <a:lnRef idx="2">
+            <a:schemeClr val="accent6">
+              <a:shade val="50000"/>
+            </a:schemeClr>
+          </a:lnRef>
+          <a:fillRef idx="1">
+            <a:schemeClr val="accent6"/>
+          </a:fillRef>
+          <a:effectRef idx="0">
+            <a:schemeClr val="accent6"/>
+          </a:effectRef>
+          <a:fontRef idx="minor">
+            <a:schemeClr val="lt1"/>
+          </a:fontRef>
+        </p:style>
+        <p:txBody>
+          <a:bodyPr rtlCol="0" anchor="ctr"/>
+          <a:lstStyle/>
+          <a:p>
+            <a:pPr algn="ctr"/>
+            <a:r>
+              <a:rPr lang="en-US" sz="1600" b="1" dirty="0" err="1" smtClean="0"/>
+              <a:t>StudentsDb</a:t>
+            </a:r>
+            <a:endParaRPr lang="en-SG" sz="1600" b="1" dirty="0"/>
+          </a:p>
+        </p:txBody>
+      </p:sp>
+      <p:sp>
+        <p:nvSpPr>
+          <p:cNvPr id="176" name="Rectangle 175"/>
+          <p:cNvSpPr/>
+          <p:nvPr/>
+        </p:nvSpPr>
+        <p:spPr>
+          <a:xfrm>
+            <a:off x="7853065" y="4036588"/>
+            <a:ext cx="1427459" cy="318459"/>
+          </a:xfrm>
+          <a:prstGeom prst="rect">
+            <a:avLst/>
+          </a:prstGeom>
+        </p:spPr>
+        <p:style>
+          <a:lnRef idx="2">
+            <a:schemeClr val="accent6">
+              <a:shade val="50000"/>
+            </a:schemeClr>
+          </a:lnRef>
+          <a:fillRef idx="1">
+            <a:schemeClr val="accent6"/>
+          </a:fillRef>
+          <a:effectRef idx="0">
+            <a:schemeClr val="accent6"/>
+          </a:effectRef>
+          <a:fontRef idx="minor">
+            <a:schemeClr val="lt1"/>
+          </a:fontRef>
+        </p:style>
+        <p:txBody>
+          <a:bodyPr rtlCol="0" anchor="ctr"/>
+          <a:lstStyle/>
+          <a:p>
+            <a:pPr algn="ctr"/>
+            <a:r>
+              <a:rPr lang="en-US" sz="1600" b="1" dirty="0" err="1" smtClean="0"/>
+              <a:t>InstructorsDb</a:t>
+            </a:r>
+            <a:endParaRPr lang="en-SG" sz="1600" b="1" dirty="0"/>
+          </a:p>
+        </p:txBody>
+      </p:sp>
+      <p:sp>
+        <p:nvSpPr>
+          <p:cNvPr id="177" name="Rectangle 176"/>
+          <p:cNvSpPr/>
+          <p:nvPr/>
+        </p:nvSpPr>
+        <p:spPr>
+          <a:xfrm>
+            <a:off x="4013740" y="2338749"/>
+            <a:ext cx="1204823" cy="461539"/>
+          </a:xfrm>
+          <a:prstGeom prst="rect">
+            <a:avLst/>
+          </a:prstGeom>
+        </p:spPr>
+        <p:style>
+          <a:lnRef idx="2">
+            <a:schemeClr val="accent5">
+              <a:shade val="50000"/>
+            </a:schemeClr>
+          </a:lnRef>
+          <a:fillRef idx="1">
+            <a:schemeClr val="accent5"/>
+          </a:fillRef>
+          <a:effectRef idx="0">
+            <a:schemeClr val="accent5"/>
+          </a:effectRef>
+          <a:fontRef idx="minor">
+            <a:schemeClr val="lt1"/>
+          </a:fontRef>
+        </p:style>
+        <p:txBody>
+          <a:bodyPr rtlCol="0" anchor="ctr"/>
+          <a:lstStyle/>
+          <a:p>
+            <a:pPr algn="ctr"/>
+            <a:r>
+              <a:rPr lang="en-US" sz="1600" b="1" dirty="0" smtClean="0"/>
+              <a:t>Feedback</a:t>
+            </a:r>
+            <a:br>
+              <a:rPr lang="en-US" sz="1600" b="1" dirty="0" smtClean="0"/>
+            </a:br>
+            <a:r>
+              <a:rPr lang="en-US" sz="1600" b="1" dirty="0" smtClean="0"/>
+              <a:t>Session</a:t>
+            </a:r>
+            <a:endParaRPr lang="en-SG" sz="1600" b="1" dirty="0"/>
+          </a:p>
+        </p:txBody>
+      </p:sp>
+      <p:sp>
+        <p:nvSpPr>
+          <p:cNvPr id="178" name="Rectangle 177"/>
+          <p:cNvSpPr/>
+          <p:nvPr/>
+        </p:nvSpPr>
+        <p:spPr>
+          <a:xfrm>
+            <a:off x="2993082" y="1752600"/>
+            <a:ext cx="1182043" cy="446919"/>
+          </a:xfrm>
+          <a:prstGeom prst="rect">
+            <a:avLst/>
+          </a:prstGeom>
+        </p:spPr>
+        <p:style>
+          <a:lnRef idx="2">
+            <a:schemeClr val="accent5">
+              <a:shade val="50000"/>
+            </a:schemeClr>
+          </a:lnRef>
+          <a:fillRef idx="1">
+            <a:schemeClr val="accent5"/>
+          </a:fillRef>
+          <a:effectRef idx="0">
+            <a:schemeClr val="accent5"/>
+          </a:effectRef>
+          <a:fontRef idx="minor">
+            <a:schemeClr val="lt1"/>
+          </a:fontRef>
+        </p:style>
+        <p:txBody>
+          <a:bodyPr rtlCol="0" anchor="ctr"/>
+          <a:lstStyle/>
+          <a:p>
+            <a:pPr algn="ctr"/>
+            <a:r>
+              <a:rPr lang="en-US" sz="1600" b="1" dirty="0"/>
+              <a:t>Feedback</a:t>
+            </a:r>
+            <a:br>
+              <a:rPr lang="en-US" sz="1600" b="1" dirty="0"/>
+            </a:br>
+            <a:r>
+              <a:rPr lang="en-US" sz="1600" b="1" dirty="0"/>
+              <a:t>Question</a:t>
+            </a:r>
+            <a:endParaRPr lang="en-SG" sz="1600" b="1" dirty="0"/>
+          </a:p>
+        </p:txBody>
+      </p:sp>
+      <p:sp>
+        <p:nvSpPr>
+          <p:cNvPr id="179" name="Diamond 178"/>
+          <p:cNvSpPr/>
+          <p:nvPr/>
+        </p:nvSpPr>
+        <p:spPr>
+          <a:xfrm>
+            <a:off x="3805480" y="2567731"/>
+            <a:ext cx="208260" cy="151078"/>
+          </a:xfrm>
+          <a:prstGeom prst="diamond">
+            <a:avLst/>
+          </a:prstGeom>
+        </p:spPr>
+        <p:style>
+          <a:lnRef idx="2">
+            <a:schemeClr val="accent5">
+              <a:shade val="50000"/>
+            </a:schemeClr>
+          </a:lnRef>
+          <a:fillRef idx="1">
+            <a:schemeClr val="accent5"/>
+          </a:fillRef>
+          <a:effectRef idx="0">
+            <a:schemeClr val="accent5"/>
+          </a:effectRef>
+          <a:fontRef idx="minor">
+            <a:schemeClr val="lt1"/>
+          </a:fontRef>
+        </p:style>
+        <p:txBody>
+          <a:bodyPr rtlCol="0" anchor="ctr"/>
+          <a:lstStyle/>
+          <a:p>
+            <a:pPr algn="ctr"/>
+            <a:endParaRPr lang="en-SG" sz="1600" b="1"/>
+          </a:p>
+        </p:txBody>
+      </p:sp>
+      <p:cxnSp>
+        <p:nvCxnSpPr>
+          <p:cNvPr id="180" name="Elbow Connector 179"/>
+          <p:cNvCxnSpPr>
+            <a:stCxn id="182" idx="2"/>
+            <a:endCxn id="177" idx="3"/>
+          </p:cNvCxnSpPr>
+          <p:nvPr/>
+        </p:nvCxnSpPr>
+        <p:spPr>
+          <a:xfrm rot="5400000">
+            <a:off x="5346744" y="2225235"/>
+            <a:ext cx="216103" cy="472464"/>
+          </a:xfrm>
+          <a:prstGeom prst="bentConnector2">
+            <a:avLst/>
+          </a:prstGeom>
+          <a:ln w="57150" cmpd="dbl">
+            <a:solidFill>
+              <a:schemeClr val="accent5">
+                <a:lumMod val="75000"/>
+              </a:schemeClr>
             </a:solidFill>
             <a:prstDash val="solid"/>
             <a:headEnd type="triangle" w="med" len="med"/>
@@ -5464,24 +6284,25 @@
       </p:cxnSp>
       <p:cxnSp>
         <p:nvCxnSpPr>
-          <p:cNvPr id="73" name="Elbow Connector 72"/>
+          <p:cNvPr id="181" name="Elbow Connector 180"/>
           <p:cNvCxnSpPr>
-            <a:endCxn id="96" idx="3"/>
+            <a:stCxn id="179" idx="1"/>
+            <a:endCxn id="178" idx="2"/>
           </p:cNvCxnSpPr>
           <p:nvPr/>
         </p:nvCxnSpPr>
         <p:spPr>
-          <a:xfrm rot="16200000" flipV="1">
-            <a:off x="7427313" y="1369518"/>
-            <a:ext cx="379688" cy="385754"/>
+          <a:xfrm rot="10800000">
+            <a:off x="3584104" y="2199520"/>
+            <a:ext cx="221376" cy="443751"/>
           </a:xfrm>
           <a:prstGeom prst="bentConnector2">
             <a:avLst/>
           </a:prstGeom>
           <a:ln w="57150" cmpd="dbl">
             <a:solidFill>
-              <a:schemeClr val="accent6">
-                <a:lumMod val="50000"/>
+              <a:schemeClr val="accent5">
+                <a:lumMod val="75000"/>
               </a:schemeClr>
             </a:solidFill>
             <a:prstDash val="solid"/>
@@ -5506,27 +6327,158 @@
           </a:fontRef>
         </p:style>
       </p:cxnSp>
+      <p:sp>
+        <p:nvSpPr>
+          <p:cNvPr id="182" name="Diamond 181"/>
+          <p:cNvSpPr/>
+          <p:nvPr/>
+        </p:nvSpPr>
+        <p:spPr>
+          <a:xfrm>
+            <a:off x="5619027" y="2209416"/>
+            <a:ext cx="144000" cy="144000"/>
+          </a:xfrm>
+          <a:prstGeom prst="diamond">
+            <a:avLst/>
+          </a:prstGeom>
+        </p:spPr>
+        <p:style>
+          <a:lnRef idx="2">
+            <a:schemeClr val="accent5">
+              <a:shade val="50000"/>
+            </a:schemeClr>
+          </a:lnRef>
+          <a:fillRef idx="1">
+            <a:schemeClr val="accent5"/>
+          </a:fillRef>
+          <a:effectRef idx="0">
+            <a:schemeClr val="accent5"/>
+          </a:effectRef>
+          <a:fontRef idx="minor">
+            <a:schemeClr val="lt1"/>
+          </a:fontRef>
+        </p:style>
+        <p:txBody>
+          <a:bodyPr rtlCol="0" anchor="ctr"/>
+          <a:lstStyle/>
+          <a:p>
+            <a:pPr algn="ctr"/>
+            <a:endParaRPr lang="en-SG" sz="1600" b="1"/>
+          </a:p>
+        </p:txBody>
+      </p:sp>
+      <p:sp>
+        <p:nvSpPr>
+          <p:cNvPr id="183" name="Rectangle 182"/>
+          <p:cNvSpPr/>
+          <p:nvPr/>
+        </p:nvSpPr>
+        <p:spPr>
+          <a:xfrm>
+            <a:off x="1926282" y="1219200"/>
+            <a:ext cx="1182043" cy="446919"/>
+          </a:xfrm>
+          <a:prstGeom prst="rect">
+            <a:avLst/>
+          </a:prstGeom>
+        </p:spPr>
+        <p:style>
+          <a:lnRef idx="2">
+            <a:schemeClr val="accent5">
+              <a:shade val="50000"/>
+            </a:schemeClr>
+          </a:lnRef>
+          <a:fillRef idx="1">
+            <a:schemeClr val="accent5"/>
+          </a:fillRef>
+          <a:effectRef idx="0">
+            <a:schemeClr val="accent5"/>
+          </a:effectRef>
+          <a:fontRef idx="minor">
+            <a:schemeClr val="lt1"/>
+          </a:fontRef>
+        </p:style>
+        <p:txBody>
+          <a:bodyPr rtlCol="0" anchor="ctr"/>
+          <a:lstStyle/>
+          <a:p>
+            <a:pPr algn="ctr"/>
+            <a:r>
+              <a:rPr lang="en-US" sz="1600" b="1" dirty="0"/>
+              <a:t>Feedback</a:t>
+            </a:r>
+            <a:br>
+              <a:rPr lang="en-US" sz="1600" b="1" dirty="0"/>
+            </a:br>
+            <a:r>
+              <a:rPr lang="en-US" sz="1600" b="1" dirty="0"/>
+              <a:t>Response</a:t>
+            </a:r>
+            <a:endParaRPr lang="en-SG" sz="1600" b="1" dirty="0"/>
+          </a:p>
+        </p:txBody>
+      </p:sp>
+      <p:sp>
+        <p:nvSpPr>
+          <p:cNvPr id="184" name="Diamond 183"/>
+          <p:cNvSpPr/>
+          <p:nvPr/>
+        </p:nvSpPr>
+        <p:spPr>
+          <a:xfrm>
+            <a:off x="2755033" y="1958131"/>
+            <a:ext cx="208260" cy="151078"/>
+          </a:xfrm>
+          <a:prstGeom prst="diamond">
+            <a:avLst/>
+          </a:prstGeom>
+        </p:spPr>
+        <p:style>
+          <a:lnRef idx="2">
+            <a:schemeClr val="accent5">
+              <a:shade val="50000"/>
+            </a:schemeClr>
+          </a:lnRef>
+          <a:fillRef idx="1">
+            <a:schemeClr val="accent5"/>
+          </a:fillRef>
+          <a:effectRef idx="0">
+            <a:schemeClr val="accent5"/>
+          </a:effectRef>
+          <a:fontRef idx="minor">
+            <a:schemeClr val="lt1"/>
+          </a:fontRef>
+        </p:style>
+        <p:txBody>
+          <a:bodyPr rtlCol="0" anchor="ctr"/>
+          <a:lstStyle/>
+          <a:p>
+            <a:pPr algn="ctr"/>
+            <a:endParaRPr lang="en-SG" sz="1600" b="1"/>
+          </a:p>
+        </p:txBody>
+      </p:sp>
       <p:cxnSp>
         <p:nvCxnSpPr>
-          <p:cNvPr id="77" name="Elbow Connector 76"/>
+          <p:cNvPr id="185" name="Elbow Connector 184"/>
           <p:cNvCxnSpPr>
-            <a:stCxn id="52" idx="1"/>
-            <a:endCxn id="96" idx="1"/>
+            <a:stCxn id="184" idx="1"/>
+            <a:endCxn id="183" idx="2"/>
           </p:cNvCxnSpPr>
           <p:nvPr/>
         </p:nvCxnSpPr>
         <p:spPr>
-          <a:xfrm rot="5400000" flipH="1" flipV="1">
-            <a:off x="5631348" y="903754"/>
-            <a:ext cx="247989" cy="1185584"/>
+          <a:xfrm rot="10800000">
+            <a:off x="2517305" y="1666120"/>
+            <a:ext cx="237729" cy="367551"/>
           </a:xfrm>
           <a:prstGeom prst="bentConnector2">
             <a:avLst/>
           </a:prstGeom>
           <a:ln w="57150" cmpd="dbl">
             <a:solidFill>
-              <a:schemeClr val="accent6">
-                <a:lumMod val="50000"/>
+              <a:schemeClr val="accent5">
+                <a:lumMod val="75000"/>
               </a:schemeClr>
             </a:solidFill>
             <a:prstDash val="solid"/>
@@ -5553,25 +6505,192 @@
       </p:cxnSp>
       <p:sp>
         <p:nvSpPr>
-          <p:cNvPr id="97" name="Rectangle 96"/>
+          <p:cNvPr id="186" name="Rectangle 185"/>
           <p:cNvSpPr/>
           <p:nvPr/>
         </p:nvSpPr>
         <p:spPr>
           <a:xfrm>
-            <a:off x="6288414" y="2338749"/>
-            <a:ext cx="1204823" cy="361770"/>
-          </a:xfrm>
-          <a:prstGeom prst="rect">
-            <a:avLst/>
-          </a:prstGeom>
-          <a:effectLst>
-            <a:glow rad="254000">
-              <a:schemeClr val="bg1">
-                <a:alpha val="70000"/>
+            <a:off x="1397697" y="3276600"/>
+            <a:ext cx="1704080" cy="318459"/>
+          </a:xfrm>
+          <a:prstGeom prst="rect">
+            <a:avLst/>
+          </a:prstGeom>
+        </p:spPr>
+        <p:style>
+          <a:lnRef idx="2">
+            <a:schemeClr val="accent1">
+              <a:shade val="50000"/>
+            </a:schemeClr>
+          </a:lnRef>
+          <a:fillRef idx="1">
+            <a:schemeClr val="accent1"/>
+          </a:fillRef>
+          <a:effectRef idx="0">
+            <a:schemeClr val="accent1"/>
+          </a:effectRef>
+          <a:fontRef idx="minor">
+            <a:schemeClr val="lt1"/>
+          </a:fontRef>
+        </p:style>
+        <p:txBody>
+          <a:bodyPr rtlCol="0" anchor="ctr"/>
+          <a:lstStyle/>
+          <a:p>
+            <a:pPr algn="ctr"/>
+            <a:r>
+              <a:rPr lang="en-US" sz="1600" b="1" dirty="0" err="1"/>
+              <a:t>EvaluationsDb</a:t>
+            </a:r>
+            <a:endParaRPr lang="en-SG" sz="1600" b="1" dirty="0"/>
+          </a:p>
+        </p:txBody>
+      </p:sp>
+      <p:sp>
+        <p:nvSpPr>
+          <p:cNvPr id="187" name="Rectangle 186"/>
+          <p:cNvSpPr/>
+          <p:nvPr/>
+        </p:nvSpPr>
+        <p:spPr>
+          <a:xfrm>
+            <a:off x="3407218" y="3649767"/>
+            <a:ext cx="2203409" cy="318459"/>
+          </a:xfrm>
+          <a:prstGeom prst="rect">
+            <a:avLst/>
+          </a:prstGeom>
+        </p:spPr>
+        <p:style>
+          <a:lnRef idx="2">
+            <a:schemeClr val="accent5">
+              <a:shade val="50000"/>
+            </a:schemeClr>
+          </a:lnRef>
+          <a:fillRef idx="1">
+            <a:schemeClr val="accent5"/>
+          </a:fillRef>
+          <a:effectRef idx="0">
+            <a:schemeClr val="accent5"/>
+          </a:effectRef>
+          <a:fontRef idx="minor">
+            <a:schemeClr val="lt1"/>
+          </a:fontRef>
+        </p:style>
+        <p:txBody>
+          <a:bodyPr rtlCol="0" anchor="ctr"/>
+          <a:lstStyle/>
+          <a:p>
+            <a:pPr algn="ctr"/>
+            <a:r>
+              <a:rPr lang="en-US" sz="1600" b="1" dirty="0" err="1" smtClean="0"/>
+              <a:t>FeedbackQuestionsDb</a:t>
+            </a:r>
+            <a:endParaRPr lang="en-SG" sz="1600" b="1" dirty="0"/>
+          </a:p>
+        </p:txBody>
+      </p:sp>
+      <p:sp>
+        <p:nvSpPr>
+          <p:cNvPr id="188" name="Rectangle 187"/>
+          <p:cNvSpPr/>
+          <p:nvPr/>
+        </p:nvSpPr>
+        <p:spPr>
+          <a:xfrm>
+            <a:off x="3407218" y="4024941"/>
+            <a:ext cx="2203409" cy="318459"/>
+          </a:xfrm>
+          <a:prstGeom prst="rect">
+            <a:avLst/>
+          </a:prstGeom>
+        </p:spPr>
+        <p:style>
+          <a:lnRef idx="2">
+            <a:schemeClr val="accent5">
+              <a:shade val="50000"/>
+            </a:schemeClr>
+          </a:lnRef>
+          <a:fillRef idx="1">
+            <a:schemeClr val="accent5"/>
+          </a:fillRef>
+          <a:effectRef idx="0">
+            <a:schemeClr val="accent5"/>
+          </a:effectRef>
+          <a:fontRef idx="minor">
+            <a:schemeClr val="lt1"/>
+          </a:fontRef>
+        </p:style>
+        <p:txBody>
+          <a:bodyPr rtlCol="0" anchor="ctr"/>
+          <a:lstStyle/>
+          <a:p>
+            <a:pPr algn="ctr"/>
+            <a:r>
+              <a:rPr lang="en-US" sz="1600" b="1" dirty="0" err="1" smtClean="0"/>
+              <a:t>FeedbackResponsesDb</a:t>
+            </a:r>
+            <a:endParaRPr lang="en-SG" sz="1600" b="1" dirty="0"/>
+          </a:p>
+        </p:txBody>
+      </p:sp>
+      <p:cxnSp>
+        <p:nvCxnSpPr>
+          <p:cNvPr id="189" name="Straight Arrow Connector 188"/>
+          <p:cNvCxnSpPr/>
+          <p:nvPr/>
+        </p:nvCxnSpPr>
+        <p:spPr>
+          <a:xfrm>
+            <a:off x="3019827" y="2867892"/>
+            <a:ext cx="0" cy="323572"/>
+          </a:xfrm>
+          <a:prstGeom prst="straightConnector1">
+            <a:avLst/>
+          </a:prstGeom>
+          <a:ln>
+            <a:solidFill>
+              <a:schemeClr val="accent3">
+                <a:lumMod val="75000"/>
               </a:schemeClr>
-            </a:glow>
-          </a:effectLst>
+            </a:solidFill>
+            <a:prstDash val="sysDot"/>
+            <a:headEnd type="arrow" w="med" len="med"/>
+            <a:tailEnd type="none" w="med" len="med"/>
+          </a:ln>
+        </p:spPr>
+        <p:style>
+          <a:lnRef idx="2">
+            <a:schemeClr val="accent2">
+              <a:shade val="50000"/>
+            </a:schemeClr>
+          </a:lnRef>
+          <a:fillRef idx="1">
+            <a:schemeClr val="accent2"/>
+          </a:fillRef>
+          <a:effectRef idx="0">
+            <a:schemeClr val="accent2"/>
+          </a:effectRef>
+          <a:fontRef idx="minor">
+            <a:schemeClr val="lt1"/>
+          </a:fontRef>
+        </p:style>
+      </p:cxnSp>
+      <p:sp>
+        <p:nvSpPr>
+          <p:cNvPr id="190" name="Diamond 189"/>
+          <p:cNvSpPr/>
+          <p:nvPr/>
+        </p:nvSpPr>
+        <p:spPr>
+          <a:xfrm>
+            <a:off x="8574630" y="1604400"/>
+            <a:ext cx="144000" cy="144000"/>
+          </a:xfrm>
+          <a:prstGeom prst="diamond">
+            <a:avLst/>
+          </a:prstGeom>
         </p:spPr>
         <p:style>
           <a:lnRef idx="2">
@@ -5594,31 +6713,199 @@
           <a:lstStyle/>
           <a:p>
             <a:pPr algn="ctr"/>
-            <a:r>
-              <a:rPr lang="en-US" sz="1600" b="1" dirty="0" smtClean="0"/>
-              <a:t>Instructor</a:t>
-            </a:r>
-            <a:endParaRPr lang="en-SG" sz="1600" b="1" dirty="0"/>
+            <a:endParaRPr lang="en-SG" sz="1600" b="1"/>
+          </a:p>
+        </p:txBody>
+      </p:sp>
+      <p:sp>
+        <p:nvSpPr>
+          <p:cNvPr id="191" name="Diamond 190"/>
+          <p:cNvSpPr/>
+          <p:nvPr/>
+        </p:nvSpPr>
+        <p:spPr>
+          <a:xfrm>
+            <a:off x="8574084" y="2114721"/>
+            <a:ext cx="144000" cy="144000"/>
+          </a:xfrm>
+          <a:prstGeom prst="diamond">
+            <a:avLst/>
+          </a:prstGeom>
+        </p:spPr>
+        <p:style>
+          <a:lnRef idx="2">
+            <a:schemeClr val="accent6">
+              <a:shade val="50000"/>
+            </a:schemeClr>
+          </a:lnRef>
+          <a:fillRef idx="1">
+            <a:schemeClr val="accent6"/>
+          </a:fillRef>
+          <a:effectRef idx="0">
+            <a:schemeClr val="accent6"/>
+          </a:effectRef>
+          <a:fontRef idx="minor">
+            <a:schemeClr val="lt1"/>
+          </a:fontRef>
+        </p:style>
+        <p:txBody>
+          <a:bodyPr rtlCol="0" anchor="ctr"/>
+          <a:lstStyle/>
+          <a:p>
+            <a:pPr algn="ctr"/>
+            <a:endParaRPr lang="en-SG" sz="1600" b="1"/>
+          </a:p>
+        </p:txBody>
+      </p:sp>
+      <p:sp>
+        <p:nvSpPr>
+          <p:cNvPr id="192" name="Diamond 191"/>
+          <p:cNvSpPr/>
+          <p:nvPr/>
+        </p:nvSpPr>
+        <p:spPr>
+          <a:xfrm>
+            <a:off x="7299325" y="1040441"/>
+            <a:ext cx="144000" cy="144000"/>
+          </a:xfrm>
+          <a:prstGeom prst="diamond">
+            <a:avLst/>
+          </a:prstGeom>
+        </p:spPr>
+        <p:style>
+          <a:lnRef idx="2">
+            <a:schemeClr val="accent1">
+              <a:shade val="50000"/>
+            </a:schemeClr>
+          </a:lnRef>
+          <a:fillRef idx="1">
+            <a:schemeClr val="accent1"/>
+          </a:fillRef>
+          <a:effectRef idx="0">
+            <a:schemeClr val="accent1"/>
+          </a:effectRef>
+          <a:fontRef idx="minor">
+            <a:schemeClr val="lt1"/>
+          </a:fontRef>
+        </p:style>
+        <p:txBody>
+          <a:bodyPr rtlCol="0" anchor="ctr"/>
+          <a:lstStyle/>
+          <a:p>
+            <a:pPr algn="ctr"/>
+            <a:endParaRPr lang="en-SG" sz="1600" b="1"/>
+          </a:p>
+        </p:txBody>
+      </p:sp>
+      <p:sp>
+        <p:nvSpPr>
+          <p:cNvPr id="193" name="TextBox 192"/>
+          <p:cNvSpPr txBox="1"/>
+          <p:nvPr/>
+        </p:nvSpPr>
+        <p:spPr>
+          <a:xfrm>
+            <a:off x="8098432" y="932872"/>
+            <a:ext cx="170709" cy="200457"/>
+          </a:xfrm>
+          <a:prstGeom prst="rect">
+            <a:avLst/>
+          </a:prstGeom>
+          <a:noFill/>
+        </p:spPr>
+        <p:txBody>
+          <a:bodyPr wrap="square" lIns="0" tIns="0" rIns="0" bIns="0" rtlCol="0" anchor="ctr" anchorCtr="0">
+            <a:noAutofit/>
+          </a:bodyPr>
+          <a:lstStyle/>
+          <a:p>
+            <a:r>
+              <a:rPr lang="en-US" sz="1600" dirty="0" smtClean="0">
+                <a:solidFill>
+                  <a:schemeClr val="accent5">
+                    <a:lumMod val="75000"/>
+                  </a:schemeClr>
+                </a:solidFill>
+              </a:rPr>
+              <a:t>2</a:t>
+            </a:r>
+            <a:endParaRPr lang="en-SG" sz="1600" dirty="0">
+              <a:solidFill>
+                <a:schemeClr val="accent5">
+                  <a:lumMod val="75000"/>
+                </a:schemeClr>
+              </a:solidFill>
+            </a:endParaRPr>
+          </a:p>
+        </p:txBody>
+      </p:sp>
+      <p:sp>
+        <p:nvSpPr>
+          <p:cNvPr id="194" name="Diamond 193"/>
+          <p:cNvSpPr/>
+          <p:nvPr/>
+        </p:nvSpPr>
+        <p:spPr>
+          <a:xfrm>
+            <a:off x="7906612" y="1032108"/>
+            <a:ext cx="144000" cy="144000"/>
+          </a:xfrm>
+          <a:prstGeom prst="diamond">
+            <a:avLst/>
+          </a:prstGeom>
+        </p:spPr>
+        <p:style>
+          <a:lnRef idx="2">
+            <a:schemeClr val="accent5">
+              <a:shade val="50000"/>
+            </a:schemeClr>
+          </a:lnRef>
+          <a:fillRef idx="1">
+            <a:schemeClr val="accent5"/>
+          </a:fillRef>
+          <a:effectRef idx="0">
+            <a:schemeClr val="accent5"/>
+          </a:effectRef>
+          <a:fontRef idx="minor">
+            <a:schemeClr val="lt1"/>
+          </a:fontRef>
+        </p:style>
+        <p:txBody>
+          <a:bodyPr rtlCol="0" anchor="ctr"/>
+          <a:lstStyle/>
+          <a:p>
+            <a:pPr algn="ctr"/>
+            <a:endParaRPr lang="en-SG" sz="1600" b="1"/>
           </a:p>
         </p:txBody>
       </p:sp>
       <p:cxnSp>
         <p:nvCxnSpPr>
-          <p:cNvPr id="124" name="Straight Arrow Connector 123"/>
-          <p:cNvCxnSpPr/>
+          <p:cNvPr id="195" name="Elbow Connector 194"/>
+          <p:cNvCxnSpPr>
+            <a:stCxn id="194" idx="0"/>
+            <a:endCxn id="183" idx="0"/>
+          </p:cNvCxnSpPr>
           <p:nvPr/>
         </p:nvCxnSpPr>
         <p:spPr>
-          <a:xfrm flipH="1">
-            <a:off x="7997336" y="2114009"/>
-            <a:ext cx="4622" cy="1255016"/>
-          </a:xfrm>
-          <a:prstGeom prst="straightConnector1">
-            <a:avLst/>
-          </a:prstGeom>
-          <a:ln>
-            <a:prstDash val="sysDot"/>
-            <a:headEnd type="arrow" w="med" len="med"/>
+          <a:xfrm rot="16200000" flipH="1" flipV="1">
+            <a:off x="5154412" y="-1605000"/>
+            <a:ext cx="187092" cy="5461308"/>
+          </a:xfrm>
+          <a:prstGeom prst="bentConnector3">
+            <a:avLst>
+              <a:gd name="adj1" fmla="val -245606"/>
+            </a:avLst>
+          </a:prstGeom>
+          <a:ln w="57150" cmpd="dbl">
+            <a:solidFill>
+              <a:schemeClr val="accent5">
+                <a:lumMod val="75000"/>
+              </a:schemeClr>
+            </a:solidFill>
+            <a:prstDash val="solid"/>
+            <a:headEnd type="triangle" w="med" len="med"/>
             <a:tailEnd type="none" w="med" len="med"/>
           </a:ln>
         </p:spPr>
@@ -5639,59 +6926,15 @@
           </a:fontRef>
         </p:style>
       </p:cxnSp>
-      <p:cxnSp>
-        <p:nvCxnSpPr>
-          <p:cNvPr id="74" name="Elbow Connector 73"/>
-          <p:cNvCxnSpPr>
-            <a:endCxn id="97" idx="3"/>
-          </p:cNvCxnSpPr>
-          <p:nvPr/>
-        </p:nvCxnSpPr>
-        <p:spPr>
-          <a:xfrm rot="5400000">
-            <a:off x="7448824" y="2158423"/>
-            <a:ext cx="405625" cy="316797"/>
-          </a:xfrm>
-          <a:prstGeom prst="bentConnector2">
-            <a:avLst/>
-          </a:prstGeom>
-          <a:ln w="57150" cmpd="dbl">
-            <a:solidFill>
-              <a:schemeClr val="accent6">
-                <a:lumMod val="50000"/>
-              </a:schemeClr>
-            </a:solidFill>
-            <a:prstDash val="solid"/>
-            <a:headEnd type="triangle" w="med" len="med"/>
-            <a:tailEnd type="none" w="med" len="med"/>
-          </a:ln>
-        </p:spPr>
-        <p:style>
-          <a:lnRef idx="2">
-            <a:schemeClr val="accent6">
-              <a:shade val="50000"/>
-            </a:schemeClr>
-          </a:lnRef>
-          <a:fillRef idx="1">
-            <a:schemeClr val="accent6"/>
-          </a:fillRef>
-          <a:effectRef idx="0">
-            <a:schemeClr val="accent6"/>
-          </a:effectRef>
-          <a:fontRef idx="minor">
-            <a:schemeClr val="lt1"/>
-          </a:fontRef>
-        </p:style>
-      </p:cxnSp>
-      <p:sp>
-        <p:nvSpPr>
-          <p:cNvPr id="57" name="TextBox 56"/>
+      <p:sp>
+        <p:nvSpPr>
+          <p:cNvPr id="196" name="TextBox 195"/>
           <p:cNvSpPr txBox="1"/>
           <p:nvPr/>
         </p:nvSpPr>
         <p:spPr>
           <a:xfrm>
-            <a:off x="4934691" y="1552143"/>
+            <a:off x="5411620" y="1552143"/>
             <a:ext cx="170709" cy="200457"/>
           </a:xfrm>
           <a:prstGeom prst="rect">
@@ -5708,14 +6951,14 @@
             <a:r>
               <a:rPr lang="en-US" b="1" dirty="0" smtClean="0">
                 <a:solidFill>
-                  <a:schemeClr val="accent4"/>
+                  <a:srgbClr val="0070C0"/>
                 </a:solidFill>
               </a:rPr>
               <a:t>*</a:t>
             </a:r>
             <a:endParaRPr lang="en-SG" b="1" dirty="0">
               <a:solidFill>
-                <a:schemeClr val="accent4"/>
+                <a:srgbClr val="0070C0"/>
               </a:solidFill>
             </a:endParaRPr>
           </a:p>
@@ -5723,13 +6966,13 @@
       </p:sp>
       <p:sp>
         <p:nvSpPr>
-          <p:cNvPr id="87" name="TextBox 86"/>
+          <p:cNvPr id="197" name="TextBox 196"/>
           <p:cNvSpPr txBox="1"/>
           <p:nvPr/>
         </p:nvSpPr>
         <p:spPr>
           <a:xfrm>
-            <a:off x="7006027" y="941205"/>
+            <a:off x="5404626" y="2269171"/>
             <a:ext cx="170709" cy="200457"/>
           </a:xfrm>
           <a:prstGeom prst="rect">
@@ -5744,567 +6987,22 @@
           <a:lstStyle/>
           <a:p>
             <a:r>
-              <a:rPr lang="en-US" sz="1600" dirty="0" smtClean="0">
+              <a:rPr lang="en-US" b="1" dirty="0" smtClean="0">
                 <a:solidFill>
-                  <a:schemeClr val="accent6">
+                  <a:schemeClr val="accent5">
                     <a:lumMod val="75000"/>
                   </a:schemeClr>
                 </a:solidFill>
               </a:rPr>
-              <a:t>2</a:t>
-            </a:r>
-            <a:endParaRPr lang="en-SG" sz="1600" dirty="0">
+              <a:t>*</a:t>
+            </a:r>
+            <a:endParaRPr lang="en-SG" b="1" dirty="0">
               <a:solidFill>
-                <a:schemeClr val="accent6">
+                <a:schemeClr val="accent5">
                   <a:lumMod val="75000"/>
                 </a:schemeClr>
               </a:solidFill>
             </a:endParaRPr>
-          </a:p>
-        </p:txBody>
-      </p:sp>
-      <p:sp>
-        <p:nvSpPr>
-          <p:cNvPr id="116" name="Rectangle 115"/>
-          <p:cNvSpPr/>
-          <p:nvPr/>
-        </p:nvSpPr>
-        <p:spPr>
-          <a:xfrm>
-            <a:off x="4235153" y="3415341"/>
-            <a:ext cx="1124417" cy="318459"/>
-          </a:xfrm>
-          <a:prstGeom prst="rect">
-            <a:avLst/>
-          </a:prstGeom>
-        </p:spPr>
-        <p:style>
-          <a:lnRef idx="2">
-            <a:schemeClr val="accent4">
-              <a:shade val="50000"/>
-            </a:schemeClr>
-          </a:lnRef>
-          <a:fillRef idx="1">
-            <a:schemeClr val="accent4"/>
-          </a:fillRef>
-          <a:effectRef idx="0">
-            <a:schemeClr val="accent4"/>
-          </a:effectRef>
-          <a:fontRef idx="minor">
-            <a:schemeClr val="lt1"/>
-          </a:fontRef>
-        </p:style>
-        <p:txBody>
-          <a:bodyPr rtlCol="0" anchor="ctr"/>
-          <a:lstStyle/>
-          <a:p>
-            <a:pPr algn="ctr"/>
-            <a:r>
-              <a:rPr lang="en-US" sz="1600" b="1" dirty="0" err="1" smtClean="0"/>
-              <a:t>CoursesDb</a:t>
-            </a:r>
-            <a:endParaRPr lang="en-SG" sz="1600" b="1" dirty="0"/>
-          </a:p>
-        </p:txBody>
-      </p:sp>
-      <p:sp>
-        <p:nvSpPr>
-          <p:cNvPr id="106" name="Rectangle 105"/>
-          <p:cNvSpPr/>
-          <p:nvPr/>
-        </p:nvSpPr>
-        <p:spPr>
-          <a:xfrm>
-            <a:off x="4723933" y="1828800"/>
-            <a:ext cx="877233" cy="361770"/>
-          </a:xfrm>
-          <a:prstGeom prst="rect">
-            <a:avLst/>
-          </a:prstGeom>
-        </p:spPr>
-        <p:style>
-          <a:lnRef idx="2">
-            <a:schemeClr val="accent4">
-              <a:shade val="50000"/>
-            </a:schemeClr>
-          </a:lnRef>
-          <a:fillRef idx="1">
-            <a:schemeClr val="accent4"/>
-          </a:fillRef>
-          <a:effectRef idx="0">
-            <a:schemeClr val="accent4"/>
-          </a:effectRef>
-          <a:fontRef idx="minor">
-            <a:schemeClr val="lt1"/>
-          </a:fontRef>
-        </p:style>
-        <p:txBody>
-          <a:bodyPr rtlCol="0" anchor="ctr"/>
-          <a:lstStyle/>
-          <a:p>
-            <a:pPr algn="ctr"/>
-            <a:r>
-              <a:rPr lang="en-US" sz="1600" b="1" dirty="0" smtClean="0"/>
-              <a:t>Course</a:t>
-            </a:r>
-            <a:endParaRPr lang="en-SG" sz="1600" b="1" dirty="0"/>
-          </a:p>
-        </p:txBody>
-      </p:sp>
-      <p:sp>
-        <p:nvSpPr>
-          <p:cNvPr id="27" name="Diamond 26"/>
-          <p:cNvSpPr/>
-          <p:nvPr/>
-        </p:nvSpPr>
-        <p:spPr>
-          <a:xfrm>
-            <a:off x="4516140" y="1891341"/>
-            <a:ext cx="208260" cy="151078"/>
-          </a:xfrm>
-          <a:prstGeom prst="diamond">
-            <a:avLst/>
-          </a:prstGeom>
-        </p:spPr>
-        <p:style>
-          <a:lnRef idx="2">
-            <a:schemeClr val="accent4">
-              <a:shade val="50000"/>
-            </a:schemeClr>
-          </a:lnRef>
-          <a:fillRef idx="1">
-            <a:schemeClr val="accent4"/>
-          </a:fillRef>
-          <a:effectRef idx="0">
-            <a:schemeClr val="accent4"/>
-          </a:effectRef>
-          <a:fontRef idx="minor">
-            <a:schemeClr val="lt1"/>
-          </a:fontRef>
-        </p:style>
-        <p:txBody>
-          <a:bodyPr rtlCol="0" anchor="ctr"/>
-          <a:lstStyle/>
-          <a:p>
-            <a:pPr algn="ctr"/>
-            <a:endParaRPr lang="en-SG" sz="1600" b="1"/>
-          </a:p>
-        </p:txBody>
-      </p:sp>
-      <p:sp>
-        <p:nvSpPr>
-          <p:cNvPr id="52" name="Diamond 51"/>
-          <p:cNvSpPr/>
-          <p:nvPr/>
-        </p:nvSpPr>
-        <p:spPr>
-          <a:xfrm rot="5400000">
-            <a:off x="5058420" y="1649131"/>
-            <a:ext cx="208260" cy="151078"/>
-          </a:xfrm>
-          <a:prstGeom prst="diamond">
-            <a:avLst/>
-          </a:prstGeom>
-        </p:spPr>
-        <p:style>
-          <a:lnRef idx="2">
-            <a:schemeClr val="accent4">
-              <a:shade val="50000"/>
-            </a:schemeClr>
-          </a:lnRef>
-          <a:fillRef idx="1">
-            <a:schemeClr val="accent4"/>
-          </a:fillRef>
-          <a:effectRef idx="0">
-            <a:schemeClr val="accent4"/>
-          </a:effectRef>
-          <a:fontRef idx="minor">
-            <a:schemeClr val="lt1"/>
-          </a:fontRef>
-        </p:style>
-        <p:txBody>
-          <a:bodyPr rtlCol="0" anchor="ctr"/>
-          <a:lstStyle/>
-          <a:p>
-            <a:pPr algn="ctr"/>
-            <a:endParaRPr lang="en-SG" sz="1600" b="1"/>
-          </a:p>
-        </p:txBody>
-      </p:sp>
-      <p:cxnSp>
-        <p:nvCxnSpPr>
-          <p:cNvPr id="58" name="Elbow Connector 57"/>
-          <p:cNvCxnSpPr/>
-          <p:nvPr/>
-        </p:nvCxnSpPr>
-        <p:spPr>
-          <a:xfrm>
-            <a:off x="5390489" y="2338749"/>
-            <a:ext cx="897925" cy="280654"/>
-          </a:xfrm>
-          <a:prstGeom prst="bentConnector3">
-            <a:avLst>
-              <a:gd name="adj1" fmla="val -210"/>
-            </a:avLst>
-          </a:prstGeom>
-          <a:ln w="57150" cmpd="dbl">
-            <a:solidFill>
-              <a:schemeClr val="accent6">
-                <a:lumMod val="50000"/>
-              </a:schemeClr>
-            </a:solidFill>
-            <a:prstDash val="solid"/>
-            <a:headEnd type="triangle" w="med" len="med"/>
-            <a:tailEnd type="none" w="med" len="med"/>
-          </a:ln>
-        </p:spPr>
-        <p:style>
-          <a:lnRef idx="2">
-            <a:schemeClr val="accent6">
-              <a:shade val="50000"/>
-            </a:schemeClr>
-          </a:lnRef>
-          <a:fillRef idx="1">
-            <a:schemeClr val="accent6"/>
-          </a:fillRef>
-          <a:effectRef idx="0">
-            <a:schemeClr val="accent6"/>
-          </a:effectRef>
-          <a:fontRef idx="minor">
-            <a:schemeClr val="lt1"/>
-          </a:fontRef>
-        </p:style>
-      </p:cxnSp>
-      <p:sp>
-        <p:nvSpPr>
-          <p:cNvPr id="59" name="Rectangle 58"/>
-          <p:cNvSpPr/>
-          <p:nvPr/>
-        </p:nvSpPr>
-        <p:spPr>
-          <a:xfrm>
-            <a:off x="7203086" y="1752951"/>
-            <a:ext cx="1076146" cy="361770"/>
-          </a:xfrm>
-          <a:prstGeom prst="rect">
-            <a:avLst/>
-          </a:prstGeom>
-        </p:spPr>
-        <p:style>
-          <a:lnRef idx="2">
-            <a:schemeClr val="accent6">
-              <a:shade val="50000"/>
-            </a:schemeClr>
-          </a:lnRef>
-          <a:fillRef idx="1">
-            <a:schemeClr val="accent6"/>
-          </a:fillRef>
-          <a:effectRef idx="0">
-            <a:schemeClr val="accent6"/>
-          </a:effectRef>
-          <a:fontRef idx="minor">
-            <a:schemeClr val="lt1"/>
-          </a:fontRef>
-        </p:style>
-        <p:txBody>
-          <a:bodyPr rtlCol="0" anchor="ctr"/>
-          <a:lstStyle/>
-          <a:p>
-            <a:pPr algn="ctr"/>
-            <a:r>
-              <a:rPr lang="en-US" sz="1600" b="1" dirty="0" smtClean="0"/>
-              <a:t>Account</a:t>
-            </a:r>
-            <a:endParaRPr lang="en-SG" sz="1600" b="1" dirty="0"/>
-          </a:p>
-        </p:txBody>
-      </p:sp>
-      <p:cxnSp>
-        <p:nvCxnSpPr>
-          <p:cNvPr id="62" name="Straight Arrow Connector 61"/>
-          <p:cNvCxnSpPr>
-            <a:endCxn id="65" idx="0"/>
-          </p:cNvCxnSpPr>
-          <p:nvPr/>
-        </p:nvCxnSpPr>
-        <p:spPr>
-          <a:xfrm flipH="1">
-            <a:off x="6922840" y="2713119"/>
-            <a:ext cx="30850" cy="1173081"/>
-          </a:xfrm>
-          <a:prstGeom prst="straightConnector1">
-            <a:avLst/>
-          </a:prstGeom>
-          <a:ln>
-            <a:prstDash val="sysDot"/>
-            <a:headEnd type="arrow" w="med" len="med"/>
-            <a:tailEnd type="none" w="med" len="med"/>
-          </a:ln>
-        </p:spPr>
-        <p:style>
-          <a:lnRef idx="2">
-            <a:schemeClr val="accent6">
-              <a:shade val="50000"/>
-            </a:schemeClr>
-          </a:lnRef>
-          <a:fillRef idx="1">
-            <a:schemeClr val="accent6"/>
-          </a:fillRef>
-          <a:effectRef idx="0">
-            <a:schemeClr val="accent6"/>
-          </a:effectRef>
-          <a:fontRef idx="minor">
-            <a:schemeClr val="lt1"/>
-          </a:fontRef>
-        </p:style>
-      </p:cxnSp>
-      <p:sp>
-        <p:nvSpPr>
-          <p:cNvPr id="63" name="Diamond 62"/>
-          <p:cNvSpPr/>
-          <p:nvPr/>
-        </p:nvSpPr>
-        <p:spPr>
-          <a:xfrm rot="5400000">
-            <a:off x="5337013" y="2190628"/>
-            <a:ext cx="126058" cy="170183"/>
-          </a:xfrm>
-          <a:prstGeom prst="diamond">
-            <a:avLst/>
-          </a:prstGeom>
-        </p:spPr>
-        <p:style>
-          <a:lnRef idx="2">
-            <a:schemeClr val="accent4">
-              <a:shade val="50000"/>
-            </a:schemeClr>
-          </a:lnRef>
-          <a:fillRef idx="1">
-            <a:schemeClr val="accent4"/>
-          </a:fillRef>
-          <a:effectRef idx="0">
-            <a:schemeClr val="accent4"/>
-          </a:effectRef>
-          <a:fontRef idx="minor">
-            <a:schemeClr val="lt1"/>
-          </a:fontRef>
-        </p:style>
-        <p:txBody>
-          <a:bodyPr rtlCol="0" anchor="ctr"/>
-          <a:lstStyle/>
-          <a:p>
-            <a:pPr algn="ctr"/>
-            <a:endParaRPr lang="en-SG" sz="1600" b="1"/>
-          </a:p>
-        </p:txBody>
-      </p:sp>
-      <p:sp>
-        <p:nvSpPr>
-          <p:cNvPr id="68" name="TextBox 67"/>
-          <p:cNvSpPr txBox="1"/>
-          <p:nvPr/>
-        </p:nvSpPr>
-        <p:spPr>
-          <a:xfrm>
-            <a:off x="5515811" y="2369400"/>
-            <a:ext cx="170709" cy="200457"/>
-          </a:xfrm>
-          <a:prstGeom prst="rect">
-            <a:avLst/>
-          </a:prstGeom>
-          <a:noFill/>
-        </p:spPr>
-        <p:txBody>
-          <a:bodyPr wrap="square" lIns="0" tIns="0" rIns="0" bIns="0" rtlCol="0" anchor="ctr" anchorCtr="0">
-            <a:noAutofit/>
-          </a:bodyPr>
-          <a:lstStyle/>
-          <a:p>
-            <a:r>
-              <a:rPr lang="en-US" b="1" dirty="0" smtClean="0">
-                <a:solidFill>
-                  <a:schemeClr val="accent4"/>
-                </a:solidFill>
-              </a:rPr>
-              <a:t>*</a:t>
-            </a:r>
-            <a:endParaRPr lang="en-SG" b="1" dirty="0">
-              <a:solidFill>
-                <a:schemeClr val="accent4"/>
-              </a:solidFill>
-            </a:endParaRPr>
-          </a:p>
-        </p:txBody>
-      </p:sp>
-      <p:sp>
-        <p:nvSpPr>
-          <p:cNvPr id="75" name="TextBox 74"/>
-          <p:cNvSpPr txBox="1"/>
-          <p:nvPr/>
-        </p:nvSpPr>
-        <p:spPr>
-          <a:xfrm>
-            <a:off x="7924800" y="1477897"/>
-            <a:ext cx="170709" cy="200457"/>
-          </a:xfrm>
-          <a:prstGeom prst="rect">
-            <a:avLst/>
-          </a:prstGeom>
-          <a:noFill/>
-        </p:spPr>
-        <p:txBody>
-          <a:bodyPr wrap="square" lIns="0" tIns="0" rIns="0" bIns="0" rtlCol="0" anchor="ctr" anchorCtr="0">
-            <a:noAutofit/>
-          </a:bodyPr>
-          <a:lstStyle/>
-          <a:p>
-            <a:r>
-              <a:rPr lang="en-US" sz="1600" dirty="0">
-                <a:solidFill>
-                  <a:schemeClr val="accent6">
-                    <a:lumMod val="75000"/>
-                  </a:schemeClr>
-                </a:solidFill>
-              </a:rPr>
-              <a:t>1</a:t>
-            </a:r>
-            <a:endParaRPr lang="en-SG" sz="1600" dirty="0">
-              <a:solidFill>
-                <a:schemeClr val="accent6">
-                  <a:lumMod val="75000"/>
-                </a:schemeClr>
-              </a:solidFill>
-            </a:endParaRPr>
-          </a:p>
-        </p:txBody>
-      </p:sp>
-      <p:sp>
-        <p:nvSpPr>
-          <p:cNvPr id="76" name="TextBox 75"/>
-          <p:cNvSpPr txBox="1"/>
-          <p:nvPr/>
-        </p:nvSpPr>
-        <p:spPr>
-          <a:xfrm>
-            <a:off x="7610693" y="2138292"/>
-            <a:ext cx="170709" cy="200457"/>
-          </a:xfrm>
-          <a:prstGeom prst="rect">
-            <a:avLst/>
-          </a:prstGeom>
-          <a:noFill/>
-        </p:spPr>
-        <p:txBody>
-          <a:bodyPr wrap="square" lIns="0" tIns="0" rIns="0" bIns="0" rtlCol="0" anchor="ctr" anchorCtr="0">
-            <a:noAutofit/>
-          </a:bodyPr>
-          <a:lstStyle/>
-          <a:p>
-            <a:r>
-              <a:rPr lang="en-US" sz="1600" dirty="0">
-                <a:solidFill>
-                  <a:schemeClr val="accent6">
-                    <a:lumMod val="75000"/>
-                  </a:schemeClr>
-                </a:solidFill>
-              </a:rPr>
-              <a:t>1</a:t>
-            </a:r>
-            <a:endParaRPr lang="en-SG" sz="1600" dirty="0">
-              <a:solidFill>
-                <a:schemeClr val="accent6">
-                  <a:lumMod val="75000"/>
-                </a:schemeClr>
-              </a:solidFill>
-            </a:endParaRPr>
-          </a:p>
-        </p:txBody>
-      </p:sp>
-      <p:sp>
-        <p:nvSpPr>
-          <p:cNvPr id="64" name="Rectangle 63"/>
-          <p:cNvSpPr/>
-          <p:nvPr/>
-        </p:nvSpPr>
-        <p:spPr>
-          <a:xfrm>
-            <a:off x="5486400" y="3415341"/>
-            <a:ext cx="1336039" cy="318459"/>
-          </a:xfrm>
-          <a:prstGeom prst="rect">
-            <a:avLst/>
-          </a:prstGeom>
-        </p:spPr>
-        <p:style>
-          <a:lnRef idx="2">
-            <a:schemeClr val="accent6">
-              <a:shade val="50000"/>
-            </a:schemeClr>
-          </a:lnRef>
-          <a:fillRef idx="1">
-            <a:schemeClr val="accent6"/>
-          </a:fillRef>
-          <a:effectRef idx="0">
-            <a:schemeClr val="accent6"/>
-          </a:effectRef>
-          <a:fontRef idx="minor">
-            <a:schemeClr val="lt1"/>
-          </a:fontRef>
-        </p:style>
-        <p:txBody>
-          <a:bodyPr rtlCol="0" anchor="ctr"/>
-          <a:lstStyle/>
-          <a:p>
-            <a:pPr algn="ctr"/>
-            <a:r>
-              <a:rPr lang="en-US" sz="1600" b="1" dirty="0" err="1" smtClean="0"/>
-              <a:t>StudentsDb</a:t>
-            </a:r>
-            <a:endParaRPr lang="en-SG" sz="1600" b="1" dirty="0"/>
-          </a:p>
-        </p:txBody>
-      </p:sp>
-      <p:sp>
-        <p:nvSpPr>
-          <p:cNvPr id="65" name="Rectangle 64"/>
-          <p:cNvSpPr/>
-          <p:nvPr/>
-        </p:nvSpPr>
-        <p:spPr>
-          <a:xfrm>
-            <a:off x="6209110" y="3886200"/>
-            <a:ext cx="1427459" cy="318459"/>
-          </a:xfrm>
-          <a:prstGeom prst="rect">
-            <a:avLst/>
-          </a:prstGeom>
-        </p:spPr>
-        <p:style>
-          <a:lnRef idx="2">
-            <a:schemeClr val="accent6">
-              <a:shade val="50000"/>
-            </a:schemeClr>
-          </a:lnRef>
-          <a:fillRef idx="1">
-            <a:schemeClr val="accent6"/>
-          </a:fillRef>
-          <a:effectRef idx="0">
-            <a:schemeClr val="accent6"/>
-          </a:effectRef>
-          <a:fontRef idx="minor">
-            <a:schemeClr val="lt1"/>
-          </a:fontRef>
-        </p:style>
-        <p:txBody>
-          <a:bodyPr rtlCol="0" anchor="ctr"/>
-          <a:lstStyle/>
-          <a:p>
-            <a:pPr algn="ctr"/>
-            <a:r>
-              <a:rPr lang="en-US" sz="1600" b="1" dirty="0" err="1" smtClean="0"/>
-              <a:t>InstructorsDb</a:t>
-            </a:r>
-            <a:endParaRPr lang="en-SG" sz="1600" b="1" dirty="0"/>
           </a:p>
         </p:txBody>
       </p:sp>

--- a/doc/diagrams/StorageComponent.pptx
+++ b/doc/diagrams/StorageComponent.pptx
@@ -10,7 +10,7 @@
   <p:sldIdLst>
     <p:sldId id="256" r:id="rId2"/>
   </p:sldIdLst>
-  <p:sldSz cx="9721850" cy="6858000"/>
+  <p:sldSz cx="9721850" cy="7772400"/>
   <p:notesSz cx="6858000" cy="9144000"/>
   <p:custDataLst>
     <p:tags r:id="rId4"/>
@@ -196,7 +196,7 @@
             <a:fld id="{AF301891-4E62-472A-98E9-95DBD40531A4}" type="datetimeFigureOut">
               <a:rPr lang="en-SG" smtClean="0"/>
               <a:pPr/>
-              <a:t>5/7/2013</a:t>
+              <a:t>4/1/2014</a:t>
             </a:fld>
             <a:endParaRPr lang="en-SG"/>
           </a:p>
@@ -214,8 +214,8 @@
         </p:nvSpPr>
         <p:spPr>
           <a:xfrm>
-            <a:off x="998538" y="685800"/>
-            <a:ext cx="4860925" cy="3429000"/>
+            <a:off x="1284288" y="685800"/>
+            <a:ext cx="4289425" cy="3429000"/>
           </a:xfrm>
           <a:prstGeom prst="rect">
             <a:avLst/>
@@ -494,8 +494,8 @@
         </p:nvSpPr>
         <p:spPr>
           <a:xfrm>
-            <a:off x="998538" y="685800"/>
-            <a:ext cx="4860925" cy="3429000"/>
+            <a:off x="1284288" y="685800"/>
+            <a:ext cx="4289425" cy="3429000"/>
           </a:xfrm>
         </p:spPr>
       </p:sp>
@@ -584,8 +584,8 @@
         </p:nvSpPr>
         <p:spPr>
           <a:xfrm>
-            <a:off x="729139" y="2130427"/>
-            <a:ext cx="8263573" cy="1470025"/>
+            <a:off x="729140" y="2414485"/>
+            <a:ext cx="8263573" cy="1666028"/>
           </a:xfrm>
           <a:prstGeom prst="rect">
             <a:avLst/>
@@ -615,8 +615,8 @@
         </p:nvSpPr>
         <p:spPr>
           <a:xfrm>
-            <a:off x="1458278" y="3886200"/>
-            <a:ext cx="6805295" cy="1752600"/>
+            <a:off x="1458279" y="4404360"/>
+            <a:ext cx="6805295" cy="1986280"/>
           </a:xfrm>
           <a:prstGeom prst="rect">
             <a:avLst/>
@@ -737,8 +737,8 @@
         </p:nvSpPr>
         <p:spPr>
           <a:xfrm>
-            <a:off x="486092" y="6356352"/>
-            <a:ext cx="2268432" cy="365125"/>
+            <a:off x="486092" y="7203866"/>
+            <a:ext cx="2268432" cy="413808"/>
           </a:xfrm>
           <a:prstGeom prst="rect">
             <a:avLst/>
@@ -751,7 +751,7 @@
             <a:fld id="{1D8BD707-D9CF-40AE-B4C6-C98DA3205C09}" type="datetimeFigureOut">
               <a:rPr lang="en-US" smtClean="0"/>
               <a:pPr/>
-              <a:t>7/5/2013</a:t>
+              <a:t>1/4/2014</a:t>
             </a:fld>
             <a:endParaRPr lang="en-US"/>
           </a:p>
@@ -769,8 +769,8 @@
         </p:nvSpPr>
         <p:spPr>
           <a:xfrm>
-            <a:off x="3321632" y="6356352"/>
-            <a:ext cx="3078586" cy="365125"/>
+            <a:off x="3321632" y="7203866"/>
+            <a:ext cx="3078586" cy="413808"/>
           </a:xfrm>
           <a:prstGeom prst="rect">
             <a:avLst/>
@@ -796,8 +796,8 @@
         </p:nvSpPr>
         <p:spPr>
           <a:xfrm>
-            <a:off x="6967327" y="6356352"/>
-            <a:ext cx="2268432" cy="365125"/>
+            <a:off x="6967327" y="7203866"/>
+            <a:ext cx="2268432" cy="413808"/>
           </a:xfrm>
           <a:prstGeom prst="rect">
             <a:avLst/>
@@ -860,8 +860,8 @@
         </p:nvSpPr>
         <p:spPr>
           <a:xfrm>
-            <a:off x="486093" y="274638"/>
-            <a:ext cx="8749665" cy="1143000"/>
+            <a:off x="486094" y="311256"/>
+            <a:ext cx="8749665" cy="1295400"/>
           </a:xfrm>
           <a:prstGeom prst="rect">
             <a:avLst/>
@@ -891,8 +891,8 @@
         </p:nvSpPr>
         <p:spPr>
           <a:xfrm>
-            <a:off x="486093" y="1600202"/>
-            <a:ext cx="8749665" cy="4525963"/>
+            <a:off x="486094" y="1813563"/>
+            <a:ext cx="8749665" cy="5129425"/>
           </a:xfrm>
           <a:prstGeom prst="rect">
             <a:avLst/>
@@ -951,8 +951,8 @@
         </p:nvSpPr>
         <p:spPr>
           <a:xfrm>
-            <a:off x="486092" y="6356352"/>
-            <a:ext cx="2268432" cy="365125"/>
+            <a:off x="486092" y="7203866"/>
+            <a:ext cx="2268432" cy="413808"/>
           </a:xfrm>
           <a:prstGeom prst="rect">
             <a:avLst/>
@@ -965,7 +965,7 @@
             <a:fld id="{1D8BD707-D9CF-40AE-B4C6-C98DA3205C09}" type="datetimeFigureOut">
               <a:rPr lang="en-US" smtClean="0"/>
               <a:pPr/>
-              <a:t>7/5/2013</a:t>
+              <a:t>1/4/2014</a:t>
             </a:fld>
             <a:endParaRPr lang="en-US"/>
           </a:p>
@@ -983,8 +983,8 @@
         </p:nvSpPr>
         <p:spPr>
           <a:xfrm>
-            <a:off x="3321632" y="6356352"/>
-            <a:ext cx="3078586" cy="365125"/>
+            <a:off x="3321632" y="7203866"/>
+            <a:ext cx="3078586" cy="413808"/>
           </a:xfrm>
           <a:prstGeom prst="rect">
             <a:avLst/>
@@ -1010,8 +1010,8 @@
         </p:nvSpPr>
         <p:spPr>
           <a:xfrm>
-            <a:off x="6967327" y="6356352"/>
-            <a:ext cx="2268432" cy="365125"/>
+            <a:off x="6967327" y="7203866"/>
+            <a:ext cx="2268432" cy="413808"/>
           </a:xfrm>
           <a:prstGeom prst="rect">
             <a:avLst/>
@@ -1067,8 +1067,8 @@
         </p:nvSpPr>
         <p:spPr>
           <a:xfrm>
-            <a:off x="7048342" y="274639"/>
-            <a:ext cx="2187416" cy="5851525"/>
+            <a:off x="7048342" y="311258"/>
+            <a:ext cx="2187416" cy="6631728"/>
           </a:xfrm>
           <a:prstGeom prst="rect">
             <a:avLst/>
@@ -1098,8 +1098,8 @@
         </p:nvSpPr>
         <p:spPr>
           <a:xfrm>
-            <a:off x="486093" y="274639"/>
-            <a:ext cx="6400218" cy="5851525"/>
+            <a:off x="486093" y="311258"/>
+            <a:ext cx="6400218" cy="6631728"/>
           </a:xfrm>
           <a:prstGeom prst="rect">
             <a:avLst/>
@@ -1158,8 +1158,8 @@
         </p:nvSpPr>
         <p:spPr>
           <a:xfrm>
-            <a:off x="486092" y="6356352"/>
-            <a:ext cx="2268432" cy="365125"/>
+            <a:off x="486092" y="7203866"/>
+            <a:ext cx="2268432" cy="413808"/>
           </a:xfrm>
           <a:prstGeom prst="rect">
             <a:avLst/>
@@ -1172,7 +1172,7 @@
             <a:fld id="{1D8BD707-D9CF-40AE-B4C6-C98DA3205C09}" type="datetimeFigureOut">
               <a:rPr lang="en-US" smtClean="0"/>
               <a:pPr/>
-              <a:t>7/5/2013</a:t>
+              <a:t>1/4/2014</a:t>
             </a:fld>
             <a:endParaRPr lang="en-US"/>
           </a:p>
@@ -1190,8 +1190,8 @@
         </p:nvSpPr>
         <p:spPr>
           <a:xfrm>
-            <a:off x="3321632" y="6356352"/>
-            <a:ext cx="3078586" cy="365125"/>
+            <a:off x="3321632" y="7203866"/>
+            <a:ext cx="3078586" cy="413808"/>
           </a:xfrm>
           <a:prstGeom prst="rect">
             <a:avLst/>
@@ -1217,8 +1217,8 @@
         </p:nvSpPr>
         <p:spPr>
           <a:xfrm>
-            <a:off x="6967327" y="6356352"/>
-            <a:ext cx="2268432" cy="365125"/>
+            <a:off x="6967327" y="7203866"/>
+            <a:ext cx="2268432" cy="413808"/>
           </a:xfrm>
           <a:prstGeom prst="rect">
             <a:avLst/>
@@ -1274,8 +1274,8 @@
         </p:nvSpPr>
         <p:spPr>
           <a:xfrm>
-            <a:off x="486093" y="274638"/>
-            <a:ext cx="8749665" cy="1143000"/>
+            <a:off x="486094" y="311256"/>
+            <a:ext cx="8749665" cy="1295400"/>
           </a:xfrm>
           <a:prstGeom prst="rect">
             <a:avLst/>
@@ -1305,8 +1305,8 @@
         </p:nvSpPr>
         <p:spPr>
           <a:xfrm>
-            <a:off x="486093" y="1600202"/>
-            <a:ext cx="8749665" cy="4525963"/>
+            <a:off x="486094" y="1813563"/>
+            <a:ext cx="8749665" cy="5129425"/>
           </a:xfrm>
           <a:prstGeom prst="rect">
             <a:avLst/>
@@ -1365,8 +1365,8 @@
         </p:nvSpPr>
         <p:spPr>
           <a:xfrm>
-            <a:off x="486092" y="6356352"/>
-            <a:ext cx="2268432" cy="365125"/>
+            <a:off x="486092" y="7203866"/>
+            <a:ext cx="2268432" cy="413808"/>
           </a:xfrm>
           <a:prstGeom prst="rect">
             <a:avLst/>
@@ -1379,7 +1379,7 @@
             <a:fld id="{1D8BD707-D9CF-40AE-B4C6-C98DA3205C09}" type="datetimeFigureOut">
               <a:rPr lang="en-US" smtClean="0"/>
               <a:pPr/>
-              <a:t>7/5/2013</a:t>
+              <a:t>1/4/2014</a:t>
             </a:fld>
             <a:endParaRPr lang="en-US"/>
           </a:p>
@@ -1397,8 +1397,8 @@
         </p:nvSpPr>
         <p:spPr>
           <a:xfrm>
-            <a:off x="3321632" y="6356352"/>
-            <a:ext cx="3078586" cy="365125"/>
+            <a:off x="3321632" y="7203866"/>
+            <a:ext cx="3078586" cy="413808"/>
           </a:xfrm>
           <a:prstGeom prst="rect">
             <a:avLst/>
@@ -1424,8 +1424,8 @@
         </p:nvSpPr>
         <p:spPr>
           <a:xfrm>
-            <a:off x="6967327" y="6356352"/>
-            <a:ext cx="2268432" cy="365125"/>
+            <a:off x="6967327" y="7203866"/>
+            <a:ext cx="2268432" cy="413808"/>
           </a:xfrm>
           <a:prstGeom prst="rect">
             <a:avLst/>
@@ -1481,8 +1481,8 @@
         </p:nvSpPr>
         <p:spPr>
           <a:xfrm>
-            <a:off x="767959" y="4406902"/>
-            <a:ext cx="8263573" cy="1362075"/>
+            <a:off x="767960" y="4994490"/>
+            <a:ext cx="8263573" cy="1543685"/>
           </a:xfrm>
           <a:prstGeom prst="rect">
             <a:avLst/>
@@ -1516,8 +1516,8 @@
         </p:nvSpPr>
         <p:spPr>
           <a:xfrm>
-            <a:off x="767959" y="2906713"/>
-            <a:ext cx="8263573" cy="1500187"/>
+            <a:off x="767960" y="3294275"/>
+            <a:ext cx="8263573" cy="1700212"/>
           </a:xfrm>
           <a:prstGeom prst="rect">
             <a:avLst/>
@@ -1638,8 +1638,8 @@
         </p:nvSpPr>
         <p:spPr>
           <a:xfrm>
-            <a:off x="486092" y="6356352"/>
-            <a:ext cx="2268432" cy="365125"/>
+            <a:off x="486092" y="7203866"/>
+            <a:ext cx="2268432" cy="413808"/>
           </a:xfrm>
           <a:prstGeom prst="rect">
             <a:avLst/>
@@ -1652,7 +1652,7 @@
             <a:fld id="{1D8BD707-D9CF-40AE-B4C6-C98DA3205C09}" type="datetimeFigureOut">
               <a:rPr lang="en-US" smtClean="0"/>
               <a:pPr/>
-              <a:t>7/5/2013</a:t>
+              <a:t>1/4/2014</a:t>
             </a:fld>
             <a:endParaRPr lang="en-US"/>
           </a:p>
@@ -1670,8 +1670,8 @@
         </p:nvSpPr>
         <p:spPr>
           <a:xfrm>
-            <a:off x="3321632" y="6356352"/>
-            <a:ext cx="3078586" cy="365125"/>
+            <a:off x="3321632" y="7203866"/>
+            <a:ext cx="3078586" cy="413808"/>
           </a:xfrm>
           <a:prstGeom prst="rect">
             <a:avLst/>
@@ -1697,8 +1697,8 @@
         </p:nvSpPr>
         <p:spPr>
           <a:xfrm>
-            <a:off x="6967327" y="6356352"/>
-            <a:ext cx="2268432" cy="365125"/>
+            <a:off x="6967327" y="7203866"/>
+            <a:ext cx="2268432" cy="413808"/>
           </a:xfrm>
           <a:prstGeom prst="rect">
             <a:avLst/>
@@ -1754,8 +1754,8 @@
         </p:nvSpPr>
         <p:spPr>
           <a:xfrm>
-            <a:off x="486093" y="274638"/>
-            <a:ext cx="8749665" cy="1143000"/>
+            <a:off x="486094" y="311256"/>
+            <a:ext cx="8749665" cy="1295400"/>
           </a:xfrm>
           <a:prstGeom prst="rect">
             <a:avLst/>
@@ -1785,8 +1785,8 @@
         </p:nvSpPr>
         <p:spPr>
           <a:xfrm>
-            <a:off x="486093" y="1600202"/>
-            <a:ext cx="4293817" cy="4525963"/>
+            <a:off x="486094" y="1813563"/>
+            <a:ext cx="4293817" cy="5129425"/>
           </a:xfrm>
           <a:prstGeom prst="rect">
             <a:avLst/>
@@ -1873,8 +1873,8 @@
         </p:nvSpPr>
         <p:spPr>
           <a:xfrm>
-            <a:off x="4941940" y="1600202"/>
-            <a:ext cx="4293817" cy="4525963"/>
+            <a:off x="4941941" y="1813563"/>
+            <a:ext cx="4293817" cy="5129425"/>
           </a:xfrm>
           <a:prstGeom prst="rect">
             <a:avLst/>
@@ -1961,8 +1961,8 @@
         </p:nvSpPr>
         <p:spPr>
           <a:xfrm>
-            <a:off x="486092" y="6356352"/>
-            <a:ext cx="2268432" cy="365125"/>
+            <a:off x="486092" y="7203866"/>
+            <a:ext cx="2268432" cy="413808"/>
           </a:xfrm>
           <a:prstGeom prst="rect">
             <a:avLst/>
@@ -1975,7 +1975,7 @@
             <a:fld id="{1D8BD707-D9CF-40AE-B4C6-C98DA3205C09}" type="datetimeFigureOut">
               <a:rPr lang="en-US" smtClean="0"/>
               <a:pPr/>
-              <a:t>7/5/2013</a:t>
+              <a:t>1/4/2014</a:t>
             </a:fld>
             <a:endParaRPr lang="en-US"/>
           </a:p>
@@ -1993,8 +1993,8 @@
         </p:nvSpPr>
         <p:spPr>
           <a:xfrm>
-            <a:off x="3321632" y="6356352"/>
-            <a:ext cx="3078586" cy="365125"/>
+            <a:off x="3321632" y="7203866"/>
+            <a:ext cx="3078586" cy="413808"/>
           </a:xfrm>
           <a:prstGeom prst="rect">
             <a:avLst/>
@@ -2020,8 +2020,8 @@
         </p:nvSpPr>
         <p:spPr>
           <a:xfrm>
-            <a:off x="6967327" y="6356352"/>
-            <a:ext cx="2268432" cy="365125"/>
+            <a:off x="6967327" y="7203866"/>
+            <a:ext cx="2268432" cy="413808"/>
           </a:xfrm>
           <a:prstGeom prst="rect">
             <a:avLst/>
@@ -2077,8 +2077,8 @@
         </p:nvSpPr>
         <p:spPr>
           <a:xfrm>
-            <a:off x="486093" y="274638"/>
-            <a:ext cx="8749665" cy="1143000"/>
+            <a:off x="486094" y="311256"/>
+            <a:ext cx="8749665" cy="1295400"/>
           </a:xfrm>
           <a:prstGeom prst="rect">
             <a:avLst/>
@@ -2112,8 +2112,8 @@
         </p:nvSpPr>
         <p:spPr>
           <a:xfrm>
-            <a:off x="486093" y="1535113"/>
-            <a:ext cx="4295505" cy="639762"/>
+            <a:off x="486094" y="1739795"/>
+            <a:ext cx="4295505" cy="725064"/>
           </a:xfrm>
           <a:prstGeom prst="rect">
             <a:avLst/>
@@ -2180,8 +2180,8 @@
         </p:nvSpPr>
         <p:spPr>
           <a:xfrm>
-            <a:off x="486093" y="2174875"/>
-            <a:ext cx="4295505" cy="3951288"/>
+            <a:off x="486094" y="2464859"/>
+            <a:ext cx="4295505" cy="4478126"/>
           </a:xfrm>
           <a:prstGeom prst="rect">
             <a:avLst/>
@@ -2268,8 +2268,8 @@
         </p:nvSpPr>
         <p:spPr>
           <a:xfrm>
-            <a:off x="4938565" y="1535113"/>
-            <a:ext cx="4297193" cy="639762"/>
+            <a:off x="4938566" y="1739795"/>
+            <a:ext cx="4297193" cy="725064"/>
           </a:xfrm>
           <a:prstGeom prst="rect">
             <a:avLst/>
@@ -2336,8 +2336,8 @@
         </p:nvSpPr>
         <p:spPr>
           <a:xfrm>
-            <a:off x="4938565" y="2174875"/>
-            <a:ext cx="4297193" cy="3951288"/>
+            <a:off x="4938566" y="2464859"/>
+            <a:ext cx="4297193" cy="4478126"/>
           </a:xfrm>
           <a:prstGeom prst="rect">
             <a:avLst/>
@@ -2424,8 +2424,8 @@
         </p:nvSpPr>
         <p:spPr>
           <a:xfrm>
-            <a:off x="486092" y="6356352"/>
-            <a:ext cx="2268432" cy="365125"/>
+            <a:off x="486092" y="7203866"/>
+            <a:ext cx="2268432" cy="413808"/>
           </a:xfrm>
           <a:prstGeom prst="rect">
             <a:avLst/>
@@ -2438,7 +2438,7 @@
             <a:fld id="{1D8BD707-D9CF-40AE-B4C6-C98DA3205C09}" type="datetimeFigureOut">
               <a:rPr lang="en-US" smtClean="0"/>
               <a:pPr/>
-              <a:t>7/5/2013</a:t>
+              <a:t>1/4/2014</a:t>
             </a:fld>
             <a:endParaRPr lang="en-US"/>
           </a:p>
@@ -2456,8 +2456,8 @@
         </p:nvSpPr>
         <p:spPr>
           <a:xfrm>
-            <a:off x="3321632" y="6356352"/>
-            <a:ext cx="3078586" cy="365125"/>
+            <a:off x="3321632" y="7203866"/>
+            <a:ext cx="3078586" cy="413808"/>
           </a:xfrm>
           <a:prstGeom prst="rect">
             <a:avLst/>
@@ -2483,8 +2483,8 @@
         </p:nvSpPr>
         <p:spPr>
           <a:xfrm>
-            <a:off x="6967327" y="6356352"/>
-            <a:ext cx="2268432" cy="365125"/>
+            <a:off x="6967327" y="7203866"/>
+            <a:ext cx="2268432" cy="413808"/>
           </a:xfrm>
           <a:prstGeom prst="rect">
             <a:avLst/>
@@ -2540,8 +2540,8 @@
         </p:nvSpPr>
         <p:spPr>
           <a:xfrm>
-            <a:off x="486093" y="274638"/>
-            <a:ext cx="8749665" cy="1143000"/>
+            <a:off x="486094" y="311256"/>
+            <a:ext cx="8749665" cy="1295400"/>
           </a:xfrm>
           <a:prstGeom prst="rect">
             <a:avLst/>
@@ -2571,8 +2571,8 @@
         </p:nvSpPr>
         <p:spPr>
           <a:xfrm>
-            <a:off x="486092" y="6356352"/>
-            <a:ext cx="2268432" cy="365125"/>
+            <a:off x="486092" y="7203866"/>
+            <a:ext cx="2268432" cy="413808"/>
           </a:xfrm>
           <a:prstGeom prst="rect">
             <a:avLst/>
@@ -2585,7 +2585,7 @@
             <a:fld id="{1D8BD707-D9CF-40AE-B4C6-C98DA3205C09}" type="datetimeFigureOut">
               <a:rPr lang="en-US" smtClean="0"/>
               <a:pPr/>
-              <a:t>7/5/2013</a:t>
+              <a:t>1/4/2014</a:t>
             </a:fld>
             <a:endParaRPr lang="en-US"/>
           </a:p>
@@ -2603,8 +2603,8 @@
         </p:nvSpPr>
         <p:spPr>
           <a:xfrm>
-            <a:off x="3321632" y="6356352"/>
-            <a:ext cx="3078586" cy="365125"/>
+            <a:off x="3321632" y="7203866"/>
+            <a:ext cx="3078586" cy="413808"/>
           </a:xfrm>
           <a:prstGeom prst="rect">
             <a:avLst/>
@@ -2630,8 +2630,8 @@
         </p:nvSpPr>
         <p:spPr>
           <a:xfrm>
-            <a:off x="6967327" y="6356352"/>
-            <a:ext cx="2268432" cy="365125"/>
+            <a:off x="6967327" y="7203866"/>
+            <a:ext cx="2268432" cy="413808"/>
           </a:xfrm>
           <a:prstGeom prst="rect">
             <a:avLst/>
@@ -2687,8 +2687,8 @@
         </p:nvSpPr>
         <p:spPr>
           <a:xfrm>
-            <a:off x="486092" y="6356352"/>
-            <a:ext cx="2268432" cy="365125"/>
+            <a:off x="486092" y="7203866"/>
+            <a:ext cx="2268432" cy="413808"/>
           </a:xfrm>
           <a:prstGeom prst="rect">
             <a:avLst/>
@@ -2701,7 +2701,7 @@
             <a:fld id="{1D8BD707-D9CF-40AE-B4C6-C98DA3205C09}" type="datetimeFigureOut">
               <a:rPr lang="en-US" smtClean="0"/>
               <a:pPr/>
-              <a:t>7/5/2013</a:t>
+              <a:t>1/4/2014</a:t>
             </a:fld>
             <a:endParaRPr lang="en-US"/>
           </a:p>
@@ -2719,8 +2719,8 @@
         </p:nvSpPr>
         <p:spPr>
           <a:xfrm>
-            <a:off x="3321632" y="6356352"/>
-            <a:ext cx="3078586" cy="365125"/>
+            <a:off x="3321632" y="7203866"/>
+            <a:ext cx="3078586" cy="413808"/>
           </a:xfrm>
           <a:prstGeom prst="rect">
             <a:avLst/>
@@ -2746,8 +2746,8 @@
         </p:nvSpPr>
         <p:spPr>
           <a:xfrm>
-            <a:off x="6967327" y="6356352"/>
-            <a:ext cx="2268432" cy="365125"/>
+            <a:off x="6967327" y="7203866"/>
+            <a:ext cx="2268432" cy="413808"/>
           </a:xfrm>
           <a:prstGeom prst="rect">
             <a:avLst/>
@@ -2803,8 +2803,8 @@
         </p:nvSpPr>
         <p:spPr>
           <a:xfrm>
-            <a:off x="486093" y="273050"/>
-            <a:ext cx="3198422" cy="1162050"/>
+            <a:off x="486093" y="309457"/>
+            <a:ext cx="3198422" cy="1316990"/>
           </a:xfrm>
           <a:prstGeom prst="rect">
             <a:avLst/>
@@ -2838,8 +2838,8 @@
         </p:nvSpPr>
         <p:spPr>
           <a:xfrm>
-            <a:off x="3800974" y="273052"/>
-            <a:ext cx="5434784" cy="5853113"/>
+            <a:off x="3800974" y="309460"/>
+            <a:ext cx="5434784" cy="6633528"/>
           </a:xfrm>
           <a:prstGeom prst="rect">
             <a:avLst/>
@@ -2926,8 +2926,8 @@
         </p:nvSpPr>
         <p:spPr>
           <a:xfrm>
-            <a:off x="486093" y="1435102"/>
-            <a:ext cx="3198422" cy="4691063"/>
+            <a:off x="486093" y="1626450"/>
+            <a:ext cx="3198422" cy="5316538"/>
           </a:xfrm>
           <a:prstGeom prst="rect">
             <a:avLst/>
@@ -2994,8 +2994,8 @@
         </p:nvSpPr>
         <p:spPr>
           <a:xfrm>
-            <a:off x="486092" y="6356352"/>
-            <a:ext cx="2268432" cy="365125"/>
+            <a:off x="486092" y="7203866"/>
+            <a:ext cx="2268432" cy="413808"/>
           </a:xfrm>
           <a:prstGeom prst="rect">
             <a:avLst/>
@@ -3008,7 +3008,7 @@
             <a:fld id="{1D8BD707-D9CF-40AE-B4C6-C98DA3205C09}" type="datetimeFigureOut">
               <a:rPr lang="en-US" smtClean="0"/>
               <a:pPr/>
-              <a:t>7/5/2013</a:t>
+              <a:t>1/4/2014</a:t>
             </a:fld>
             <a:endParaRPr lang="en-US"/>
           </a:p>
@@ -3026,8 +3026,8 @@
         </p:nvSpPr>
         <p:spPr>
           <a:xfrm>
-            <a:off x="3321632" y="6356352"/>
-            <a:ext cx="3078586" cy="365125"/>
+            <a:off x="3321632" y="7203866"/>
+            <a:ext cx="3078586" cy="413808"/>
           </a:xfrm>
           <a:prstGeom prst="rect">
             <a:avLst/>
@@ -3053,8 +3053,8 @@
         </p:nvSpPr>
         <p:spPr>
           <a:xfrm>
-            <a:off x="6967327" y="6356352"/>
-            <a:ext cx="2268432" cy="365125"/>
+            <a:off x="6967327" y="7203866"/>
+            <a:ext cx="2268432" cy="413808"/>
           </a:xfrm>
           <a:prstGeom prst="rect">
             <a:avLst/>
@@ -3110,8 +3110,8 @@
         </p:nvSpPr>
         <p:spPr>
           <a:xfrm>
-            <a:off x="1905550" y="4800600"/>
-            <a:ext cx="5833110" cy="566738"/>
+            <a:off x="1905550" y="5440680"/>
+            <a:ext cx="5833110" cy="642303"/>
           </a:xfrm>
           <a:prstGeom prst="rect">
             <a:avLst/>
@@ -3145,8 +3145,8 @@
         </p:nvSpPr>
         <p:spPr>
           <a:xfrm>
-            <a:off x="1905550" y="612775"/>
-            <a:ext cx="5833110" cy="4114800"/>
+            <a:off x="1905550" y="694478"/>
+            <a:ext cx="5833110" cy="4663440"/>
           </a:xfrm>
           <a:prstGeom prst="rect">
             <a:avLst/>
@@ -3209,8 +3209,8 @@
         </p:nvSpPr>
         <p:spPr>
           <a:xfrm>
-            <a:off x="1905550" y="5367338"/>
-            <a:ext cx="5833110" cy="804862"/>
+            <a:off x="1905550" y="6082983"/>
+            <a:ext cx="5833110" cy="912177"/>
           </a:xfrm>
           <a:prstGeom prst="rect">
             <a:avLst/>
@@ -3277,8 +3277,8 @@
         </p:nvSpPr>
         <p:spPr>
           <a:xfrm>
-            <a:off x="486092" y="6356352"/>
-            <a:ext cx="2268432" cy="365125"/>
+            <a:off x="486092" y="7203866"/>
+            <a:ext cx="2268432" cy="413808"/>
           </a:xfrm>
           <a:prstGeom prst="rect">
             <a:avLst/>
@@ -3291,7 +3291,7 @@
             <a:fld id="{1D8BD707-D9CF-40AE-B4C6-C98DA3205C09}" type="datetimeFigureOut">
               <a:rPr lang="en-US" smtClean="0"/>
               <a:pPr/>
-              <a:t>7/5/2013</a:t>
+              <a:t>1/4/2014</a:t>
             </a:fld>
             <a:endParaRPr lang="en-US"/>
           </a:p>
@@ -3309,8 +3309,8 @@
         </p:nvSpPr>
         <p:spPr>
           <a:xfrm>
-            <a:off x="3321632" y="6356352"/>
-            <a:ext cx="3078586" cy="365125"/>
+            <a:off x="3321632" y="7203866"/>
+            <a:ext cx="3078586" cy="413808"/>
           </a:xfrm>
           <a:prstGeom prst="rect">
             <a:avLst/>
@@ -3336,8 +3336,8 @@
         </p:nvSpPr>
         <p:spPr>
           <a:xfrm>
-            <a:off x="6967327" y="6356352"/>
-            <a:ext cx="2268432" cy="365125"/>
+            <a:off x="6967327" y="7203866"/>
+            <a:ext cx="2268432" cy="413808"/>
           </a:xfrm>
           <a:prstGeom prst="rect">
             <a:avLst/>
@@ -3394,8 +3394,8 @@
         </p:nvSpPr>
         <p:spPr>
           <a:xfrm>
-            <a:off x="1127126" y="96725"/>
-            <a:ext cx="8462272" cy="5999276"/>
+            <a:off x="1127126" y="109622"/>
+            <a:ext cx="8462272" cy="6799179"/>
           </a:xfrm>
           <a:prstGeom prst="roundRect">
             <a:avLst>
@@ -3453,8 +3453,8 @@
         </p:nvGrpSpPr>
         <p:grpSpPr>
           <a:xfrm>
-            <a:off x="1279525" y="3124201"/>
-            <a:ext cx="8066825" cy="1387219"/>
+            <a:off x="1279526" y="3540761"/>
+            <a:ext cx="8066825" cy="1572182"/>
             <a:chOff x="-4267200" y="1447800"/>
             <a:chExt cx="5410200" cy="1710584"/>
           </a:xfrm>
@@ -3600,8 +3600,8 @@
         </p:nvGrpSpPr>
         <p:grpSpPr>
           <a:xfrm>
-            <a:off x="1279525" y="405799"/>
-            <a:ext cx="8066825" cy="2476142"/>
+            <a:off x="1279526" y="459906"/>
+            <a:ext cx="8066825" cy="2806294"/>
             <a:chOff x="-4267200" y="1447800"/>
             <a:chExt cx="5410200" cy="2476142"/>
           </a:xfrm>
@@ -3653,6 +3653,7 @@
             <a:bodyPr rtlCol="0" anchor="t" anchorCtr="0"/>
             <a:lstStyle/>
             <a:p>
+              <a:pPr algn="r"/>
               <a:r>
                 <a:rPr lang="en-US" sz="1400" b="1" dirty="0" smtClean="0">
                   <a:solidFill>
@@ -3737,8 +3738,8 @@
         </p:nvGrpSpPr>
         <p:grpSpPr>
           <a:xfrm>
-            <a:off x="1279525" y="4752757"/>
-            <a:ext cx="8066825" cy="1177184"/>
+            <a:off x="1279526" y="5386458"/>
+            <a:ext cx="8066825" cy="1334142"/>
             <a:chOff x="-4267200" y="1447800"/>
             <a:chExt cx="5410200" cy="1177184"/>
           </a:xfrm>
@@ -3884,7 +3885,7 @@
         </p:nvCxnSpPr>
         <p:spPr>
           <a:xfrm>
-            <a:off x="7722804" y="6339393"/>
+            <a:off x="7722805" y="7184645"/>
             <a:ext cx="1424147" cy="0"/>
           </a:xfrm>
           <a:prstGeom prst="straightConnector1">
@@ -3927,8 +3928,8 @@
         </p:nvSpPr>
         <p:spPr>
           <a:xfrm>
-            <a:off x="7615450" y="6505145"/>
-            <a:ext cx="1774548" cy="200457"/>
+            <a:off x="7615450" y="7372498"/>
+            <a:ext cx="1774548" cy="227185"/>
           </a:xfrm>
           <a:prstGeom prst="rect">
             <a:avLst/>
@@ -4258,13 +4259,13 @@
       </p:grpSpPr>
       <p:cxnSp>
         <p:nvCxnSpPr>
-          <p:cNvPr id="140" name="Straight Arrow Connector 139"/>
+          <p:cNvPr id="70" name="Straight Arrow Connector 69"/>
           <p:cNvCxnSpPr/>
           <p:nvPr/>
         </p:nvCxnSpPr>
         <p:spPr>
           <a:xfrm>
-            <a:off x="746446" y="3488564"/>
+            <a:off x="746446" y="4010317"/>
             <a:ext cx="520781" cy="1488"/>
           </a:xfrm>
           <a:prstGeom prst="straightConnector1">
@@ -4295,13 +4296,13 @@
       </p:cxnSp>
       <p:sp>
         <p:nvSpPr>
-          <p:cNvPr id="141" name="Rectangle 140"/>
+          <p:cNvPr id="71" name="Rectangle 70"/>
           <p:cNvSpPr/>
           <p:nvPr/>
         </p:nvSpPr>
         <p:spPr>
           <a:xfrm>
-            <a:off x="3407218" y="3276600"/>
+            <a:off x="3407218" y="3798353"/>
             <a:ext cx="2203409" cy="318459"/>
           </a:xfrm>
           <a:prstGeom prst="rect">
@@ -4339,13 +4340,13 @@
       </p:sp>
       <p:sp>
         <p:nvSpPr>
-          <p:cNvPr id="142" name="Rectangle 141"/>
+          <p:cNvPr id="72" name="Rectangle 71"/>
           <p:cNvSpPr/>
           <p:nvPr/>
         </p:nvSpPr>
         <p:spPr>
           <a:xfrm>
-            <a:off x="7850735" y="3276600"/>
+            <a:off x="7850735" y="3798353"/>
             <a:ext cx="1429790" cy="318459"/>
           </a:xfrm>
           <a:prstGeom prst="rect">
@@ -4383,13 +4384,13 @@
       </p:sp>
       <p:sp>
         <p:nvSpPr>
-          <p:cNvPr id="143" name="Rectangle 142"/>
+          <p:cNvPr id="73" name="Rectangle 72"/>
           <p:cNvSpPr/>
           <p:nvPr/>
         </p:nvSpPr>
         <p:spPr>
           <a:xfrm>
-            <a:off x="4229502" y="5239027"/>
+            <a:off x="4229502" y="6077227"/>
             <a:ext cx="1466850" cy="386114"/>
           </a:xfrm>
           <a:prstGeom prst="rect">
@@ -4427,13 +4428,13 @@
       </p:sp>
       <p:sp>
         <p:nvSpPr>
-          <p:cNvPr id="144" name="Rectangle 143"/>
+          <p:cNvPr id="74" name="Rectangle 73"/>
           <p:cNvSpPr/>
           <p:nvPr/>
         </p:nvSpPr>
         <p:spPr>
           <a:xfrm>
-            <a:off x="1578080" y="5239027"/>
+            <a:off x="1578080" y="6077227"/>
             <a:ext cx="1724025" cy="386114"/>
           </a:xfrm>
           <a:prstGeom prst="rect">
@@ -4471,14 +4472,14 @@
       </p:sp>
       <p:cxnSp>
         <p:nvCxnSpPr>
-          <p:cNvPr id="145" name="Straight Arrow Connector 144"/>
+          <p:cNvPr id="75" name="Straight Arrow Connector 74"/>
           <p:cNvCxnSpPr/>
           <p:nvPr/>
         </p:nvCxnSpPr>
         <p:spPr>
           <a:xfrm flipV="1">
-            <a:off x="3019827" y="4495800"/>
-            <a:ext cx="1" cy="743228"/>
+            <a:off x="3019827" y="5105400"/>
+            <a:ext cx="0" cy="971828"/>
           </a:xfrm>
           <a:prstGeom prst="straightConnector1">
             <a:avLst/>
@@ -4513,13 +4514,13 @@
       </p:cxnSp>
       <p:sp>
         <p:nvSpPr>
-          <p:cNvPr id="146" name="TextBox 145"/>
+          <p:cNvPr id="76" name="TextBox 75"/>
           <p:cNvSpPr txBox="1"/>
           <p:nvPr/>
         </p:nvSpPr>
         <p:spPr>
           <a:xfrm>
-            <a:off x="133752" y="3336164"/>
+            <a:off x="133752" y="3857917"/>
             <a:ext cx="609600" cy="307777"/>
           </a:xfrm>
           <a:prstGeom prst="rect">
@@ -4636,15 +4637,15 @@
       </p:sp>
       <p:cxnSp>
         <p:nvCxnSpPr>
-          <p:cNvPr id="147" name="Straight Arrow Connector 146"/>
+          <p:cNvPr id="77" name="Straight Arrow Connector 76"/>
           <p:cNvCxnSpPr>
-            <a:stCxn id="148" idx="0"/>
+            <a:stCxn id="78" idx="0"/>
           </p:cNvCxnSpPr>
           <p:nvPr/>
         </p:nvCxnSpPr>
         <p:spPr>
           <a:xfrm flipH="1" flipV="1">
-            <a:off x="2654583" y="5929941"/>
+            <a:off x="2654583" y="6768141"/>
             <a:ext cx="1" cy="544082"/>
           </a:xfrm>
           <a:prstGeom prst="straightConnector1">
@@ -4676,13 +4677,13 @@
       </p:cxnSp>
       <p:sp>
         <p:nvSpPr>
-          <p:cNvPr id="148" name="TextBox 147"/>
+          <p:cNvPr id="78" name="TextBox 77"/>
           <p:cNvSpPr txBox="1"/>
           <p:nvPr/>
         </p:nvSpPr>
         <p:spPr>
           <a:xfrm>
-            <a:off x="1746415" y="6474023"/>
+            <a:off x="1746415" y="7312223"/>
             <a:ext cx="1816337" cy="307777"/>
           </a:xfrm>
           <a:prstGeom prst="rect">
@@ -4815,13 +4816,13 @@
       </p:sp>
       <p:sp>
         <p:nvSpPr>
-          <p:cNvPr id="149" name="Rectangle 148"/>
+          <p:cNvPr id="79" name="Rectangle 78"/>
           <p:cNvSpPr/>
           <p:nvPr/>
         </p:nvSpPr>
         <p:spPr>
           <a:xfrm>
-            <a:off x="7184729" y="1191666"/>
+            <a:off x="6690372" y="1173194"/>
             <a:ext cx="1076146" cy="361770"/>
           </a:xfrm>
           <a:prstGeom prst="rect">
@@ -4859,13 +4860,13 @@
       </p:sp>
       <p:sp>
         <p:nvSpPr>
-          <p:cNvPr id="150" name="Rectangle 149"/>
+          <p:cNvPr id="80" name="Rectangle 79"/>
           <p:cNvSpPr/>
           <p:nvPr/>
         </p:nvSpPr>
         <p:spPr>
           <a:xfrm>
-            <a:off x="4013740" y="1219200"/>
+            <a:off x="3519383" y="1542472"/>
             <a:ext cx="1204823" cy="361770"/>
           </a:xfrm>
           <a:prstGeom prst="rect">
@@ -4903,13 +4904,13 @@
       </p:sp>
       <p:cxnSp>
         <p:nvCxnSpPr>
-          <p:cNvPr id="151" name="Straight Arrow Connector 150"/>
+          <p:cNvPr id="81" name="Straight Arrow Connector 80"/>
           <p:cNvCxnSpPr/>
           <p:nvPr/>
         </p:nvCxnSpPr>
         <p:spPr>
           <a:xfrm flipV="1">
-            <a:off x="5010552" y="5625141"/>
+            <a:off x="5010552" y="6463341"/>
             <a:ext cx="1" cy="848882"/>
           </a:xfrm>
           <a:prstGeom prst="straightConnector1">
@@ -4941,13 +4942,13 @@
       </p:cxnSp>
       <p:sp>
         <p:nvSpPr>
-          <p:cNvPr id="152" name="TextBox 151"/>
+          <p:cNvPr id="82" name="TextBox 81"/>
           <p:cNvSpPr txBox="1"/>
           <p:nvPr/>
         </p:nvSpPr>
         <p:spPr>
           <a:xfrm>
-            <a:off x="4019952" y="6384164"/>
+            <a:off x="4019952" y="7222364"/>
             <a:ext cx="1816337" cy="307777"/>
           </a:xfrm>
           <a:prstGeom prst="rect">
@@ -5064,13 +5065,13 @@
       </p:sp>
       <p:sp>
         <p:nvSpPr>
-          <p:cNvPr id="153" name="Rectangle 152"/>
+          <p:cNvPr id="83" name="Rectangle 82"/>
           <p:cNvSpPr/>
           <p:nvPr/>
         </p:nvSpPr>
         <p:spPr>
           <a:xfrm>
-            <a:off x="2831697" y="667328"/>
+            <a:off x="2337340" y="990600"/>
             <a:ext cx="1182043" cy="304800"/>
           </a:xfrm>
           <a:prstGeom prst="rect">
@@ -5108,13 +5109,13 @@
       </p:sp>
       <p:sp>
         <p:nvSpPr>
-          <p:cNvPr id="154" name="Rectangle 153"/>
+          <p:cNvPr id="84" name="Rectangle 83"/>
           <p:cNvSpPr/>
           <p:nvPr/>
         </p:nvSpPr>
         <p:spPr>
           <a:xfrm>
-            <a:off x="1385864" y="3673765"/>
+            <a:off x="1385864" y="4195518"/>
             <a:ext cx="1722461" cy="318459"/>
           </a:xfrm>
           <a:prstGeom prst="rect">
@@ -5152,20 +5153,23 @@
       </p:sp>
       <p:cxnSp>
         <p:nvCxnSpPr>
-          <p:cNvPr id="155" name="Elbow Connector 154"/>
+          <p:cNvPr id="85" name="Elbow Connector 84"/>
           <p:cNvCxnSpPr>
-            <a:stCxn id="153" idx="3"/>
-            <a:endCxn id="192" idx="0"/>
+            <a:stCxn id="83" idx="3"/>
+            <a:endCxn id="122" idx="0"/>
           </p:cNvCxnSpPr>
           <p:nvPr/>
         </p:nvCxnSpPr>
         <p:spPr>
-          <a:xfrm>
-            <a:off x="4013740" y="819728"/>
-            <a:ext cx="3357585" cy="220713"/>
-          </a:xfrm>
-          <a:prstGeom prst="bentConnector2">
-            <a:avLst/>
+          <a:xfrm flipV="1">
+            <a:off x="3519383" y="1021969"/>
+            <a:ext cx="3357585" cy="121031"/>
+          </a:xfrm>
+          <a:prstGeom prst="bentConnector4">
+            <a:avLst>
+              <a:gd name="adj1" fmla="val 48928"/>
+              <a:gd name="adj2" fmla="val 314795"/>
+            </a:avLst>
           </a:prstGeom>
           <a:ln w="57150" cmpd="dbl">
             <a:solidFill>
@@ -5195,13 +5199,13 @@
       </p:cxnSp>
       <p:sp>
         <p:nvSpPr>
-          <p:cNvPr id="156" name="Diamond 155"/>
+          <p:cNvPr id="86" name="Diamond 85"/>
           <p:cNvSpPr/>
           <p:nvPr/>
         </p:nvSpPr>
         <p:spPr>
           <a:xfrm>
-            <a:off x="3805480" y="1348413"/>
+            <a:off x="3311123" y="1671685"/>
             <a:ext cx="208260" cy="151078"/>
           </a:xfrm>
           <a:prstGeom prst="diamond">
@@ -5235,16 +5239,16 @@
       </p:sp>
       <p:cxnSp>
         <p:nvCxnSpPr>
-          <p:cNvPr id="157" name="Elbow Connector 156"/>
+          <p:cNvPr id="87" name="Elbow Connector 86"/>
           <p:cNvCxnSpPr>
-            <a:stCxn id="167" idx="0"/>
-            <a:endCxn id="150" idx="3"/>
+            <a:stCxn id="97" idx="0"/>
+            <a:endCxn id="80" idx="3"/>
           </p:cNvCxnSpPr>
           <p:nvPr/>
         </p:nvCxnSpPr>
         <p:spPr>
           <a:xfrm rot="16200000" flipV="1">
-            <a:off x="5316638" y="1302011"/>
+            <a:off x="4822281" y="1625283"/>
             <a:ext cx="276315" cy="472464"/>
           </a:xfrm>
           <a:prstGeom prst="bentConnector2">
@@ -5278,16 +5282,16 @@
       </p:cxnSp>
       <p:cxnSp>
         <p:nvCxnSpPr>
-          <p:cNvPr id="158" name="Elbow Connector 157"/>
+          <p:cNvPr id="88" name="Elbow Connector 87"/>
           <p:cNvCxnSpPr>
-            <a:stCxn id="156" idx="1"/>
-            <a:endCxn id="153" idx="2"/>
+            <a:stCxn id="86" idx="1"/>
+            <a:endCxn id="83" idx="2"/>
           </p:cNvCxnSpPr>
           <p:nvPr/>
         </p:nvCxnSpPr>
         <p:spPr>
           <a:xfrm rot="10800000">
-            <a:off x="3422720" y="972128"/>
+            <a:off x="2928363" y="1295400"/>
             <a:ext cx="382761" cy="451824"/>
           </a:xfrm>
           <a:prstGeom prst="bentConnector2">
@@ -5321,17 +5325,17 @@
       </p:cxnSp>
       <p:cxnSp>
         <p:nvCxnSpPr>
-          <p:cNvPr id="159" name="Elbow Connector 158"/>
+          <p:cNvPr id="89" name="Elbow Connector 88"/>
           <p:cNvCxnSpPr>
-            <a:stCxn id="190" idx="0"/>
-            <a:endCxn id="149" idx="3"/>
+            <a:stCxn id="120" idx="0"/>
+            <a:endCxn id="79" idx="3"/>
           </p:cNvCxnSpPr>
           <p:nvPr/>
         </p:nvCxnSpPr>
         <p:spPr>
           <a:xfrm rot="16200000" flipV="1">
-            <a:off x="8337829" y="1295598"/>
-            <a:ext cx="231849" cy="385755"/>
+            <a:off x="7964027" y="1156571"/>
+            <a:ext cx="573593" cy="968610"/>
           </a:xfrm>
           <a:prstGeom prst="bentConnector2">
             <a:avLst/>
@@ -5366,17 +5370,17 @@
       </p:cxnSp>
       <p:cxnSp>
         <p:nvCxnSpPr>
-          <p:cNvPr id="160" name="Elbow Connector 159"/>
+          <p:cNvPr id="90" name="Elbow Connector 89"/>
           <p:cNvCxnSpPr>
-            <a:stCxn id="168" idx="0"/>
-            <a:endCxn id="149" idx="1"/>
+            <a:stCxn id="98" idx="0"/>
+            <a:endCxn id="79" idx="1"/>
           </p:cNvCxnSpPr>
           <p:nvPr/>
         </p:nvCxnSpPr>
         <p:spPr>
           <a:xfrm rot="5400000" flipH="1" flipV="1">
-            <a:off x="6593619" y="1079560"/>
-            <a:ext cx="298119" cy="884102"/>
+            <a:off x="5928390" y="1231960"/>
+            <a:ext cx="639863" cy="884102"/>
           </a:xfrm>
           <a:prstGeom prst="bentConnector2">
             <a:avLst/>
@@ -5411,13 +5415,13 @@
       </p:cxnSp>
       <p:sp>
         <p:nvSpPr>
-          <p:cNvPr id="161" name="Rectangle 160"/>
+          <p:cNvPr id="91" name="Rectangle 90"/>
           <p:cNvSpPr/>
           <p:nvPr/>
         </p:nvSpPr>
         <p:spPr>
           <a:xfrm>
-            <a:off x="7125009" y="2338749"/>
+            <a:off x="6630652" y="2662021"/>
             <a:ext cx="1204823" cy="361770"/>
           </a:xfrm>
           <a:prstGeom prst="rect">
@@ -5462,17 +5466,17 @@
       </p:sp>
       <p:cxnSp>
         <p:nvCxnSpPr>
-          <p:cNvPr id="162" name="Elbow Connector 161"/>
+          <p:cNvPr id="92" name="Elbow Connector 91"/>
           <p:cNvCxnSpPr>
-            <a:stCxn id="191" idx="2"/>
-            <a:endCxn id="161" idx="3"/>
+            <a:stCxn id="121" idx="2"/>
+            <a:endCxn id="91" idx="3"/>
           </p:cNvCxnSpPr>
           <p:nvPr/>
         </p:nvCxnSpPr>
         <p:spPr>
           <a:xfrm rot="5400000">
-            <a:off x="8357502" y="2231051"/>
-            <a:ext cx="260913" cy="316252"/>
+            <a:off x="8154573" y="2262896"/>
+            <a:ext cx="260913" cy="899107"/>
           </a:xfrm>
           <a:prstGeom prst="bentConnector2">
             <a:avLst/>
@@ -5507,13 +5511,13 @@
       </p:cxnSp>
       <p:sp>
         <p:nvSpPr>
-          <p:cNvPr id="163" name="TextBox 162"/>
+          <p:cNvPr id="93" name="TextBox 92"/>
           <p:cNvSpPr txBox="1"/>
           <p:nvPr/>
         </p:nvSpPr>
         <p:spPr>
           <a:xfrm>
-            <a:off x="6083359" y="1552143"/>
+            <a:off x="5589002" y="1875415"/>
             <a:ext cx="170709" cy="200457"/>
           </a:xfrm>
           <a:prstGeom prst="rect">
@@ -5549,13 +5553,13 @@
       </p:sp>
       <p:sp>
         <p:nvSpPr>
-          <p:cNvPr id="164" name="TextBox 163"/>
+          <p:cNvPr id="94" name="TextBox 93"/>
           <p:cNvSpPr txBox="1"/>
           <p:nvPr/>
         </p:nvSpPr>
         <p:spPr>
           <a:xfrm>
-            <a:off x="7491145" y="941205"/>
+            <a:off x="6996788" y="922733"/>
             <a:ext cx="170709" cy="200457"/>
           </a:xfrm>
           <a:prstGeom prst="rect">
@@ -5587,13 +5591,13 @@
       </p:sp>
       <p:sp>
         <p:nvSpPr>
-          <p:cNvPr id="165" name="Rectangle 164"/>
+          <p:cNvPr id="95" name="Rectangle 94"/>
           <p:cNvSpPr/>
           <p:nvPr/>
         </p:nvSpPr>
         <p:spPr>
           <a:xfrm>
-            <a:off x="5880569" y="3281414"/>
+            <a:off x="5880569" y="3803167"/>
             <a:ext cx="1723556" cy="318459"/>
           </a:xfrm>
           <a:prstGeom prst="rect">
@@ -5631,13 +5635,13 @@
       </p:sp>
       <p:sp>
         <p:nvSpPr>
-          <p:cNvPr id="166" name="Rectangle 165"/>
+          <p:cNvPr id="96" name="Rectangle 95"/>
           <p:cNvSpPr/>
           <p:nvPr/>
         </p:nvSpPr>
         <p:spPr>
           <a:xfrm>
-            <a:off x="5394325" y="1828800"/>
+            <a:off x="4899968" y="2152072"/>
             <a:ext cx="1219199" cy="361770"/>
           </a:xfrm>
           <a:prstGeom prst="rect">
@@ -5675,13 +5679,13 @@
       </p:sp>
       <p:sp>
         <p:nvSpPr>
-          <p:cNvPr id="167" name="Diamond 166"/>
+          <p:cNvPr id="97" name="Diamond 96"/>
           <p:cNvSpPr/>
           <p:nvPr/>
         </p:nvSpPr>
         <p:spPr>
           <a:xfrm>
-            <a:off x="5619027" y="1676400"/>
+            <a:off x="5124670" y="1999672"/>
             <a:ext cx="144000" cy="144000"/>
           </a:xfrm>
           <a:prstGeom prst="diamond">
@@ -5715,13 +5719,13 @@
       </p:sp>
       <p:sp>
         <p:nvSpPr>
-          <p:cNvPr id="168" name="Diamond 167"/>
+          <p:cNvPr id="98" name="Diamond 97"/>
           <p:cNvSpPr/>
           <p:nvPr/>
         </p:nvSpPr>
         <p:spPr>
           <a:xfrm>
-            <a:off x="6228627" y="1670670"/>
+            <a:off x="5734270" y="1993942"/>
             <a:ext cx="144000" cy="144000"/>
           </a:xfrm>
           <a:prstGeom prst="diamond">
@@ -5755,15 +5759,15 @@
       </p:sp>
       <p:cxnSp>
         <p:nvCxnSpPr>
-          <p:cNvPr id="169" name="Elbow Connector 168"/>
+          <p:cNvPr id="99" name="Elbow Connector 98"/>
           <p:cNvCxnSpPr>
-            <a:stCxn id="171" idx="2"/>
+            <a:stCxn id="101" idx="2"/>
           </p:cNvCxnSpPr>
           <p:nvPr/>
         </p:nvCxnSpPr>
         <p:spPr>
           <a:xfrm rot="16200000" flipH="1">
-            <a:off x="6574012" y="2059170"/>
+            <a:off x="6079655" y="2382442"/>
             <a:ext cx="253684" cy="848310"/>
           </a:xfrm>
           <a:prstGeom prst="bentConnector2">
@@ -5799,13 +5803,13 @@
       </p:cxnSp>
       <p:sp>
         <p:nvSpPr>
-          <p:cNvPr id="170" name="Rectangle 169"/>
+          <p:cNvPr id="100" name="Rectangle 99"/>
           <p:cNvSpPr/>
           <p:nvPr/>
         </p:nvSpPr>
         <p:spPr>
           <a:xfrm>
-            <a:off x="8039681" y="1752951"/>
+            <a:off x="8128179" y="2076223"/>
             <a:ext cx="1076146" cy="361770"/>
           </a:xfrm>
           <a:prstGeom prst="rect">
@@ -5843,13 +5847,13 @@
       </p:sp>
       <p:sp>
         <p:nvSpPr>
-          <p:cNvPr id="171" name="Diamond 170"/>
+          <p:cNvPr id="101" name="Diamond 100"/>
           <p:cNvSpPr/>
           <p:nvPr/>
         </p:nvSpPr>
         <p:spPr>
           <a:xfrm>
-            <a:off x="6204699" y="2212483"/>
+            <a:off x="5710342" y="2535755"/>
             <a:ext cx="144000" cy="144000"/>
           </a:xfrm>
           <a:prstGeom prst="diamond">
@@ -5883,13 +5887,13 @@
       </p:sp>
       <p:sp>
         <p:nvSpPr>
-          <p:cNvPr id="172" name="TextBox 171"/>
+          <p:cNvPr id="102" name="TextBox 101"/>
           <p:cNvSpPr txBox="1"/>
           <p:nvPr/>
         </p:nvSpPr>
         <p:spPr>
           <a:xfrm>
-            <a:off x="6352406" y="2369400"/>
+            <a:off x="5858049" y="2692672"/>
             <a:ext cx="170709" cy="200457"/>
           </a:xfrm>
           <a:prstGeom prst="rect">
@@ -5925,13 +5929,13 @@
       </p:sp>
       <p:sp>
         <p:nvSpPr>
-          <p:cNvPr id="173" name="TextBox 172"/>
+          <p:cNvPr id="103" name="TextBox 102"/>
           <p:cNvSpPr txBox="1"/>
           <p:nvPr/>
         </p:nvSpPr>
         <p:spPr>
           <a:xfrm>
-            <a:off x="8761395" y="1477897"/>
+            <a:off x="8267038" y="1801169"/>
             <a:ext cx="170709" cy="200457"/>
           </a:xfrm>
           <a:prstGeom prst="rect">
@@ -5967,13 +5971,13 @@
       </p:sp>
       <p:sp>
         <p:nvSpPr>
-          <p:cNvPr id="174" name="TextBox 173"/>
+          <p:cNvPr id="104" name="TextBox 103"/>
           <p:cNvSpPr txBox="1"/>
           <p:nvPr/>
         </p:nvSpPr>
         <p:spPr>
           <a:xfrm>
-            <a:off x="8447288" y="2138292"/>
+            <a:off x="8535786" y="2461564"/>
             <a:ext cx="170709" cy="200457"/>
           </a:xfrm>
           <a:prstGeom prst="rect">
@@ -6009,13 +6013,13 @@
       </p:sp>
       <p:sp>
         <p:nvSpPr>
-          <p:cNvPr id="175" name="Rectangle 174"/>
+          <p:cNvPr id="105" name="Rectangle 104"/>
           <p:cNvSpPr/>
           <p:nvPr/>
         </p:nvSpPr>
         <p:spPr>
           <a:xfrm>
-            <a:off x="7853065" y="3656594"/>
+            <a:off x="7853065" y="4178347"/>
             <a:ext cx="1427459" cy="318459"/>
           </a:xfrm>
           <a:prstGeom prst="rect">
@@ -6053,13 +6057,13 @@
       </p:sp>
       <p:sp>
         <p:nvSpPr>
-          <p:cNvPr id="176" name="Rectangle 175"/>
+          <p:cNvPr id="106" name="Rectangle 105"/>
           <p:cNvSpPr/>
           <p:nvPr/>
         </p:nvSpPr>
         <p:spPr>
           <a:xfrm>
-            <a:off x="7853065" y="4036588"/>
+            <a:off x="7853065" y="4558341"/>
             <a:ext cx="1427459" cy="318459"/>
           </a:xfrm>
           <a:prstGeom prst="rect">
@@ -6097,13 +6101,13 @@
       </p:sp>
       <p:sp>
         <p:nvSpPr>
-          <p:cNvPr id="177" name="Rectangle 176"/>
+          <p:cNvPr id="107" name="Rectangle 106"/>
           <p:cNvSpPr/>
           <p:nvPr/>
         </p:nvSpPr>
         <p:spPr>
           <a:xfrm>
-            <a:off x="4013740" y="2338749"/>
+            <a:off x="3519383" y="2662021"/>
             <a:ext cx="1204823" cy="461539"/>
           </a:xfrm>
           <a:prstGeom prst="rect">
@@ -6148,13 +6152,13 @@
       </p:sp>
       <p:sp>
         <p:nvSpPr>
-          <p:cNvPr id="178" name="Rectangle 177"/>
+          <p:cNvPr id="108" name="Rectangle 107"/>
           <p:cNvSpPr/>
           <p:nvPr/>
         </p:nvSpPr>
         <p:spPr>
           <a:xfrm>
-            <a:off x="2993082" y="1752600"/>
+            <a:off x="2498725" y="2075872"/>
             <a:ext cx="1182043" cy="446919"/>
           </a:xfrm>
           <a:prstGeom prst="rect">
@@ -6199,13 +6203,13 @@
       </p:sp>
       <p:sp>
         <p:nvSpPr>
-          <p:cNvPr id="179" name="Diamond 178"/>
+          <p:cNvPr id="109" name="Diamond 108"/>
           <p:cNvSpPr/>
           <p:nvPr/>
         </p:nvSpPr>
         <p:spPr>
           <a:xfrm>
-            <a:off x="3805480" y="2567731"/>
+            <a:off x="3311123" y="2891003"/>
             <a:ext cx="208260" cy="151078"/>
           </a:xfrm>
           <a:prstGeom prst="diamond">
@@ -6239,16 +6243,16 @@
       </p:sp>
       <p:cxnSp>
         <p:nvCxnSpPr>
-          <p:cNvPr id="180" name="Elbow Connector 179"/>
+          <p:cNvPr id="110" name="Elbow Connector 109"/>
           <p:cNvCxnSpPr>
-            <a:stCxn id="182" idx="2"/>
-            <a:endCxn id="177" idx="3"/>
+            <a:stCxn id="112" idx="2"/>
+            <a:endCxn id="107" idx="3"/>
           </p:cNvCxnSpPr>
           <p:nvPr/>
         </p:nvCxnSpPr>
         <p:spPr>
           <a:xfrm rot="5400000">
-            <a:off x="5346744" y="2225235"/>
+            <a:off x="4852387" y="2548507"/>
             <a:ext cx="216103" cy="472464"/>
           </a:xfrm>
           <a:prstGeom prst="bentConnector2">
@@ -6284,16 +6288,16 @@
       </p:cxnSp>
       <p:cxnSp>
         <p:nvCxnSpPr>
-          <p:cNvPr id="181" name="Elbow Connector 180"/>
+          <p:cNvPr id="111" name="Elbow Connector 110"/>
           <p:cNvCxnSpPr>
-            <a:stCxn id="179" idx="1"/>
-            <a:endCxn id="178" idx="2"/>
+            <a:stCxn id="109" idx="1"/>
+            <a:endCxn id="108" idx="2"/>
           </p:cNvCxnSpPr>
           <p:nvPr/>
         </p:nvCxnSpPr>
         <p:spPr>
           <a:xfrm rot="10800000">
-            <a:off x="3584104" y="2199520"/>
+            <a:off x="3089747" y="2522792"/>
             <a:ext cx="221376" cy="443751"/>
           </a:xfrm>
           <a:prstGeom prst="bentConnector2">
@@ -6329,13 +6333,13 @@
       </p:cxnSp>
       <p:sp>
         <p:nvSpPr>
-          <p:cNvPr id="182" name="Diamond 181"/>
+          <p:cNvPr id="112" name="Diamond 111"/>
           <p:cNvSpPr/>
           <p:nvPr/>
         </p:nvSpPr>
         <p:spPr>
           <a:xfrm>
-            <a:off x="5619027" y="2209416"/>
+            <a:off x="5124670" y="2532688"/>
             <a:ext cx="144000" cy="144000"/>
           </a:xfrm>
           <a:prstGeom prst="diamond">
@@ -6369,13 +6373,13 @@
       </p:sp>
       <p:sp>
         <p:nvSpPr>
-          <p:cNvPr id="183" name="Rectangle 182"/>
+          <p:cNvPr id="113" name="Rectangle 112"/>
           <p:cNvSpPr/>
           <p:nvPr/>
         </p:nvSpPr>
         <p:spPr>
           <a:xfrm>
-            <a:off x="1926282" y="1219200"/>
+            <a:off x="1431925" y="1542472"/>
             <a:ext cx="1182043" cy="446919"/>
           </a:xfrm>
           <a:prstGeom prst="rect">
@@ -6420,13 +6424,13 @@
       </p:sp>
       <p:sp>
         <p:nvSpPr>
-          <p:cNvPr id="184" name="Diamond 183"/>
+          <p:cNvPr id="114" name="Diamond 113"/>
           <p:cNvSpPr/>
           <p:nvPr/>
         </p:nvSpPr>
         <p:spPr>
           <a:xfrm>
-            <a:off x="2755033" y="1958131"/>
+            <a:off x="2260676" y="2281403"/>
             <a:ext cx="208260" cy="151078"/>
           </a:xfrm>
           <a:prstGeom prst="diamond">
@@ -6460,16 +6464,16 @@
       </p:sp>
       <p:cxnSp>
         <p:nvCxnSpPr>
-          <p:cNvPr id="185" name="Elbow Connector 184"/>
+          <p:cNvPr id="115" name="Elbow Connector 114"/>
           <p:cNvCxnSpPr>
-            <a:stCxn id="184" idx="1"/>
-            <a:endCxn id="183" idx="2"/>
+            <a:stCxn id="114" idx="1"/>
+            <a:endCxn id="113" idx="2"/>
           </p:cNvCxnSpPr>
           <p:nvPr/>
         </p:nvCxnSpPr>
         <p:spPr>
           <a:xfrm rot="10800000">
-            <a:off x="2517305" y="1666120"/>
+            <a:off x="2022948" y="1989392"/>
             <a:ext cx="237729" cy="367551"/>
           </a:xfrm>
           <a:prstGeom prst="bentConnector2">
@@ -6505,13 +6509,13 @@
       </p:cxnSp>
       <p:sp>
         <p:nvSpPr>
-          <p:cNvPr id="186" name="Rectangle 185"/>
+          <p:cNvPr id="116" name="Rectangle 115"/>
           <p:cNvSpPr/>
           <p:nvPr/>
         </p:nvSpPr>
         <p:spPr>
           <a:xfrm>
-            <a:off x="1397697" y="3276600"/>
+            <a:off x="1397697" y="3798353"/>
             <a:ext cx="1704080" cy="318459"/>
           </a:xfrm>
           <a:prstGeom prst="rect">
@@ -6549,13 +6553,13 @@
       </p:sp>
       <p:sp>
         <p:nvSpPr>
-          <p:cNvPr id="187" name="Rectangle 186"/>
+          <p:cNvPr id="117" name="Rectangle 116"/>
           <p:cNvSpPr/>
           <p:nvPr/>
         </p:nvSpPr>
         <p:spPr>
           <a:xfrm>
-            <a:off x="3407218" y="3649767"/>
+            <a:off x="3407218" y="4171520"/>
             <a:ext cx="2203409" cy="318459"/>
           </a:xfrm>
           <a:prstGeom prst="rect">
@@ -6593,13 +6597,13 @@
       </p:sp>
       <p:sp>
         <p:nvSpPr>
-          <p:cNvPr id="188" name="Rectangle 187"/>
+          <p:cNvPr id="118" name="Rectangle 117"/>
           <p:cNvSpPr/>
           <p:nvPr/>
         </p:nvSpPr>
         <p:spPr>
           <a:xfrm>
-            <a:off x="3407218" y="4024941"/>
+            <a:off x="3407218" y="4546694"/>
             <a:ext cx="2203409" cy="318459"/>
           </a:xfrm>
           <a:prstGeom prst="rect">
@@ -6637,13 +6641,13 @@
       </p:sp>
       <p:cxnSp>
         <p:nvCxnSpPr>
-          <p:cNvPr id="189" name="Straight Arrow Connector 188"/>
+          <p:cNvPr id="119" name="Straight Arrow Connector 118"/>
           <p:cNvCxnSpPr/>
           <p:nvPr/>
         </p:nvCxnSpPr>
         <p:spPr>
           <a:xfrm>
-            <a:off x="3019827" y="2867892"/>
+            <a:off x="3019827" y="3276600"/>
             <a:ext cx="0" cy="323572"/>
           </a:xfrm>
           <a:prstGeom prst="straightConnector1">
@@ -6679,13 +6683,13 @@
       </p:cxnSp>
       <p:sp>
         <p:nvSpPr>
-          <p:cNvPr id="190" name="Diamond 189"/>
+          <p:cNvPr id="120" name="Diamond 119"/>
           <p:cNvSpPr/>
           <p:nvPr/>
         </p:nvSpPr>
         <p:spPr>
           <a:xfrm>
-            <a:off x="8574630" y="1604400"/>
+            <a:off x="8663128" y="1927672"/>
             <a:ext cx="144000" cy="144000"/>
           </a:xfrm>
           <a:prstGeom prst="diamond">
@@ -6719,13 +6723,13 @@
       </p:sp>
       <p:sp>
         <p:nvSpPr>
-          <p:cNvPr id="191" name="Diamond 190"/>
+          <p:cNvPr id="121" name="Diamond 120"/>
           <p:cNvSpPr/>
           <p:nvPr/>
         </p:nvSpPr>
         <p:spPr>
           <a:xfrm>
-            <a:off x="8574084" y="2114721"/>
+            <a:off x="8662582" y="2437993"/>
             <a:ext cx="144000" cy="144000"/>
           </a:xfrm>
           <a:prstGeom prst="diamond">
@@ -6759,13 +6763,13 @@
       </p:sp>
       <p:sp>
         <p:nvSpPr>
-          <p:cNvPr id="192" name="Diamond 191"/>
+          <p:cNvPr id="122" name="Diamond 121"/>
           <p:cNvSpPr/>
           <p:nvPr/>
         </p:nvSpPr>
         <p:spPr>
           <a:xfrm>
-            <a:off x="7299325" y="1040441"/>
+            <a:off x="6804968" y="1021969"/>
             <a:ext cx="144000" cy="144000"/>
           </a:xfrm>
           <a:prstGeom prst="diamond">
@@ -6799,13 +6803,13 @@
       </p:sp>
       <p:sp>
         <p:nvSpPr>
-          <p:cNvPr id="193" name="TextBox 192"/>
+          <p:cNvPr id="123" name="TextBox 122"/>
           <p:cNvSpPr txBox="1"/>
           <p:nvPr/>
         </p:nvSpPr>
         <p:spPr>
           <a:xfrm>
-            <a:off x="8098432" y="932872"/>
+            <a:off x="7604075" y="914400"/>
             <a:ext cx="170709" cy="200457"/>
           </a:xfrm>
           <a:prstGeom prst="rect">
@@ -6841,13 +6845,13 @@
       </p:sp>
       <p:sp>
         <p:nvSpPr>
-          <p:cNvPr id="194" name="Diamond 193"/>
+          <p:cNvPr id="124" name="Diamond 123"/>
           <p:cNvSpPr/>
           <p:nvPr/>
         </p:nvSpPr>
         <p:spPr>
           <a:xfrm>
-            <a:off x="7906612" y="1032108"/>
+            <a:off x="7412255" y="1013636"/>
             <a:ext cx="144000" cy="144000"/>
           </a:xfrm>
           <a:prstGeom prst="diamond">
@@ -6881,21 +6885,21 @@
       </p:sp>
       <p:cxnSp>
         <p:nvCxnSpPr>
-          <p:cNvPr id="195" name="Elbow Connector 194"/>
+          <p:cNvPr id="125" name="Elbow Connector 124"/>
           <p:cNvCxnSpPr>
-            <a:stCxn id="194" idx="0"/>
-            <a:endCxn id="183" idx="0"/>
+            <a:stCxn id="124" idx="0"/>
+            <a:endCxn id="113" idx="0"/>
           </p:cNvCxnSpPr>
           <p:nvPr/>
         </p:nvCxnSpPr>
         <p:spPr>
           <a:xfrm rot="16200000" flipH="1" flipV="1">
-            <a:off x="5154412" y="-1605000"/>
-            <a:ext cx="187092" cy="5461308"/>
+            <a:off x="4489183" y="-1452600"/>
+            <a:ext cx="528836" cy="5461308"/>
           </a:xfrm>
           <a:prstGeom prst="bentConnector3">
             <a:avLst>
-              <a:gd name="adj1" fmla="val -245606"/>
+              <a:gd name="adj1" fmla="val -72533"/>
             </a:avLst>
           </a:prstGeom>
           <a:ln w="57150" cmpd="dbl">
@@ -6928,13 +6932,13 @@
       </p:cxnSp>
       <p:sp>
         <p:nvSpPr>
-          <p:cNvPr id="196" name="TextBox 195"/>
+          <p:cNvPr id="126" name="TextBox 125"/>
           <p:cNvSpPr txBox="1"/>
           <p:nvPr/>
         </p:nvSpPr>
         <p:spPr>
           <a:xfrm>
-            <a:off x="5411620" y="1552143"/>
+            <a:off x="4917263" y="1875415"/>
             <a:ext cx="170709" cy="200457"/>
           </a:xfrm>
           <a:prstGeom prst="rect">
@@ -6966,13 +6970,13 @@
       </p:sp>
       <p:sp>
         <p:nvSpPr>
-          <p:cNvPr id="197" name="TextBox 196"/>
+          <p:cNvPr id="127" name="TextBox 126"/>
           <p:cNvSpPr txBox="1"/>
           <p:nvPr/>
         </p:nvSpPr>
         <p:spPr>
           <a:xfrm>
-            <a:off x="5404626" y="2269171"/>
+            <a:off x="4910269" y="2592443"/>
             <a:ext cx="170709" cy="200457"/>
           </a:xfrm>
           <a:prstGeom prst="rect">
@@ -7003,6 +7007,387 @@
                 </a:schemeClr>
               </a:solidFill>
             </a:endParaRPr>
+          </a:p>
+        </p:txBody>
+      </p:sp>
+      <p:sp>
+        <p:nvSpPr>
+          <p:cNvPr id="128" name="Rectangle 127"/>
+          <p:cNvSpPr/>
+          <p:nvPr/>
+        </p:nvSpPr>
+        <p:spPr>
+          <a:xfrm>
+            <a:off x="6624903" y="1981200"/>
+            <a:ext cx="1204823" cy="361770"/>
+          </a:xfrm>
+          <a:prstGeom prst="rect">
+            <a:avLst/>
+          </a:prstGeom>
+          <a:solidFill>
+            <a:schemeClr val="accent3">
+              <a:lumMod val="75000"/>
+            </a:schemeClr>
+          </a:solidFill>
+          <a:ln>
+            <a:solidFill>
+              <a:schemeClr val="accent3">
+                <a:lumMod val="50000"/>
+              </a:schemeClr>
+            </a:solidFill>
+          </a:ln>
+          <a:effectLst/>
+        </p:spPr>
+        <p:style>
+          <a:lnRef idx="2">
+            <a:schemeClr val="accent6">
+              <a:shade val="50000"/>
+            </a:schemeClr>
+          </a:lnRef>
+          <a:fillRef idx="1">
+            <a:schemeClr val="accent6"/>
+          </a:fillRef>
+          <a:effectRef idx="0">
+            <a:schemeClr val="accent6"/>
+          </a:effectRef>
+          <a:fontRef idx="minor">
+            <a:schemeClr val="lt1"/>
+          </a:fontRef>
+        </p:style>
+        <p:txBody>
+          <a:bodyPr rtlCol="0" anchor="ctr"/>
+          <a:lstStyle/>
+          <a:p>
+            <a:pPr algn="ctr"/>
+            <a:r>
+              <a:rPr lang="en-US" sz="1600" b="1" dirty="0"/>
+              <a:t>Comment</a:t>
+            </a:r>
+            <a:endParaRPr lang="en-SG" sz="1600" b="1" dirty="0"/>
+          </a:p>
+        </p:txBody>
+      </p:sp>
+      <p:cxnSp>
+        <p:nvCxnSpPr>
+          <p:cNvPr id="129" name="Elbow Connector 128"/>
+          <p:cNvCxnSpPr>
+            <a:stCxn id="96" idx="3"/>
+            <a:endCxn id="128" idx="1"/>
+          </p:cNvCxnSpPr>
+          <p:nvPr/>
+        </p:nvCxnSpPr>
+        <p:spPr>
+          <a:xfrm flipV="1">
+            <a:off x="6119167" y="2162085"/>
+            <a:ext cx="505736" cy="170872"/>
+          </a:xfrm>
+          <a:prstGeom prst="bentConnector3">
+            <a:avLst>
+              <a:gd name="adj1" fmla="val 50000"/>
+            </a:avLst>
+          </a:prstGeom>
+          <a:ln w="57150" cmpd="dbl">
+            <a:solidFill>
+              <a:schemeClr val="accent3">
+                <a:lumMod val="50000"/>
+              </a:schemeClr>
+            </a:solidFill>
+            <a:prstDash val="solid"/>
+            <a:headEnd type="triangle" w="med" len="med"/>
+            <a:tailEnd type="none" w="med" len="med"/>
+          </a:ln>
+        </p:spPr>
+        <p:style>
+          <a:lnRef idx="2">
+            <a:schemeClr val="accent6">
+              <a:shade val="50000"/>
+            </a:schemeClr>
+          </a:lnRef>
+          <a:fillRef idx="1">
+            <a:schemeClr val="accent6"/>
+          </a:fillRef>
+          <a:effectRef idx="0">
+            <a:schemeClr val="accent6"/>
+          </a:effectRef>
+          <a:fontRef idx="minor">
+            <a:schemeClr val="lt1"/>
+          </a:fontRef>
+        </p:style>
+      </p:cxnSp>
+      <p:cxnSp>
+        <p:nvCxnSpPr>
+          <p:cNvPr id="130" name="Elbow Connector 129"/>
+          <p:cNvCxnSpPr>
+            <a:stCxn id="79" idx="2"/>
+            <a:endCxn id="128" idx="0"/>
+          </p:cNvCxnSpPr>
+          <p:nvPr/>
+        </p:nvCxnSpPr>
+        <p:spPr>
+          <a:xfrm rot="5400000">
+            <a:off x="7004762" y="1757517"/>
+            <a:ext cx="446236" cy="1130"/>
+          </a:xfrm>
+          <a:prstGeom prst="bentConnector3">
+            <a:avLst>
+              <a:gd name="adj1" fmla="val 50000"/>
+            </a:avLst>
+          </a:prstGeom>
+          <a:ln w="57150" cmpd="dbl">
+            <a:solidFill>
+              <a:schemeClr val="accent3">
+                <a:lumMod val="50000"/>
+              </a:schemeClr>
+            </a:solidFill>
+            <a:prstDash val="solid"/>
+            <a:headEnd type="triangle" w="med" len="med"/>
+            <a:tailEnd type="none" w="med" len="med"/>
+          </a:ln>
+        </p:spPr>
+        <p:style>
+          <a:lnRef idx="2">
+            <a:schemeClr val="accent6">
+              <a:shade val="50000"/>
+            </a:schemeClr>
+          </a:lnRef>
+          <a:fillRef idx="1">
+            <a:schemeClr val="accent6"/>
+          </a:fillRef>
+          <a:effectRef idx="0">
+            <a:schemeClr val="accent6"/>
+          </a:effectRef>
+          <a:fontRef idx="minor">
+            <a:schemeClr val="lt1"/>
+          </a:fontRef>
+        </p:style>
+      </p:cxnSp>
+      <p:cxnSp>
+        <p:nvCxnSpPr>
+          <p:cNvPr id="131" name="Elbow Connector 130"/>
+          <p:cNvCxnSpPr>
+            <a:stCxn id="91" idx="0"/>
+            <a:endCxn id="128" idx="2"/>
+          </p:cNvCxnSpPr>
+          <p:nvPr/>
+        </p:nvCxnSpPr>
+        <p:spPr>
+          <a:xfrm rot="16200000" flipV="1">
+            <a:off x="7070665" y="2499621"/>
+            <a:ext cx="319051" cy="5749"/>
+          </a:xfrm>
+          <a:prstGeom prst="bentConnector3">
+            <a:avLst>
+              <a:gd name="adj1" fmla="val 50000"/>
+            </a:avLst>
+          </a:prstGeom>
+          <a:ln w="57150" cmpd="dbl">
+            <a:solidFill>
+              <a:schemeClr val="accent3">
+                <a:lumMod val="50000"/>
+              </a:schemeClr>
+            </a:solidFill>
+            <a:prstDash val="solid"/>
+            <a:headEnd type="triangle" w="med" len="med"/>
+            <a:tailEnd type="none" w="med" len="med"/>
+          </a:ln>
+        </p:spPr>
+        <p:style>
+          <a:lnRef idx="2">
+            <a:schemeClr val="accent6">
+              <a:shade val="50000"/>
+            </a:schemeClr>
+          </a:lnRef>
+          <a:fillRef idx="1">
+            <a:schemeClr val="accent6"/>
+          </a:fillRef>
+          <a:effectRef idx="0">
+            <a:schemeClr val="accent6"/>
+          </a:effectRef>
+          <a:fontRef idx="minor">
+            <a:schemeClr val="lt1"/>
+          </a:fontRef>
+        </p:style>
+      </p:cxnSp>
+      <p:sp>
+        <p:nvSpPr>
+          <p:cNvPr id="134" name="TextBox 133"/>
+          <p:cNvSpPr txBox="1"/>
+          <p:nvPr/>
+        </p:nvSpPr>
+        <p:spPr>
+          <a:xfrm>
+            <a:off x="7381766" y="1565992"/>
+            <a:ext cx="170709" cy="200457"/>
+          </a:xfrm>
+          <a:prstGeom prst="rect">
+            <a:avLst/>
+          </a:prstGeom>
+          <a:noFill/>
+        </p:spPr>
+        <p:txBody>
+          <a:bodyPr wrap="square" lIns="0" tIns="0" rIns="0" bIns="0" rtlCol="0" anchor="ctr" anchorCtr="0">
+            <a:noAutofit/>
+          </a:bodyPr>
+          <a:lstStyle/>
+          <a:p>
+            <a:r>
+              <a:rPr lang="en-US" sz="1600" dirty="0">
+                <a:solidFill>
+                  <a:schemeClr val="accent3">
+                    <a:lumMod val="50000"/>
+                  </a:schemeClr>
+                </a:solidFill>
+              </a:rPr>
+              <a:t>1</a:t>
+            </a:r>
+            <a:endParaRPr lang="en-SG" sz="1600" dirty="0">
+              <a:solidFill>
+                <a:schemeClr val="accent3">
+                  <a:lumMod val="50000"/>
+                </a:schemeClr>
+              </a:solidFill>
+            </a:endParaRPr>
+          </a:p>
+        </p:txBody>
+      </p:sp>
+      <p:sp>
+        <p:nvSpPr>
+          <p:cNvPr id="135" name="TextBox 134"/>
+          <p:cNvSpPr txBox="1"/>
+          <p:nvPr/>
+        </p:nvSpPr>
+        <p:spPr>
+          <a:xfrm>
+            <a:off x="6969871" y="2422563"/>
+            <a:ext cx="170709" cy="200457"/>
+          </a:xfrm>
+          <a:prstGeom prst="rect">
+            <a:avLst/>
+          </a:prstGeom>
+          <a:noFill/>
+        </p:spPr>
+        <p:txBody>
+          <a:bodyPr wrap="square" lIns="0" tIns="0" rIns="0" bIns="0" rtlCol="0" anchor="ctr" anchorCtr="0">
+            <a:noAutofit/>
+          </a:bodyPr>
+          <a:lstStyle/>
+          <a:p>
+            <a:r>
+              <a:rPr lang="en-US" sz="1600" dirty="0">
+                <a:solidFill>
+                  <a:schemeClr val="accent3">
+                    <a:lumMod val="50000"/>
+                  </a:schemeClr>
+                </a:solidFill>
+              </a:rPr>
+              <a:t>1</a:t>
+            </a:r>
+            <a:endParaRPr lang="en-SG" sz="1600" dirty="0">
+              <a:solidFill>
+                <a:schemeClr val="accent3">
+                  <a:lumMod val="50000"/>
+                </a:schemeClr>
+              </a:solidFill>
+            </a:endParaRPr>
+          </a:p>
+        </p:txBody>
+      </p:sp>
+      <p:sp>
+        <p:nvSpPr>
+          <p:cNvPr id="136" name="TextBox 135"/>
+          <p:cNvSpPr txBox="1"/>
+          <p:nvPr/>
+        </p:nvSpPr>
+        <p:spPr>
+          <a:xfrm>
+            <a:off x="6162966" y="2002788"/>
+            <a:ext cx="170709" cy="200457"/>
+          </a:xfrm>
+          <a:prstGeom prst="rect">
+            <a:avLst/>
+          </a:prstGeom>
+          <a:noFill/>
+        </p:spPr>
+        <p:txBody>
+          <a:bodyPr wrap="square" lIns="0" tIns="0" rIns="0" bIns="0" rtlCol="0" anchor="ctr" anchorCtr="0">
+            <a:noAutofit/>
+          </a:bodyPr>
+          <a:lstStyle/>
+          <a:p>
+            <a:r>
+              <a:rPr lang="en-US" sz="1600" dirty="0">
+                <a:solidFill>
+                  <a:schemeClr val="accent3">
+                    <a:lumMod val="50000"/>
+                  </a:schemeClr>
+                </a:solidFill>
+              </a:rPr>
+              <a:t>1</a:t>
+            </a:r>
+            <a:endParaRPr lang="en-SG" sz="1600" dirty="0">
+              <a:solidFill>
+                <a:schemeClr val="accent3">
+                  <a:lumMod val="50000"/>
+                </a:schemeClr>
+              </a:solidFill>
+            </a:endParaRPr>
+          </a:p>
+        </p:txBody>
+      </p:sp>
+      <p:sp>
+        <p:nvSpPr>
+          <p:cNvPr id="137" name="Rectangle 136"/>
+          <p:cNvSpPr/>
+          <p:nvPr/>
+        </p:nvSpPr>
+        <p:spPr>
+          <a:xfrm>
+            <a:off x="5880569" y="4247761"/>
+            <a:ext cx="1723556" cy="318459"/>
+          </a:xfrm>
+          <a:prstGeom prst="rect">
+            <a:avLst/>
+          </a:prstGeom>
+          <a:solidFill>
+            <a:schemeClr val="accent3">
+              <a:lumMod val="75000"/>
+            </a:schemeClr>
+          </a:solidFill>
+          <a:ln>
+            <a:solidFill>
+              <a:schemeClr val="accent3">
+                <a:lumMod val="50000"/>
+              </a:schemeClr>
+            </a:solidFill>
+          </a:ln>
+          <a:effectLst/>
+        </p:spPr>
+        <p:style>
+          <a:lnRef idx="2">
+            <a:schemeClr val="accent6">
+              <a:shade val="50000"/>
+            </a:schemeClr>
+          </a:lnRef>
+          <a:fillRef idx="1">
+            <a:schemeClr val="accent6"/>
+          </a:fillRef>
+          <a:effectRef idx="0">
+            <a:schemeClr val="accent6"/>
+          </a:effectRef>
+          <a:fontRef idx="minor">
+            <a:schemeClr val="lt1"/>
+          </a:fontRef>
+        </p:style>
+        <p:txBody>
+          <a:bodyPr rtlCol="0" anchor="ctr"/>
+          <a:lstStyle/>
+          <a:p>
+            <a:pPr algn="ctr"/>
+            <a:r>
+              <a:rPr lang="en-US" sz="1600" b="1" dirty="0" err="1"/>
+              <a:t>CommentsDb</a:t>
+            </a:r>
+            <a:endParaRPr lang="en-SG" sz="1600" b="1" dirty="0"/>
           </a:p>
         </p:txBody>
       </p:sp>
